--- a/PCIS.pptx
+++ b/PCIS.pptx
@@ -5,7 +5,7 @@
     <p:sldMasterId id="2147483648" r:id="rId1"/>
   </p:sldMasterIdLst>
   <p:notesMasterIdLst>
-    <p:notesMasterId r:id="rId9"/>
+    <p:notesMasterId r:id="rId16"/>
   </p:notesMasterIdLst>
   <p:sldIdLst>
     <p:sldId id="256" r:id="rId2"/>
@@ -13,8 +13,15 @@
     <p:sldId id="258" r:id="rId4"/>
     <p:sldId id="259" r:id="rId5"/>
     <p:sldId id="260" r:id="rId6"/>
-    <p:sldId id="261" r:id="rId7"/>
-    <p:sldId id="262" r:id="rId8"/>
+    <p:sldId id="262" r:id="rId7"/>
+    <p:sldId id="263" r:id="rId8"/>
+    <p:sldId id="266" r:id="rId9"/>
+    <p:sldId id="270" r:id="rId10"/>
+    <p:sldId id="264" r:id="rId11"/>
+    <p:sldId id="265" r:id="rId12"/>
+    <p:sldId id="267" r:id="rId13"/>
+    <p:sldId id="268" r:id="rId14"/>
+    <p:sldId id="269" r:id="rId15"/>
   </p:sldIdLst>
   <p:sldSz cx="9144000" cy="6858000" type="screen4x3"/>
   <p:notesSz cx="6858000" cy="9144000"/>
@@ -198,7 +205,7 @@
           <a:p>
             <a:fld id="{2BE61294-0FEC-4BAA-9ABC-F98AB02C8CFE}" type="datetimeFigureOut">
               <a:rPr lang="en-US" smtClean="0"/>
-              <a:t>9/30/2014</a:t>
+              <a:t>10/13/2014</a:t>
             </a:fld>
             <a:endParaRPr lang="en-US"/>
           </a:p>
@@ -573,6 +580,434 @@
 </p:notes>
 </file>
 
+<file path=ppt/notesSlides/notesSlide10.xml><?xml version="1.0" encoding="utf-8"?>
+<p:notes xmlns:a="http://schemas.openxmlformats.org/drawingml/2006/main" xmlns:r="http://schemas.openxmlformats.org/officeDocument/2006/relationships" xmlns:p="http://schemas.openxmlformats.org/presentationml/2006/main">
+  <p:cSld>
+    <p:spTree>
+      <p:nvGrpSpPr>
+        <p:cNvPr id="1" name=""/>
+        <p:cNvGrpSpPr/>
+        <p:nvPr/>
+      </p:nvGrpSpPr>
+      <p:grpSpPr>
+        <a:xfrm>
+          <a:off x="0" y="0"/>
+          <a:ext cx="0" cy="0"/>
+          <a:chOff x="0" y="0"/>
+          <a:chExt cx="0" cy="0"/>
+        </a:xfrm>
+      </p:grpSpPr>
+      <p:sp>
+        <p:nvSpPr>
+          <p:cNvPr id="2" name="Образ слайда 1"/>
+          <p:cNvSpPr>
+            <a:spLocks noGrp="1" noRot="1" noChangeAspect="1"/>
+          </p:cNvSpPr>
+          <p:nvPr>
+            <p:ph type="sldImg"/>
+          </p:nvPr>
+        </p:nvSpPr>
+        <p:spPr/>
+      </p:sp>
+      <p:sp>
+        <p:nvSpPr>
+          <p:cNvPr id="3" name="Заметки 2"/>
+          <p:cNvSpPr>
+            <a:spLocks noGrp="1"/>
+          </p:cNvSpPr>
+          <p:nvPr>
+            <p:ph type="body" idx="1"/>
+          </p:nvPr>
+        </p:nvSpPr>
+        <p:spPr/>
+        <p:txBody>
+          <a:bodyPr/>
+          <a:lstStyle/>
+          <a:p>
+            <a:pPr marL="0" marR="0" indent="0" algn="l" defTabSz="914400" rtl="0" eaLnBrk="1" fontAlgn="auto" latinLnBrk="0" hangingPunct="1">
+              <a:lnSpc>
+                <a:spcPct val="100000"/>
+              </a:lnSpc>
+              <a:spcBef>
+                <a:spcPts val="0"/>
+              </a:spcBef>
+              <a:spcAft>
+                <a:spcPts val="0"/>
+              </a:spcAft>
+              <a:buClrTx/>
+              <a:buSzTx/>
+              <a:buFontTx/>
+              <a:buNone/>
+              <a:tabLst/>
+              <a:defRPr/>
+            </a:pPr>
+            <a:r>
+              <a:rPr lang="pt-PT" dirty="0" smtClean="0"/>
+              <a:t>Sumariar o que vamos apresentar</a:t>
+            </a:r>
+          </a:p>
+          <a:p>
+            <a:endParaRPr lang="en-US" dirty="0"/>
+          </a:p>
+        </p:txBody>
+      </p:sp>
+      <p:sp>
+        <p:nvSpPr>
+          <p:cNvPr id="4" name="Номер слайда 3"/>
+          <p:cNvSpPr>
+            <a:spLocks noGrp="1"/>
+          </p:cNvSpPr>
+          <p:nvPr>
+            <p:ph type="sldNum" sz="quarter" idx="10"/>
+          </p:nvPr>
+        </p:nvSpPr>
+        <p:spPr/>
+        <p:txBody>
+          <a:bodyPr/>
+          <a:lstStyle/>
+          <a:p>
+            <a:fld id="{7A2EE716-F720-4933-B8B4-0978798F2054}" type="slidenum">
+              <a:rPr lang="en-US" smtClean="0"/>
+              <a:t>11</a:t>
+            </a:fld>
+            <a:endParaRPr lang="en-US"/>
+          </a:p>
+        </p:txBody>
+      </p:sp>
+    </p:spTree>
+    <p:extLst>
+      <p:ext uri="{BB962C8B-B14F-4D97-AF65-F5344CB8AC3E}">
+        <p14:creationId xmlns:p14="http://schemas.microsoft.com/office/powerpoint/2010/main" val="3003926396"/>
+      </p:ext>
+    </p:extLst>
+  </p:cSld>
+  <p:clrMapOvr>
+    <a:masterClrMapping/>
+  </p:clrMapOvr>
+</p:notes>
+</file>
+
+<file path=ppt/notesSlides/notesSlide11.xml><?xml version="1.0" encoding="utf-8"?>
+<p:notes xmlns:a="http://schemas.openxmlformats.org/drawingml/2006/main" xmlns:r="http://schemas.openxmlformats.org/officeDocument/2006/relationships" xmlns:p="http://schemas.openxmlformats.org/presentationml/2006/main">
+  <p:cSld>
+    <p:spTree>
+      <p:nvGrpSpPr>
+        <p:cNvPr id="1" name=""/>
+        <p:cNvGrpSpPr/>
+        <p:nvPr/>
+      </p:nvGrpSpPr>
+      <p:grpSpPr>
+        <a:xfrm>
+          <a:off x="0" y="0"/>
+          <a:ext cx="0" cy="0"/>
+          <a:chOff x="0" y="0"/>
+          <a:chExt cx="0" cy="0"/>
+        </a:xfrm>
+      </p:grpSpPr>
+      <p:sp>
+        <p:nvSpPr>
+          <p:cNvPr id="2" name="Образ слайда 1"/>
+          <p:cNvSpPr>
+            <a:spLocks noGrp="1" noRot="1" noChangeAspect="1"/>
+          </p:cNvSpPr>
+          <p:nvPr>
+            <p:ph type="sldImg"/>
+          </p:nvPr>
+        </p:nvSpPr>
+        <p:spPr/>
+      </p:sp>
+      <p:sp>
+        <p:nvSpPr>
+          <p:cNvPr id="3" name="Заметки 2"/>
+          <p:cNvSpPr>
+            <a:spLocks noGrp="1"/>
+          </p:cNvSpPr>
+          <p:nvPr>
+            <p:ph type="body" idx="1"/>
+          </p:nvPr>
+        </p:nvSpPr>
+        <p:spPr/>
+        <p:txBody>
+          <a:bodyPr/>
+          <a:lstStyle/>
+          <a:p>
+            <a:pPr marL="0" marR="0" indent="0" algn="l" defTabSz="914400" rtl="0" eaLnBrk="1" fontAlgn="auto" latinLnBrk="0" hangingPunct="1">
+              <a:lnSpc>
+                <a:spcPct val="100000"/>
+              </a:lnSpc>
+              <a:spcBef>
+                <a:spcPts val="0"/>
+              </a:spcBef>
+              <a:spcAft>
+                <a:spcPts val="0"/>
+              </a:spcAft>
+              <a:buClrTx/>
+              <a:buSzTx/>
+              <a:buFontTx/>
+              <a:buNone/>
+              <a:tabLst/>
+              <a:defRPr/>
+            </a:pPr>
+            <a:r>
+              <a:rPr lang="pt-PT" dirty="0" smtClean="0"/>
+              <a:t>Sumariar o que vamos apresentar</a:t>
+            </a:r>
+          </a:p>
+          <a:p>
+            <a:endParaRPr lang="en-US" dirty="0"/>
+          </a:p>
+        </p:txBody>
+      </p:sp>
+      <p:sp>
+        <p:nvSpPr>
+          <p:cNvPr id="4" name="Номер слайда 3"/>
+          <p:cNvSpPr>
+            <a:spLocks noGrp="1"/>
+          </p:cNvSpPr>
+          <p:nvPr>
+            <p:ph type="sldNum" sz="quarter" idx="10"/>
+          </p:nvPr>
+        </p:nvSpPr>
+        <p:spPr/>
+        <p:txBody>
+          <a:bodyPr/>
+          <a:lstStyle/>
+          <a:p>
+            <a:fld id="{7A2EE716-F720-4933-B8B4-0978798F2054}" type="slidenum">
+              <a:rPr lang="en-US" smtClean="0"/>
+              <a:t>12</a:t>
+            </a:fld>
+            <a:endParaRPr lang="en-US"/>
+          </a:p>
+        </p:txBody>
+      </p:sp>
+    </p:spTree>
+    <p:extLst>
+      <p:ext uri="{BB962C8B-B14F-4D97-AF65-F5344CB8AC3E}">
+        <p14:creationId xmlns:p14="http://schemas.microsoft.com/office/powerpoint/2010/main" val="3003926396"/>
+      </p:ext>
+    </p:extLst>
+  </p:cSld>
+  <p:clrMapOvr>
+    <a:masterClrMapping/>
+  </p:clrMapOvr>
+</p:notes>
+</file>
+
+<file path=ppt/notesSlides/notesSlide12.xml><?xml version="1.0" encoding="utf-8"?>
+<p:notes xmlns:a="http://schemas.openxmlformats.org/drawingml/2006/main" xmlns:r="http://schemas.openxmlformats.org/officeDocument/2006/relationships" xmlns:p="http://schemas.openxmlformats.org/presentationml/2006/main">
+  <p:cSld>
+    <p:spTree>
+      <p:nvGrpSpPr>
+        <p:cNvPr id="1" name=""/>
+        <p:cNvGrpSpPr/>
+        <p:nvPr/>
+      </p:nvGrpSpPr>
+      <p:grpSpPr>
+        <a:xfrm>
+          <a:off x="0" y="0"/>
+          <a:ext cx="0" cy="0"/>
+          <a:chOff x="0" y="0"/>
+          <a:chExt cx="0" cy="0"/>
+        </a:xfrm>
+      </p:grpSpPr>
+      <p:sp>
+        <p:nvSpPr>
+          <p:cNvPr id="2" name="Образ слайда 1"/>
+          <p:cNvSpPr>
+            <a:spLocks noGrp="1" noRot="1" noChangeAspect="1"/>
+          </p:cNvSpPr>
+          <p:nvPr>
+            <p:ph type="sldImg"/>
+          </p:nvPr>
+        </p:nvSpPr>
+        <p:spPr/>
+      </p:sp>
+      <p:sp>
+        <p:nvSpPr>
+          <p:cNvPr id="3" name="Заметки 2"/>
+          <p:cNvSpPr>
+            <a:spLocks noGrp="1"/>
+          </p:cNvSpPr>
+          <p:nvPr>
+            <p:ph type="body" idx="1"/>
+          </p:nvPr>
+        </p:nvSpPr>
+        <p:spPr/>
+        <p:txBody>
+          <a:bodyPr/>
+          <a:lstStyle/>
+          <a:p>
+            <a:pPr marL="0" marR="0" indent="0" algn="l" defTabSz="914400" rtl="0" eaLnBrk="1" fontAlgn="auto" latinLnBrk="0" hangingPunct="1">
+              <a:lnSpc>
+                <a:spcPct val="100000"/>
+              </a:lnSpc>
+              <a:spcBef>
+                <a:spcPts val="0"/>
+              </a:spcBef>
+              <a:spcAft>
+                <a:spcPts val="0"/>
+              </a:spcAft>
+              <a:buClrTx/>
+              <a:buSzTx/>
+              <a:buFontTx/>
+              <a:buNone/>
+              <a:tabLst/>
+              <a:defRPr/>
+            </a:pPr>
+            <a:r>
+              <a:rPr lang="pt-PT" dirty="0" smtClean="0"/>
+              <a:t>Sumariar o que vamos apresentar</a:t>
+            </a:r>
+          </a:p>
+          <a:p>
+            <a:endParaRPr lang="en-US" dirty="0"/>
+          </a:p>
+        </p:txBody>
+      </p:sp>
+      <p:sp>
+        <p:nvSpPr>
+          <p:cNvPr id="4" name="Номер слайда 3"/>
+          <p:cNvSpPr>
+            <a:spLocks noGrp="1"/>
+          </p:cNvSpPr>
+          <p:nvPr>
+            <p:ph type="sldNum" sz="quarter" idx="10"/>
+          </p:nvPr>
+        </p:nvSpPr>
+        <p:spPr/>
+        <p:txBody>
+          <a:bodyPr/>
+          <a:lstStyle/>
+          <a:p>
+            <a:fld id="{7A2EE716-F720-4933-B8B4-0978798F2054}" type="slidenum">
+              <a:rPr lang="en-US" smtClean="0"/>
+              <a:t>13</a:t>
+            </a:fld>
+            <a:endParaRPr lang="en-US"/>
+          </a:p>
+        </p:txBody>
+      </p:sp>
+    </p:spTree>
+    <p:extLst>
+      <p:ext uri="{BB962C8B-B14F-4D97-AF65-F5344CB8AC3E}">
+        <p14:creationId xmlns:p14="http://schemas.microsoft.com/office/powerpoint/2010/main" val="3003926396"/>
+      </p:ext>
+    </p:extLst>
+  </p:cSld>
+  <p:clrMapOvr>
+    <a:masterClrMapping/>
+  </p:clrMapOvr>
+</p:notes>
+</file>
+
+<file path=ppt/notesSlides/notesSlide13.xml><?xml version="1.0" encoding="utf-8"?>
+<p:notes xmlns:a="http://schemas.openxmlformats.org/drawingml/2006/main" xmlns:r="http://schemas.openxmlformats.org/officeDocument/2006/relationships" xmlns:p="http://schemas.openxmlformats.org/presentationml/2006/main">
+  <p:cSld>
+    <p:spTree>
+      <p:nvGrpSpPr>
+        <p:cNvPr id="1" name=""/>
+        <p:cNvGrpSpPr/>
+        <p:nvPr/>
+      </p:nvGrpSpPr>
+      <p:grpSpPr>
+        <a:xfrm>
+          <a:off x="0" y="0"/>
+          <a:ext cx="0" cy="0"/>
+          <a:chOff x="0" y="0"/>
+          <a:chExt cx="0" cy="0"/>
+        </a:xfrm>
+      </p:grpSpPr>
+      <p:sp>
+        <p:nvSpPr>
+          <p:cNvPr id="2" name="Образ слайда 1"/>
+          <p:cNvSpPr>
+            <a:spLocks noGrp="1" noRot="1" noChangeAspect="1"/>
+          </p:cNvSpPr>
+          <p:nvPr>
+            <p:ph type="sldImg"/>
+          </p:nvPr>
+        </p:nvSpPr>
+        <p:spPr/>
+      </p:sp>
+      <p:sp>
+        <p:nvSpPr>
+          <p:cNvPr id="3" name="Заметки 2"/>
+          <p:cNvSpPr>
+            <a:spLocks noGrp="1"/>
+          </p:cNvSpPr>
+          <p:nvPr>
+            <p:ph type="body" idx="1"/>
+          </p:nvPr>
+        </p:nvSpPr>
+        <p:spPr/>
+        <p:txBody>
+          <a:bodyPr/>
+          <a:lstStyle/>
+          <a:p>
+            <a:pPr marL="0" marR="0" indent="0" algn="l" defTabSz="914400" rtl="0" eaLnBrk="1" fontAlgn="auto" latinLnBrk="0" hangingPunct="1">
+              <a:lnSpc>
+                <a:spcPct val="100000"/>
+              </a:lnSpc>
+              <a:spcBef>
+                <a:spcPts val="0"/>
+              </a:spcBef>
+              <a:spcAft>
+                <a:spcPts val="0"/>
+              </a:spcAft>
+              <a:buClrTx/>
+              <a:buSzTx/>
+              <a:buFontTx/>
+              <a:buNone/>
+              <a:tabLst/>
+              <a:defRPr/>
+            </a:pPr>
+            <a:r>
+              <a:rPr lang="pt-PT" dirty="0" smtClean="0"/>
+              <a:t>Sumariar o que vamos apresentar</a:t>
+            </a:r>
+          </a:p>
+          <a:p>
+            <a:endParaRPr lang="en-US" dirty="0"/>
+          </a:p>
+        </p:txBody>
+      </p:sp>
+      <p:sp>
+        <p:nvSpPr>
+          <p:cNvPr id="4" name="Номер слайда 3"/>
+          <p:cNvSpPr>
+            <a:spLocks noGrp="1"/>
+          </p:cNvSpPr>
+          <p:nvPr>
+            <p:ph type="sldNum" sz="quarter" idx="10"/>
+          </p:nvPr>
+        </p:nvSpPr>
+        <p:spPr/>
+        <p:txBody>
+          <a:bodyPr/>
+          <a:lstStyle/>
+          <a:p>
+            <a:fld id="{7A2EE716-F720-4933-B8B4-0978798F2054}" type="slidenum">
+              <a:rPr lang="en-US" smtClean="0"/>
+              <a:t>14</a:t>
+            </a:fld>
+            <a:endParaRPr lang="en-US"/>
+          </a:p>
+        </p:txBody>
+      </p:sp>
+    </p:spTree>
+    <p:extLst>
+      <p:ext uri="{BB962C8B-B14F-4D97-AF65-F5344CB8AC3E}">
+        <p14:creationId xmlns:p14="http://schemas.microsoft.com/office/powerpoint/2010/main" val="3003926396"/>
+      </p:ext>
+    </p:extLst>
+  </p:cSld>
+  <p:clrMapOvr>
+    <a:masterClrMapping/>
+  </p:clrMapOvr>
+</p:notes>
+</file>
+
 <file path=ppt/notesSlides/notesSlide2.xml><?xml version="1.0" encoding="utf-8"?>
 <p:notes xmlns:a="http://schemas.openxmlformats.org/drawingml/2006/main" xmlns:r="http://schemas.openxmlformats.org/officeDocument/2006/relationships" xmlns:p="http://schemas.openxmlformats.org/presentationml/2006/main">
   <p:cSld>
@@ -1090,6 +1525,327 @@
             <a:fld id="{7A2EE716-F720-4933-B8B4-0978798F2054}" type="slidenum">
               <a:rPr lang="en-US" smtClean="0"/>
               <a:t>7</a:t>
+            </a:fld>
+            <a:endParaRPr lang="en-US"/>
+          </a:p>
+        </p:txBody>
+      </p:sp>
+    </p:spTree>
+    <p:extLst>
+      <p:ext uri="{BB962C8B-B14F-4D97-AF65-F5344CB8AC3E}">
+        <p14:creationId xmlns:p14="http://schemas.microsoft.com/office/powerpoint/2010/main" val="3003926396"/>
+      </p:ext>
+    </p:extLst>
+  </p:cSld>
+  <p:clrMapOvr>
+    <a:masterClrMapping/>
+  </p:clrMapOvr>
+</p:notes>
+</file>
+
+<file path=ppt/notesSlides/notesSlide7.xml><?xml version="1.0" encoding="utf-8"?>
+<p:notes xmlns:a="http://schemas.openxmlformats.org/drawingml/2006/main" xmlns:r="http://schemas.openxmlformats.org/officeDocument/2006/relationships" xmlns:p="http://schemas.openxmlformats.org/presentationml/2006/main">
+  <p:cSld>
+    <p:spTree>
+      <p:nvGrpSpPr>
+        <p:cNvPr id="1" name=""/>
+        <p:cNvGrpSpPr/>
+        <p:nvPr/>
+      </p:nvGrpSpPr>
+      <p:grpSpPr>
+        <a:xfrm>
+          <a:off x="0" y="0"/>
+          <a:ext cx="0" cy="0"/>
+          <a:chOff x="0" y="0"/>
+          <a:chExt cx="0" cy="0"/>
+        </a:xfrm>
+      </p:grpSpPr>
+      <p:sp>
+        <p:nvSpPr>
+          <p:cNvPr id="2" name="Образ слайда 1"/>
+          <p:cNvSpPr>
+            <a:spLocks noGrp="1" noRot="1" noChangeAspect="1"/>
+          </p:cNvSpPr>
+          <p:nvPr>
+            <p:ph type="sldImg"/>
+          </p:nvPr>
+        </p:nvSpPr>
+        <p:spPr/>
+      </p:sp>
+      <p:sp>
+        <p:nvSpPr>
+          <p:cNvPr id="3" name="Заметки 2"/>
+          <p:cNvSpPr>
+            <a:spLocks noGrp="1"/>
+          </p:cNvSpPr>
+          <p:nvPr>
+            <p:ph type="body" idx="1"/>
+          </p:nvPr>
+        </p:nvSpPr>
+        <p:spPr/>
+        <p:txBody>
+          <a:bodyPr/>
+          <a:lstStyle/>
+          <a:p>
+            <a:pPr marL="0" marR="0" indent="0" algn="l" defTabSz="914400" rtl="0" eaLnBrk="1" fontAlgn="auto" latinLnBrk="0" hangingPunct="1">
+              <a:lnSpc>
+                <a:spcPct val="100000"/>
+              </a:lnSpc>
+              <a:spcBef>
+                <a:spcPts val="0"/>
+              </a:spcBef>
+              <a:spcAft>
+                <a:spcPts val="0"/>
+              </a:spcAft>
+              <a:buClrTx/>
+              <a:buSzTx/>
+              <a:buFontTx/>
+              <a:buNone/>
+              <a:tabLst/>
+              <a:defRPr/>
+            </a:pPr>
+            <a:r>
+              <a:rPr lang="pt-PT" dirty="0" smtClean="0"/>
+              <a:t>Sumariar o que vamos apresentar</a:t>
+            </a:r>
+          </a:p>
+          <a:p>
+            <a:endParaRPr lang="en-US" dirty="0"/>
+          </a:p>
+        </p:txBody>
+      </p:sp>
+      <p:sp>
+        <p:nvSpPr>
+          <p:cNvPr id="4" name="Номер слайда 3"/>
+          <p:cNvSpPr>
+            <a:spLocks noGrp="1"/>
+          </p:cNvSpPr>
+          <p:nvPr>
+            <p:ph type="sldNum" sz="quarter" idx="10"/>
+          </p:nvPr>
+        </p:nvSpPr>
+        <p:spPr/>
+        <p:txBody>
+          <a:bodyPr/>
+          <a:lstStyle/>
+          <a:p>
+            <a:fld id="{7A2EE716-F720-4933-B8B4-0978798F2054}" type="slidenum">
+              <a:rPr lang="en-US" smtClean="0"/>
+              <a:t>8</a:t>
+            </a:fld>
+            <a:endParaRPr lang="en-US"/>
+          </a:p>
+        </p:txBody>
+      </p:sp>
+    </p:spTree>
+    <p:extLst>
+      <p:ext uri="{BB962C8B-B14F-4D97-AF65-F5344CB8AC3E}">
+        <p14:creationId xmlns:p14="http://schemas.microsoft.com/office/powerpoint/2010/main" val="3003926396"/>
+      </p:ext>
+    </p:extLst>
+  </p:cSld>
+  <p:clrMapOvr>
+    <a:masterClrMapping/>
+  </p:clrMapOvr>
+</p:notes>
+</file>
+
+<file path=ppt/notesSlides/notesSlide8.xml><?xml version="1.0" encoding="utf-8"?>
+<p:notes xmlns:a="http://schemas.openxmlformats.org/drawingml/2006/main" xmlns:r="http://schemas.openxmlformats.org/officeDocument/2006/relationships" xmlns:p="http://schemas.openxmlformats.org/presentationml/2006/main">
+  <p:cSld>
+    <p:spTree>
+      <p:nvGrpSpPr>
+        <p:cNvPr id="1" name=""/>
+        <p:cNvGrpSpPr/>
+        <p:nvPr/>
+      </p:nvGrpSpPr>
+      <p:grpSpPr>
+        <a:xfrm>
+          <a:off x="0" y="0"/>
+          <a:ext cx="0" cy="0"/>
+          <a:chOff x="0" y="0"/>
+          <a:chExt cx="0" cy="0"/>
+        </a:xfrm>
+      </p:grpSpPr>
+      <p:sp>
+        <p:nvSpPr>
+          <p:cNvPr id="2" name="Образ слайда 1"/>
+          <p:cNvSpPr>
+            <a:spLocks noGrp="1" noRot="1" noChangeAspect="1"/>
+          </p:cNvSpPr>
+          <p:nvPr>
+            <p:ph type="sldImg"/>
+          </p:nvPr>
+        </p:nvSpPr>
+        <p:spPr/>
+      </p:sp>
+      <p:sp>
+        <p:nvSpPr>
+          <p:cNvPr id="3" name="Заметки 2"/>
+          <p:cNvSpPr>
+            <a:spLocks noGrp="1"/>
+          </p:cNvSpPr>
+          <p:nvPr>
+            <p:ph type="body" idx="1"/>
+          </p:nvPr>
+        </p:nvSpPr>
+        <p:spPr/>
+        <p:txBody>
+          <a:bodyPr/>
+          <a:lstStyle/>
+          <a:p>
+            <a:pPr marL="0" marR="0" indent="0" algn="l" defTabSz="914400" rtl="0" eaLnBrk="1" fontAlgn="auto" latinLnBrk="0" hangingPunct="1">
+              <a:lnSpc>
+                <a:spcPct val="100000"/>
+              </a:lnSpc>
+              <a:spcBef>
+                <a:spcPts val="0"/>
+              </a:spcBef>
+              <a:spcAft>
+                <a:spcPts val="0"/>
+              </a:spcAft>
+              <a:buClrTx/>
+              <a:buSzTx/>
+              <a:buFontTx/>
+              <a:buNone/>
+              <a:tabLst/>
+              <a:defRPr/>
+            </a:pPr>
+            <a:r>
+              <a:rPr lang="pt-PT" dirty="0" smtClean="0"/>
+              <a:t>Sumariar o que vamos apresentar</a:t>
+            </a:r>
+          </a:p>
+          <a:p>
+            <a:endParaRPr lang="en-US" dirty="0"/>
+          </a:p>
+        </p:txBody>
+      </p:sp>
+      <p:sp>
+        <p:nvSpPr>
+          <p:cNvPr id="4" name="Номер слайда 3"/>
+          <p:cNvSpPr>
+            <a:spLocks noGrp="1"/>
+          </p:cNvSpPr>
+          <p:nvPr>
+            <p:ph type="sldNum" sz="quarter" idx="10"/>
+          </p:nvPr>
+        </p:nvSpPr>
+        <p:spPr/>
+        <p:txBody>
+          <a:bodyPr/>
+          <a:lstStyle/>
+          <a:p>
+            <a:fld id="{7A2EE716-F720-4933-B8B4-0978798F2054}" type="slidenum">
+              <a:rPr lang="en-US" smtClean="0"/>
+              <a:t>9</a:t>
+            </a:fld>
+            <a:endParaRPr lang="en-US"/>
+          </a:p>
+        </p:txBody>
+      </p:sp>
+    </p:spTree>
+    <p:extLst>
+      <p:ext uri="{BB962C8B-B14F-4D97-AF65-F5344CB8AC3E}">
+        <p14:creationId xmlns:p14="http://schemas.microsoft.com/office/powerpoint/2010/main" val="3003926396"/>
+      </p:ext>
+    </p:extLst>
+  </p:cSld>
+  <p:clrMapOvr>
+    <a:masterClrMapping/>
+  </p:clrMapOvr>
+</p:notes>
+</file>
+
+<file path=ppt/notesSlides/notesSlide9.xml><?xml version="1.0" encoding="utf-8"?>
+<p:notes xmlns:a="http://schemas.openxmlformats.org/drawingml/2006/main" xmlns:r="http://schemas.openxmlformats.org/officeDocument/2006/relationships" xmlns:p="http://schemas.openxmlformats.org/presentationml/2006/main">
+  <p:cSld>
+    <p:spTree>
+      <p:nvGrpSpPr>
+        <p:cNvPr id="1" name=""/>
+        <p:cNvGrpSpPr/>
+        <p:nvPr/>
+      </p:nvGrpSpPr>
+      <p:grpSpPr>
+        <a:xfrm>
+          <a:off x="0" y="0"/>
+          <a:ext cx="0" cy="0"/>
+          <a:chOff x="0" y="0"/>
+          <a:chExt cx="0" cy="0"/>
+        </a:xfrm>
+      </p:grpSpPr>
+      <p:sp>
+        <p:nvSpPr>
+          <p:cNvPr id="2" name="Образ слайда 1"/>
+          <p:cNvSpPr>
+            <a:spLocks noGrp="1" noRot="1" noChangeAspect="1"/>
+          </p:cNvSpPr>
+          <p:nvPr>
+            <p:ph type="sldImg"/>
+          </p:nvPr>
+        </p:nvSpPr>
+        <p:spPr/>
+      </p:sp>
+      <p:sp>
+        <p:nvSpPr>
+          <p:cNvPr id="3" name="Заметки 2"/>
+          <p:cNvSpPr>
+            <a:spLocks noGrp="1"/>
+          </p:cNvSpPr>
+          <p:nvPr>
+            <p:ph type="body" idx="1"/>
+          </p:nvPr>
+        </p:nvSpPr>
+        <p:spPr/>
+        <p:txBody>
+          <a:bodyPr/>
+          <a:lstStyle/>
+          <a:p>
+            <a:pPr marL="0" marR="0" indent="0" algn="l" defTabSz="914400" rtl="0" eaLnBrk="1" fontAlgn="auto" latinLnBrk="0" hangingPunct="1">
+              <a:lnSpc>
+                <a:spcPct val="100000"/>
+              </a:lnSpc>
+              <a:spcBef>
+                <a:spcPts val="0"/>
+              </a:spcBef>
+              <a:spcAft>
+                <a:spcPts val="0"/>
+              </a:spcAft>
+              <a:buClrTx/>
+              <a:buSzTx/>
+              <a:buFontTx/>
+              <a:buNone/>
+              <a:tabLst/>
+              <a:defRPr/>
+            </a:pPr>
+            <a:r>
+              <a:rPr lang="pt-PT" dirty="0" smtClean="0"/>
+              <a:t>Sumariar o que vamos apresentar</a:t>
+            </a:r>
+          </a:p>
+          <a:p>
+            <a:endParaRPr lang="en-US" dirty="0"/>
+          </a:p>
+        </p:txBody>
+      </p:sp>
+      <p:sp>
+        <p:nvSpPr>
+          <p:cNvPr id="4" name="Номер слайда 3"/>
+          <p:cNvSpPr>
+            <a:spLocks noGrp="1"/>
+          </p:cNvSpPr>
+          <p:nvPr>
+            <p:ph type="sldNum" sz="quarter" idx="10"/>
+          </p:nvPr>
+        </p:nvSpPr>
+        <p:spPr/>
+        <p:txBody>
+          <a:bodyPr/>
+          <a:lstStyle/>
+          <a:p>
+            <a:fld id="{7A2EE716-F720-4933-B8B4-0978798F2054}" type="slidenum">
+              <a:rPr lang="en-US" smtClean="0"/>
+              <a:t>10</a:t>
             </a:fld>
             <a:endParaRPr lang="en-US"/>
           </a:p>
@@ -1289,7 +2045,7 @@
           <a:p>
             <a:fld id="{E41C31AC-4C93-4087-BA94-1A6761375DB3}" type="datetimeFigureOut">
               <a:rPr lang="en-US" smtClean="0"/>
-              <a:t>9/30/2014</a:t>
+              <a:t>10/13/2014</a:t>
             </a:fld>
             <a:endParaRPr lang="en-US" dirty="0"/>
           </a:p>
@@ -1459,7 +2215,7 @@
           <a:p>
             <a:fld id="{E41C31AC-4C93-4087-BA94-1A6761375DB3}" type="datetimeFigureOut">
               <a:rPr lang="en-US" smtClean="0"/>
-              <a:t>9/30/2014</a:t>
+              <a:t>10/13/2014</a:t>
             </a:fld>
             <a:endParaRPr lang="en-US" dirty="0"/>
           </a:p>
@@ -1639,7 +2395,7 @@
           <a:p>
             <a:fld id="{E41C31AC-4C93-4087-BA94-1A6761375DB3}" type="datetimeFigureOut">
               <a:rPr lang="en-US" smtClean="0"/>
-              <a:t>9/30/2014</a:t>
+              <a:t>10/13/2014</a:t>
             </a:fld>
             <a:endParaRPr lang="en-US" dirty="0"/>
           </a:p>
@@ -1809,7 +2565,7 @@
           <a:p>
             <a:fld id="{E41C31AC-4C93-4087-BA94-1A6761375DB3}" type="datetimeFigureOut">
               <a:rPr lang="en-US" smtClean="0"/>
-              <a:t>9/30/2014</a:t>
+              <a:t>10/13/2014</a:t>
             </a:fld>
             <a:endParaRPr lang="en-US" dirty="0"/>
           </a:p>
@@ -2055,7 +2811,7 @@
           <a:p>
             <a:fld id="{E41C31AC-4C93-4087-BA94-1A6761375DB3}" type="datetimeFigureOut">
               <a:rPr lang="en-US" smtClean="0"/>
-              <a:t>9/30/2014</a:t>
+              <a:t>10/13/2014</a:t>
             </a:fld>
             <a:endParaRPr lang="en-US" dirty="0"/>
           </a:p>
@@ -2343,7 +3099,7 @@
           <a:p>
             <a:fld id="{E41C31AC-4C93-4087-BA94-1A6761375DB3}" type="datetimeFigureOut">
               <a:rPr lang="en-US" smtClean="0"/>
-              <a:t>9/30/2014</a:t>
+              <a:t>10/13/2014</a:t>
             </a:fld>
             <a:endParaRPr lang="en-US" dirty="0"/>
           </a:p>
@@ -2765,7 +3521,7 @@
           <a:p>
             <a:fld id="{E41C31AC-4C93-4087-BA94-1A6761375DB3}" type="datetimeFigureOut">
               <a:rPr lang="en-US" smtClean="0"/>
-              <a:t>9/30/2014</a:t>
+              <a:t>10/13/2014</a:t>
             </a:fld>
             <a:endParaRPr lang="en-US" dirty="0"/>
           </a:p>
@@ -2883,7 +3639,7 @@
           <a:p>
             <a:fld id="{E41C31AC-4C93-4087-BA94-1A6761375DB3}" type="datetimeFigureOut">
               <a:rPr lang="en-US" smtClean="0"/>
-              <a:t>9/30/2014</a:t>
+              <a:t>10/13/2014</a:t>
             </a:fld>
             <a:endParaRPr lang="en-US" dirty="0"/>
           </a:p>
@@ -2978,7 +3734,7 @@
           <a:p>
             <a:fld id="{E41C31AC-4C93-4087-BA94-1A6761375DB3}" type="datetimeFigureOut">
               <a:rPr lang="en-US" smtClean="0"/>
-              <a:t>9/30/2014</a:t>
+              <a:t>10/13/2014</a:t>
             </a:fld>
             <a:endParaRPr lang="en-US" dirty="0"/>
           </a:p>
@@ -3255,7 +4011,7 @@
           <a:p>
             <a:fld id="{E41C31AC-4C93-4087-BA94-1A6761375DB3}" type="datetimeFigureOut">
               <a:rPr lang="en-US" smtClean="0"/>
-              <a:t>9/30/2014</a:t>
+              <a:t>10/13/2014</a:t>
             </a:fld>
             <a:endParaRPr lang="en-US" dirty="0"/>
           </a:p>
@@ -3508,7 +4264,7 @@
           <a:p>
             <a:fld id="{E41C31AC-4C93-4087-BA94-1A6761375DB3}" type="datetimeFigureOut">
               <a:rPr lang="en-US" smtClean="0"/>
-              <a:t>9/30/2014</a:t>
+              <a:t>10/13/2014</a:t>
             </a:fld>
             <a:endParaRPr lang="en-US" dirty="0"/>
           </a:p>
@@ -3721,7 +4477,7 @@
           <a:p>
             <a:fld id="{E41C31AC-4C93-4087-BA94-1A6761375DB3}" type="datetimeFigureOut">
               <a:rPr lang="en-US" smtClean="0"/>
-              <a:t>9/30/2014</a:t>
+              <a:t>10/13/2014</a:t>
             </a:fld>
             <a:endParaRPr lang="en-US" dirty="0"/>
           </a:p>
@@ -4196,13 +4952,6 @@
                 <a:solidFill>
                   <a:schemeClr val="tx1"/>
                 </a:solidFill>
-                <a:effectLst>
-                  <a:outerShdw blurRad="38100" dist="38100" dir="2700000" algn="tl">
-                    <a:srgbClr val="000000">
-                      <a:alpha val="43137"/>
-                    </a:srgbClr>
-                  </a:outerShdw>
-                </a:effectLst>
               </a:rPr>
               <a:t>Iurie Marcinschi N.º 30156</a:t>
             </a:r>
@@ -4213,13 +4962,6 @@
                 <a:solidFill>
                   <a:schemeClr val="tx1"/>
                 </a:solidFill>
-                <a:effectLst>
-                  <a:outerShdw blurRad="38100" dist="38100" dir="2700000" algn="tl">
-                    <a:srgbClr val="000000">
-                      <a:alpha val="43137"/>
-                    </a:srgbClr>
-                  </a:outerShdw>
-                </a:effectLst>
               </a:rPr>
               <a:t>Pavel Egorov N.º 33368</a:t>
             </a:r>
@@ -4286,6 +5028,1455 @@
     <p:extLst>
       <p:ext uri="{BB962C8B-B14F-4D97-AF65-F5344CB8AC3E}">
         <p14:creationId xmlns:p14="http://schemas.microsoft.com/office/powerpoint/2010/main" val="4044233732"/>
+      </p:ext>
+    </p:extLst>
+  </p:cSld>
+  <p:clrMapOvr>
+    <a:masterClrMapping/>
+  </p:clrMapOvr>
+  <p:timing>
+    <p:tnLst>
+      <p:par>
+        <p:cTn id="1" dur="indefinite" restart="never" nodeType="tmRoot"/>
+      </p:par>
+    </p:tnLst>
+  </p:timing>
+</p:sld>
+</file>
+
+<file path=ppt/slides/slide10.xml><?xml version="1.0" encoding="utf-8"?>
+<p:sld xmlns:a="http://schemas.openxmlformats.org/drawingml/2006/main" xmlns:r="http://schemas.openxmlformats.org/officeDocument/2006/relationships" xmlns:p="http://schemas.openxmlformats.org/presentationml/2006/main">
+  <p:cSld>
+    <p:spTree>
+      <p:nvGrpSpPr>
+        <p:cNvPr id="1" name=""/>
+        <p:cNvGrpSpPr/>
+        <p:nvPr/>
+      </p:nvGrpSpPr>
+      <p:grpSpPr>
+        <a:xfrm>
+          <a:off x="0" y="0"/>
+          <a:ext cx="0" cy="0"/>
+          <a:chOff x="0" y="0"/>
+          <a:chExt cx="0" cy="0"/>
+        </a:xfrm>
+      </p:grpSpPr>
+      <p:sp>
+        <p:nvSpPr>
+          <p:cNvPr id="2" name="Заголовок 1"/>
+          <p:cNvSpPr>
+            <a:spLocks noGrp="1"/>
+          </p:cNvSpPr>
+          <p:nvPr>
+            <p:ph type="ctrTitle"/>
+          </p:nvPr>
+        </p:nvSpPr>
+        <p:spPr>
+          <a:xfrm>
+            <a:off x="755576" y="188640"/>
+            <a:ext cx="7772400" cy="1470025"/>
+          </a:xfrm>
+        </p:spPr>
+        <p:txBody>
+          <a:bodyPr>
+            <a:normAutofit/>
+          </a:bodyPr>
+          <a:lstStyle/>
+          <a:p>
+            <a:r>
+              <a:rPr lang="pt-PT" sz="3000" b="1" dirty="0" smtClean="0">
+                <a:solidFill>
+                  <a:schemeClr val="tx1">
+                    <a:lumMod val="65000"/>
+                    <a:lumOff val="35000"/>
+                  </a:schemeClr>
+                </a:solidFill>
+                <a:effectLst>
+                  <a:outerShdw blurRad="38100" dist="38100" dir="2700000" algn="tl">
+                    <a:srgbClr val="000000">
+                      <a:alpha val="43137"/>
+                    </a:srgbClr>
+                  </a:outerShdw>
+                </a:effectLst>
+                <a:latin typeface="Century Schoolbook (Заголовки)"/>
+              </a:rPr>
+              <a:t>Arquitetura</a:t>
+            </a:r>
+            <a:br>
+              <a:rPr lang="pt-PT" sz="3000" b="1" dirty="0" smtClean="0">
+                <a:solidFill>
+                  <a:schemeClr val="tx1">
+                    <a:lumMod val="65000"/>
+                    <a:lumOff val="35000"/>
+                  </a:schemeClr>
+                </a:solidFill>
+                <a:effectLst>
+                  <a:outerShdw blurRad="38100" dist="38100" dir="2700000" algn="tl">
+                    <a:srgbClr val="000000">
+                      <a:alpha val="43137"/>
+                    </a:srgbClr>
+                  </a:outerShdw>
+                </a:effectLst>
+                <a:latin typeface="Century Schoolbook (Заголовки)"/>
+              </a:rPr>
+            </a:br>
+            <a:r>
+              <a:rPr lang="pt-PT" sz="3200" u="sng" dirty="0"/>
+              <a:t>Componente </a:t>
+            </a:r>
+            <a:r>
+              <a:rPr lang="pt-PT" sz="3200" u="sng" dirty="0" smtClean="0"/>
+              <a:t>Worker</a:t>
+            </a:r>
+            <a:endParaRPr lang="en-US" sz="3000" b="1" dirty="0">
+              <a:solidFill>
+                <a:schemeClr val="tx1">
+                  <a:lumMod val="65000"/>
+                  <a:lumOff val="35000"/>
+                </a:schemeClr>
+              </a:solidFill>
+              <a:effectLst>
+                <a:outerShdw blurRad="38100" dist="38100" dir="2700000" algn="tl">
+                  <a:srgbClr val="000000">
+                    <a:alpha val="43137"/>
+                  </a:srgbClr>
+                </a:outerShdw>
+              </a:effectLst>
+              <a:latin typeface="Century Schoolbook (Заголовки)"/>
+            </a:endParaRPr>
+          </a:p>
+        </p:txBody>
+      </p:sp>
+      <p:pic>
+        <p:nvPicPr>
+          <p:cNvPr id="1026" name="Picture 2"/>
+          <p:cNvPicPr>
+            <a:picLocks noChangeAspect="1" noChangeArrowheads="1"/>
+          </p:cNvPicPr>
+          <p:nvPr/>
+        </p:nvPicPr>
+        <p:blipFill>
+          <a:blip r:embed="rId3">
+            <a:extLst>
+              <a:ext uri="{28A0092B-C50C-407E-A947-70E740481C1C}">
+                <a14:useLocalDpi xmlns:a14="http://schemas.microsoft.com/office/drawing/2010/main" val="0"/>
+              </a:ext>
+            </a:extLst>
+          </a:blip>
+          <a:srcRect/>
+          <a:stretch>
+            <a:fillRect/>
+          </a:stretch>
+        </p:blipFill>
+        <p:spPr bwMode="auto">
+          <a:xfrm>
+            <a:off x="1033775" y="3356992"/>
+            <a:ext cx="8070061" cy="3168352"/>
+          </a:xfrm>
+          <a:prstGeom prst="rect">
+            <a:avLst/>
+          </a:prstGeom>
+          <a:noFill/>
+          <a:ln>
+            <a:noFill/>
+          </a:ln>
+          <a:extLst>
+            <a:ext uri="{909E8E84-426E-40DD-AFC4-6F175D3DCCD1}">
+              <a14:hiddenFill xmlns:a14="http://schemas.microsoft.com/office/drawing/2010/main">
+                <a:solidFill>
+                  <a:schemeClr val="accent1"/>
+                </a:solidFill>
+              </a14:hiddenFill>
+            </a:ext>
+            <a:ext uri="{91240B29-F687-4F45-9708-019B960494DF}">
+              <a14:hiddenLine xmlns:a14="http://schemas.microsoft.com/office/drawing/2010/main" w="9525">
+                <a:solidFill>
+                  <a:schemeClr val="tx1"/>
+                </a:solidFill>
+                <a:miter lim="800000"/>
+                <a:headEnd/>
+                <a:tailEnd/>
+              </a14:hiddenLine>
+            </a:ext>
+          </a:extLst>
+        </p:spPr>
+      </p:pic>
+      <p:sp>
+        <p:nvSpPr>
+          <p:cNvPr id="3" name="TextBox 2"/>
+          <p:cNvSpPr txBox="1"/>
+          <p:nvPr/>
+        </p:nvSpPr>
+        <p:spPr>
+          <a:xfrm>
+            <a:off x="611560" y="1844824"/>
+            <a:ext cx="8208912" cy="1938992"/>
+          </a:xfrm>
+          <a:prstGeom prst="rect">
+            <a:avLst/>
+          </a:prstGeom>
+          <a:noFill/>
+        </p:spPr>
+        <p:txBody>
+          <a:bodyPr wrap="square" rtlCol="0">
+            <a:spAutoFit/>
+          </a:bodyPr>
+          <a:lstStyle/>
+          <a:p>
+            <a:pPr marL="285750" indent="-285750">
+              <a:buFont typeface="Wingdings" panose="05000000000000000000" pitchFamily="2" charset="2"/>
+              <a:buChar char="Ø"/>
+            </a:pPr>
+            <a:r>
+              <a:rPr lang="pt-PT" sz="2400" dirty="0" smtClean="0"/>
+              <a:t>Receber o trabalho na fila</a:t>
+            </a:r>
+          </a:p>
+          <a:p>
+            <a:pPr marL="285750" indent="-285750">
+              <a:buFont typeface="Wingdings" panose="05000000000000000000" pitchFamily="2" charset="2"/>
+              <a:buChar char="Ø"/>
+            </a:pPr>
+            <a:r>
+              <a:rPr lang="pt-PT" sz="2400" dirty="0" smtClean="0"/>
+              <a:t>Preparar a configuração do contentor</a:t>
+            </a:r>
+          </a:p>
+          <a:p>
+            <a:pPr marL="285750" indent="-285750">
+              <a:buFont typeface="Wingdings" panose="05000000000000000000" pitchFamily="2" charset="2"/>
+              <a:buChar char="Ø"/>
+            </a:pPr>
+            <a:r>
+              <a:rPr lang="pt-PT" sz="2400" dirty="0" smtClean="0"/>
+              <a:t>Lançar a execução no contentor via Docker</a:t>
+            </a:r>
+          </a:p>
+          <a:p>
+            <a:pPr marL="285750" indent="-285750">
+              <a:buFont typeface="Wingdings" panose="05000000000000000000" pitchFamily="2" charset="2"/>
+              <a:buChar char="Ø"/>
+            </a:pPr>
+            <a:r>
+              <a:rPr lang="pt-PT" sz="2400" dirty="0" smtClean="0"/>
+              <a:t>Interpretar os resultados do contentor</a:t>
+            </a:r>
+            <a:r>
+              <a:rPr lang="pt-PT" sz="2400" dirty="0"/>
+              <a:t> </a:t>
+            </a:r>
+            <a:r>
+              <a:rPr lang="pt-PT" sz="2400" dirty="0" smtClean="0"/>
+              <a:t>e transferilos </a:t>
+            </a:r>
+            <a:r>
+              <a:rPr lang="pt-PT" sz="2400" dirty="0" smtClean="0"/>
+              <a:t>para fila de resultados Redis.</a:t>
+            </a:r>
+          </a:p>
+        </p:txBody>
+      </p:sp>
+    </p:spTree>
+    <p:extLst>
+      <p:ext uri="{BB962C8B-B14F-4D97-AF65-F5344CB8AC3E}">
+        <p14:creationId xmlns:p14="http://schemas.microsoft.com/office/powerpoint/2010/main" val="400995073"/>
+      </p:ext>
+    </p:extLst>
+  </p:cSld>
+  <p:clrMapOvr>
+    <a:masterClrMapping/>
+  </p:clrMapOvr>
+  <p:timing>
+    <p:tnLst>
+      <p:par>
+        <p:cTn id="1" dur="indefinite" restart="never" nodeType="tmRoot"/>
+      </p:par>
+    </p:tnLst>
+  </p:timing>
+</p:sld>
+</file>
+
+<file path=ppt/slides/slide11.xml><?xml version="1.0" encoding="utf-8"?>
+<p:sld xmlns:a="http://schemas.openxmlformats.org/drawingml/2006/main" xmlns:r="http://schemas.openxmlformats.org/officeDocument/2006/relationships" xmlns:p="http://schemas.openxmlformats.org/presentationml/2006/main">
+  <p:cSld>
+    <p:spTree>
+      <p:nvGrpSpPr>
+        <p:cNvPr id="1" name=""/>
+        <p:cNvGrpSpPr/>
+        <p:nvPr/>
+      </p:nvGrpSpPr>
+      <p:grpSpPr>
+        <a:xfrm>
+          <a:off x="0" y="0"/>
+          <a:ext cx="0" cy="0"/>
+          <a:chOff x="0" y="0"/>
+          <a:chExt cx="0" cy="0"/>
+        </a:xfrm>
+      </p:grpSpPr>
+      <p:sp>
+        <p:nvSpPr>
+          <p:cNvPr id="2" name="Заголовок 1"/>
+          <p:cNvSpPr>
+            <a:spLocks noGrp="1"/>
+          </p:cNvSpPr>
+          <p:nvPr>
+            <p:ph type="ctrTitle"/>
+          </p:nvPr>
+        </p:nvSpPr>
+        <p:spPr>
+          <a:xfrm>
+            <a:off x="755576" y="188640"/>
+            <a:ext cx="7772400" cy="1470025"/>
+          </a:xfrm>
+        </p:spPr>
+        <p:txBody>
+          <a:bodyPr>
+            <a:normAutofit/>
+          </a:bodyPr>
+          <a:lstStyle/>
+          <a:p>
+            <a:r>
+              <a:rPr lang="pt-PT" sz="3000" b="1" dirty="0" smtClean="0">
+                <a:solidFill>
+                  <a:schemeClr val="tx1">
+                    <a:lumMod val="65000"/>
+                    <a:lumOff val="35000"/>
+                  </a:schemeClr>
+                </a:solidFill>
+                <a:effectLst>
+                  <a:outerShdw blurRad="38100" dist="38100" dir="2700000" algn="tl">
+                    <a:srgbClr val="000000">
+                      <a:alpha val="43137"/>
+                    </a:srgbClr>
+                  </a:outerShdw>
+                </a:effectLst>
+                <a:latin typeface="Century Schoolbook (Заголовки)"/>
+              </a:rPr>
+              <a:t>Arquitetura</a:t>
+            </a:r>
+            <a:br>
+              <a:rPr lang="pt-PT" sz="3000" b="1" dirty="0" smtClean="0">
+                <a:solidFill>
+                  <a:schemeClr val="tx1">
+                    <a:lumMod val="65000"/>
+                    <a:lumOff val="35000"/>
+                  </a:schemeClr>
+                </a:solidFill>
+                <a:effectLst>
+                  <a:outerShdw blurRad="38100" dist="38100" dir="2700000" algn="tl">
+                    <a:srgbClr val="000000">
+                      <a:alpha val="43137"/>
+                    </a:srgbClr>
+                  </a:outerShdw>
+                </a:effectLst>
+                <a:latin typeface="Century Schoolbook (Заголовки)"/>
+              </a:rPr>
+            </a:br>
+            <a:r>
+              <a:rPr lang="pt-PT" sz="3200" u="sng" dirty="0"/>
+              <a:t>Componente </a:t>
+            </a:r>
+            <a:r>
+              <a:rPr lang="pt-PT" sz="3200" u="sng" dirty="0" smtClean="0"/>
+              <a:t>Hub</a:t>
+            </a:r>
+            <a:endParaRPr lang="en-US" sz="3000" b="1" dirty="0">
+              <a:solidFill>
+                <a:schemeClr val="tx1">
+                  <a:lumMod val="65000"/>
+                  <a:lumOff val="35000"/>
+                </a:schemeClr>
+              </a:solidFill>
+              <a:effectLst>
+                <a:outerShdw blurRad="38100" dist="38100" dir="2700000" algn="tl">
+                  <a:srgbClr val="000000">
+                    <a:alpha val="43137"/>
+                  </a:srgbClr>
+                </a:outerShdw>
+              </a:effectLst>
+              <a:latin typeface="Century Schoolbook (Заголовки)"/>
+            </a:endParaRPr>
+          </a:p>
+        </p:txBody>
+      </p:sp>
+      <p:sp>
+        <p:nvSpPr>
+          <p:cNvPr id="4" name="CaixaDeTexto 4"/>
+          <p:cNvSpPr txBox="1"/>
+          <p:nvPr/>
+        </p:nvSpPr>
+        <p:spPr>
+          <a:xfrm>
+            <a:off x="1018990" y="1566225"/>
+            <a:ext cx="6912767" cy="707886"/>
+          </a:xfrm>
+          <a:prstGeom prst="rect">
+            <a:avLst/>
+          </a:prstGeom>
+          <a:noFill/>
+        </p:spPr>
+        <p:txBody>
+          <a:bodyPr wrap="square" rtlCol="0">
+            <a:spAutoFit/>
+          </a:bodyPr>
+          <a:lstStyle/>
+          <a:p>
+            <a:endParaRPr lang="pt-PT" sz="2000" dirty="0"/>
+          </a:p>
+          <a:p>
+            <a:endParaRPr lang="pt-PT" sz="2000" dirty="0" smtClean="0"/>
+          </a:p>
+        </p:txBody>
+      </p:sp>
+      <p:sp>
+        <p:nvSpPr>
+          <p:cNvPr id="3" name="TextBox 2"/>
+          <p:cNvSpPr txBox="1"/>
+          <p:nvPr/>
+        </p:nvSpPr>
+        <p:spPr>
+          <a:xfrm>
+            <a:off x="683568" y="2060848"/>
+            <a:ext cx="7776864" cy="830997"/>
+          </a:xfrm>
+          <a:prstGeom prst="rect">
+            <a:avLst/>
+          </a:prstGeom>
+          <a:noFill/>
+        </p:spPr>
+        <p:txBody>
+          <a:bodyPr wrap="square" rtlCol="0">
+            <a:spAutoFit/>
+          </a:bodyPr>
+          <a:lstStyle/>
+          <a:p>
+            <a:pPr marL="285750" indent="-285750">
+              <a:buFont typeface="Wingdings" panose="05000000000000000000" pitchFamily="2" charset="2"/>
+              <a:buChar char="Ø"/>
+            </a:pPr>
+            <a:r>
+              <a:rPr lang="pt-PT" sz="2400" dirty="0" smtClean="0"/>
+              <a:t>Tratamento dos resultados</a:t>
+            </a:r>
+          </a:p>
+          <a:p>
+            <a:pPr marL="285750" indent="-285750">
+              <a:buFont typeface="Wingdings" panose="05000000000000000000" pitchFamily="2" charset="2"/>
+              <a:buChar char="Ø"/>
+            </a:pPr>
+            <a:r>
+              <a:rPr lang="pt-PT" sz="2400" dirty="0" smtClean="0"/>
+              <a:t>Armazenamento em </a:t>
+            </a:r>
+            <a:endParaRPr lang="en-US" sz="2400" dirty="0"/>
+          </a:p>
+        </p:txBody>
+      </p:sp>
+    </p:spTree>
+    <p:extLst>
+      <p:ext uri="{BB962C8B-B14F-4D97-AF65-F5344CB8AC3E}">
+        <p14:creationId xmlns:p14="http://schemas.microsoft.com/office/powerpoint/2010/main" val="4209111803"/>
+      </p:ext>
+    </p:extLst>
+  </p:cSld>
+  <p:clrMapOvr>
+    <a:masterClrMapping/>
+  </p:clrMapOvr>
+  <p:timing>
+    <p:tnLst>
+      <p:par>
+        <p:cTn id="1" dur="indefinite" restart="never" nodeType="tmRoot"/>
+      </p:par>
+    </p:tnLst>
+  </p:timing>
+</p:sld>
+</file>
+
+<file path=ppt/slides/slide12.xml><?xml version="1.0" encoding="utf-8"?>
+<p:sld xmlns:a="http://schemas.openxmlformats.org/drawingml/2006/main" xmlns:r="http://schemas.openxmlformats.org/officeDocument/2006/relationships" xmlns:p="http://schemas.openxmlformats.org/presentationml/2006/main">
+  <p:cSld>
+    <p:spTree>
+      <p:nvGrpSpPr>
+        <p:cNvPr id="1" name=""/>
+        <p:cNvGrpSpPr/>
+        <p:nvPr/>
+      </p:nvGrpSpPr>
+      <p:grpSpPr>
+        <a:xfrm>
+          <a:off x="0" y="0"/>
+          <a:ext cx="0" cy="0"/>
+          <a:chOff x="0" y="0"/>
+          <a:chExt cx="0" cy="0"/>
+        </a:xfrm>
+      </p:grpSpPr>
+      <p:sp>
+        <p:nvSpPr>
+          <p:cNvPr id="2" name="Заголовок 1"/>
+          <p:cNvSpPr>
+            <a:spLocks noGrp="1"/>
+          </p:cNvSpPr>
+          <p:nvPr>
+            <p:ph type="ctrTitle"/>
+          </p:nvPr>
+        </p:nvSpPr>
+        <p:spPr>
+          <a:xfrm>
+            <a:off x="755576" y="188640"/>
+            <a:ext cx="7772400" cy="1470025"/>
+          </a:xfrm>
+        </p:spPr>
+        <p:txBody>
+          <a:bodyPr>
+            <a:normAutofit/>
+          </a:bodyPr>
+          <a:lstStyle/>
+          <a:p>
+            <a:r>
+              <a:rPr lang="pt-PT" sz="3000" b="1" dirty="0" smtClean="0">
+                <a:solidFill>
+                  <a:schemeClr val="tx1">
+                    <a:lumMod val="65000"/>
+                    <a:lumOff val="35000"/>
+                  </a:schemeClr>
+                </a:solidFill>
+                <a:effectLst>
+                  <a:outerShdw blurRad="38100" dist="38100" dir="2700000" algn="tl">
+                    <a:srgbClr val="000000">
+                      <a:alpha val="43137"/>
+                    </a:srgbClr>
+                  </a:outerShdw>
+                </a:effectLst>
+                <a:latin typeface="Century Schoolbook (Заголовки)"/>
+              </a:rPr>
+              <a:t>Demonstração</a:t>
+            </a:r>
+            <a:endParaRPr lang="en-US" sz="3000" b="1" dirty="0">
+              <a:solidFill>
+                <a:schemeClr val="tx1">
+                  <a:lumMod val="65000"/>
+                  <a:lumOff val="35000"/>
+                </a:schemeClr>
+              </a:solidFill>
+              <a:effectLst>
+                <a:outerShdw blurRad="38100" dist="38100" dir="2700000" algn="tl">
+                  <a:srgbClr val="000000">
+                    <a:alpha val="43137"/>
+                  </a:srgbClr>
+                </a:outerShdw>
+              </a:effectLst>
+              <a:latin typeface="Century Schoolbook (Заголовки)"/>
+            </a:endParaRPr>
+          </a:p>
+        </p:txBody>
+      </p:sp>
+      <p:sp>
+        <p:nvSpPr>
+          <p:cNvPr id="3" name="TextBox 2"/>
+          <p:cNvSpPr txBox="1"/>
+          <p:nvPr/>
+        </p:nvSpPr>
+        <p:spPr>
+          <a:xfrm>
+            <a:off x="971600" y="2204864"/>
+            <a:ext cx="7920880" cy="2339102"/>
+          </a:xfrm>
+          <a:prstGeom prst="rect">
+            <a:avLst/>
+          </a:prstGeom>
+          <a:noFill/>
+        </p:spPr>
+        <p:txBody>
+          <a:bodyPr wrap="square" rtlCol="0">
+            <a:spAutoFit/>
+          </a:bodyPr>
+          <a:lstStyle/>
+          <a:p>
+            <a:pPr marL="457200" indent="-457200">
+              <a:buFont typeface="Wingdings" panose="05000000000000000000" pitchFamily="2" charset="2"/>
+              <a:buChar char="Ø"/>
+            </a:pPr>
+            <a:r>
+              <a:rPr lang="pt-PT" sz="3200" dirty="0" smtClean="0"/>
+              <a:t>Interação do Utilizador com o plataforma</a:t>
+            </a:r>
+          </a:p>
+          <a:p>
+            <a:pPr marL="457200" indent="-457200">
+              <a:buFont typeface="Wingdings" panose="05000000000000000000" pitchFamily="2" charset="2"/>
+              <a:buChar char="Ø"/>
+            </a:pPr>
+            <a:endParaRPr lang="pt-PT" sz="3200" dirty="0" smtClean="0"/>
+          </a:p>
+          <a:p>
+            <a:pPr marL="457200" indent="-457200">
+              <a:buFont typeface="Wingdings" panose="05000000000000000000" pitchFamily="2" charset="2"/>
+              <a:buChar char="Ø"/>
+            </a:pPr>
+            <a:endParaRPr lang="pt-PT" sz="3200" dirty="0"/>
+          </a:p>
+          <a:p>
+            <a:pPr marL="457200" indent="-457200">
+              <a:buFont typeface="Wingdings" panose="05000000000000000000" pitchFamily="2" charset="2"/>
+              <a:buChar char="Ø"/>
+            </a:pPr>
+            <a:r>
+              <a:rPr lang="pt-PT" sz="3200" dirty="0" smtClean="0"/>
+              <a:t>Gatilho de execução automático</a:t>
+            </a:r>
+          </a:p>
+          <a:p>
+            <a:endParaRPr lang="en-US" dirty="0"/>
+          </a:p>
+        </p:txBody>
+      </p:sp>
+    </p:spTree>
+    <p:extLst>
+      <p:ext uri="{BB962C8B-B14F-4D97-AF65-F5344CB8AC3E}">
+        <p14:creationId xmlns:p14="http://schemas.microsoft.com/office/powerpoint/2010/main" val="288173113"/>
+      </p:ext>
+    </p:extLst>
+  </p:cSld>
+  <p:clrMapOvr>
+    <a:masterClrMapping/>
+  </p:clrMapOvr>
+  <p:timing>
+    <p:tnLst>
+      <p:par>
+        <p:cTn id="1" dur="indefinite" restart="never" nodeType="tmRoot"/>
+      </p:par>
+    </p:tnLst>
+  </p:timing>
+</p:sld>
+</file>
+
+<file path=ppt/slides/slide13.xml><?xml version="1.0" encoding="utf-8"?>
+<p:sld xmlns:a="http://schemas.openxmlformats.org/drawingml/2006/main" xmlns:r="http://schemas.openxmlformats.org/officeDocument/2006/relationships" xmlns:p="http://schemas.openxmlformats.org/presentationml/2006/main">
+  <p:cSld>
+    <p:spTree>
+      <p:nvGrpSpPr>
+        <p:cNvPr id="1" name=""/>
+        <p:cNvGrpSpPr/>
+        <p:nvPr/>
+      </p:nvGrpSpPr>
+      <p:grpSpPr>
+        <a:xfrm>
+          <a:off x="0" y="0"/>
+          <a:ext cx="0" cy="0"/>
+          <a:chOff x="0" y="0"/>
+          <a:chExt cx="0" cy="0"/>
+        </a:xfrm>
+      </p:grpSpPr>
+      <p:sp>
+        <p:nvSpPr>
+          <p:cNvPr id="2" name="Заголовок 1"/>
+          <p:cNvSpPr>
+            <a:spLocks noGrp="1"/>
+          </p:cNvSpPr>
+          <p:nvPr>
+            <p:ph type="ctrTitle"/>
+          </p:nvPr>
+        </p:nvSpPr>
+        <p:spPr>
+          <a:xfrm>
+            <a:off x="755576" y="188640"/>
+            <a:ext cx="7772400" cy="1470025"/>
+          </a:xfrm>
+        </p:spPr>
+        <p:txBody>
+          <a:bodyPr>
+            <a:normAutofit/>
+          </a:bodyPr>
+          <a:lstStyle/>
+          <a:p>
+            <a:r>
+              <a:rPr lang="pt-PT" sz="3000" b="1" dirty="0" smtClean="0">
+                <a:solidFill>
+                  <a:schemeClr val="tx1">
+                    <a:lumMod val="65000"/>
+                    <a:lumOff val="35000"/>
+                  </a:schemeClr>
+                </a:solidFill>
+                <a:effectLst>
+                  <a:outerShdw blurRad="38100" dist="38100" dir="2700000" algn="tl">
+                    <a:srgbClr val="000000">
+                      <a:alpha val="43137"/>
+                    </a:srgbClr>
+                  </a:outerShdw>
+                </a:effectLst>
+                <a:latin typeface="Century Schoolbook (Заголовки)"/>
+              </a:rPr>
+              <a:t>Conclusão</a:t>
+            </a:r>
+            <a:endParaRPr lang="en-US" sz="3000" b="1" dirty="0">
+              <a:solidFill>
+                <a:schemeClr val="tx1">
+                  <a:lumMod val="65000"/>
+                  <a:lumOff val="35000"/>
+                </a:schemeClr>
+              </a:solidFill>
+              <a:effectLst>
+                <a:outerShdw blurRad="38100" dist="38100" dir="2700000" algn="tl">
+                  <a:srgbClr val="000000">
+                    <a:alpha val="43137"/>
+                  </a:srgbClr>
+                </a:outerShdw>
+              </a:effectLst>
+              <a:latin typeface="Century Schoolbook (Заголовки)"/>
+            </a:endParaRPr>
+          </a:p>
+        </p:txBody>
+      </p:sp>
+      <p:sp>
+        <p:nvSpPr>
+          <p:cNvPr id="3" name="TextBox 2"/>
+          <p:cNvSpPr txBox="1"/>
+          <p:nvPr/>
+        </p:nvSpPr>
+        <p:spPr>
+          <a:xfrm>
+            <a:off x="539552" y="1556792"/>
+            <a:ext cx="7632848" cy="4524315"/>
+          </a:xfrm>
+          <a:prstGeom prst="rect">
+            <a:avLst/>
+          </a:prstGeom>
+          <a:noFill/>
+        </p:spPr>
+        <p:txBody>
+          <a:bodyPr wrap="square" rtlCol="0">
+            <a:spAutoFit/>
+          </a:bodyPr>
+          <a:lstStyle/>
+          <a:p>
+            <a:pPr algn="ctr"/>
+            <a:r>
+              <a:rPr lang="pt-BR" dirty="0" smtClean="0"/>
+              <a:t>No contexto da </a:t>
+            </a:r>
+            <a:r>
+              <a:rPr lang="pt-BR" dirty="0"/>
+              <a:t>integração </a:t>
+            </a:r>
+            <a:r>
+              <a:rPr lang="pt-BR" dirty="0" smtClean="0"/>
+              <a:t>contínua a aplicação </a:t>
+            </a:r>
+            <a:r>
+              <a:rPr lang="pt-BR" dirty="0" smtClean="0"/>
+              <a:t>é um serviço automatizado na internet para execuções e testes de código.</a:t>
+            </a:r>
+          </a:p>
+          <a:p>
+            <a:pPr marL="285750" indent="-285750">
+              <a:buFont typeface="Arial" panose="020B0604020202020204" pitchFamily="34" charset="0"/>
+              <a:buChar char="•"/>
+            </a:pPr>
+            <a:r>
+              <a:rPr lang="pt-BR" dirty="0" smtClean="0"/>
+              <a:t>Vantagens</a:t>
+            </a:r>
+          </a:p>
+          <a:p>
+            <a:pPr marL="742950" lvl="1" indent="-285750">
+              <a:buFont typeface="Wingdings" panose="05000000000000000000" pitchFamily="2" charset="2"/>
+              <a:buChar char="Ø"/>
+            </a:pPr>
+            <a:r>
+              <a:rPr lang="pt-BR" dirty="0" smtClean="0"/>
+              <a:t>Serviço </a:t>
+            </a:r>
+            <a:r>
+              <a:rPr lang="pt-BR" dirty="0" smtClean="0"/>
+              <a:t>automatizado de </a:t>
+            </a:r>
+            <a:r>
+              <a:rPr lang="pt-BR" dirty="0" smtClean="0"/>
+              <a:t>alta disponibilidade</a:t>
+            </a:r>
+          </a:p>
+          <a:p>
+            <a:pPr marL="742950" lvl="1" indent="-285750">
+              <a:buFont typeface="Wingdings" panose="05000000000000000000" pitchFamily="2" charset="2"/>
+              <a:buChar char="Ø"/>
+            </a:pPr>
+            <a:r>
+              <a:rPr lang="pt-BR" dirty="0" smtClean="0"/>
+              <a:t>Ambientes </a:t>
+            </a:r>
+            <a:r>
+              <a:rPr lang="pt-BR" dirty="0" smtClean="0"/>
+              <a:t>de execução Linux </a:t>
+            </a:r>
+            <a:r>
+              <a:rPr lang="pt-BR" dirty="0" smtClean="0"/>
+              <a:t>a medida </a:t>
+            </a:r>
+          </a:p>
+          <a:p>
+            <a:pPr marL="742950" lvl="1" indent="-285750">
+              <a:buFont typeface="Wingdings" panose="05000000000000000000" pitchFamily="2" charset="2"/>
+              <a:buChar char="Ø"/>
+            </a:pPr>
+            <a:r>
+              <a:rPr lang="pt-BR" dirty="0"/>
+              <a:t>Execuções </a:t>
+            </a:r>
+            <a:r>
+              <a:rPr lang="pt-BR" dirty="0" smtClean="0"/>
+              <a:t>infinitas por projeto</a:t>
+            </a:r>
+          </a:p>
+          <a:p>
+            <a:pPr marL="742950" lvl="1" indent="-285750">
+              <a:buFont typeface="Wingdings" panose="05000000000000000000" pitchFamily="2" charset="2"/>
+              <a:buChar char="Ø"/>
+            </a:pPr>
+            <a:r>
+              <a:rPr lang="pt-BR" dirty="0"/>
+              <a:t>Alertas na hora da ocurrencia de </a:t>
+            </a:r>
+            <a:r>
+              <a:rPr lang="pt-BR" dirty="0" smtClean="0"/>
+              <a:t>erros</a:t>
+            </a:r>
+            <a:endParaRPr lang="pt-PT" dirty="0"/>
+          </a:p>
+          <a:p>
+            <a:pPr marL="285750" indent="-285750">
+              <a:buFont typeface="Arial" panose="020B0604020202020204" pitchFamily="34" charset="0"/>
+              <a:buChar char="•"/>
+            </a:pPr>
+            <a:r>
+              <a:rPr lang="pt-PT" dirty="0" smtClean="0"/>
+              <a:t>Limitações</a:t>
+            </a:r>
+          </a:p>
+          <a:p>
+            <a:pPr marL="742950" lvl="1" indent="-285750">
+              <a:buFont typeface="Wingdings" panose="05000000000000000000" pitchFamily="2" charset="2"/>
+              <a:buChar char="Ø"/>
+            </a:pPr>
+            <a:r>
+              <a:rPr lang="pt-BR" dirty="0"/>
+              <a:t>C</a:t>
+            </a:r>
+            <a:r>
+              <a:rPr lang="pt-BR" dirty="0" smtClean="0"/>
+              <a:t>ódigo que não corre em ambientes Linux não é suportado.</a:t>
+            </a:r>
+          </a:p>
+          <a:p>
+            <a:pPr marL="742950" lvl="1" indent="-285750">
+              <a:buFont typeface="Wingdings" panose="05000000000000000000" pitchFamily="2" charset="2"/>
+              <a:buChar char="Ø"/>
+            </a:pPr>
+            <a:r>
+              <a:rPr lang="pt-BR" dirty="0" smtClean="0"/>
+              <a:t>Projetos que façam uso da </a:t>
+            </a:r>
+            <a:r>
+              <a:rPr lang="pt-BR" dirty="0"/>
+              <a:t>c</a:t>
+            </a:r>
+            <a:r>
+              <a:rPr lang="pt-BR" dirty="0" smtClean="0"/>
+              <a:t>amada Karnel do sistema operativo, não são suportados.</a:t>
+            </a:r>
+            <a:endParaRPr lang="pt-BR" dirty="0"/>
+          </a:p>
+          <a:p>
+            <a:pPr marL="285750" indent="-285750">
+              <a:buFont typeface="Arial" panose="020B0604020202020204" pitchFamily="34" charset="0"/>
+              <a:buChar char="•"/>
+            </a:pPr>
+            <a:r>
+              <a:rPr lang="pt-BR" dirty="0" smtClean="0"/>
+              <a:t>Trabalho futuro</a:t>
+            </a:r>
+          </a:p>
+          <a:p>
+            <a:pPr marL="742950" lvl="1" indent="-285750">
+              <a:buFont typeface="Wingdings" panose="05000000000000000000" pitchFamily="2" charset="2"/>
+              <a:buChar char="Ø"/>
+            </a:pPr>
+            <a:r>
+              <a:rPr lang="pt-BR" dirty="0" smtClean="0"/>
+              <a:t>Diversificar </a:t>
+            </a:r>
+            <a:r>
+              <a:rPr lang="pt-BR" dirty="0"/>
+              <a:t>as formas de alerta</a:t>
+            </a:r>
+          </a:p>
+          <a:p>
+            <a:pPr marL="742950" lvl="1" indent="-285750">
+              <a:buFont typeface="Wingdings" panose="05000000000000000000" pitchFamily="2" charset="2"/>
+              <a:buChar char="Ø"/>
+            </a:pPr>
+            <a:r>
+              <a:rPr lang="pt-BR" dirty="0"/>
+              <a:t>Capacidade de detetar más práticas de programação e </a:t>
+            </a:r>
+            <a:r>
+              <a:rPr lang="pt-BR" dirty="0" smtClean="0"/>
+              <a:t>fornecer sugestões como </a:t>
+            </a:r>
+            <a:r>
+              <a:rPr lang="pt-BR" dirty="0"/>
+              <a:t>alternativas.</a:t>
+            </a:r>
+          </a:p>
+          <a:p>
+            <a:pPr marL="742950" lvl="1" indent="-285750">
+              <a:buFont typeface="Wingdings" panose="05000000000000000000" pitchFamily="2" charset="2"/>
+              <a:buChar char="Ø"/>
+            </a:pPr>
+            <a:r>
+              <a:rPr lang="pt-BR" dirty="0"/>
+              <a:t>Sistema de cobrança (faturação) </a:t>
+            </a:r>
+            <a:r>
+              <a:rPr lang="pt-BR" dirty="0" smtClean="0"/>
+              <a:t>para </a:t>
+            </a:r>
+            <a:r>
+              <a:rPr lang="pt-BR" dirty="0"/>
+              <a:t>recursos </a:t>
+            </a:r>
+            <a:r>
+              <a:rPr lang="pt-BR" dirty="0" smtClean="0"/>
+              <a:t>de </a:t>
+            </a:r>
+            <a:r>
+              <a:rPr lang="pt-BR" dirty="0"/>
+              <a:t>alta performance.</a:t>
+            </a:r>
+          </a:p>
+        </p:txBody>
+      </p:sp>
+    </p:spTree>
+    <p:extLst>
+      <p:ext uri="{BB962C8B-B14F-4D97-AF65-F5344CB8AC3E}">
+        <p14:creationId xmlns:p14="http://schemas.microsoft.com/office/powerpoint/2010/main" val="3496958162"/>
+      </p:ext>
+    </p:extLst>
+  </p:cSld>
+  <p:clrMapOvr>
+    <a:masterClrMapping/>
+  </p:clrMapOvr>
+  <p:timing>
+    <p:tnLst>
+      <p:par>
+        <p:cTn id="1" dur="indefinite" restart="never" nodeType="tmRoot"/>
+      </p:par>
+    </p:tnLst>
+  </p:timing>
+</p:sld>
+</file>
+
+<file path=ppt/slides/slide14.xml><?xml version="1.0" encoding="utf-8"?>
+<p:sld xmlns:a="http://schemas.openxmlformats.org/drawingml/2006/main" xmlns:r="http://schemas.openxmlformats.org/officeDocument/2006/relationships" xmlns:p="http://schemas.openxmlformats.org/presentationml/2006/main">
+  <p:cSld>
+    <p:spTree>
+      <p:nvGrpSpPr>
+        <p:cNvPr id="1" name=""/>
+        <p:cNvGrpSpPr/>
+        <p:nvPr/>
+      </p:nvGrpSpPr>
+      <p:grpSpPr>
+        <a:xfrm>
+          <a:off x="0" y="0"/>
+          <a:ext cx="0" cy="0"/>
+          <a:chOff x="0" y="0"/>
+          <a:chExt cx="0" cy="0"/>
+        </a:xfrm>
+      </p:grpSpPr>
+      <p:sp>
+        <p:nvSpPr>
+          <p:cNvPr id="2" name="Заголовок 1"/>
+          <p:cNvSpPr>
+            <a:spLocks noGrp="1"/>
+          </p:cNvSpPr>
+          <p:nvPr>
+            <p:ph type="ctrTitle"/>
+          </p:nvPr>
+        </p:nvSpPr>
+        <p:spPr>
+          <a:xfrm>
+            <a:off x="755576" y="188640"/>
+            <a:ext cx="7772400" cy="1470025"/>
+          </a:xfrm>
+        </p:spPr>
+        <p:txBody>
+          <a:bodyPr>
+            <a:normAutofit/>
+          </a:bodyPr>
+          <a:lstStyle/>
+          <a:p>
+            <a:r>
+              <a:rPr lang="pt-PT" sz="3000" b="1" dirty="0" smtClean="0">
+                <a:solidFill>
+                  <a:schemeClr val="tx1">
+                    <a:lumMod val="65000"/>
+                    <a:lumOff val="35000"/>
+                  </a:schemeClr>
+                </a:solidFill>
+                <a:effectLst>
+                  <a:outerShdw blurRad="38100" dist="38100" dir="2700000" algn="tl">
+                    <a:srgbClr val="000000">
+                      <a:alpha val="43137"/>
+                    </a:srgbClr>
+                  </a:outerShdw>
+                </a:effectLst>
+                <a:latin typeface="Century Schoolbook (Заголовки)"/>
+              </a:rPr>
+              <a:t>Obrigado Pela </a:t>
+            </a:r>
+            <a:r>
+              <a:rPr lang="pt-PT" sz="3000" b="1" dirty="0">
+                <a:solidFill>
+                  <a:schemeClr val="tx1">
+                    <a:lumMod val="65000"/>
+                    <a:lumOff val="35000"/>
+                  </a:schemeClr>
+                </a:solidFill>
+                <a:effectLst>
+                  <a:outerShdw blurRad="38100" dist="38100" dir="2700000" algn="tl">
+                    <a:srgbClr val="000000">
+                      <a:alpha val="43137"/>
+                    </a:srgbClr>
+                  </a:outerShdw>
+                </a:effectLst>
+                <a:latin typeface="Century Schoolbook (Заголовки)"/>
+              </a:rPr>
+              <a:t>Vossa Atenção </a:t>
+            </a:r>
+            <a:r>
+              <a:rPr lang="pt-PT" sz="3000" b="1" dirty="0" smtClean="0">
+                <a:solidFill>
+                  <a:schemeClr val="tx1">
+                    <a:lumMod val="65000"/>
+                    <a:lumOff val="35000"/>
+                  </a:schemeClr>
+                </a:solidFill>
+                <a:effectLst>
+                  <a:outerShdw blurRad="38100" dist="38100" dir="2700000" algn="tl">
+                    <a:srgbClr val="000000">
+                      <a:alpha val="43137"/>
+                    </a:srgbClr>
+                  </a:outerShdw>
+                </a:effectLst>
+                <a:latin typeface="Century Schoolbook (Заголовки)"/>
+              </a:rPr>
+              <a:t>!</a:t>
+            </a:r>
+            <a:endParaRPr lang="en-US" sz="3000" b="1" dirty="0">
+              <a:solidFill>
+                <a:schemeClr val="tx1">
+                  <a:lumMod val="65000"/>
+                  <a:lumOff val="35000"/>
+                </a:schemeClr>
+              </a:solidFill>
+              <a:effectLst>
+                <a:outerShdw blurRad="38100" dist="38100" dir="2700000" algn="tl">
+                  <a:srgbClr val="000000">
+                    <a:alpha val="43137"/>
+                  </a:srgbClr>
+                </a:outerShdw>
+              </a:effectLst>
+              <a:latin typeface="Century Schoolbook (Заголовки)"/>
+            </a:endParaRPr>
+          </a:p>
+        </p:txBody>
+      </p:sp>
+      <p:sp>
+        <p:nvSpPr>
+          <p:cNvPr id="4" name="Subtitle 2"/>
+          <p:cNvSpPr txBox="1">
+            <a:spLocks/>
+          </p:cNvSpPr>
+          <p:nvPr/>
+        </p:nvSpPr>
+        <p:spPr>
+          <a:xfrm>
+            <a:off x="525690" y="1766066"/>
+            <a:ext cx="7870487" cy="1878958"/>
+          </a:xfrm>
+          <a:prstGeom prst="rect">
+            <a:avLst/>
+          </a:prstGeom>
+        </p:spPr>
+        <p:txBody>
+          <a:bodyPr vert="horz" lIns="0" tIns="45720" rIns="0" bIns="45720" rtlCol="0" anchor="t">
+            <a:normAutofit fontScale="92500" lnSpcReduction="10000"/>
+          </a:bodyPr>
+          <a:lstStyle>
+            <a:defPPr>
+              <a:defRPr lang="en-US"/>
+            </a:defPPr>
+            <a:lvl1pPr marL="0" algn="l" defTabSz="914400" rtl="0" eaLnBrk="1" latinLnBrk="0" hangingPunct="1">
+              <a:defRPr sz="1800" kern="1200">
+                <a:solidFill>
+                  <a:schemeClr val="tx1"/>
+                </a:solidFill>
+                <a:latin typeface="+mn-lt"/>
+                <a:ea typeface="+mn-ea"/>
+                <a:cs typeface="+mn-cs"/>
+              </a:defRPr>
+            </a:lvl1pPr>
+            <a:lvl2pPr marL="457200" algn="l" defTabSz="914400" rtl="0" eaLnBrk="1" latinLnBrk="0" hangingPunct="1">
+              <a:defRPr sz="1800" kern="1200">
+                <a:solidFill>
+                  <a:schemeClr val="tx1"/>
+                </a:solidFill>
+                <a:latin typeface="+mn-lt"/>
+                <a:ea typeface="+mn-ea"/>
+                <a:cs typeface="+mn-cs"/>
+              </a:defRPr>
+            </a:lvl2pPr>
+            <a:lvl3pPr marL="914400" algn="l" defTabSz="914400" rtl="0" eaLnBrk="1" latinLnBrk="0" hangingPunct="1">
+              <a:defRPr sz="1800" kern="1200">
+                <a:solidFill>
+                  <a:schemeClr val="tx1"/>
+                </a:solidFill>
+                <a:latin typeface="+mn-lt"/>
+                <a:ea typeface="+mn-ea"/>
+                <a:cs typeface="+mn-cs"/>
+              </a:defRPr>
+            </a:lvl3pPr>
+            <a:lvl4pPr marL="1371600" algn="l" defTabSz="914400" rtl="0" eaLnBrk="1" latinLnBrk="0" hangingPunct="1">
+              <a:defRPr sz="1800" kern="1200">
+                <a:solidFill>
+                  <a:schemeClr val="tx1"/>
+                </a:solidFill>
+                <a:latin typeface="+mn-lt"/>
+                <a:ea typeface="+mn-ea"/>
+                <a:cs typeface="+mn-cs"/>
+              </a:defRPr>
+            </a:lvl4pPr>
+            <a:lvl5pPr marL="1828800" algn="l" defTabSz="914400" rtl="0" eaLnBrk="1" latinLnBrk="0" hangingPunct="1">
+              <a:defRPr sz="1800" kern="1200">
+                <a:solidFill>
+                  <a:schemeClr val="tx1"/>
+                </a:solidFill>
+                <a:latin typeface="+mn-lt"/>
+                <a:ea typeface="+mn-ea"/>
+                <a:cs typeface="+mn-cs"/>
+              </a:defRPr>
+            </a:lvl5pPr>
+            <a:lvl6pPr marL="2286000" algn="l" defTabSz="914400" rtl="0" eaLnBrk="1" latinLnBrk="0" hangingPunct="1">
+              <a:defRPr sz="1800" kern="1200">
+                <a:solidFill>
+                  <a:schemeClr val="tx1"/>
+                </a:solidFill>
+                <a:latin typeface="+mn-lt"/>
+                <a:ea typeface="+mn-ea"/>
+                <a:cs typeface="+mn-cs"/>
+              </a:defRPr>
+            </a:lvl6pPr>
+            <a:lvl7pPr marL="2743200" algn="l" defTabSz="914400" rtl="0" eaLnBrk="1" latinLnBrk="0" hangingPunct="1">
+              <a:defRPr sz="1800" kern="1200">
+                <a:solidFill>
+                  <a:schemeClr val="tx1"/>
+                </a:solidFill>
+                <a:latin typeface="+mn-lt"/>
+                <a:ea typeface="+mn-ea"/>
+                <a:cs typeface="+mn-cs"/>
+              </a:defRPr>
+            </a:lvl7pPr>
+            <a:lvl8pPr marL="3200400" algn="l" defTabSz="914400" rtl="0" eaLnBrk="1" latinLnBrk="0" hangingPunct="1">
+              <a:defRPr sz="1800" kern="1200">
+                <a:solidFill>
+                  <a:schemeClr val="tx1"/>
+                </a:solidFill>
+                <a:latin typeface="+mn-lt"/>
+                <a:ea typeface="+mn-ea"/>
+                <a:cs typeface="+mn-cs"/>
+              </a:defRPr>
+            </a:lvl8pPr>
+            <a:lvl9pPr marL="3657600" algn="l" defTabSz="914400" rtl="0" eaLnBrk="1" latinLnBrk="0" hangingPunct="1">
+              <a:defRPr sz="1800" kern="1200">
+                <a:solidFill>
+                  <a:schemeClr val="tx1"/>
+                </a:solidFill>
+                <a:latin typeface="+mn-lt"/>
+                <a:ea typeface="+mn-ea"/>
+                <a:cs typeface="+mn-cs"/>
+              </a:defRPr>
+            </a:lvl9pPr>
+          </a:lstStyle>
+          <a:p>
+            <a:pPr algn="l"/>
+            <a:r>
+              <a:rPr lang="pt-PT" b="1" dirty="0" smtClean="0"/>
+              <a:t>Iurie Marcinschi</a:t>
+            </a:r>
+            <a:r>
+              <a:rPr lang="pt-PT" dirty="0" smtClean="0"/>
+              <a:t>, N.º 30156</a:t>
+            </a:r>
+          </a:p>
+          <a:p>
+            <a:pPr algn="l"/>
+            <a:r>
+              <a:rPr lang="pt-PT" dirty="0" smtClean="0"/>
+              <a:t>Licenciatura em Engenharia Informática e de Computadores</a:t>
+            </a:r>
+          </a:p>
+          <a:p>
+            <a:r>
+              <a:rPr lang="pt-PT" dirty="0"/>
+              <a:t>marcinschi.iuri@gmail.com</a:t>
+            </a:r>
+          </a:p>
+          <a:p>
+            <a:pPr algn="l"/>
+            <a:endParaRPr lang="pt-PT" dirty="0" smtClean="0"/>
+          </a:p>
+          <a:p>
+            <a:pPr algn="l"/>
+            <a:r>
+              <a:rPr lang="pt-PT" b="1" dirty="0" smtClean="0"/>
+              <a:t>Pavel Egorov, </a:t>
+            </a:r>
+            <a:r>
+              <a:rPr lang="pt-PT" dirty="0" smtClean="0"/>
+              <a:t>Nº 33368</a:t>
+            </a:r>
+          </a:p>
+          <a:p>
+            <a:r>
+              <a:rPr lang="pt-PT" dirty="0"/>
+              <a:t>Licenciatura em Engenharia Informática e de </a:t>
+            </a:r>
+            <a:r>
+              <a:rPr lang="pt-PT" dirty="0" smtClean="0"/>
+              <a:t>Computadores</a:t>
+            </a:r>
+          </a:p>
+          <a:p>
+            <a:r>
+              <a:rPr lang="pt-PT" dirty="0"/>
+              <a:t>egorovpasha@gmail.com</a:t>
+            </a:r>
+            <a:endParaRPr lang="pt-PT" dirty="0" smtClean="0"/>
+          </a:p>
+        </p:txBody>
+      </p:sp>
+      <p:sp>
+        <p:nvSpPr>
+          <p:cNvPr id="5" name="Subtitle 2"/>
+          <p:cNvSpPr txBox="1">
+            <a:spLocks/>
+          </p:cNvSpPr>
+          <p:nvPr/>
+        </p:nvSpPr>
+        <p:spPr>
+          <a:xfrm>
+            <a:off x="525690" y="3861048"/>
+            <a:ext cx="7614433" cy="2209801"/>
+          </a:xfrm>
+          <a:prstGeom prst="rect">
+            <a:avLst/>
+          </a:prstGeom>
+        </p:spPr>
+        <p:txBody>
+          <a:bodyPr vert="horz" lIns="0" tIns="45720" rIns="0" bIns="45720" rtlCol="0" anchor="t">
+            <a:normAutofit/>
+          </a:bodyPr>
+          <a:lstStyle>
+            <a:defPPr>
+              <a:defRPr lang="en-US"/>
+            </a:defPPr>
+            <a:lvl1pPr marL="0" algn="l" defTabSz="914400" rtl="0" eaLnBrk="1" latinLnBrk="0" hangingPunct="1">
+              <a:defRPr sz="1800" kern="1200">
+                <a:solidFill>
+                  <a:schemeClr val="tx1"/>
+                </a:solidFill>
+                <a:latin typeface="+mn-lt"/>
+                <a:ea typeface="+mn-ea"/>
+                <a:cs typeface="+mn-cs"/>
+              </a:defRPr>
+            </a:lvl1pPr>
+            <a:lvl2pPr marL="457200" algn="l" defTabSz="914400" rtl="0" eaLnBrk="1" latinLnBrk="0" hangingPunct="1">
+              <a:defRPr sz="1800" kern="1200">
+                <a:solidFill>
+                  <a:schemeClr val="tx1"/>
+                </a:solidFill>
+                <a:latin typeface="+mn-lt"/>
+                <a:ea typeface="+mn-ea"/>
+                <a:cs typeface="+mn-cs"/>
+              </a:defRPr>
+            </a:lvl2pPr>
+            <a:lvl3pPr marL="914400" algn="l" defTabSz="914400" rtl="0" eaLnBrk="1" latinLnBrk="0" hangingPunct="1">
+              <a:defRPr sz="1800" kern="1200">
+                <a:solidFill>
+                  <a:schemeClr val="tx1"/>
+                </a:solidFill>
+                <a:latin typeface="+mn-lt"/>
+                <a:ea typeface="+mn-ea"/>
+                <a:cs typeface="+mn-cs"/>
+              </a:defRPr>
+            </a:lvl3pPr>
+            <a:lvl4pPr marL="1371600" algn="l" defTabSz="914400" rtl="0" eaLnBrk="1" latinLnBrk="0" hangingPunct="1">
+              <a:defRPr sz="1800" kern="1200">
+                <a:solidFill>
+                  <a:schemeClr val="tx1"/>
+                </a:solidFill>
+                <a:latin typeface="+mn-lt"/>
+                <a:ea typeface="+mn-ea"/>
+                <a:cs typeface="+mn-cs"/>
+              </a:defRPr>
+            </a:lvl4pPr>
+            <a:lvl5pPr marL="1828800" algn="l" defTabSz="914400" rtl="0" eaLnBrk="1" latinLnBrk="0" hangingPunct="1">
+              <a:defRPr sz="1800" kern="1200">
+                <a:solidFill>
+                  <a:schemeClr val="tx1"/>
+                </a:solidFill>
+                <a:latin typeface="+mn-lt"/>
+                <a:ea typeface="+mn-ea"/>
+                <a:cs typeface="+mn-cs"/>
+              </a:defRPr>
+            </a:lvl5pPr>
+            <a:lvl6pPr marL="2286000" algn="l" defTabSz="914400" rtl="0" eaLnBrk="1" latinLnBrk="0" hangingPunct="1">
+              <a:defRPr sz="1800" kern="1200">
+                <a:solidFill>
+                  <a:schemeClr val="tx1"/>
+                </a:solidFill>
+                <a:latin typeface="+mn-lt"/>
+                <a:ea typeface="+mn-ea"/>
+                <a:cs typeface="+mn-cs"/>
+              </a:defRPr>
+            </a:lvl6pPr>
+            <a:lvl7pPr marL="2743200" algn="l" defTabSz="914400" rtl="0" eaLnBrk="1" latinLnBrk="0" hangingPunct="1">
+              <a:defRPr sz="1800" kern="1200">
+                <a:solidFill>
+                  <a:schemeClr val="tx1"/>
+                </a:solidFill>
+                <a:latin typeface="+mn-lt"/>
+                <a:ea typeface="+mn-ea"/>
+                <a:cs typeface="+mn-cs"/>
+              </a:defRPr>
+            </a:lvl7pPr>
+            <a:lvl8pPr marL="3200400" algn="l" defTabSz="914400" rtl="0" eaLnBrk="1" latinLnBrk="0" hangingPunct="1">
+              <a:defRPr sz="1800" kern="1200">
+                <a:solidFill>
+                  <a:schemeClr val="tx1"/>
+                </a:solidFill>
+                <a:latin typeface="+mn-lt"/>
+                <a:ea typeface="+mn-ea"/>
+                <a:cs typeface="+mn-cs"/>
+              </a:defRPr>
+            </a:lvl8pPr>
+            <a:lvl9pPr marL="3657600" algn="l" defTabSz="914400" rtl="0" eaLnBrk="1" latinLnBrk="0" hangingPunct="1">
+              <a:defRPr sz="1800" kern="1200">
+                <a:solidFill>
+                  <a:schemeClr val="tx1"/>
+                </a:solidFill>
+                <a:latin typeface="+mn-lt"/>
+                <a:ea typeface="+mn-ea"/>
+                <a:cs typeface="+mn-cs"/>
+              </a:defRPr>
+            </a:lvl9pPr>
+          </a:lstStyle>
+          <a:p>
+            <a:pPr algn="l"/>
+            <a:r>
+              <a:rPr lang="pt-PT" sz="1600" b="1" dirty="0" smtClean="0"/>
+              <a:t>Júri: </a:t>
+            </a:r>
+          </a:p>
+          <a:p>
+            <a:pPr>
+              <a:lnSpc>
+                <a:spcPct val="200000"/>
+              </a:lnSpc>
+            </a:pPr>
+            <a:r>
+              <a:rPr lang="pt-PT" sz="1600" dirty="0" smtClean="0"/>
+              <a:t>	</a:t>
+            </a:r>
+            <a:r>
+              <a:rPr lang="pt-BR" sz="1600" dirty="0" smtClean="0"/>
+              <a:t>Fernando </a:t>
+            </a:r>
+            <a:r>
+              <a:rPr lang="pt-BR" sz="1600" dirty="0"/>
+              <a:t>Manuel Gomes de Sousa </a:t>
+            </a:r>
+            <a:r>
+              <a:rPr lang="pt-BR" sz="1600" dirty="0" smtClean="0"/>
+              <a:t>, </a:t>
+            </a:r>
+            <a:r>
+              <a:rPr lang="pt-PT" sz="1600" dirty="0" smtClean="0"/>
+              <a:t>Professor do ISEL</a:t>
+            </a:r>
+          </a:p>
+          <a:p>
+            <a:pPr lvl="2">
+              <a:lnSpc>
+                <a:spcPct val="200000"/>
+              </a:lnSpc>
+            </a:pPr>
+            <a:r>
+              <a:rPr lang="pt-PT" sz="1600" dirty="0" smtClean="0"/>
+              <a:t>Porfírio </a:t>
+            </a:r>
+            <a:r>
+              <a:rPr lang="pt-PT" sz="1600" dirty="0"/>
+              <a:t>Pena Filipe,  Professor </a:t>
+            </a:r>
+            <a:r>
+              <a:rPr lang="pt-PT" sz="1600" dirty="0" smtClean="0"/>
+              <a:t> do ISEL</a:t>
+            </a:r>
+          </a:p>
+          <a:p>
+            <a:pPr lvl="2">
+              <a:lnSpc>
+                <a:spcPct val="200000"/>
+              </a:lnSpc>
+            </a:pPr>
+            <a:r>
+              <a:rPr lang="pt-PT" sz="1600" dirty="0" smtClean="0"/>
+              <a:t>Carlos Gonçalves</a:t>
+            </a:r>
+            <a:r>
+              <a:rPr lang="pt-BR" sz="1600" dirty="0"/>
+              <a:t>, Professor </a:t>
+            </a:r>
+            <a:r>
+              <a:rPr lang="pt-BR" sz="1600" dirty="0" smtClean="0"/>
+              <a:t> do </a:t>
+            </a:r>
+            <a:r>
+              <a:rPr lang="pt-BR" sz="1600" dirty="0"/>
+              <a:t>ISEL</a:t>
+            </a:r>
+          </a:p>
+          <a:p>
+            <a:pPr>
+              <a:lnSpc>
+                <a:spcPct val="200000"/>
+              </a:lnSpc>
+            </a:pPr>
+            <a:endParaRPr lang="pt-PT" sz="1600" dirty="0" smtClean="0"/>
+          </a:p>
+          <a:p>
+            <a:pPr algn="l">
+              <a:lnSpc>
+                <a:spcPct val="200000"/>
+              </a:lnSpc>
+            </a:pPr>
+            <a:endParaRPr lang="pt-PT" sz="1600" dirty="0"/>
+          </a:p>
+        </p:txBody>
+      </p:sp>
+    </p:spTree>
+    <p:extLst>
+      <p:ext uri="{BB962C8B-B14F-4D97-AF65-F5344CB8AC3E}">
+        <p14:creationId xmlns:p14="http://schemas.microsoft.com/office/powerpoint/2010/main" val="3992655091"/>
       </p:ext>
     </p:extLst>
   </p:cSld>
@@ -4388,7 +6579,7 @@
         <p:spPr>
           <a:xfrm>
             <a:off x="1172879" y="1580844"/>
-            <a:ext cx="6912767" cy="5078313"/>
+            <a:ext cx="6912767" cy="5632311"/>
           </a:xfrm>
           <a:prstGeom prst="rect">
             <a:avLst/>
@@ -4406,7 +6597,7 @@
               <a:buChar char="Ø"/>
             </a:pPr>
             <a:r>
-              <a:rPr lang="pt-PT" dirty="0" smtClean="0"/>
+              <a:rPr lang="pt-PT" sz="2400" dirty="0" smtClean="0"/>
               <a:t>Enquadramento</a:t>
             </a:r>
           </a:p>
@@ -4416,7 +6607,7 @@
               <a:buChar char="Ø"/>
             </a:pPr>
             <a:r>
-              <a:rPr lang="pt-PT" dirty="0" smtClean="0"/>
+              <a:rPr lang="pt-PT" sz="2400" dirty="0" smtClean="0"/>
               <a:t>Motivação \ Problema</a:t>
             </a:r>
           </a:p>
@@ -4426,7 +6617,7 @@
               <a:buChar char="Ø"/>
             </a:pPr>
             <a:r>
-              <a:rPr lang="pt-PT" dirty="0" smtClean="0"/>
+              <a:rPr lang="pt-PT" sz="2400" dirty="0" smtClean="0"/>
               <a:t>Objetivo</a:t>
             </a:r>
           </a:p>
@@ -4436,9 +6627,20 @@
               <a:buChar char="Ø"/>
             </a:pPr>
             <a:r>
-              <a:rPr lang="pt-PT" dirty="0" smtClean="0"/>
-              <a:t>Plataforma</a:t>
-            </a:r>
+              <a:rPr lang="pt-PT" sz="2400" dirty="0" smtClean="0"/>
+              <a:t>Solução</a:t>
+            </a:r>
+          </a:p>
+          <a:p>
+            <a:pPr marL="285750" indent="-285750">
+              <a:buFont typeface="Wingdings" panose="05000000000000000000" pitchFamily="2" charset="2"/>
+              <a:buChar char="Ø"/>
+            </a:pPr>
+            <a:r>
+              <a:rPr lang="pt-PT" sz="2400" dirty="0" smtClean="0"/>
+              <a:t>Arquitetura</a:t>
+            </a:r>
+            <a:endParaRPr lang="pt-PT" sz="2400" dirty="0"/>
           </a:p>
           <a:p>
             <a:pPr marL="742950" lvl="1" indent="-285750">
@@ -4446,8 +6648,28 @@
               <a:buChar char="q"/>
             </a:pPr>
             <a:r>
-              <a:rPr lang="pt-PT" dirty="0" smtClean="0"/>
-              <a:t>Utilizador</a:t>
+              <a:rPr lang="pt-PT" sz="2400" dirty="0" smtClean="0"/>
+              <a:t>Componente Web</a:t>
+            </a:r>
+          </a:p>
+          <a:p>
+            <a:pPr marL="1200150" lvl="2" indent="-285750">
+              <a:buFont typeface="Wingdings" panose="05000000000000000000" pitchFamily="2" charset="2"/>
+              <a:buChar char="ü"/>
+            </a:pPr>
+            <a:r>
+              <a:rPr lang="pt-PT" sz="2400" dirty="0" smtClean="0"/>
+              <a:t>Plataforma do utilizador</a:t>
+            </a:r>
+          </a:p>
+          <a:p>
+            <a:pPr marL="1200150" lvl="2" indent="-285750">
+              <a:buFont typeface="Wingdings" panose="05000000000000000000" pitchFamily="2" charset="2"/>
+              <a:buChar char="ü"/>
+            </a:pPr>
+            <a:r>
+              <a:rPr lang="pt-PT" sz="2400" dirty="0" smtClean="0"/>
+              <a:t>Plataforma do administrador</a:t>
             </a:r>
           </a:p>
           <a:p>
@@ -4456,8 +6678,18 @@
               <a:buChar char="q"/>
             </a:pPr>
             <a:r>
-              <a:rPr lang="pt-PT" dirty="0" smtClean="0"/>
-              <a:t>Administrador</a:t>
+              <a:rPr lang="pt-PT" sz="2400" dirty="0" smtClean="0"/>
+              <a:t>Componente Worker</a:t>
+            </a:r>
+          </a:p>
+          <a:p>
+            <a:pPr marL="742950" lvl="1" indent="-285750">
+              <a:buFont typeface="Wingdings" panose="05000000000000000000" pitchFamily="2" charset="2"/>
+              <a:buChar char="q"/>
+            </a:pPr>
+            <a:r>
+              <a:rPr lang="pt-PT" sz="2400" dirty="0" smtClean="0"/>
+              <a:t>Componente Hub</a:t>
             </a:r>
           </a:p>
           <a:p>
@@ -4466,58 +6698,8 @@
               <a:buChar char="Ø"/>
             </a:pPr>
             <a:r>
-              <a:rPr lang="pt-PT" dirty="0" smtClean="0"/>
-              <a:t>Implementação</a:t>
-            </a:r>
-          </a:p>
-          <a:p>
-            <a:pPr marL="742950" lvl="1" indent="-285750">
-              <a:buFont typeface="Wingdings" panose="05000000000000000000" pitchFamily="2" charset="2"/>
-              <a:buChar char="q"/>
-            </a:pPr>
-            <a:r>
-              <a:rPr lang="pt-PT" dirty="0" smtClean="0"/>
-              <a:t>Solução</a:t>
-            </a:r>
-          </a:p>
-          <a:p>
-            <a:pPr marL="742950" lvl="1" indent="-285750">
-              <a:buFont typeface="Wingdings" panose="05000000000000000000" pitchFamily="2" charset="2"/>
-              <a:buChar char="q"/>
-            </a:pPr>
-            <a:r>
-              <a:rPr lang="pt-PT" dirty="0" smtClean="0"/>
-              <a:t>Arquitetura</a:t>
-            </a:r>
-          </a:p>
-          <a:p>
-            <a:pPr marL="1200150" lvl="2" indent="-285750">
-              <a:buFont typeface="Wingdings" panose="05000000000000000000" pitchFamily="2" charset="2"/>
-              <a:buChar char="ü"/>
-            </a:pPr>
-            <a:r>
-              <a:rPr lang="pt-PT" dirty="0" smtClean="0"/>
-              <a:t>Componente Web</a:t>
-            </a:r>
-          </a:p>
-          <a:p>
-            <a:pPr marL="1200150" lvl="2" indent="-285750">
-              <a:buFont typeface="Wingdings" panose="05000000000000000000" pitchFamily="2" charset="2"/>
-              <a:buChar char="ü"/>
-            </a:pPr>
-            <a:r>
-              <a:rPr lang="pt-PT" dirty="0" smtClean="0"/>
-              <a:t>Componente Worker</a:t>
-            </a:r>
-          </a:p>
-          <a:p>
-            <a:pPr marL="1200150" lvl="2" indent="-285750">
-              <a:buFont typeface="Wingdings" panose="05000000000000000000" pitchFamily="2" charset="2"/>
-              <a:buChar char="ü"/>
-            </a:pPr>
-            <a:r>
-              <a:rPr lang="pt-PT" dirty="0" smtClean="0"/>
-              <a:t>Componente Hub</a:t>
+              <a:rPr lang="pt-PT" sz="2400" dirty="0" smtClean="0"/>
+              <a:t>Demonstração</a:t>
             </a:r>
           </a:p>
           <a:p>
@@ -4526,20 +6708,10 @@
               <a:buChar char="Ø"/>
             </a:pPr>
             <a:r>
-              <a:rPr lang="pt-PT" dirty="0" smtClean="0"/>
-              <a:t>Demonstração</a:t>
-            </a:r>
-          </a:p>
-          <a:p>
-            <a:pPr marL="285750" indent="-285750">
-              <a:buFont typeface="Wingdings" panose="05000000000000000000" pitchFamily="2" charset="2"/>
-              <a:buChar char="Ø"/>
-            </a:pPr>
-            <a:r>
-              <a:rPr lang="pt-PT" dirty="0"/>
+              <a:rPr lang="pt-PT" sz="2400" dirty="0"/>
               <a:t>Conclusão</a:t>
             </a:r>
-            <a:endParaRPr lang="pt-PT" dirty="0" smtClean="0"/>
+            <a:endParaRPr lang="pt-PT" sz="2400" dirty="0" smtClean="0"/>
           </a:p>
           <a:p>
             <a:pPr marL="742950" lvl="1" indent="-285750">
@@ -4670,7 +6842,7 @@
       </p:sp>
       <p:pic>
         <p:nvPicPr>
-          <p:cNvPr id="1026" name="Picture 2"/>
+          <p:cNvPr id="3" name="Picture 2"/>
           <p:cNvPicPr>
             <a:picLocks noChangeAspect="1" noChangeArrowheads="1"/>
           </p:cNvPicPr>
@@ -4691,8 +6863,8 @@
         </p:blipFill>
         <p:spPr bwMode="auto">
           <a:xfrm>
-            <a:off x="3707904" y="2621130"/>
-            <a:ext cx="5331044" cy="4007109"/>
+            <a:off x="3947018" y="2924944"/>
+            <a:ext cx="4950870" cy="3721993"/>
           </a:xfrm>
           <a:prstGeom prst="rect">
             <a:avLst/>
@@ -4724,7 +6896,7 @@
       </p:pic>
       <p:sp>
         <p:nvSpPr>
-          <p:cNvPr id="5" name="CaixaDeTexto 4"/>
+          <p:cNvPr id="6" name="CaixaDeTexto 4"/>
           <p:cNvSpPr txBox="1"/>
           <p:nvPr/>
         </p:nvSpPr>
@@ -4910,8 +7082,8 @@
         </p:nvSpPr>
         <p:spPr>
           <a:xfrm>
-            <a:off x="1172879" y="1580844"/>
-            <a:ext cx="6912767" cy="4524315"/>
+            <a:off x="395536" y="1916832"/>
+            <a:ext cx="6912767" cy="4031873"/>
           </a:xfrm>
           <a:prstGeom prst="rect">
             <a:avLst/>
@@ -4924,9 +7096,6 @@
           </a:bodyPr>
           <a:lstStyle/>
           <a:p>
-            <a:endParaRPr lang="pt-PT" sz="3200" dirty="0" smtClean="0"/>
-          </a:p>
-          <a:p>
             <a:endParaRPr lang="pt-PT" sz="3200" dirty="0"/>
           </a:p>
           <a:p>
@@ -4936,11 +7105,15 @@
             </a:pPr>
             <a:r>
               <a:rPr lang="pt-PT" sz="3200" dirty="0" smtClean="0"/>
-              <a:t> Compilação </a:t>
+              <a:t> Compilação e testes diários </a:t>
             </a:r>
             <a:r>
               <a:rPr lang="pt-PT" sz="3200" dirty="0" smtClean="0"/>
-              <a:t>e testes diarios do código</a:t>
+              <a:t>de </a:t>
+            </a:r>
+            <a:r>
+              <a:rPr lang="pt-PT" sz="3200" dirty="0" smtClean="0"/>
+              <a:t>código</a:t>
             </a:r>
           </a:p>
           <a:p>
@@ -4964,25 +7137,13 @@
             </a:pPr>
             <a:r>
               <a:rPr lang="pt-PT" sz="3200" dirty="0" smtClean="0"/>
-              <a:t> Ambientes </a:t>
-            </a:r>
+              <a:t> Ambientes de execução com  </a:t>
+            </a:r>
+          </a:p>
+          <a:p>
             <a:r>
               <a:rPr lang="pt-PT" sz="3200" dirty="0" smtClean="0"/>
-              <a:t>de execução </a:t>
-            </a:r>
-            <a:r>
-              <a:rPr lang="pt-PT" sz="3200" dirty="0" smtClean="0"/>
-              <a:t>com  </a:t>
-            </a:r>
-          </a:p>
-          <a:p>
-            <a:r>
-              <a:rPr lang="pt-PT" sz="3200" dirty="0" smtClean="0"/>
-              <a:t>    propriedades </a:t>
-            </a:r>
-            <a:r>
-              <a:rPr lang="pt-PT" sz="3200" dirty="0" smtClean="0"/>
-              <a:t>diferentes</a:t>
+              <a:t>    propriedades diferentes</a:t>
             </a:r>
           </a:p>
           <a:p>
@@ -5094,16 +7255,70 @@
           </a:p>
         </p:txBody>
       </p:sp>
-      <p:sp>
-        <p:nvSpPr>
-          <p:cNvPr id="4" name="CaixaDeTexto 4"/>
+      <p:pic>
+        <p:nvPicPr>
+          <p:cNvPr id="5" name="Picture 2"/>
+          <p:cNvPicPr>
+            <a:picLocks noChangeAspect="1" noChangeArrowheads="1"/>
+          </p:cNvPicPr>
+          <p:nvPr/>
+        </p:nvPicPr>
+        <p:blipFill>
+          <a:blip r:embed="rId3">
+            <a:extLst>
+              <a:ext uri="{28A0092B-C50C-407E-A947-70E740481C1C}">
+                <a14:useLocalDpi xmlns:a14="http://schemas.microsoft.com/office/drawing/2010/main" val="0"/>
+              </a:ext>
+            </a:extLst>
+          </a:blip>
+          <a:srcRect/>
+          <a:stretch>
+            <a:fillRect/>
+          </a:stretch>
+        </p:blipFill>
+        <p:spPr bwMode="auto">
+          <a:xfrm>
+            <a:off x="3419872" y="2248702"/>
+            <a:ext cx="5467294" cy="4221451"/>
+          </a:xfrm>
+          <a:prstGeom prst="rect">
+            <a:avLst/>
+          </a:prstGeom>
+          <a:noFill/>
+          <a:ln>
+            <a:noFill/>
+          </a:ln>
+          <a:extLst>
+            <a:ext uri="{909E8E84-426E-40DD-AFC4-6F175D3DCCD1}">
+              <a14:hiddenFill xmlns:a14="http://schemas.microsoft.com/office/drawing/2010/main">
+                <a:solidFill>
+                  <a:schemeClr val="accent1"/>
+                </a:solidFill>
+              </a14:hiddenFill>
+            </a:ext>
+            <a:ext uri="{91240B29-F687-4F45-9708-019B960494DF}">
+              <a14:hiddenLine xmlns:a14="http://schemas.microsoft.com/office/drawing/2010/main" w="9525">
+                <a:solidFill>
+                  <a:schemeClr val="tx1"/>
+                </a:solidFill>
+                <a:miter lim="800000"/>
+                <a:headEnd/>
+                <a:tailEnd/>
+              </a14:hiddenLine>
+            </a:ext>
+          </a:extLst>
+        </p:spPr>
+      </p:pic>
+      <p:sp>
+        <p:nvSpPr>
+          <p:cNvPr id="6" name="CaixaDeTexto 4"/>
           <p:cNvSpPr txBox="1"/>
           <p:nvPr/>
         </p:nvSpPr>
         <p:spPr>
           <a:xfrm>
-            <a:off x="1172879" y="1580844"/>
-            <a:ext cx="6912767" cy="4524315"/>
+            <a:off x="251520" y="1916832"/>
+            <a:ext cx="8136904" cy="2308324"/>
           </a:xfrm>
           <a:prstGeom prst="rect">
             <a:avLst/>
@@ -5116,32 +7331,17 @@
           </a:bodyPr>
           <a:lstStyle/>
           <a:p>
-            <a:pPr marL="285750" indent="-285750">
-              <a:buFont typeface="Wingdings" panose="05000000000000000000" pitchFamily="2" charset="2"/>
-              <a:buChar char="Ø"/>
-            </a:pPr>
-            <a:endParaRPr lang="pt-PT" sz="3200" dirty="0" smtClean="0"/>
-          </a:p>
-          <a:p>
             <a:pPr marL="457200" indent="-457200">
               <a:buFont typeface="Wingdings" panose="05000000000000000000" pitchFamily="2" charset="2"/>
               <a:buChar char="Ø"/>
             </a:pPr>
             <a:r>
-              <a:rPr lang="pt-PT" sz="3200" dirty="0" smtClean="0"/>
-              <a:t>A</a:t>
-            </a:r>
-            <a:r>
-              <a:rPr lang="pt-PT" sz="3200" dirty="0" smtClean="0"/>
-              <a:t>utomatização </a:t>
-            </a:r>
-            <a:r>
-              <a:rPr lang="pt-PT" sz="3200" dirty="0" smtClean="0"/>
-              <a:t>de compilação e execução de testes.</a:t>
-            </a:r>
-          </a:p>
-          <a:p>
-            <a:endParaRPr lang="pt-PT" sz="3200" dirty="0" smtClean="0"/>
+              <a:rPr lang="pt-PT" sz="2400" dirty="0" smtClean="0"/>
+              <a:t>Automatização da compilação e execução de testes.</a:t>
+            </a:r>
+          </a:p>
+          <a:p>
+            <a:endParaRPr lang="pt-PT" sz="2400" dirty="0" smtClean="0"/>
           </a:p>
           <a:p>
             <a:pPr marL="457200" indent="-457200">
@@ -5149,8 +7349,38 @@
               <a:buChar char="Ø"/>
             </a:pPr>
             <a:r>
-              <a:rPr lang="pt-PT" sz="3200" dirty="0" smtClean="0"/>
-              <a:t>Ambientes Linux à medida, isolados para execução.</a:t>
+              <a:rPr lang="pt-PT" sz="2400" dirty="0" smtClean="0"/>
+              <a:t>Ambientes Linux </a:t>
+            </a:r>
+            <a:r>
+              <a:rPr lang="pt-PT" sz="2400" dirty="0" smtClean="0"/>
+              <a:t>à medida</a:t>
+            </a:r>
+            <a:r>
+              <a:rPr lang="pt-PT" sz="2400" dirty="0" smtClean="0"/>
+              <a:t>, </a:t>
+            </a:r>
+            <a:r>
+              <a:rPr lang="pt-PT" sz="2400" dirty="0" smtClean="0"/>
+              <a:t>isolados </a:t>
+            </a:r>
+          </a:p>
+          <a:p>
+            <a:r>
+              <a:rPr lang="pt-PT" sz="2400" dirty="0"/>
+              <a:t> </a:t>
+            </a:r>
+            <a:r>
+              <a:rPr lang="pt-PT" sz="2400" dirty="0" smtClean="0"/>
+              <a:t>     </a:t>
+            </a:r>
+            <a:r>
+              <a:rPr lang="pt-PT" sz="2400" dirty="0" smtClean="0"/>
+              <a:t>para </a:t>
+            </a:r>
+            <a:r>
+              <a:rPr lang="pt-PT" sz="2400" dirty="0" smtClean="0"/>
+              <a:t>execução.</a:t>
             </a:r>
           </a:p>
           <a:p>
@@ -5158,7 +7388,7 @@
               <a:buFont typeface="Wingdings" panose="05000000000000000000" pitchFamily="2" charset="2"/>
               <a:buChar char="Ø"/>
             </a:pPr>
-            <a:endParaRPr lang="pt-PT" sz="3200" dirty="0"/>
+            <a:endParaRPr lang="pt-PT" sz="2400" dirty="0"/>
           </a:p>
           <a:p>
             <a:pPr marL="457200" indent="-457200">
@@ -5166,14 +7396,14 @@
               <a:buChar char="Ø"/>
             </a:pPr>
             <a:r>
-              <a:rPr lang="pt-PT" sz="3200" dirty="0" smtClean="0"/>
-              <a:t>Comunicação dos </a:t>
-            </a:r>
-            <a:r>
-              <a:rPr lang="pt-PT" sz="3200" dirty="0" smtClean="0"/>
-              <a:t>resultados da compilação e testes</a:t>
-            </a:r>
-            <a:endParaRPr lang="pt-PT" sz="3200" dirty="0" smtClean="0"/>
+              <a:rPr lang="pt-PT" sz="2400" dirty="0" smtClean="0"/>
+              <a:t>Comunicação </a:t>
+            </a:r>
+            <a:r>
+              <a:rPr lang="pt-PT" sz="2400" dirty="0" smtClean="0"/>
+              <a:t>dos resultados</a:t>
+            </a:r>
+            <a:endParaRPr lang="pt-PT" sz="2400" dirty="0" smtClean="0"/>
           </a:p>
         </p:txBody>
       </p:sp>
@@ -5253,7 +7483,7 @@
                 </a:effectLst>
                 <a:latin typeface="Century Schoolbook (Заголовки)"/>
               </a:rPr>
-              <a:t>Platforma Web</a:t>
+              <a:t>Solução</a:t>
             </a:r>
             <a:endParaRPr lang="en-US" sz="3000" b="1" dirty="0">
               <a:solidFill>
@@ -5274,16 +7504,70 @@
           </a:p>
         </p:txBody>
       </p:sp>
-      <p:sp>
-        <p:nvSpPr>
-          <p:cNvPr id="4" name="CaixaDeTexto 4"/>
+      <p:pic>
+        <p:nvPicPr>
+          <p:cNvPr id="2051" name="Picture 3"/>
+          <p:cNvPicPr>
+            <a:picLocks noChangeAspect="1" noChangeArrowheads="1"/>
+          </p:cNvPicPr>
+          <p:nvPr/>
+        </p:nvPicPr>
+        <p:blipFill>
+          <a:blip r:embed="rId3">
+            <a:extLst>
+              <a:ext uri="{28A0092B-C50C-407E-A947-70E740481C1C}">
+                <a14:useLocalDpi xmlns:a14="http://schemas.microsoft.com/office/drawing/2010/main" val="0"/>
+              </a:ext>
+            </a:extLst>
+          </a:blip>
+          <a:srcRect/>
+          <a:stretch>
+            <a:fillRect/>
+          </a:stretch>
+        </p:blipFill>
+        <p:spPr bwMode="auto">
+          <a:xfrm>
+            <a:off x="472835" y="2780928"/>
+            <a:ext cx="8029575" cy="3776139"/>
+          </a:xfrm>
+          <a:prstGeom prst="rect">
+            <a:avLst/>
+          </a:prstGeom>
+          <a:noFill/>
+          <a:ln>
+            <a:noFill/>
+          </a:ln>
+          <a:extLst>
+            <a:ext uri="{909E8E84-426E-40DD-AFC4-6F175D3DCCD1}">
+              <a14:hiddenFill xmlns:a14="http://schemas.microsoft.com/office/drawing/2010/main">
+                <a:solidFill>
+                  <a:schemeClr val="accent1"/>
+                </a:solidFill>
+              </a14:hiddenFill>
+            </a:ext>
+            <a:ext uri="{91240B29-F687-4F45-9708-019B960494DF}">
+              <a14:hiddenLine xmlns:a14="http://schemas.microsoft.com/office/drawing/2010/main" w="9525">
+                <a:solidFill>
+                  <a:schemeClr val="tx1"/>
+                </a:solidFill>
+                <a:miter lim="800000"/>
+                <a:headEnd/>
+                <a:tailEnd/>
+              </a14:hiddenLine>
+            </a:ext>
+          </a:extLst>
+        </p:spPr>
+      </p:pic>
+      <p:sp>
+        <p:nvSpPr>
+          <p:cNvPr id="3" name="TextBox 2"/>
           <p:cNvSpPr txBox="1"/>
           <p:nvPr/>
         </p:nvSpPr>
         <p:spPr>
           <a:xfrm>
-            <a:off x="1186020" y="1556206"/>
-            <a:ext cx="6912767" cy="3231654"/>
+            <a:off x="611560" y="1340768"/>
+            <a:ext cx="7890851" cy="1877437"/>
           </a:xfrm>
           <a:prstGeom prst="rect">
             <a:avLst/>
@@ -5296,117 +7580,78 @@
           </a:bodyPr>
           <a:lstStyle/>
           <a:p>
-            <a:pPr marL="457200" indent="-457200">
+            <a:pPr marL="342900" indent="-342900">
               <a:buFont typeface="Wingdings" panose="05000000000000000000" pitchFamily="2" charset="2"/>
               <a:buChar char="Ø"/>
             </a:pPr>
             <a:r>
-              <a:rPr lang="pt-PT" sz="3200" dirty="0" smtClean="0"/>
-              <a:t>Perfil Utilizador</a:t>
-            </a:r>
-          </a:p>
-          <a:p>
-            <a:pPr marL="914400" lvl="1" indent="-457200">
-              <a:buFont typeface="Wingdings" panose="05000000000000000000" pitchFamily="2" charset="2"/>
-              <a:buChar char="q"/>
-            </a:pPr>
-            <a:r>
               <a:rPr lang="pt-PT" sz="2000" dirty="0" smtClean="0"/>
-              <a:t>Escolher </a:t>
+              <a:t>Gestor de ambientes virtuais com  a base nos contentores Linux “</a:t>
+            </a:r>
+            <a:r>
+              <a:rPr lang="pt-PT" sz="2000" i="1" dirty="0" smtClean="0"/>
+              <a:t>LXC</a:t>
             </a:r>
             <a:r>
               <a:rPr lang="pt-PT" sz="2000" dirty="0" smtClean="0"/>
-              <a:t>um </a:t>
-            </a:r>
-            <a:r>
-              <a:rPr lang="pt-PT" sz="2000" dirty="0" smtClean="0"/>
-              <a:t>ambiente </a:t>
-            </a:r>
-            <a:r>
-              <a:rPr lang="pt-PT" sz="2000" dirty="0" smtClean="0"/>
-              <a:t>a medida</a:t>
-            </a:r>
-            <a:endParaRPr lang="pt-PT" sz="2000" dirty="0" smtClean="0"/>
-          </a:p>
-          <a:p>
-            <a:pPr marL="914400" lvl="1" indent="-457200">
-              <a:buFont typeface="Wingdings" panose="05000000000000000000" pitchFamily="2" charset="2"/>
-              <a:buChar char="q"/>
-            </a:pPr>
-            <a:r>
-              <a:rPr lang="pt-PT" sz="2000" dirty="0" smtClean="0"/>
-              <a:t>Associar o repositorio do código</a:t>
-            </a:r>
-          </a:p>
-          <a:p>
-            <a:pPr marL="914400" lvl="1" indent="-457200">
-              <a:buFont typeface="Wingdings" panose="05000000000000000000" pitchFamily="2" charset="2"/>
-              <a:buChar char="q"/>
-            </a:pPr>
-            <a:r>
-              <a:rPr lang="pt-PT" sz="2000" dirty="0" smtClean="0"/>
-              <a:t>Defenir comandos para execução</a:t>
-            </a:r>
-          </a:p>
-          <a:p>
-            <a:pPr marL="914400" lvl="1" indent="-457200">
-              <a:buFont typeface="Wingdings" panose="05000000000000000000" pitchFamily="2" charset="2"/>
-              <a:buChar char="q"/>
-            </a:pPr>
-            <a:r>
-              <a:rPr lang="pt-PT" sz="2000" dirty="0" smtClean="0"/>
-              <a:t>Executar e recolher resultados</a:t>
-            </a:r>
-            <a:endParaRPr lang="pt-PT" sz="3200" dirty="0" smtClean="0"/>
-          </a:p>
-          <a:p>
-            <a:pPr marL="457200" indent="-457200">
+              <a:t>” </a:t>
+            </a:r>
+          </a:p>
+          <a:p>
+            <a:pPr marL="342900" indent="-342900">
               <a:buFont typeface="Wingdings" panose="05000000000000000000" pitchFamily="2" charset="2"/>
               <a:buChar char="Ø"/>
             </a:pPr>
             <a:r>
-              <a:rPr lang="pt-PT" sz="3200" dirty="0" smtClean="0"/>
-              <a:t>Perfil </a:t>
-            </a:r>
-            <a:r>
-              <a:rPr lang="pt-PT" sz="3200" dirty="0" smtClean="0"/>
-              <a:t>Adminstrador</a:t>
-            </a:r>
-          </a:p>
-          <a:p>
-            <a:pPr marL="914400" lvl="1" indent="-457200">
+              <a:rPr lang="pt-PT" sz="2000" dirty="0" smtClean="0"/>
+              <a:t>Plataforma Node.Js</a:t>
+            </a:r>
+          </a:p>
+          <a:p>
+            <a:pPr marL="342900" indent="-342900">
               <a:buFont typeface="Wingdings" panose="05000000000000000000" pitchFamily="2" charset="2"/>
-              <a:buChar char="q"/>
+              <a:buChar char="Ø"/>
             </a:pPr>
             <a:r>
               <a:rPr lang="pt-PT" sz="2000" dirty="0" smtClean="0"/>
-              <a:t>Gestão de utilizadores</a:t>
-            </a:r>
-          </a:p>
-          <a:p>
-            <a:pPr marL="914400" lvl="1" indent="-457200">
+              <a:t>Comunicação atravez de estruturas </a:t>
+            </a:r>
+            <a:r>
+              <a:rPr lang="pt-PT" sz="2000" i="1" dirty="0" smtClean="0"/>
+              <a:t>Redis</a:t>
+            </a:r>
+            <a:r>
+              <a:rPr lang="pt-PT" sz="2000" dirty="0" smtClean="0"/>
+              <a:t>.</a:t>
+            </a:r>
+            <a:endParaRPr lang="pt-PT" sz="2000" dirty="0" smtClean="0"/>
+          </a:p>
+          <a:p>
+            <a:pPr marL="342900" indent="-342900">
               <a:buFont typeface="Wingdings" panose="05000000000000000000" pitchFamily="2" charset="2"/>
-              <a:buChar char="q"/>
+              <a:buChar char="Ø"/>
             </a:pPr>
             <a:r>
               <a:rPr lang="pt-PT" sz="2000" dirty="0" smtClean="0"/>
-              <a:t>Gestão de contentores</a:t>
-            </a:r>
-            <a:endParaRPr lang="pt-PT" sz="2000" dirty="0" smtClean="0"/>
-          </a:p>
-          <a:p>
-            <a:pPr marL="914400" lvl="1" indent="-457200">
-              <a:buFont typeface="Wingdings" panose="05000000000000000000" pitchFamily="2" charset="2"/>
-              <a:buChar char="q"/>
-            </a:pPr>
-            <a:endParaRPr lang="pt-PT" sz="2000" dirty="0" smtClean="0"/>
+              <a:t>Bases de dados relacionais</a:t>
+            </a:r>
+          </a:p>
+          <a:p>
+            <a:endParaRPr lang="pt-PT" dirty="0" smtClean="0"/>
+          </a:p>
+          <a:p>
+            <a:pPr marL="285750" indent="-285750">
+              <a:buFont typeface="Arial" panose="020B0604020202020204" pitchFamily="34" charset="0"/>
+              <a:buChar char="•"/>
+            </a:pPr>
+            <a:endParaRPr lang="en-US" dirty="0"/>
           </a:p>
         </p:txBody>
       </p:sp>
     </p:spTree>
     <p:extLst>
       <p:ext uri="{BB962C8B-B14F-4D97-AF65-F5344CB8AC3E}">
-        <p14:creationId xmlns:p14="http://schemas.microsoft.com/office/powerpoint/2010/main" val="3616229689"/>
+        <p14:creationId xmlns:p14="http://schemas.microsoft.com/office/powerpoint/2010/main" val="3490374745"/>
       </p:ext>
     </p:extLst>
   </p:cSld>
@@ -5452,8 +7697,8 @@
         </p:nvSpPr>
         <p:spPr>
           <a:xfrm>
-            <a:off x="755576" y="188640"/>
-            <a:ext cx="7772400" cy="1470025"/>
+            <a:off x="755576" y="188641"/>
+            <a:ext cx="7772400" cy="1008111"/>
           </a:xfrm>
         </p:spPr>
         <p:txBody>
@@ -5479,7 +7724,7 @@
                 </a:effectLst>
                 <a:latin typeface="Century Schoolbook (Заголовки)"/>
               </a:rPr>
-              <a:t>Solução</a:t>
+              <a:t>Arquitetura</a:t>
             </a:r>
             <a:endParaRPr lang="en-US" sz="3000" b="1" dirty="0">
               <a:solidFill>
@@ -5500,16 +7745,70 @@
           </a:p>
         </p:txBody>
       </p:sp>
-      <p:sp>
-        <p:nvSpPr>
-          <p:cNvPr id="4" name="CaixaDeTexto 4"/>
+      <p:pic>
+        <p:nvPicPr>
+          <p:cNvPr id="1026" name="Picture 2"/>
+          <p:cNvPicPr>
+            <a:picLocks noChangeAspect="1" noChangeArrowheads="1"/>
+          </p:cNvPicPr>
+          <p:nvPr/>
+        </p:nvPicPr>
+        <p:blipFill>
+          <a:blip r:embed="rId3">
+            <a:extLst>
+              <a:ext uri="{28A0092B-C50C-407E-A947-70E740481C1C}">
+                <a14:useLocalDpi xmlns:a14="http://schemas.microsoft.com/office/drawing/2010/main" val="0"/>
+              </a:ext>
+            </a:extLst>
+          </a:blip>
+          <a:srcRect/>
+          <a:stretch>
+            <a:fillRect/>
+          </a:stretch>
+        </p:blipFill>
+        <p:spPr bwMode="auto">
+          <a:xfrm>
+            <a:off x="873816" y="2276872"/>
+            <a:ext cx="7458384" cy="4349994"/>
+          </a:xfrm>
+          <a:prstGeom prst="rect">
+            <a:avLst/>
+          </a:prstGeom>
+          <a:noFill/>
+          <a:ln>
+            <a:noFill/>
+          </a:ln>
+          <a:extLst>
+            <a:ext uri="{909E8E84-426E-40DD-AFC4-6F175D3DCCD1}">
+              <a14:hiddenFill xmlns:a14="http://schemas.microsoft.com/office/drawing/2010/main">
+                <a:solidFill>
+                  <a:schemeClr val="accent1"/>
+                </a:solidFill>
+              </a14:hiddenFill>
+            </a:ext>
+            <a:ext uri="{91240B29-F687-4F45-9708-019B960494DF}">
+              <a14:hiddenLine xmlns:a14="http://schemas.microsoft.com/office/drawing/2010/main" w="9525">
+                <a:solidFill>
+                  <a:schemeClr val="tx1"/>
+                </a:solidFill>
+                <a:miter lim="800000"/>
+                <a:headEnd/>
+                <a:tailEnd/>
+              </a14:hiddenLine>
+            </a:ext>
+          </a:extLst>
+        </p:spPr>
+      </p:pic>
+      <p:sp>
+        <p:nvSpPr>
+          <p:cNvPr id="3" name="TextBox 2"/>
           <p:cNvSpPr txBox="1"/>
           <p:nvPr/>
         </p:nvSpPr>
         <p:spPr>
           <a:xfrm>
-            <a:off x="1186020" y="1556206"/>
-            <a:ext cx="6912767" cy="1384995"/>
+            <a:off x="588562" y="1268759"/>
+            <a:ext cx="8028892" cy="830997"/>
           </a:xfrm>
           <a:prstGeom prst="rect">
             <a:avLst/>
@@ -5522,28 +7821,617 @@
           </a:bodyPr>
           <a:lstStyle/>
           <a:p>
-            <a:endParaRPr lang="pt-PT" sz="3200" dirty="0" smtClean="0"/>
-          </a:p>
-          <a:p>
-            <a:pPr marL="457200" indent="-457200">
+            <a:pPr marL="285750" indent="-285750">
               <a:buFont typeface="Wingdings" panose="05000000000000000000" pitchFamily="2" charset="2"/>
               <a:buChar char="Ø"/>
             </a:pPr>
-            <a:endParaRPr lang="pt-PT" sz="3200" dirty="0" smtClean="0"/>
+            <a:r>
+              <a:rPr lang="pt-BR" sz="2400" dirty="0" smtClean="0"/>
+              <a:t>Unidades </a:t>
+            </a:r>
+            <a:r>
+              <a:rPr lang="pt-BR" sz="2400" dirty="0"/>
+              <a:t>de serviço auto-suficientes fracamente </a:t>
+            </a:r>
+            <a:r>
+              <a:rPr lang="pt-BR" sz="2400" dirty="0" smtClean="0"/>
+              <a:t>acopladas.</a:t>
+            </a:r>
+          </a:p>
+          <a:p>
+            <a:pPr marL="285750" indent="-285750">
+              <a:buFont typeface="Wingdings" panose="05000000000000000000" pitchFamily="2" charset="2"/>
+              <a:buChar char="Ø"/>
+            </a:pPr>
+            <a:r>
+              <a:rPr lang="pt-BR" sz="2400" dirty="0" smtClean="0"/>
+              <a:t>Alta disponibilidade.</a:t>
+            </a:r>
+            <a:endParaRPr lang="en-US" sz="2400" dirty="0"/>
+          </a:p>
+        </p:txBody>
+      </p:sp>
+    </p:spTree>
+    <p:extLst>
+      <p:ext uri="{BB962C8B-B14F-4D97-AF65-F5344CB8AC3E}">
+        <p14:creationId xmlns:p14="http://schemas.microsoft.com/office/powerpoint/2010/main" val="3430653683"/>
+      </p:ext>
+    </p:extLst>
+  </p:cSld>
+  <p:clrMapOvr>
+    <a:masterClrMapping/>
+  </p:clrMapOvr>
+  <p:timing>
+    <p:tnLst>
+      <p:par>
+        <p:cTn id="1" dur="indefinite" restart="never" nodeType="tmRoot"/>
+      </p:par>
+    </p:tnLst>
+  </p:timing>
+</p:sld>
+</file>
+
+<file path=ppt/slides/slide8.xml><?xml version="1.0" encoding="utf-8"?>
+<p:sld xmlns:a="http://schemas.openxmlformats.org/drawingml/2006/main" xmlns:r="http://schemas.openxmlformats.org/officeDocument/2006/relationships" xmlns:p="http://schemas.openxmlformats.org/presentationml/2006/main">
+  <p:cSld>
+    <p:spTree>
+      <p:nvGrpSpPr>
+        <p:cNvPr id="1" name=""/>
+        <p:cNvGrpSpPr/>
+        <p:nvPr/>
+      </p:nvGrpSpPr>
+      <p:grpSpPr>
+        <a:xfrm>
+          <a:off x="0" y="0"/>
+          <a:ext cx="0" cy="0"/>
+          <a:chOff x="0" y="0"/>
+          <a:chExt cx="0" cy="0"/>
+        </a:xfrm>
+      </p:grpSpPr>
+      <p:sp>
+        <p:nvSpPr>
+          <p:cNvPr id="7" name="Заголовок 1"/>
+          <p:cNvSpPr txBox="1">
+            <a:spLocks/>
+          </p:cNvSpPr>
+          <p:nvPr/>
+        </p:nvSpPr>
+        <p:spPr>
+          <a:xfrm>
+            <a:off x="755576" y="188640"/>
+            <a:ext cx="7772400" cy="1470025"/>
+          </a:xfrm>
+          <a:prstGeom prst="rect">
+            <a:avLst/>
+          </a:prstGeom>
+        </p:spPr>
+        <p:txBody>
+          <a:bodyPr vert="horz" lIns="91440" tIns="45720" rIns="91440" bIns="45720" rtlCol="0" anchor="ctr">
+            <a:normAutofit/>
+          </a:bodyPr>
+          <a:lstStyle>
+            <a:lvl1pPr algn="ctr" defTabSz="914400" rtl="0" eaLnBrk="1" latinLnBrk="0" hangingPunct="1">
+              <a:spcBef>
+                <a:spcPct val="0"/>
+              </a:spcBef>
+              <a:buNone/>
+              <a:defRPr sz="4400" kern="1200">
+                <a:solidFill>
+                  <a:schemeClr val="tx1"/>
+                </a:solidFill>
+                <a:latin typeface="+mj-lt"/>
+                <a:ea typeface="+mj-ea"/>
+                <a:cs typeface="+mj-cs"/>
+              </a:defRPr>
+            </a:lvl1pPr>
+          </a:lstStyle>
+          <a:p>
+            <a:r>
+              <a:rPr lang="pt-PT" sz="3000" b="1" dirty="0" smtClean="0">
+                <a:solidFill>
+                  <a:schemeClr val="tx1">
+                    <a:lumMod val="65000"/>
+                    <a:lumOff val="35000"/>
+                  </a:schemeClr>
+                </a:solidFill>
+                <a:effectLst>
+                  <a:outerShdw blurRad="38100" dist="38100" dir="2700000" algn="tl">
+                    <a:srgbClr val="000000">
+                      <a:alpha val="43137"/>
+                    </a:srgbClr>
+                  </a:outerShdw>
+                </a:effectLst>
+                <a:latin typeface="Century Schoolbook (Заголовки)"/>
+              </a:rPr>
+              <a:t>Arquitetura</a:t>
+            </a:r>
+          </a:p>
+          <a:p>
+            <a:r>
+              <a:rPr lang="pt-PT" sz="3200" u="sng" dirty="0"/>
+              <a:t>Componente </a:t>
+            </a:r>
+            <a:r>
+              <a:rPr lang="pt-PT" sz="3200" u="sng" dirty="0" smtClean="0"/>
+              <a:t>Web Server</a:t>
+            </a:r>
+            <a:endParaRPr lang="pt-PT" sz="3200" u="sng" dirty="0"/>
+          </a:p>
+        </p:txBody>
+      </p:sp>
+      <p:pic>
+        <p:nvPicPr>
+          <p:cNvPr id="2051" name="Picture 3"/>
+          <p:cNvPicPr>
+            <a:picLocks noChangeAspect="1" noChangeArrowheads="1"/>
+          </p:cNvPicPr>
+          <p:nvPr/>
+        </p:nvPicPr>
+        <p:blipFill>
+          <a:blip r:embed="rId3">
+            <a:extLst>
+              <a:ext uri="{28A0092B-C50C-407E-A947-70E740481C1C}">
+                <a14:useLocalDpi xmlns:a14="http://schemas.microsoft.com/office/drawing/2010/main" val="0"/>
+              </a:ext>
+            </a:extLst>
+          </a:blip>
+          <a:srcRect/>
+          <a:stretch>
+            <a:fillRect/>
+          </a:stretch>
+        </p:blipFill>
+        <p:spPr bwMode="auto">
+          <a:xfrm>
+            <a:off x="3747127" y="3212976"/>
+            <a:ext cx="5424289" cy="3504305"/>
+          </a:xfrm>
+          <a:prstGeom prst="rect">
+            <a:avLst/>
+          </a:prstGeom>
+          <a:noFill/>
+          <a:ln>
+            <a:noFill/>
+          </a:ln>
+          <a:extLst>
+            <a:ext uri="{909E8E84-426E-40DD-AFC4-6F175D3DCCD1}">
+              <a14:hiddenFill xmlns:a14="http://schemas.microsoft.com/office/drawing/2010/main">
+                <a:solidFill>
+                  <a:schemeClr val="accent1"/>
+                </a:solidFill>
+              </a14:hiddenFill>
+            </a:ext>
+            <a:ext uri="{91240B29-F687-4F45-9708-019B960494DF}">
+              <a14:hiddenLine xmlns:a14="http://schemas.microsoft.com/office/drawing/2010/main" w="9525">
+                <a:solidFill>
+                  <a:schemeClr val="tx1"/>
+                </a:solidFill>
+                <a:miter lim="800000"/>
+                <a:headEnd/>
+                <a:tailEnd/>
+              </a14:hiddenLine>
+            </a:ext>
+          </a:extLst>
+        </p:spPr>
+      </p:pic>
+      <p:sp>
+        <p:nvSpPr>
+          <p:cNvPr id="8" name="TextBox 7"/>
+          <p:cNvSpPr txBox="1"/>
+          <p:nvPr/>
+        </p:nvSpPr>
+        <p:spPr>
+          <a:xfrm>
+            <a:off x="899592" y="1772816"/>
+            <a:ext cx="7128792" cy="4062651"/>
+          </a:xfrm>
+          <a:prstGeom prst="rect">
+            <a:avLst/>
+          </a:prstGeom>
+          <a:noFill/>
+        </p:spPr>
+        <p:txBody>
+          <a:bodyPr wrap="square" rtlCol="0">
+            <a:spAutoFit/>
+          </a:bodyPr>
+          <a:lstStyle/>
+          <a:p>
+            <a:pPr marL="285750" indent="-285750">
+              <a:buFont typeface="Wingdings" panose="05000000000000000000" pitchFamily="2" charset="2"/>
+              <a:buChar char="Ø"/>
+            </a:pPr>
+            <a:r>
+              <a:rPr lang="pt-BR" sz="2400" dirty="0"/>
+              <a:t>Interação com aplicação </a:t>
+            </a:r>
+            <a:r>
+              <a:rPr lang="pt-BR" sz="2400" dirty="0" smtClean="0"/>
+              <a:t>cliente usando o paradigma pedido/resposta  via protocolo Http.</a:t>
+            </a:r>
+            <a:endParaRPr lang="pt-BR" sz="2400" dirty="0" smtClean="0"/>
+          </a:p>
+          <a:p>
+            <a:pPr marL="285750" indent="-285750">
+              <a:buFont typeface="Wingdings" panose="05000000000000000000" pitchFamily="2" charset="2"/>
+              <a:buChar char="Ø"/>
+            </a:pPr>
+            <a:r>
+              <a:rPr lang="pt-BR" sz="2400" dirty="0" smtClean="0"/>
+              <a:t>Comunicação </a:t>
+            </a:r>
+            <a:r>
+              <a:rPr lang="pt-BR" sz="2400" dirty="0" smtClean="0"/>
+              <a:t>com </a:t>
+            </a:r>
+            <a:r>
+              <a:rPr lang="pt-BR" sz="2400" dirty="0"/>
+              <a:t>aplicação cliente via </a:t>
+            </a:r>
+            <a:r>
+              <a:rPr lang="pt-BR" sz="2400" dirty="0" smtClean="0"/>
+              <a:t>WebSocket na obtenção do progresso em tempo real.</a:t>
+            </a:r>
+            <a:endParaRPr lang="pt-BR" sz="2400" dirty="0" smtClean="0"/>
+          </a:p>
+          <a:p>
+            <a:pPr marL="285750" indent="-285750">
+              <a:buFont typeface="Wingdings" panose="05000000000000000000" pitchFamily="2" charset="2"/>
+              <a:buChar char="Ø"/>
+            </a:pPr>
+            <a:r>
+              <a:rPr lang="pt-BR" sz="2400" dirty="0" smtClean="0"/>
+              <a:t>Submição </a:t>
+            </a:r>
+            <a:r>
+              <a:rPr lang="pt-BR" sz="2400" dirty="0"/>
+              <a:t>de do trabalho </a:t>
+            </a:r>
+            <a:r>
+              <a:rPr lang="pt-BR" sz="2400" dirty="0" smtClean="0"/>
+              <a:t>na</a:t>
+            </a:r>
+          </a:p>
+          <a:p>
+            <a:r>
+              <a:rPr lang="pt-BR" sz="2400" dirty="0" smtClean="0"/>
+              <a:t>    fila </a:t>
+            </a:r>
+            <a:r>
+              <a:rPr lang="pt-BR" sz="2400" dirty="0" smtClean="0"/>
+              <a:t>Redis</a:t>
+            </a:r>
+          </a:p>
+          <a:p>
+            <a:pPr marL="285750" indent="-285750">
+              <a:buFont typeface="Wingdings" panose="05000000000000000000" pitchFamily="2" charset="2"/>
+              <a:buChar char="Ø"/>
+            </a:pPr>
+            <a:r>
+              <a:rPr lang="pt-BR" sz="2400" dirty="0" smtClean="0"/>
+              <a:t>Comunicação </a:t>
+            </a:r>
+            <a:r>
+              <a:rPr lang="pt-BR" sz="2400" dirty="0" smtClean="0"/>
+              <a:t>com</a:t>
+            </a:r>
+          </a:p>
+          <a:p>
+            <a:r>
+              <a:rPr lang="pt-BR" sz="2400" dirty="0"/>
+              <a:t> </a:t>
+            </a:r>
+            <a:r>
+              <a:rPr lang="pt-BR" sz="2400" dirty="0" smtClean="0"/>
+              <a:t>   </a:t>
+            </a:r>
+            <a:r>
+              <a:rPr lang="pt-BR" sz="2400" dirty="0" smtClean="0"/>
+              <a:t>Redis </a:t>
+            </a:r>
+            <a:r>
+              <a:rPr lang="pt-BR" sz="2400" dirty="0"/>
+              <a:t>Stream </a:t>
+            </a:r>
+            <a:r>
+              <a:rPr lang="pt-BR" sz="2400" dirty="0" smtClean="0"/>
+              <a:t>Canal</a:t>
+            </a:r>
+          </a:p>
+          <a:p>
+            <a:pPr marL="285750" indent="-285750">
+              <a:buFont typeface="Wingdings" panose="05000000000000000000" pitchFamily="2" charset="2"/>
+              <a:buChar char="Ø"/>
+            </a:pPr>
+            <a:r>
+              <a:rPr lang="pt-BR" sz="2400" dirty="0" smtClean="0"/>
+              <a:t>Gestão </a:t>
+            </a:r>
+            <a:r>
+              <a:rPr lang="pt-BR" sz="2400" dirty="0"/>
+              <a:t>dos conteudos </a:t>
+            </a:r>
+            <a:r>
+              <a:rPr lang="pt-BR" sz="2400" dirty="0" smtClean="0"/>
+              <a:t>nas</a:t>
+            </a:r>
+          </a:p>
+          <a:p>
+            <a:r>
+              <a:rPr lang="pt-BR" sz="2400" dirty="0"/>
+              <a:t> </a:t>
+            </a:r>
+            <a:r>
+              <a:rPr lang="pt-BR" sz="2400" dirty="0" smtClean="0"/>
+              <a:t>   </a:t>
+            </a:r>
+            <a:r>
+              <a:rPr lang="pt-BR" sz="2400" dirty="0" smtClean="0"/>
+              <a:t>Bases </a:t>
+            </a:r>
+            <a:r>
+              <a:rPr lang="pt-BR" sz="2400" dirty="0"/>
+              <a:t>de Dados</a:t>
+            </a:r>
+          </a:p>
+          <a:p>
+            <a:endParaRPr lang="en-US" dirty="0"/>
+          </a:p>
+        </p:txBody>
+      </p:sp>
+    </p:spTree>
+    <p:extLst>
+      <p:ext uri="{BB962C8B-B14F-4D97-AF65-F5344CB8AC3E}">
+        <p14:creationId xmlns:p14="http://schemas.microsoft.com/office/powerpoint/2010/main" val="256318926"/>
+      </p:ext>
+    </p:extLst>
+  </p:cSld>
+  <p:clrMapOvr>
+    <a:masterClrMapping/>
+  </p:clrMapOvr>
+  <p:timing>
+    <p:tnLst>
+      <p:par>
+        <p:cTn id="1" dur="indefinite" restart="never" nodeType="tmRoot"/>
+      </p:par>
+    </p:tnLst>
+  </p:timing>
+</p:sld>
+</file>
+
+<file path=ppt/slides/slide9.xml><?xml version="1.0" encoding="utf-8"?>
+<p:sld xmlns:a="http://schemas.openxmlformats.org/drawingml/2006/main" xmlns:r="http://schemas.openxmlformats.org/officeDocument/2006/relationships" xmlns:p="http://schemas.openxmlformats.org/presentationml/2006/main">
+  <p:cSld>
+    <p:spTree>
+      <p:nvGrpSpPr>
+        <p:cNvPr id="1" name=""/>
+        <p:cNvGrpSpPr/>
+        <p:nvPr/>
+      </p:nvGrpSpPr>
+      <p:grpSpPr>
+        <a:xfrm>
+          <a:off x="0" y="0"/>
+          <a:ext cx="0" cy="0"/>
+          <a:chOff x="0" y="0"/>
+          <a:chExt cx="0" cy="0"/>
+        </a:xfrm>
+      </p:grpSpPr>
+      <p:sp>
+        <p:nvSpPr>
+          <p:cNvPr id="5" name="CaixaDeTexto 4"/>
+          <p:cNvSpPr txBox="1"/>
+          <p:nvPr/>
+        </p:nvSpPr>
+        <p:spPr>
+          <a:xfrm>
+            <a:off x="1178317" y="1658665"/>
+            <a:ext cx="6912767" cy="4708981"/>
+          </a:xfrm>
+          <a:prstGeom prst="rect">
+            <a:avLst/>
+          </a:prstGeom>
+          <a:noFill/>
+        </p:spPr>
+        <p:txBody>
+          <a:bodyPr wrap="square" rtlCol="0">
+            <a:spAutoFit/>
+          </a:bodyPr>
+          <a:lstStyle/>
+          <a:p>
+            <a:endParaRPr lang="pt-PT" sz="2000" dirty="0"/>
+          </a:p>
+          <a:p>
+            <a:pPr marL="342900" indent="-342900">
+              <a:buFont typeface="Wingdings" panose="05000000000000000000" pitchFamily="2" charset="2"/>
+              <a:buChar char="Ø"/>
+            </a:pPr>
+            <a:r>
+              <a:rPr lang="pt-PT" sz="3200" dirty="0" smtClean="0"/>
+              <a:t>Plataforma do utilizador</a:t>
+            </a:r>
           </a:p>
           <a:p>
             <a:pPr marL="914400" lvl="1" indent="-457200">
               <a:buFont typeface="Wingdings" panose="05000000000000000000" pitchFamily="2" charset="2"/>
               <a:buChar char="q"/>
             </a:pPr>
-            <a:endParaRPr lang="pt-PT" sz="2000" dirty="0" smtClean="0"/>
+            <a:r>
+              <a:rPr lang="pt-PT" sz="2400" dirty="0"/>
+              <a:t>Escolher um ambiente a medida</a:t>
+            </a:r>
+          </a:p>
+          <a:p>
+            <a:pPr marL="914400" lvl="1" indent="-457200">
+              <a:buFont typeface="Wingdings" panose="05000000000000000000" pitchFamily="2" charset="2"/>
+              <a:buChar char="q"/>
+            </a:pPr>
+            <a:r>
+              <a:rPr lang="pt-PT" sz="2400" dirty="0"/>
+              <a:t>Associar o repositorio </a:t>
+            </a:r>
+            <a:r>
+              <a:rPr lang="pt-PT" sz="2400" dirty="0" smtClean="0"/>
+              <a:t>de </a:t>
+            </a:r>
+            <a:r>
+              <a:rPr lang="pt-PT" sz="2400" dirty="0"/>
+              <a:t>código</a:t>
+            </a:r>
+          </a:p>
+          <a:p>
+            <a:pPr marL="914400" lvl="1" indent="-457200">
+              <a:buFont typeface="Wingdings" panose="05000000000000000000" pitchFamily="2" charset="2"/>
+              <a:buChar char="q"/>
+            </a:pPr>
+            <a:r>
+              <a:rPr lang="pt-PT" sz="2400" dirty="0"/>
+              <a:t>Defenir comandos para execução</a:t>
+            </a:r>
+          </a:p>
+          <a:p>
+            <a:pPr marL="914400" lvl="1" indent="-457200">
+              <a:buFont typeface="Wingdings" panose="05000000000000000000" pitchFamily="2" charset="2"/>
+              <a:buChar char="q"/>
+            </a:pPr>
+            <a:r>
+              <a:rPr lang="pt-PT" sz="2400" dirty="0"/>
+              <a:t>Executar e recolher </a:t>
+            </a:r>
+            <a:r>
+              <a:rPr lang="pt-PT" sz="2400" dirty="0" smtClean="0"/>
+              <a:t>resultados</a:t>
+            </a:r>
+          </a:p>
+          <a:p>
+            <a:pPr marL="914400" lvl="1" indent="-457200">
+              <a:buFont typeface="Wingdings" panose="05000000000000000000" pitchFamily="2" charset="2"/>
+              <a:buChar char="q"/>
+            </a:pPr>
+            <a:r>
+              <a:rPr lang="pt-PT" sz="2400" dirty="0" smtClean="0"/>
+              <a:t>Descarregar o artifato (se existir)</a:t>
+            </a:r>
+            <a:endParaRPr lang="pt-PT" sz="2400" dirty="0"/>
+          </a:p>
+          <a:p>
+            <a:pPr marL="342900" indent="-342900">
+              <a:buFont typeface="Wingdings" panose="05000000000000000000" pitchFamily="2" charset="2"/>
+              <a:buChar char="Ø"/>
+            </a:pPr>
+            <a:endParaRPr lang="pt-PT" sz="2400" dirty="0" smtClean="0"/>
+          </a:p>
+          <a:p>
+            <a:pPr marL="342900" indent="-342900">
+              <a:buFont typeface="Wingdings" panose="05000000000000000000" pitchFamily="2" charset="2"/>
+              <a:buChar char="Ø"/>
+            </a:pPr>
+            <a:r>
+              <a:rPr lang="pt-PT" sz="3200" dirty="0" smtClean="0"/>
+              <a:t>Plataforma do administrador</a:t>
+            </a:r>
+          </a:p>
+          <a:p>
+            <a:pPr marL="914400" lvl="1" indent="-457200">
+              <a:buFont typeface="Wingdings" panose="05000000000000000000" pitchFamily="2" charset="2"/>
+              <a:buChar char="q"/>
+            </a:pPr>
+            <a:r>
+              <a:rPr lang="pt-PT" sz="2400" dirty="0"/>
+              <a:t>Gestão de utilizadores</a:t>
+            </a:r>
+          </a:p>
+          <a:p>
+            <a:pPr marL="914400" lvl="1" indent="-457200">
+              <a:buFont typeface="Wingdings" panose="05000000000000000000" pitchFamily="2" charset="2"/>
+              <a:buChar char="q"/>
+            </a:pPr>
+            <a:r>
+              <a:rPr lang="pt-PT" sz="2400" dirty="0"/>
+              <a:t>Gestão de contentores</a:t>
+            </a:r>
+          </a:p>
+          <a:p>
+            <a:pPr marL="342900" indent="-342900">
+              <a:buFont typeface="Wingdings" panose="05000000000000000000" pitchFamily="2" charset="2"/>
+              <a:buChar char="Ø"/>
+            </a:pPr>
+            <a:endParaRPr lang="pt-PT" sz="2400" dirty="0" smtClean="0"/>
+          </a:p>
+        </p:txBody>
+      </p:sp>
+      <p:sp>
+        <p:nvSpPr>
+          <p:cNvPr id="7" name="Заголовок 1"/>
+          <p:cNvSpPr txBox="1">
+            <a:spLocks/>
+          </p:cNvSpPr>
+          <p:nvPr/>
+        </p:nvSpPr>
+        <p:spPr>
+          <a:xfrm>
+            <a:off x="755576" y="188640"/>
+            <a:ext cx="7772400" cy="1470025"/>
+          </a:xfrm>
+          <a:prstGeom prst="rect">
+            <a:avLst/>
+          </a:prstGeom>
+        </p:spPr>
+        <p:txBody>
+          <a:bodyPr vert="horz" lIns="91440" tIns="45720" rIns="91440" bIns="45720" rtlCol="0" anchor="ctr">
+            <a:normAutofit/>
+          </a:bodyPr>
+          <a:lstStyle>
+            <a:lvl1pPr algn="ctr" defTabSz="914400" rtl="0" eaLnBrk="1" latinLnBrk="0" hangingPunct="1">
+              <a:spcBef>
+                <a:spcPct val="0"/>
+              </a:spcBef>
+              <a:buNone/>
+              <a:defRPr sz="4400" kern="1200">
+                <a:solidFill>
+                  <a:schemeClr val="tx1"/>
+                </a:solidFill>
+                <a:latin typeface="+mj-lt"/>
+                <a:ea typeface="+mj-ea"/>
+                <a:cs typeface="+mj-cs"/>
+              </a:defRPr>
+            </a:lvl1pPr>
+          </a:lstStyle>
+          <a:p>
+            <a:r>
+              <a:rPr lang="pt-PT" sz="3000" b="1" dirty="0" smtClean="0">
+                <a:solidFill>
+                  <a:schemeClr val="tx1">
+                    <a:lumMod val="65000"/>
+                    <a:lumOff val="35000"/>
+                  </a:schemeClr>
+                </a:solidFill>
+                <a:effectLst>
+                  <a:outerShdw blurRad="38100" dist="38100" dir="2700000" algn="tl">
+                    <a:srgbClr val="000000">
+                      <a:alpha val="43137"/>
+                    </a:srgbClr>
+                  </a:outerShdw>
+                </a:effectLst>
+                <a:latin typeface="Century Schoolbook (Заголовки)"/>
+              </a:rPr>
+              <a:t>Arquitetura</a:t>
+            </a:r>
+          </a:p>
+          <a:p>
+            <a:r>
+              <a:rPr lang="pt-PT" sz="3200" u="sng" dirty="0"/>
+              <a:t>Componente </a:t>
+            </a:r>
+            <a:r>
+              <a:rPr lang="pt-PT" sz="3200" u="sng" dirty="0" smtClean="0"/>
+              <a:t>Web Server</a:t>
+            </a:r>
+            <a:endParaRPr lang="pt-PT" sz="3200" u="sng" dirty="0"/>
           </a:p>
         </p:txBody>
       </p:sp>
     </p:spTree>
     <p:extLst>
       <p:ext uri="{BB962C8B-B14F-4D97-AF65-F5344CB8AC3E}">
-        <p14:creationId xmlns:p14="http://schemas.microsoft.com/office/powerpoint/2010/main" val="3490374745"/>
+        <p14:creationId xmlns:p14="http://schemas.microsoft.com/office/powerpoint/2010/main" val="3873257712"/>
       </p:ext>
     </p:extLst>
   </p:cSld>

--- a/PCIS.pptx
+++ b/PCIS.pptx
@@ -120,6 +120,22 @@
       </a:defRPr>
     </a:lvl9pPr>
   </p:defaultTextStyle>
+  <p:extLst>
+    <p:ext uri="{EFAFB233-063F-42B5-8137-9DF3F51BA10A}">
+      <p15:sldGuideLst xmlns:p15="http://schemas.microsoft.com/office/powerpoint/2012/main">
+        <p15:guide id="1" orient="horz" pos="2160">
+          <p15:clr>
+            <a:srgbClr val="A4A3A4"/>
+          </p15:clr>
+        </p15:guide>
+        <p15:guide id="2" pos="2880">
+          <p15:clr>
+            <a:srgbClr val="A4A3A4"/>
+          </p15:clr>
+        </p15:guide>
+      </p15:sldGuideLst>
+    </p:ext>
+  </p:extLst>
 </p:presentation>
 </file>
 
@@ -172,7 +188,7 @@
             </a:lvl1pPr>
           </a:lstStyle>
           <a:p>
-            <a:endParaRPr lang="en-US"/>
+            <a:endParaRPr lang="en-US" dirty="0"/>
           </a:p>
         </p:txBody>
       </p:sp>
@@ -205,9 +221,9 @@
           <a:p>
             <a:fld id="{2BE61294-0FEC-4BAA-9ABC-F98AB02C8CFE}" type="datetimeFigureOut">
               <a:rPr lang="en-US" smtClean="0"/>
-              <a:t>10/13/2014</a:t>
+              <a:t>10/20/2014</a:t>
             </a:fld>
-            <a:endParaRPr lang="en-US"/>
+            <a:endParaRPr lang="en-US" dirty="0"/>
           </a:p>
         </p:txBody>
       </p:sp>
@@ -240,7 +256,7 @@
           <a:bodyPr vert="horz" lIns="91440" tIns="45720" rIns="91440" bIns="45720" rtlCol="0" anchor="ctr"/>
           <a:lstStyle/>
           <a:p>
-            <a:endParaRPr lang="en-US"/>
+            <a:endParaRPr lang="en-US" dirty="0"/>
           </a:p>
         </p:txBody>
       </p:sp>
@@ -331,7 +347,7 @@
             </a:lvl1pPr>
           </a:lstStyle>
           <a:p>
-            <a:endParaRPr lang="en-US"/>
+            <a:endParaRPr lang="en-US" dirty="0"/>
           </a:p>
         </p:txBody>
       </p:sp>
@@ -364,9 +380,9 @@
           <a:p>
             <a:fld id="{7A2EE716-F720-4933-B8B4-0978798F2054}" type="slidenum">
               <a:rPr lang="en-US" smtClean="0"/>
-              <a:t>‹#›</a:t>
+              <a:t>‹nº›</a:t>
             </a:fld>
-            <a:endParaRPr lang="en-US"/>
+            <a:endParaRPr lang="en-US" dirty="0"/>
           </a:p>
         </p:txBody>
       </p:sp>
@@ -563,7 +579,7 @@
               <a:rPr lang="en-US" smtClean="0"/>
               <a:t>2</a:t>
             </a:fld>
-            <a:endParaRPr lang="en-US"/>
+            <a:endParaRPr lang="en-US" dirty="0"/>
           </a:p>
         </p:txBody>
       </p:sp>
@@ -670,7 +686,7 @@
               <a:rPr lang="en-US" smtClean="0"/>
               <a:t>11</a:t>
             </a:fld>
-            <a:endParaRPr lang="en-US"/>
+            <a:endParaRPr lang="en-US" dirty="0"/>
           </a:p>
         </p:txBody>
       </p:sp>
@@ -777,7 +793,7 @@
               <a:rPr lang="en-US" smtClean="0"/>
               <a:t>12</a:t>
             </a:fld>
-            <a:endParaRPr lang="en-US"/>
+            <a:endParaRPr lang="en-US" dirty="0"/>
           </a:p>
         </p:txBody>
       </p:sp>
@@ -884,7 +900,7 @@
               <a:rPr lang="en-US" smtClean="0"/>
               <a:t>13</a:t>
             </a:fld>
-            <a:endParaRPr lang="en-US"/>
+            <a:endParaRPr lang="en-US" dirty="0"/>
           </a:p>
         </p:txBody>
       </p:sp>
@@ -991,7 +1007,7 @@
               <a:rPr lang="en-US" smtClean="0"/>
               <a:t>14</a:t>
             </a:fld>
-            <a:endParaRPr lang="en-US"/>
+            <a:endParaRPr lang="en-US" dirty="0"/>
           </a:p>
         </p:txBody>
       </p:sp>
@@ -1098,7 +1114,7 @@
               <a:rPr lang="en-US" smtClean="0"/>
               <a:t>3</a:t>
             </a:fld>
-            <a:endParaRPr lang="en-US"/>
+            <a:endParaRPr lang="en-US" dirty="0"/>
           </a:p>
         </p:txBody>
       </p:sp>
@@ -1205,7 +1221,7 @@
               <a:rPr lang="en-US" smtClean="0"/>
               <a:t>4</a:t>
             </a:fld>
-            <a:endParaRPr lang="en-US"/>
+            <a:endParaRPr lang="en-US" dirty="0"/>
           </a:p>
         </p:txBody>
       </p:sp>
@@ -1312,7 +1328,7 @@
               <a:rPr lang="en-US" smtClean="0"/>
               <a:t>5</a:t>
             </a:fld>
-            <a:endParaRPr lang="en-US"/>
+            <a:endParaRPr lang="en-US" dirty="0"/>
           </a:p>
         </p:txBody>
       </p:sp>
@@ -1419,7 +1435,7 @@
               <a:rPr lang="en-US" smtClean="0"/>
               <a:t>6</a:t>
             </a:fld>
-            <a:endParaRPr lang="en-US"/>
+            <a:endParaRPr lang="en-US" dirty="0"/>
           </a:p>
         </p:txBody>
       </p:sp>
@@ -1526,7 +1542,7 @@
               <a:rPr lang="en-US" smtClean="0"/>
               <a:t>7</a:t>
             </a:fld>
-            <a:endParaRPr lang="en-US"/>
+            <a:endParaRPr lang="en-US" dirty="0"/>
           </a:p>
         </p:txBody>
       </p:sp>
@@ -1633,7 +1649,7 @@
               <a:rPr lang="en-US" smtClean="0"/>
               <a:t>8</a:t>
             </a:fld>
-            <a:endParaRPr lang="en-US"/>
+            <a:endParaRPr lang="en-US" dirty="0"/>
           </a:p>
         </p:txBody>
       </p:sp>
@@ -1740,7 +1756,7 @@
               <a:rPr lang="en-US" smtClean="0"/>
               <a:t>9</a:t>
             </a:fld>
-            <a:endParaRPr lang="en-US"/>
+            <a:endParaRPr lang="en-US" dirty="0"/>
           </a:p>
         </p:txBody>
       </p:sp>
@@ -1847,7 +1863,7 @@
               <a:rPr lang="en-US" smtClean="0"/>
               <a:t>10</a:t>
             </a:fld>
-            <a:endParaRPr lang="en-US"/>
+            <a:endParaRPr lang="en-US" dirty="0"/>
           </a:p>
         </p:txBody>
       </p:sp>
@@ -2045,7 +2061,7 @@
           <a:p>
             <a:fld id="{E41C31AC-4C93-4087-BA94-1A6761375DB3}" type="datetimeFigureOut">
               <a:rPr lang="en-US" smtClean="0"/>
-              <a:t>10/13/2014</a:t>
+              <a:t>10/20/2014</a:t>
             </a:fld>
             <a:endParaRPr lang="en-US" dirty="0"/>
           </a:p>
@@ -2087,7 +2103,7 @@
           <a:p>
             <a:fld id="{2583D6F2-7F37-4631-BC26-B7ACB5E1E646}" type="slidenum">
               <a:rPr lang="en-US" smtClean="0"/>
-              <a:t>‹#›</a:t>
+              <a:t>‹nº›</a:t>
             </a:fld>
             <a:endParaRPr lang="en-US" dirty="0"/>
           </a:p>
@@ -2215,7 +2231,7 @@
           <a:p>
             <a:fld id="{E41C31AC-4C93-4087-BA94-1A6761375DB3}" type="datetimeFigureOut">
               <a:rPr lang="en-US" smtClean="0"/>
-              <a:t>10/13/2014</a:t>
+              <a:t>10/20/2014</a:t>
             </a:fld>
             <a:endParaRPr lang="en-US" dirty="0"/>
           </a:p>
@@ -2257,7 +2273,7 @@
           <a:p>
             <a:fld id="{2583D6F2-7F37-4631-BC26-B7ACB5E1E646}" type="slidenum">
               <a:rPr lang="en-US" smtClean="0"/>
-              <a:t>‹#›</a:t>
+              <a:t>‹nº›</a:t>
             </a:fld>
             <a:endParaRPr lang="en-US" dirty="0"/>
           </a:p>
@@ -2395,7 +2411,7 @@
           <a:p>
             <a:fld id="{E41C31AC-4C93-4087-BA94-1A6761375DB3}" type="datetimeFigureOut">
               <a:rPr lang="en-US" smtClean="0"/>
-              <a:t>10/13/2014</a:t>
+              <a:t>10/20/2014</a:t>
             </a:fld>
             <a:endParaRPr lang="en-US" dirty="0"/>
           </a:p>
@@ -2437,7 +2453,7 @@
           <a:p>
             <a:fld id="{2583D6F2-7F37-4631-BC26-B7ACB5E1E646}" type="slidenum">
               <a:rPr lang="en-US" smtClean="0"/>
-              <a:t>‹#›</a:t>
+              <a:t>‹nº›</a:t>
             </a:fld>
             <a:endParaRPr lang="en-US" dirty="0"/>
           </a:p>
@@ -2565,7 +2581,7 @@
           <a:p>
             <a:fld id="{E41C31AC-4C93-4087-BA94-1A6761375DB3}" type="datetimeFigureOut">
               <a:rPr lang="en-US" smtClean="0"/>
-              <a:t>10/13/2014</a:t>
+              <a:t>10/20/2014</a:t>
             </a:fld>
             <a:endParaRPr lang="en-US" dirty="0"/>
           </a:p>
@@ -2607,7 +2623,7 @@
           <a:p>
             <a:fld id="{2583D6F2-7F37-4631-BC26-B7ACB5E1E646}" type="slidenum">
               <a:rPr lang="en-US" smtClean="0"/>
-              <a:t>‹#›</a:t>
+              <a:t>‹nº›</a:t>
             </a:fld>
             <a:endParaRPr lang="en-US" dirty="0"/>
           </a:p>
@@ -2811,7 +2827,7 @@
           <a:p>
             <a:fld id="{E41C31AC-4C93-4087-BA94-1A6761375DB3}" type="datetimeFigureOut">
               <a:rPr lang="en-US" smtClean="0"/>
-              <a:t>10/13/2014</a:t>
+              <a:t>10/20/2014</a:t>
             </a:fld>
             <a:endParaRPr lang="en-US" dirty="0"/>
           </a:p>
@@ -2853,7 +2869,7 @@
           <a:p>
             <a:fld id="{2583D6F2-7F37-4631-BC26-B7ACB5E1E646}" type="slidenum">
               <a:rPr lang="en-US" smtClean="0"/>
-              <a:t>‹#›</a:t>
+              <a:t>‹nº›</a:t>
             </a:fld>
             <a:endParaRPr lang="en-US" dirty="0"/>
           </a:p>
@@ -3099,7 +3115,7 @@
           <a:p>
             <a:fld id="{E41C31AC-4C93-4087-BA94-1A6761375DB3}" type="datetimeFigureOut">
               <a:rPr lang="en-US" smtClean="0"/>
-              <a:t>10/13/2014</a:t>
+              <a:t>10/20/2014</a:t>
             </a:fld>
             <a:endParaRPr lang="en-US" dirty="0"/>
           </a:p>
@@ -3141,7 +3157,7 @@
           <a:p>
             <a:fld id="{2583D6F2-7F37-4631-BC26-B7ACB5E1E646}" type="slidenum">
               <a:rPr lang="en-US" smtClean="0"/>
-              <a:t>‹#›</a:t>
+              <a:t>‹nº›</a:t>
             </a:fld>
             <a:endParaRPr lang="en-US" dirty="0"/>
           </a:p>
@@ -3521,7 +3537,7 @@
           <a:p>
             <a:fld id="{E41C31AC-4C93-4087-BA94-1A6761375DB3}" type="datetimeFigureOut">
               <a:rPr lang="en-US" smtClean="0"/>
-              <a:t>10/13/2014</a:t>
+              <a:t>10/20/2014</a:t>
             </a:fld>
             <a:endParaRPr lang="en-US" dirty="0"/>
           </a:p>
@@ -3563,7 +3579,7 @@
           <a:p>
             <a:fld id="{2583D6F2-7F37-4631-BC26-B7ACB5E1E646}" type="slidenum">
               <a:rPr lang="en-US" smtClean="0"/>
-              <a:t>‹#›</a:t>
+              <a:t>‹nº›</a:t>
             </a:fld>
             <a:endParaRPr lang="en-US" dirty="0"/>
           </a:p>
@@ -3639,7 +3655,7 @@
           <a:p>
             <a:fld id="{E41C31AC-4C93-4087-BA94-1A6761375DB3}" type="datetimeFigureOut">
               <a:rPr lang="en-US" smtClean="0"/>
-              <a:t>10/13/2014</a:t>
+              <a:t>10/20/2014</a:t>
             </a:fld>
             <a:endParaRPr lang="en-US" dirty="0"/>
           </a:p>
@@ -3681,7 +3697,7 @@
           <a:p>
             <a:fld id="{2583D6F2-7F37-4631-BC26-B7ACB5E1E646}" type="slidenum">
               <a:rPr lang="en-US" smtClean="0"/>
-              <a:t>‹#›</a:t>
+              <a:t>‹nº›</a:t>
             </a:fld>
             <a:endParaRPr lang="en-US" dirty="0"/>
           </a:p>
@@ -3734,7 +3750,7 @@
           <a:p>
             <a:fld id="{E41C31AC-4C93-4087-BA94-1A6761375DB3}" type="datetimeFigureOut">
               <a:rPr lang="en-US" smtClean="0"/>
-              <a:t>10/13/2014</a:t>
+              <a:t>10/20/2014</a:t>
             </a:fld>
             <a:endParaRPr lang="en-US" dirty="0"/>
           </a:p>
@@ -3776,7 +3792,7 @@
           <a:p>
             <a:fld id="{2583D6F2-7F37-4631-BC26-B7ACB5E1E646}" type="slidenum">
               <a:rPr lang="en-US" smtClean="0"/>
-              <a:t>‹#›</a:t>
+              <a:t>‹nº›</a:t>
             </a:fld>
             <a:endParaRPr lang="en-US" dirty="0"/>
           </a:p>
@@ -4011,7 +4027,7 @@
           <a:p>
             <a:fld id="{E41C31AC-4C93-4087-BA94-1A6761375DB3}" type="datetimeFigureOut">
               <a:rPr lang="en-US" smtClean="0"/>
-              <a:t>10/13/2014</a:t>
+              <a:t>10/20/2014</a:t>
             </a:fld>
             <a:endParaRPr lang="en-US" dirty="0"/>
           </a:p>
@@ -4053,7 +4069,7 @@
           <a:p>
             <a:fld id="{2583D6F2-7F37-4631-BC26-B7ACB5E1E646}" type="slidenum">
               <a:rPr lang="en-US" smtClean="0"/>
-              <a:t>‹#›</a:t>
+              <a:t>‹nº›</a:t>
             </a:fld>
             <a:endParaRPr lang="en-US" dirty="0"/>
           </a:p>
@@ -4264,7 +4280,7 @@
           <a:p>
             <a:fld id="{E41C31AC-4C93-4087-BA94-1A6761375DB3}" type="datetimeFigureOut">
               <a:rPr lang="en-US" smtClean="0"/>
-              <a:t>10/13/2014</a:t>
+              <a:t>10/20/2014</a:t>
             </a:fld>
             <a:endParaRPr lang="en-US" dirty="0"/>
           </a:p>
@@ -4306,7 +4322,7 @@
           <a:p>
             <a:fld id="{2583D6F2-7F37-4631-BC26-B7ACB5E1E646}" type="slidenum">
               <a:rPr lang="en-US" smtClean="0"/>
-              <a:t>‹#›</a:t>
+              <a:t>‹nº›</a:t>
             </a:fld>
             <a:endParaRPr lang="en-US" dirty="0"/>
           </a:p>
@@ -4477,7 +4493,7 @@
           <a:p>
             <a:fld id="{E41C31AC-4C93-4087-BA94-1A6761375DB3}" type="datetimeFigureOut">
               <a:rPr lang="en-US" smtClean="0"/>
-              <a:t>10/13/2014</a:t>
+              <a:t>10/20/2014</a:t>
             </a:fld>
             <a:endParaRPr lang="en-US" dirty="0"/>
           </a:p>
@@ -4555,7 +4571,7 @@
           <a:p>
             <a:fld id="{2583D6F2-7F37-4631-BC26-B7ACB5E1E646}" type="slidenum">
               <a:rPr lang="en-US" smtClean="0"/>
-              <a:t>‹#›</a:t>
+              <a:t>‹nº›</a:t>
             </a:fld>
             <a:endParaRPr lang="en-US" dirty="0"/>
           </a:p>
@@ -5149,7 +5165,7 @@
       </p:sp>
       <p:pic>
         <p:nvPicPr>
-          <p:cNvPr id="1026" name="Picture 2"/>
+          <p:cNvPr id="2050" name="Picture 2"/>
           <p:cNvPicPr>
             <a:picLocks noChangeAspect="1" noChangeArrowheads="1"/>
           </p:cNvPicPr>
@@ -5170,8 +5186,8 @@
         </p:blipFill>
         <p:spPr bwMode="auto">
           <a:xfrm>
-            <a:off x="1033775" y="3356992"/>
-            <a:ext cx="8070061" cy="3168352"/>
+            <a:off x="3563888" y="3039463"/>
+            <a:ext cx="5580112" cy="3832125"/>
           </a:xfrm>
           <a:prstGeom prst="rect">
             <a:avLst/>
@@ -5203,14 +5219,14 @@
       </p:pic>
       <p:sp>
         <p:nvSpPr>
-          <p:cNvPr id="3" name="TextBox 2"/>
+          <p:cNvPr id="6" name="TextBox 5"/>
           <p:cNvSpPr txBox="1"/>
           <p:nvPr/>
         </p:nvSpPr>
         <p:spPr>
           <a:xfrm>
             <a:off x="611560" y="1844824"/>
-            <a:ext cx="8208912" cy="1938992"/>
+            <a:ext cx="8208912" cy="3046988"/>
           </a:xfrm>
           <a:prstGeom prst="rect">
             <a:avLst/>
@@ -5229,7 +5245,7 @@
             </a:pPr>
             <a:r>
               <a:rPr lang="pt-PT" sz="2400" dirty="0" smtClean="0"/>
-              <a:t>Receber o trabalho na fila</a:t>
+              <a:t>Receber o trabalho na fila.</a:t>
             </a:r>
           </a:p>
           <a:p>
@@ -5239,7 +5255,7 @@
             </a:pPr>
             <a:r>
               <a:rPr lang="pt-PT" sz="2400" dirty="0" smtClean="0"/>
-              <a:t>Preparar a configuração do contentor</a:t>
+              <a:t>Preparar a configuração do contentor.</a:t>
             </a:r>
           </a:p>
           <a:p>
@@ -5249,7 +5265,7 @@
             </a:pPr>
             <a:r>
               <a:rPr lang="pt-PT" sz="2400" dirty="0" smtClean="0"/>
-              <a:t>Lançar a execução no contentor via Docker</a:t>
+              <a:t>Lançar a execução no contentor  via Docker.</a:t>
             </a:r>
           </a:p>
           <a:p>
@@ -5259,20 +5275,50 @@
             </a:pPr>
             <a:r>
               <a:rPr lang="pt-PT" sz="2400" dirty="0" smtClean="0"/>
-              <a:t>Interpretar os resultados do contentor</a:t>
-            </a:r>
+              <a:t>Interpretar os resultados do</a:t>
+            </a:r>
+          </a:p>
+          <a:p>
             <a:r>
               <a:rPr lang="pt-PT" sz="2400" dirty="0"/>
               <a:t> </a:t>
             </a:r>
             <a:r>
               <a:rPr lang="pt-PT" sz="2400" dirty="0" smtClean="0"/>
-              <a:t>e transferilos </a:t>
+              <a:t>    contentor e transferilos para fila </a:t>
+            </a:r>
+          </a:p>
+          <a:p>
+            <a:r>
+              <a:rPr lang="pt-PT" sz="2400" dirty="0"/>
+              <a:t> </a:t>
             </a:r>
             <a:r>
               <a:rPr lang="pt-PT" sz="2400" dirty="0" smtClean="0"/>
-              <a:t>para fila de resultados Redis.</a:t>
-            </a:r>
+              <a:t>    de resultados Redis.</a:t>
+            </a:r>
+            <a:endParaRPr lang="pt-PT" sz="2400" dirty="0"/>
+          </a:p>
+          <a:p>
+            <a:pPr marL="342900" indent="-342900">
+              <a:buFont typeface="Wingdings" panose="05000000000000000000" pitchFamily="2" charset="2"/>
+              <a:buChar char="Ø"/>
+            </a:pPr>
+            <a:r>
+              <a:rPr lang="pt-PT" sz="2400" dirty="0" smtClean="0"/>
+              <a:t>Armazenamento do </a:t>
+            </a:r>
+          </a:p>
+          <a:p>
+            <a:r>
+              <a:rPr lang="pt-PT" sz="2400" dirty="0"/>
+              <a:t> </a:t>
+            </a:r>
+            <a:r>
+              <a:rPr lang="pt-PT" sz="2400" dirty="0" smtClean="0"/>
+              <a:t>    artifato no AWS S3.</a:t>
+            </a:r>
+            <a:endParaRPr lang="pt-PT" sz="2400" dirty="0"/>
           </a:p>
         </p:txBody>
       </p:sp>
@@ -5428,16 +5474,70 @@
           </a:p>
         </p:txBody>
       </p:sp>
-      <p:sp>
-        <p:nvSpPr>
-          <p:cNvPr id="3" name="TextBox 2"/>
+      <p:pic>
+        <p:nvPicPr>
+          <p:cNvPr id="1026" name="Picture 2"/>
+          <p:cNvPicPr>
+            <a:picLocks noChangeAspect="1" noChangeArrowheads="1"/>
+          </p:cNvPicPr>
+          <p:nvPr/>
+        </p:nvPicPr>
+        <p:blipFill>
+          <a:blip r:embed="rId3">
+            <a:extLst>
+              <a:ext uri="{28A0092B-C50C-407E-A947-70E740481C1C}">
+                <a14:useLocalDpi xmlns:a14="http://schemas.microsoft.com/office/drawing/2010/main" val="0"/>
+              </a:ext>
+            </a:extLst>
+          </a:blip>
+          <a:srcRect/>
+          <a:stretch>
+            <a:fillRect/>
+          </a:stretch>
+        </p:blipFill>
+        <p:spPr bwMode="auto">
+          <a:xfrm>
+            <a:off x="3347864" y="3655763"/>
+            <a:ext cx="5571015" cy="3202237"/>
+          </a:xfrm>
+          <a:prstGeom prst="rect">
+            <a:avLst/>
+          </a:prstGeom>
+          <a:noFill/>
+          <a:ln>
+            <a:noFill/>
+          </a:ln>
+          <a:extLst>
+            <a:ext uri="{909E8E84-426E-40DD-AFC4-6F175D3DCCD1}">
+              <a14:hiddenFill xmlns:a14="http://schemas.microsoft.com/office/drawing/2010/main">
+                <a:solidFill>
+                  <a:schemeClr val="accent1"/>
+                </a:solidFill>
+              </a14:hiddenFill>
+            </a:ext>
+            <a:ext uri="{91240B29-F687-4F45-9708-019B960494DF}">
+              <a14:hiddenLine xmlns:a14="http://schemas.microsoft.com/office/drawing/2010/main" w="9525">
+                <a:solidFill>
+                  <a:schemeClr val="tx1"/>
+                </a:solidFill>
+                <a:miter lim="800000"/>
+                <a:headEnd/>
+                <a:tailEnd/>
+              </a14:hiddenLine>
+            </a:ext>
+          </a:extLst>
+        </p:spPr>
+      </p:pic>
+      <p:sp>
+        <p:nvSpPr>
+          <p:cNvPr id="6" name="TextBox 5"/>
           <p:cNvSpPr txBox="1"/>
           <p:nvPr/>
         </p:nvSpPr>
         <p:spPr>
           <a:xfrm>
-            <a:off x="683568" y="2060848"/>
-            <a:ext cx="7776864" cy="830997"/>
+            <a:off x="712231" y="2274111"/>
+            <a:ext cx="7776864" cy="2308324"/>
           </a:xfrm>
           <a:prstGeom prst="rect">
             <a:avLst/>
@@ -5456,7 +5556,15 @@
             </a:pPr>
             <a:r>
               <a:rPr lang="pt-PT" sz="2400" dirty="0" smtClean="0"/>
-              <a:t>Tratamento dos resultados</a:t>
+              <a:t>Actualização </a:t>
+            </a:r>
+            <a:r>
+              <a:rPr lang="pt-PT" sz="2400" dirty="0"/>
+              <a:t>em bazes de dados</a:t>
+            </a:r>
+            <a:r>
+              <a:rPr lang="pt-PT" sz="2400" dirty="0" smtClean="0"/>
+              <a:t> com o status do resultado de execução</a:t>
             </a:r>
           </a:p>
           <a:p>
@@ -5464,11 +5572,43 @@
               <a:buFont typeface="Wingdings" panose="05000000000000000000" pitchFamily="2" charset="2"/>
               <a:buChar char="Ø"/>
             </a:pPr>
+            <a:endParaRPr lang="pt-PT" sz="2400" dirty="0" smtClean="0"/>
+          </a:p>
+          <a:p>
+            <a:pPr marL="285750" indent="-285750">
+              <a:buFont typeface="Wingdings" panose="05000000000000000000" pitchFamily="2" charset="2"/>
+              <a:buChar char="Ø"/>
+            </a:pPr>
             <a:r>
               <a:rPr lang="pt-PT" sz="2400" dirty="0" smtClean="0"/>
-              <a:t>Armazenamento em </a:t>
-            </a:r>
-            <a:endParaRPr lang="en-US" sz="2400" dirty="0"/>
+              <a:t>Armazenamento dos resultados em ficheiros</a:t>
+            </a:r>
+          </a:p>
+          <a:p>
+            <a:pPr marL="285750" indent="-285750">
+              <a:buFont typeface="Wingdings" panose="05000000000000000000" pitchFamily="2" charset="2"/>
+              <a:buChar char="Ø"/>
+            </a:pPr>
+            <a:endParaRPr lang="pt-PT" sz="2400" dirty="0" smtClean="0"/>
+          </a:p>
+          <a:p>
+            <a:pPr marL="285750" indent="-285750">
+              <a:buFont typeface="Wingdings" panose="05000000000000000000" pitchFamily="2" charset="2"/>
+              <a:buChar char="Ø"/>
+            </a:pPr>
+            <a:r>
+              <a:rPr lang="pt-PT" sz="2400" dirty="0" smtClean="0"/>
+              <a:t>Notificação</a:t>
+            </a:r>
+            <a:r>
+              <a:rPr lang="pt-PT" sz="2400" dirty="0"/>
+              <a:t> dos resultados</a:t>
+            </a:r>
+            <a:r>
+              <a:rPr lang="pt-PT" sz="2400" dirty="0" smtClean="0"/>
+              <a:t> por email</a:t>
+            </a:r>
+            <a:endParaRPr lang="pt-PT" sz="2400" dirty="0"/>
           </a:p>
         </p:txBody>
       </p:sp>
@@ -5578,7 +5718,7 @@
         <p:spPr>
           <a:xfrm>
             <a:off x="971600" y="2204864"/>
-            <a:ext cx="7920880" cy="2339102"/>
+            <a:ext cx="7920880" cy="2215991"/>
           </a:xfrm>
           <a:prstGeom prst="rect">
             <a:avLst/>
@@ -5596,7 +5736,7 @@
               <a:buChar char="Ø"/>
             </a:pPr>
             <a:r>
-              <a:rPr lang="pt-PT" sz="3200" dirty="0" smtClean="0"/>
+              <a:rPr lang="pt-PT" sz="2400" dirty="0" smtClean="0"/>
               <a:t>Interação do Utilizador com o plataforma</a:t>
             </a:r>
           </a:p>
@@ -5605,23 +5745,30 @@
               <a:buFont typeface="Wingdings" panose="05000000000000000000" pitchFamily="2" charset="2"/>
               <a:buChar char="Ø"/>
             </a:pPr>
-            <a:endParaRPr lang="pt-PT" sz="3200" dirty="0" smtClean="0"/>
+            <a:endParaRPr lang="pt-PT" sz="2400" dirty="0" smtClean="0"/>
           </a:p>
           <a:p>
             <a:pPr marL="457200" indent="-457200">
               <a:buFont typeface="Wingdings" panose="05000000000000000000" pitchFamily="2" charset="2"/>
               <a:buChar char="Ø"/>
             </a:pPr>
-            <a:endParaRPr lang="pt-PT" sz="3200" dirty="0"/>
+            <a:endParaRPr lang="pt-PT" sz="2400" dirty="0" smtClean="0"/>
           </a:p>
           <a:p>
             <a:pPr marL="457200" indent="-457200">
               <a:buFont typeface="Wingdings" panose="05000000000000000000" pitchFamily="2" charset="2"/>
               <a:buChar char="Ø"/>
             </a:pPr>
-            <a:r>
-              <a:rPr lang="pt-PT" sz="3200" dirty="0" smtClean="0"/>
-              <a:t>Gatilho de execução automático</a:t>
+            <a:endParaRPr lang="pt-PT" sz="2400" dirty="0"/>
+          </a:p>
+          <a:p>
+            <a:pPr marL="457200" indent="-457200">
+              <a:buFont typeface="Wingdings" panose="05000000000000000000" pitchFamily="2" charset="2"/>
+              <a:buChar char="Ø"/>
+            </a:pPr>
+            <a:r>
+              <a:rPr lang="pt-PT" sz="2400" dirty="0" smtClean="0"/>
+              <a:t>Gatilho para execução automática</a:t>
             </a:r>
           </a:p>
           <a:p>
@@ -5759,11 +5906,7 @@
             </a:r>
             <a:r>
               <a:rPr lang="pt-BR" dirty="0" smtClean="0"/>
-              <a:t>contínua a aplicação </a:t>
-            </a:r>
-            <a:r>
-              <a:rPr lang="pt-BR" dirty="0" smtClean="0"/>
-              <a:t>é um serviço automatizado na internet para execuções e testes de código.</a:t>
+              <a:t>contínua a aplicação é um serviço automatizado na internet para execuções e testes de código.</a:t>
             </a:r>
           </a:p>
           <a:p>
@@ -5783,15 +5926,7 @@
             </a:pPr>
             <a:r>
               <a:rPr lang="pt-BR" dirty="0" smtClean="0"/>
-              <a:t>Serviço </a:t>
-            </a:r>
-            <a:r>
-              <a:rPr lang="pt-BR" dirty="0" smtClean="0"/>
-              <a:t>automatizado de </a:t>
-            </a:r>
-            <a:r>
-              <a:rPr lang="pt-BR" dirty="0" smtClean="0"/>
-              <a:t>alta disponibilidade</a:t>
+              <a:t>Serviço automatizado de alta disponibilidade</a:t>
             </a:r>
           </a:p>
           <a:p>
@@ -5801,15 +5936,7 @@
             </a:pPr>
             <a:r>
               <a:rPr lang="pt-BR" dirty="0" smtClean="0"/>
-              <a:t>Ambientes </a:t>
-            </a:r>
-            <a:r>
-              <a:rPr lang="pt-BR" dirty="0" smtClean="0"/>
-              <a:t>de execução Linux </a:t>
-            </a:r>
-            <a:r>
-              <a:rPr lang="pt-BR" dirty="0" smtClean="0"/>
-              <a:t>a medida </a:t>
+              <a:t>Ambientes de execução Linux a medida </a:t>
             </a:r>
           </a:p>
           <a:p>
@@ -6925,8 +7052,13 @@
           <a:p>
             <a:r>
               <a:rPr lang="pt-PT" sz="3200" dirty="0" smtClean="0"/>
-              <a:t>Integração Continua</a:t>
-            </a:r>
+              <a:t>Integração </a:t>
+            </a:r>
+            <a:r>
+              <a:rPr lang="pt-PT" sz="3200" dirty="0" smtClean="0"/>
+              <a:t>Continua</a:t>
+            </a:r>
+            <a:endParaRPr lang="pt-PT" sz="3200" dirty="0" smtClean="0"/>
           </a:p>
           <a:p>
             <a:endParaRPr lang="pt-PT" sz="3200" dirty="0" smtClean="0"/>
@@ -7083,7 +7215,7 @@
         <p:spPr>
           <a:xfrm>
             <a:off x="395536" y="1916832"/>
-            <a:ext cx="6912767" cy="4031873"/>
+            <a:ext cx="8280920" cy="3293209"/>
           </a:xfrm>
           <a:prstGeom prst="rect">
             <a:avLst/>
@@ -7096,7 +7228,7 @@
           </a:bodyPr>
           <a:lstStyle/>
           <a:p>
-            <a:endParaRPr lang="pt-PT" sz="3200" dirty="0"/>
+            <a:endParaRPr lang="pt-PT" sz="2400" dirty="0"/>
           </a:p>
           <a:p>
             <a:pPr marL="285750" indent="-285750">
@@ -7104,16 +7236,8 @@
               <a:buChar char="Ø"/>
             </a:pPr>
             <a:r>
-              <a:rPr lang="pt-PT" sz="3200" dirty="0" smtClean="0"/>
-              <a:t> Compilação e testes diários </a:t>
-            </a:r>
-            <a:r>
-              <a:rPr lang="pt-PT" sz="3200" dirty="0" smtClean="0"/>
-              <a:t>de </a:t>
-            </a:r>
-            <a:r>
-              <a:rPr lang="pt-PT" sz="3200" dirty="0" smtClean="0"/>
-              <a:t>código</a:t>
+              <a:rPr lang="pt-PT" sz="2400" dirty="0" smtClean="0"/>
+              <a:t> Compilação e testes diários de código</a:t>
             </a:r>
           </a:p>
           <a:p>
@@ -7121,29 +7245,30 @@
               <a:buFont typeface="Wingdings" panose="05000000000000000000" pitchFamily="2" charset="2"/>
               <a:buChar char="Ø"/>
             </a:pPr>
-            <a:endParaRPr lang="pt-PT" sz="3200" dirty="0" smtClean="0"/>
+            <a:endParaRPr lang="pt-PT" sz="2400" dirty="0" smtClean="0"/>
           </a:p>
           <a:p>
             <a:pPr marL="285750" indent="-285750">
               <a:buFont typeface="Wingdings" panose="05000000000000000000" pitchFamily="2" charset="2"/>
               <a:buChar char="Ø"/>
             </a:pPr>
-            <a:endParaRPr lang="pt-PT" sz="3200" dirty="0" smtClean="0"/>
+            <a:endParaRPr lang="pt-PT" sz="2400" dirty="0" smtClean="0"/>
           </a:p>
           <a:p>
             <a:pPr marL="285750" indent="-285750">
               <a:buFont typeface="Wingdings" panose="05000000000000000000" pitchFamily="2" charset="2"/>
               <a:buChar char="Ø"/>
             </a:pPr>
-            <a:r>
-              <a:rPr lang="pt-PT" sz="3200" dirty="0" smtClean="0"/>
-              <a:t> Ambientes de execução com  </a:t>
-            </a:r>
-          </a:p>
-          <a:p>
-            <a:r>
-              <a:rPr lang="pt-PT" sz="3200" dirty="0" smtClean="0"/>
-              <a:t>    propriedades diferentes</a:t>
+            <a:endParaRPr lang="pt-PT" sz="2400" dirty="0" smtClean="0"/>
+          </a:p>
+          <a:p>
+            <a:pPr marL="285750" indent="-285750">
+              <a:buFont typeface="Wingdings" panose="05000000000000000000" pitchFamily="2" charset="2"/>
+              <a:buChar char="Ø"/>
+            </a:pPr>
+            <a:r>
+              <a:rPr lang="pt-PT" sz="2400" dirty="0" smtClean="0"/>
+              <a:t> Ambientes de execução com  propriedades diferentes</a:t>
             </a:r>
           </a:p>
           <a:p>
@@ -7350,19 +7475,7 @@
             </a:pPr>
             <a:r>
               <a:rPr lang="pt-PT" sz="2400" dirty="0" smtClean="0"/>
-              <a:t>Ambientes Linux </a:t>
-            </a:r>
-            <a:r>
-              <a:rPr lang="pt-PT" sz="2400" dirty="0" smtClean="0"/>
-              <a:t>à medida</a:t>
-            </a:r>
-            <a:r>
-              <a:rPr lang="pt-PT" sz="2400" dirty="0" smtClean="0"/>
-              <a:t>, </a:t>
-            </a:r>
-            <a:r>
-              <a:rPr lang="pt-PT" sz="2400" dirty="0" smtClean="0"/>
-              <a:t>isolados </a:t>
+              <a:t>Ambientes Linux à medida, isolados </a:t>
             </a:r>
           </a:p>
           <a:p>
@@ -7372,15 +7485,7 @@
             </a:r>
             <a:r>
               <a:rPr lang="pt-PT" sz="2400" dirty="0" smtClean="0"/>
-              <a:t>     </a:t>
-            </a:r>
-            <a:r>
-              <a:rPr lang="pt-PT" sz="2400" dirty="0" smtClean="0"/>
-              <a:t>para </a:t>
-            </a:r>
-            <a:r>
-              <a:rPr lang="pt-PT" sz="2400" dirty="0" smtClean="0"/>
-              <a:t>execução.</a:t>
+              <a:t>     para execução.</a:t>
             </a:r>
           </a:p>
           <a:p>
@@ -7397,13 +7502,8 @@
             </a:pPr>
             <a:r>
               <a:rPr lang="pt-PT" sz="2400" dirty="0" smtClean="0"/>
-              <a:t>Comunicação </a:t>
-            </a:r>
-            <a:r>
-              <a:rPr lang="pt-PT" sz="2400" dirty="0" smtClean="0"/>
-              <a:t>dos resultados</a:t>
-            </a:r>
-            <a:endParaRPr lang="pt-PT" sz="2400" dirty="0" smtClean="0"/>
+              <a:t>Comunicação dos resultados</a:t>
+            </a:r>
           </a:p>
         </p:txBody>
       </p:sp>
@@ -7586,7 +7686,15 @@
             </a:pPr>
             <a:r>
               <a:rPr lang="pt-PT" sz="2000" dirty="0" smtClean="0"/>
-              <a:t>Gestor de ambientes virtuais com  a base nos contentores Linux “</a:t>
+              <a:t>Gestor de ambientes </a:t>
+            </a:r>
+            <a:r>
+              <a:rPr lang="pt-PT" sz="2000" dirty="0" smtClean="0"/>
+              <a:t>virtuais </a:t>
+            </a:r>
+            <a:r>
+              <a:rPr lang="pt-PT" sz="2000" dirty="0" smtClean="0"/>
+              <a:t>com  a base nos contentores Linux “</a:t>
             </a:r>
             <a:r>
               <a:rPr lang="pt-PT" sz="2000" i="1" dirty="0" smtClean="0"/>
@@ -7624,7 +7732,6 @@
               <a:rPr lang="pt-PT" sz="2000" dirty="0" smtClean="0"/>
               <a:t>.</a:t>
             </a:r>
-            <a:endParaRPr lang="pt-PT" sz="2000" dirty="0" smtClean="0"/>
           </a:p>
           <a:p>
             <a:pPr marL="342900" indent="-342900">
@@ -7768,8 +7875,8 @@
         </p:blipFill>
         <p:spPr bwMode="auto">
           <a:xfrm>
-            <a:off x="873816" y="2276872"/>
-            <a:ext cx="7458384" cy="4349994"/>
+            <a:off x="1354756" y="2850094"/>
+            <a:ext cx="6496504" cy="3788991"/>
           </a:xfrm>
           <a:prstGeom prst="rect">
             <a:avLst/>
@@ -7808,7 +7915,7 @@
         <p:spPr>
           <a:xfrm>
             <a:off x="588562" y="1268759"/>
-            <a:ext cx="8028892" cy="830997"/>
+            <a:ext cx="8028892" cy="1200329"/>
           </a:xfrm>
           <a:prstGeom prst="rect">
             <a:avLst/>
@@ -7837,6 +7944,13 @@
               <a:rPr lang="pt-BR" sz="2400" dirty="0" smtClean="0"/>
               <a:t>acopladas.</a:t>
             </a:r>
+          </a:p>
+          <a:p>
+            <a:pPr marL="285750" indent="-285750">
+              <a:buFont typeface="Wingdings" panose="05000000000000000000" pitchFamily="2" charset="2"/>
+              <a:buChar char="Ø"/>
+            </a:pPr>
+            <a:endParaRPr lang="pt-BR" sz="2400" dirty="0" smtClean="0"/>
           </a:p>
           <a:p>
             <a:pPr marL="285750" indent="-285750">
@@ -8041,13 +8155,20 @@
             </a:pPr>
             <a:r>
               <a:rPr lang="pt-BR" sz="2400" dirty="0"/>
-              <a:t>Interação com aplicação </a:t>
+              <a:t>Interação </a:t>
+            </a:r>
+            <a:r>
+              <a:rPr lang="pt-BR" sz="2400" dirty="0" smtClean="0"/>
+              <a:t>com </a:t>
+            </a:r>
+            <a:r>
+              <a:rPr lang="pt-BR" sz="2400" dirty="0"/>
+              <a:t>aplicação </a:t>
             </a:r>
             <a:r>
               <a:rPr lang="pt-BR" sz="2400" dirty="0" smtClean="0"/>
               <a:t>cliente usando o paradigma pedido/resposta  via protocolo Http.</a:t>
             </a:r>
-            <a:endParaRPr lang="pt-BR" sz="2400" dirty="0" smtClean="0"/>
           </a:p>
           <a:p>
             <a:pPr marL="285750" indent="-285750">
@@ -8056,11 +8177,7 @@
             </a:pPr>
             <a:r>
               <a:rPr lang="pt-BR" sz="2400" dirty="0" smtClean="0"/>
-              <a:t>Comunicação </a:t>
-            </a:r>
-            <a:r>
-              <a:rPr lang="pt-BR" sz="2400" dirty="0" smtClean="0"/>
-              <a:t>com </a:t>
+              <a:t>Comunicação com </a:t>
             </a:r>
             <a:r>
               <a:rPr lang="pt-BR" sz="2400" dirty="0"/>
@@ -8070,7 +8187,6 @@
               <a:rPr lang="pt-BR" sz="2400" dirty="0" smtClean="0"/>
               <a:t>WebSocket na obtenção do progresso em tempo real.</a:t>
             </a:r>
-            <a:endParaRPr lang="pt-BR" sz="2400" dirty="0" smtClean="0"/>
           </a:p>
           <a:p>
             <a:pPr marL="285750" indent="-285750">
@@ -8079,11 +8195,11 @@
             </a:pPr>
             <a:r>
               <a:rPr lang="pt-BR" sz="2400" dirty="0" smtClean="0"/>
-              <a:t>Submição </a:t>
+              <a:t>Submissão de </a:t>
             </a:r>
             <a:r>
               <a:rPr lang="pt-BR" sz="2400" dirty="0"/>
-              <a:t>de do trabalho </a:t>
+              <a:t>trabalho </a:t>
             </a:r>
             <a:r>
               <a:rPr lang="pt-BR" sz="2400" dirty="0" smtClean="0"/>
@@ -8093,11 +8209,7 @@
           <a:p>
             <a:r>
               <a:rPr lang="pt-BR" sz="2400" dirty="0" smtClean="0"/>
-              <a:t>    fila </a:t>
-            </a:r>
-            <a:r>
-              <a:rPr lang="pt-BR" sz="2400" dirty="0" smtClean="0"/>
-              <a:t>Redis</a:t>
+              <a:t>    fila Redis</a:t>
             </a:r>
           </a:p>
           <a:p>
@@ -8107,11 +8219,7 @@
             </a:pPr>
             <a:r>
               <a:rPr lang="pt-BR" sz="2400" dirty="0" smtClean="0"/>
-              <a:t>Comunicação </a:t>
-            </a:r>
-            <a:r>
-              <a:rPr lang="pt-BR" sz="2400" dirty="0" smtClean="0"/>
-              <a:t>com</a:t>
+              <a:t>Comunicação com</a:t>
             </a:r>
           </a:p>
           <a:p>
@@ -8121,11 +8229,7 @@
             </a:r>
             <a:r>
               <a:rPr lang="pt-BR" sz="2400" dirty="0" smtClean="0"/>
-              <a:t>   </a:t>
-            </a:r>
-            <a:r>
-              <a:rPr lang="pt-BR" sz="2400" dirty="0" smtClean="0"/>
-              <a:t>Redis </a:t>
+              <a:t>   Redis </a:t>
             </a:r>
             <a:r>
               <a:rPr lang="pt-BR" sz="2400" dirty="0"/>
@@ -8161,11 +8265,7 @@
             </a:r>
             <a:r>
               <a:rPr lang="pt-BR" sz="2400" dirty="0" smtClean="0"/>
-              <a:t>   </a:t>
-            </a:r>
-            <a:r>
-              <a:rPr lang="pt-BR" sz="2400" dirty="0" smtClean="0"/>
-              <a:t>Bases </a:t>
+              <a:t>   Bases </a:t>
             </a:r>
             <a:r>
               <a:rPr lang="pt-BR" sz="2400" dirty="0"/>

--- a/PCIS.pptx
+++ b/PCIS.pptx
@@ -5,7 +5,7 @@
     <p:sldMasterId id="2147483648" r:id="rId1"/>
   </p:sldMasterIdLst>
   <p:notesMasterIdLst>
-    <p:notesMasterId r:id="rId16"/>
+    <p:notesMasterId r:id="rId24"/>
   </p:notesMasterIdLst>
   <p:sldIdLst>
     <p:sldId id="256" r:id="rId2"/>
@@ -13,15 +13,23 @@
     <p:sldId id="258" r:id="rId4"/>
     <p:sldId id="259" r:id="rId5"/>
     <p:sldId id="260" r:id="rId6"/>
-    <p:sldId id="262" r:id="rId7"/>
-    <p:sldId id="263" r:id="rId8"/>
-    <p:sldId id="266" r:id="rId9"/>
-    <p:sldId id="270" r:id="rId10"/>
-    <p:sldId id="264" r:id="rId11"/>
-    <p:sldId id="265" r:id="rId12"/>
-    <p:sldId id="267" r:id="rId13"/>
-    <p:sldId id="268" r:id="rId14"/>
-    <p:sldId id="269" r:id="rId15"/>
+    <p:sldId id="271" r:id="rId7"/>
+    <p:sldId id="262" r:id="rId8"/>
+    <p:sldId id="263" r:id="rId9"/>
+    <p:sldId id="276" r:id="rId10"/>
+    <p:sldId id="266" r:id="rId11"/>
+    <p:sldId id="272" r:id="rId12"/>
+    <p:sldId id="270" r:id="rId13"/>
+    <p:sldId id="277" r:id="rId14"/>
+    <p:sldId id="278" r:id="rId15"/>
+    <p:sldId id="264" r:id="rId16"/>
+    <p:sldId id="273" r:id="rId17"/>
+    <p:sldId id="265" r:id="rId18"/>
+    <p:sldId id="275" r:id="rId19"/>
+    <p:sldId id="279" r:id="rId20"/>
+    <p:sldId id="267" r:id="rId21"/>
+    <p:sldId id="268" r:id="rId22"/>
+    <p:sldId id="269" r:id="rId23"/>
   </p:sldIdLst>
   <p:sldSz cx="9144000" cy="6858000" type="screen4x3"/>
   <p:notesSz cx="6858000" cy="9144000"/>
@@ -122,7 +130,7 @@
   </p:defaultTextStyle>
   <p:extLst>
     <p:ext uri="{EFAFB233-063F-42B5-8137-9DF3F51BA10A}">
-      <p15:sldGuideLst xmlns:p15="http://schemas.microsoft.com/office/powerpoint/2012/main">
+      <p15:sldGuideLst xmlns:p15="http://schemas.microsoft.com/office/powerpoint/2012/main" xmlns="">
         <p15:guide id="1" orient="horz" pos="2160">
           <p15:clr>
             <a:srgbClr val="A4A3A4"/>
@@ -221,7 +229,7 @@
           <a:p>
             <a:fld id="{2BE61294-0FEC-4BAA-9ABC-F98AB02C8CFE}" type="datetimeFigureOut">
               <a:rPr lang="en-US" smtClean="0"/>
-              <a:t>10/20/2014</a:t>
+              <a:t>11/17/2014</a:t>
             </a:fld>
             <a:endParaRPr lang="en-US" dirty="0"/>
           </a:p>
@@ -380,7 +388,7 @@
           <a:p>
             <a:fld id="{7A2EE716-F720-4933-B8B4-0978798F2054}" type="slidenum">
               <a:rPr lang="en-US" smtClean="0"/>
-              <a:t>‹nº›</a:t>
+              <a:t>‹#›</a:t>
             </a:fld>
             <a:endParaRPr lang="en-US" dirty="0"/>
           </a:p>
@@ -1024,6 +1032,648 @@
 </p:notes>
 </file>
 
+<file path=ppt/notesSlides/notesSlide14.xml><?xml version="1.0" encoding="utf-8"?>
+<p:notes xmlns:a="http://schemas.openxmlformats.org/drawingml/2006/main" xmlns:r="http://schemas.openxmlformats.org/officeDocument/2006/relationships" xmlns:p="http://schemas.openxmlformats.org/presentationml/2006/main">
+  <p:cSld>
+    <p:spTree>
+      <p:nvGrpSpPr>
+        <p:cNvPr id="1" name=""/>
+        <p:cNvGrpSpPr/>
+        <p:nvPr/>
+      </p:nvGrpSpPr>
+      <p:grpSpPr>
+        <a:xfrm>
+          <a:off x="0" y="0"/>
+          <a:ext cx="0" cy="0"/>
+          <a:chOff x="0" y="0"/>
+          <a:chExt cx="0" cy="0"/>
+        </a:xfrm>
+      </p:grpSpPr>
+      <p:sp>
+        <p:nvSpPr>
+          <p:cNvPr id="2" name="Образ слайда 1"/>
+          <p:cNvSpPr>
+            <a:spLocks noGrp="1" noRot="1" noChangeAspect="1"/>
+          </p:cNvSpPr>
+          <p:nvPr>
+            <p:ph type="sldImg"/>
+          </p:nvPr>
+        </p:nvSpPr>
+        <p:spPr/>
+      </p:sp>
+      <p:sp>
+        <p:nvSpPr>
+          <p:cNvPr id="3" name="Заметки 2"/>
+          <p:cNvSpPr>
+            <a:spLocks noGrp="1"/>
+          </p:cNvSpPr>
+          <p:nvPr>
+            <p:ph type="body" idx="1"/>
+          </p:nvPr>
+        </p:nvSpPr>
+        <p:spPr/>
+        <p:txBody>
+          <a:bodyPr/>
+          <a:lstStyle/>
+          <a:p>
+            <a:pPr marL="0" marR="0" indent="0" algn="l" defTabSz="914400" rtl="0" eaLnBrk="1" fontAlgn="auto" latinLnBrk="0" hangingPunct="1">
+              <a:lnSpc>
+                <a:spcPct val="100000"/>
+              </a:lnSpc>
+              <a:spcBef>
+                <a:spcPts val="0"/>
+              </a:spcBef>
+              <a:spcAft>
+                <a:spcPts val="0"/>
+              </a:spcAft>
+              <a:buClrTx/>
+              <a:buSzTx/>
+              <a:buFontTx/>
+              <a:buNone/>
+              <a:tabLst/>
+              <a:defRPr/>
+            </a:pPr>
+            <a:r>
+              <a:rPr lang="pt-PT" dirty="0" smtClean="0"/>
+              <a:t>Sumariar o que vamos apresentar</a:t>
+            </a:r>
+          </a:p>
+          <a:p>
+            <a:endParaRPr lang="en-US" dirty="0"/>
+          </a:p>
+        </p:txBody>
+      </p:sp>
+      <p:sp>
+        <p:nvSpPr>
+          <p:cNvPr id="4" name="Номер слайда 3"/>
+          <p:cNvSpPr>
+            <a:spLocks noGrp="1"/>
+          </p:cNvSpPr>
+          <p:nvPr>
+            <p:ph type="sldNum" sz="quarter" idx="10"/>
+          </p:nvPr>
+        </p:nvSpPr>
+        <p:spPr/>
+        <p:txBody>
+          <a:bodyPr/>
+          <a:lstStyle/>
+          <a:p>
+            <a:fld id="{7A2EE716-F720-4933-B8B4-0978798F2054}" type="slidenum">
+              <a:rPr lang="en-US" smtClean="0"/>
+              <a:t>15</a:t>
+            </a:fld>
+            <a:endParaRPr lang="en-US" dirty="0"/>
+          </a:p>
+        </p:txBody>
+      </p:sp>
+    </p:spTree>
+    <p:extLst>
+      <p:ext uri="{BB962C8B-B14F-4D97-AF65-F5344CB8AC3E}">
+        <p14:creationId xmlns:p14="http://schemas.microsoft.com/office/powerpoint/2010/main" val="3003926396"/>
+      </p:ext>
+    </p:extLst>
+  </p:cSld>
+  <p:clrMapOvr>
+    <a:masterClrMapping/>
+  </p:clrMapOvr>
+</p:notes>
+</file>
+
+<file path=ppt/notesSlides/notesSlide15.xml><?xml version="1.0" encoding="utf-8"?>
+<p:notes xmlns:a="http://schemas.openxmlformats.org/drawingml/2006/main" xmlns:r="http://schemas.openxmlformats.org/officeDocument/2006/relationships" xmlns:p="http://schemas.openxmlformats.org/presentationml/2006/main">
+  <p:cSld>
+    <p:spTree>
+      <p:nvGrpSpPr>
+        <p:cNvPr id="1" name=""/>
+        <p:cNvGrpSpPr/>
+        <p:nvPr/>
+      </p:nvGrpSpPr>
+      <p:grpSpPr>
+        <a:xfrm>
+          <a:off x="0" y="0"/>
+          <a:ext cx="0" cy="0"/>
+          <a:chOff x="0" y="0"/>
+          <a:chExt cx="0" cy="0"/>
+        </a:xfrm>
+      </p:grpSpPr>
+      <p:sp>
+        <p:nvSpPr>
+          <p:cNvPr id="2" name="Образ слайда 1"/>
+          <p:cNvSpPr>
+            <a:spLocks noGrp="1" noRot="1" noChangeAspect="1"/>
+          </p:cNvSpPr>
+          <p:nvPr>
+            <p:ph type="sldImg"/>
+          </p:nvPr>
+        </p:nvSpPr>
+        <p:spPr/>
+      </p:sp>
+      <p:sp>
+        <p:nvSpPr>
+          <p:cNvPr id="3" name="Заметки 2"/>
+          <p:cNvSpPr>
+            <a:spLocks noGrp="1"/>
+          </p:cNvSpPr>
+          <p:nvPr>
+            <p:ph type="body" idx="1"/>
+          </p:nvPr>
+        </p:nvSpPr>
+        <p:spPr/>
+        <p:txBody>
+          <a:bodyPr/>
+          <a:lstStyle/>
+          <a:p>
+            <a:pPr marL="0" marR="0" indent="0" algn="l" defTabSz="914400" rtl="0" eaLnBrk="1" fontAlgn="auto" latinLnBrk="0" hangingPunct="1">
+              <a:lnSpc>
+                <a:spcPct val="100000"/>
+              </a:lnSpc>
+              <a:spcBef>
+                <a:spcPts val="0"/>
+              </a:spcBef>
+              <a:spcAft>
+                <a:spcPts val="0"/>
+              </a:spcAft>
+              <a:buClrTx/>
+              <a:buSzTx/>
+              <a:buFontTx/>
+              <a:buNone/>
+              <a:tabLst/>
+              <a:defRPr/>
+            </a:pPr>
+            <a:r>
+              <a:rPr lang="pt-PT" dirty="0" smtClean="0"/>
+              <a:t>Sumariar o que vamos apresentar</a:t>
+            </a:r>
+          </a:p>
+          <a:p>
+            <a:endParaRPr lang="en-US" dirty="0"/>
+          </a:p>
+        </p:txBody>
+      </p:sp>
+      <p:sp>
+        <p:nvSpPr>
+          <p:cNvPr id="4" name="Номер слайда 3"/>
+          <p:cNvSpPr>
+            <a:spLocks noGrp="1"/>
+          </p:cNvSpPr>
+          <p:nvPr>
+            <p:ph type="sldNum" sz="quarter" idx="10"/>
+          </p:nvPr>
+        </p:nvSpPr>
+        <p:spPr/>
+        <p:txBody>
+          <a:bodyPr/>
+          <a:lstStyle/>
+          <a:p>
+            <a:fld id="{7A2EE716-F720-4933-B8B4-0978798F2054}" type="slidenum">
+              <a:rPr lang="en-US" smtClean="0"/>
+              <a:t>16</a:t>
+            </a:fld>
+            <a:endParaRPr lang="en-US" dirty="0"/>
+          </a:p>
+        </p:txBody>
+      </p:sp>
+    </p:spTree>
+    <p:extLst>
+      <p:ext uri="{BB962C8B-B14F-4D97-AF65-F5344CB8AC3E}">
+        <p14:creationId xmlns:p14="http://schemas.microsoft.com/office/powerpoint/2010/main" val="3003926396"/>
+      </p:ext>
+    </p:extLst>
+  </p:cSld>
+  <p:clrMapOvr>
+    <a:masterClrMapping/>
+  </p:clrMapOvr>
+</p:notes>
+</file>
+
+<file path=ppt/notesSlides/notesSlide16.xml><?xml version="1.0" encoding="utf-8"?>
+<p:notes xmlns:a="http://schemas.openxmlformats.org/drawingml/2006/main" xmlns:r="http://schemas.openxmlformats.org/officeDocument/2006/relationships" xmlns:p="http://schemas.openxmlformats.org/presentationml/2006/main">
+  <p:cSld>
+    <p:spTree>
+      <p:nvGrpSpPr>
+        <p:cNvPr id="1" name=""/>
+        <p:cNvGrpSpPr/>
+        <p:nvPr/>
+      </p:nvGrpSpPr>
+      <p:grpSpPr>
+        <a:xfrm>
+          <a:off x="0" y="0"/>
+          <a:ext cx="0" cy="0"/>
+          <a:chOff x="0" y="0"/>
+          <a:chExt cx="0" cy="0"/>
+        </a:xfrm>
+      </p:grpSpPr>
+      <p:sp>
+        <p:nvSpPr>
+          <p:cNvPr id="2" name="Образ слайда 1"/>
+          <p:cNvSpPr>
+            <a:spLocks noGrp="1" noRot="1" noChangeAspect="1"/>
+          </p:cNvSpPr>
+          <p:nvPr>
+            <p:ph type="sldImg"/>
+          </p:nvPr>
+        </p:nvSpPr>
+        <p:spPr/>
+      </p:sp>
+      <p:sp>
+        <p:nvSpPr>
+          <p:cNvPr id="3" name="Заметки 2"/>
+          <p:cNvSpPr>
+            <a:spLocks noGrp="1"/>
+          </p:cNvSpPr>
+          <p:nvPr>
+            <p:ph type="body" idx="1"/>
+          </p:nvPr>
+        </p:nvSpPr>
+        <p:spPr/>
+        <p:txBody>
+          <a:bodyPr/>
+          <a:lstStyle/>
+          <a:p>
+            <a:pPr marL="0" marR="0" indent="0" algn="l" defTabSz="914400" rtl="0" eaLnBrk="1" fontAlgn="auto" latinLnBrk="0" hangingPunct="1">
+              <a:lnSpc>
+                <a:spcPct val="100000"/>
+              </a:lnSpc>
+              <a:spcBef>
+                <a:spcPts val="0"/>
+              </a:spcBef>
+              <a:spcAft>
+                <a:spcPts val="0"/>
+              </a:spcAft>
+              <a:buClrTx/>
+              <a:buSzTx/>
+              <a:buFontTx/>
+              <a:buNone/>
+              <a:tabLst/>
+              <a:defRPr/>
+            </a:pPr>
+            <a:r>
+              <a:rPr lang="pt-PT" dirty="0" smtClean="0"/>
+              <a:t>Sumariar o que vamos apresentar</a:t>
+            </a:r>
+          </a:p>
+          <a:p>
+            <a:endParaRPr lang="en-US" dirty="0"/>
+          </a:p>
+        </p:txBody>
+      </p:sp>
+      <p:sp>
+        <p:nvSpPr>
+          <p:cNvPr id="4" name="Номер слайда 3"/>
+          <p:cNvSpPr>
+            <a:spLocks noGrp="1"/>
+          </p:cNvSpPr>
+          <p:nvPr>
+            <p:ph type="sldNum" sz="quarter" idx="10"/>
+          </p:nvPr>
+        </p:nvSpPr>
+        <p:spPr/>
+        <p:txBody>
+          <a:bodyPr/>
+          <a:lstStyle/>
+          <a:p>
+            <a:fld id="{7A2EE716-F720-4933-B8B4-0978798F2054}" type="slidenum">
+              <a:rPr lang="en-US" smtClean="0"/>
+              <a:t>17</a:t>
+            </a:fld>
+            <a:endParaRPr lang="en-US" dirty="0"/>
+          </a:p>
+        </p:txBody>
+      </p:sp>
+    </p:spTree>
+    <p:extLst>
+      <p:ext uri="{BB962C8B-B14F-4D97-AF65-F5344CB8AC3E}">
+        <p14:creationId xmlns:p14="http://schemas.microsoft.com/office/powerpoint/2010/main" val="3003926396"/>
+      </p:ext>
+    </p:extLst>
+  </p:cSld>
+  <p:clrMapOvr>
+    <a:masterClrMapping/>
+  </p:clrMapOvr>
+</p:notes>
+</file>
+
+<file path=ppt/notesSlides/notesSlide17.xml><?xml version="1.0" encoding="utf-8"?>
+<p:notes xmlns:a="http://schemas.openxmlformats.org/drawingml/2006/main" xmlns:r="http://schemas.openxmlformats.org/officeDocument/2006/relationships" xmlns:p="http://schemas.openxmlformats.org/presentationml/2006/main">
+  <p:cSld>
+    <p:spTree>
+      <p:nvGrpSpPr>
+        <p:cNvPr id="1" name=""/>
+        <p:cNvGrpSpPr/>
+        <p:nvPr/>
+      </p:nvGrpSpPr>
+      <p:grpSpPr>
+        <a:xfrm>
+          <a:off x="0" y="0"/>
+          <a:ext cx="0" cy="0"/>
+          <a:chOff x="0" y="0"/>
+          <a:chExt cx="0" cy="0"/>
+        </a:xfrm>
+      </p:grpSpPr>
+      <p:sp>
+        <p:nvSpPr>
+          <p:cNvPr id="2" name="Образ слайда 1"/>
+          <p:cNvSpPr>
+            <a:spLocks noGrp="1" noRot="1" noChangeAspect="1"/>
+          </p:cNvSpPr>
+          <p:nvPr>
+            <p:ph type="sldImg"/>
+          </p:nvPr>
+        </p:nvSpPr>
+        <p:spPr/>
+      </p:sp>
+      <p:sp>
+        <p:nvSpPr>
+          <p:cNvPr id="3" name="Заметки 2"/>
+          <p:cNvSpPr>
+            <a:spLocks noGrp="1"/>
+          </p:cNvSpPr>
+          <p:nvPr>
+            <p:ph type="body" idx="1"/>
+          </p:nvPr>
+        </p:nvSpPr>
+        <p:spPr/>
+        <p:txBody>
+          <a:bodyPr/>
+          <a:lstStyle/>
+          <a:p>
+            <a:pPr marL="0" marR="0" indent="0" algn="l" defTabSz="914400" rtl="0" eaLnBrk="1" fontAlgn="auto" latinLnBrk="0" hangingPunct="1">
+              <a:lnSpc>
+                <a:spcPct val="100000"/>
+              </a:lnSpc>
+              <a:spcBef>
+                <a:spcPts val="0"/>
+              </a:spcBef>
+              <a:spcAft>
+                <a:spcPts val="0"/>
+              </a:spcAft>
+              <a:buClrTx/>
+              <a:buSzTx/>
+              <a:buFontTx/>
+              <a:buNone/>
+              <a:tabLst/>
+              <a:defRPr/>
+            </a:pPr>
+            <a:r>
+              <a:rPr lang="pt-PT" dirty="0" smtClean="0"/>
+              <a:t>Sumariar o que vamos apresentar</a:t>
+            </a:r>
+          </a:p>
+          <a:p>
+            <a:endParaRPr lang="en-US" dirty="0"/>
+          </a:p>
+        </p:txBody>
+      </p:sp>
+      <p:sp>
+        <p:nvSpPr>
+          <p:cNvPr id="4" name="Номер слайда 3"/>
+          <p:cNvSpPr>
+            <a:spLocks noGrp="1"/>
+          </p:cNvSpPr>
+          <p:nvPr>
+            <p:ph type="sldNum" sz="quarter" idx="10"/>
+          </p:nvPr>
+        </p:nvSpPr>
+        <p:spPr/>
+        <p:txBody>
+          <a:bodyPr/>
+          <a:lstStyle/>
+          <a:p>
+            <a:fld id="{7A2EE716-F720-4933-B8B4-0978798F2054}" type="slidenum">
+              <a:rPr lang="en-US" smtClean="0"/>
+              <a:t>18</a:t>
+            </a:fld>
+            <a:endParaRPr lang="en-US" dirty="0"/>
+          </a:p>
+        </p:txBody>
+      </p:sp>
+    </p:spTree>
+    <p:extLst>
+      <p:ext uri="{BB962C8B-B14F-4D97-AF65-F5344CB8AC3E}">
+        <p14:creationId xmlns:p14="http://schemas.microsoft.com/office/powerpoint/2010/main" val="3003926396"/>
+      </p:ext>
+    </p:extLst>
+  </p:cSld>
+  <p:clrMapOvr>
+    <a:masterClrMapping/>
+  </p:clrMapOvr>
+</p:notes>
+</file>
+
+<file path=ppt/notesSlides/notesSlide18.xml><?xml version="1.0" encoding="utf-8"?>
+<p:notes xmlns:a="http://schemas.openxmlformats.org/drawingml/2006/main" xmlns:r="http://schemas.openxmlformats.org/officeDocument/2006/relationships" xmlns:p="http://schemas.openxmlformats.org/presentationml/2006/main">
+  <p:cSld>
+    <p:spTree>
+      <p:nvGrpSpPr>
+        <p:cNvPr id="1" name=""/>
+        <p:cNvGrpSpPr/>
+        <p:nvPr/>
+      </p:nvGrpSpPr>
+      <p:grpSpPr>
+        <a:xfrm>
+          <a:off x="0" y="0"/>
+          <a:ext cx="0" cy="0"/>
+          <a:chOff x="0" y="0"/>
+          <a:chExt cx="0" cy="0"/>
+        </a:xfrm>
+      </p:grpSpPr>
+      <p:sp>
+        <p:nvSpPr>
+          <p:cNvPr id="2" name="Образ слайда 1"/>
+          <p:cNvSpPr>
+            <a:spLocks noGrp="1" noRot="1" noChangeAspect="1"/>
+          </p:cNvSpPr>
+          <p:nvPr>
+            <p:ph type="sldImg"/>
+          </p:nvPr>
+        </p:nvSpPr>
+        <p:spPr/>
+      </p:sp>
+      <p:sp>
+        <p:nvSpPr>
+          <p:cNvPr id="3" name="Заметки 2"/>
+          <p:cNvSpPr>
+            <a:spLocks noGrp="1"/>
+          </p:cNvSpPr>
+          <p:nvPr>
+            <p:ph type="body" idx="1"/>
+          </p:nvPr>
+        </p:nvSpPr>
+        <p:spPr/>
+        <p:txBody>
+          <a:bodyPr/>
+          <a:lstStyle/>
+          <a:p>
+            <a:pPr marL="0" marR="0" indent="0" algn="l" defTabSz="914400" rtl="0" eaLnBrk="1" fontAlgn="auto" latinLnBrk="0" hangingPunct="1">
+              <a:lnSpc>
+                <a:spcPct val="100000"/>
+              </a:lnSpc>
+              <a:spcBef>
+                <a:spcPts val="0"/>
+              </a:spcBef>
+              <a:spcAft>
+                <a:spcPts val="0"/>
+              </a:spcAft>
+              <a:buClrTx/>
+              <a:buSzTx/>
+              <a:buFontTx/>
+              <a:buNone/>
+              <a:tabLst/>
+              <a:defRPr/>
+            </a:pPr>
+            <a:r>
+              <a:rPr lang="pt-PT" dirty="0" smtClean="0"/>
+              <a:t>Sumariar o que vamos apresentar</a:t>
+            </a:r>
+          </a:p>
+          <a:p>
+            <a:endParaRPr lang="en-US" dirty="0"/>
+          </a:p>
+        </p:txBody>
+      </p:sp>
+      <p:sp>
+        <p:nvSpPr>
+          <p:cNvPr id="4" name="Номер слайда 3"/>
+          <p:cNvSpPr>
+            <a:spLocks noGrp="1"/>
+          </p:cNvSpPr>
+          <p:nvPr>
+            <p:ph type="sldNum" sz="quarter" idx="10"/>
+          </p:nvPr>
+        </p:nvSpPr>
+        <p:spPr/>
+        <p:txBody>
+          <a:bodyPr/>
+          <a:lstStyle/>
+          <a:p>
+            <a:fld id="{7A2EE716-F720-4933-B8B4-0978798F2054}" type="slidenum">
+              <a:rPr lang="en-US" smtClean="0"/>
+              <a:t>19</a:t>
+            </a:fld>
+            <a:endParaRPr lang="en-US" dirty="0"/>
+          </a:p>
+        </p:txBody>
+      </p:sp>
+    </p:spTree>
+    <p:extLst>
+      <p:ext uri="{BB962C8B-B14F-4D97-AF65-F5344CB8AC3E}">
+        <p14:creationId xmlns:p14="http://schemas.microsoft.com/office/powerpoint/2010/main" val="3003926396"/>
+      </p:ext>
+    </p:extLst>
+  </p:cSld>
+  <p:clrMapOvr>
+    <a:masterClrMapping/>
+  </p:clrMapOvr>
+</p:notes>
+</file>
+
+<file path=ppt/notesSlides/notesSlide19.xml><?xml version="1.0" encoding="utf-8"?>
+<p:notes xmlns:a="http://schemas.openxmlformats.org/drawingml/2006/main" xmlns:r="http://schemas.openxmlformats.org/officeDocument/2006/relationships" xmlns:p="http://schemas.openxmlformats.org/presentationml/2006/main">
+  <p:cSld>
+    <p:spTree>
+      <p:nvGrpSpPr>
+        <p:cNvPr id="1" name=""/>
+        <p:cNvGrpSpPr/>
+        <p:nvPr/>
+      </p:nvGrpSpPr>
+      <p:grpSpPr>
+        <a:xfrm>
+          <a:off x="0" y="0"/>
+          <a:ext cx="0" cy="0"/>
+          <a:chOff x="0" y="0"/>
+          <a:chExt cx="0" cy="0"/>
+        </a:xfrm>
+      </p:grpSpPr>
+      <p:sp>
+        <p:nvSpPr>
+          <p:cNvPr id="2" name="Образ слайда 1"/>
+          <p:cNvSpPr>
+            <a:spLocks noGrp="1" noRot="1" noChangeAspect="1"/>
+          </p:cNvSpPr>
+          <p:nvPr>
+            <p:ph type="sldImg"/>
+          </p:nvPr>
+        </p:nvSpPr>
+        <p:spPr/>
+      </p:sp>
+      <p:sp>
+        <p:nvSpPr>
+          <p:cNvPr id="3" name="Заметки 2"/>
+          <p:cNvSpPr>
+            <a:spLocks noGrp="1"/>
+          </p:cNvSpPr>
+          <p:nvPr>
+            <p:ph type="body" idx="1"/>
+          </p:nvPr>
+        </p:nvSpPr>
+        <p:spPr/>
+        <p:txBody>
+          <a:bodyPr/>
+          <a:lstStyle/>
+          <a:p>
+            <a:pPr marL="0" marR="0" indent="0" algn="l" defTabSz="914400" rtl="0" eaLnBrk="1" fontAlgn="auto" latinLnBrk="0" hangingPunct="1">
+              <a:lnSpc>
+                <a:spcPct val="100000"/>
+              </a:lnSpc>
+              <a:spcBef>
+                <a:spcPts val="0"/>
+              </a:spcBef>
+              <a:spcAft>
+                <a:spcPts val="0"/>
+              </a:spcAft>
+              <a:buClrTx/>
+              <a:buSzTx/>
+              <a:buFontTx/>
+              <a:buNone/>
+              <a:tabLst/>
+              <a:defRPr/>
+            </a:pPr>
+            <a:r>
+              <a:rPr lang="pt-PT" dirty="0" smtClean="0"/>
+              <a:t>Sumariar o que vamos apresentar</a:t>
+            </a:r>
+          </a:p>
+          <a:p>
+            <a:endParaRPr lang="en-US" dirty="0"/>
+          </a:p>
+        </p:txBody>
+      </p:sp>
+      <p:sp>
+        <p:nvSpPr>
+          <p:cNvPr id="4" name="Номер слайда 3"/>
+          <p:cNvSpPr>
+            <a:spLocks noGrp="1"/>
+          </p:cNvSpPr>
+          <p:nvPr>
+            <p:ph type="sldNum" sz="quarter" idx="10"/>
+          </p:nvPr>
+        </p:nvSpPr>
+        <p:spPr/>
+        <p:txBody>
+          <a:bodyPr/>
+          <a:lstStyle/>
+          <a:p>
+            <a:fld id="{7A2EE716-F720-4933-B8B4-0978798F2054}" type="slidenum">
+              <a:rPr lang="en-US" smtClean="0"/>
+              <a:t>20</a:t>
+            </a:fld>
+            <a:endParaRPr lang="en-US" dirty="0"/>
+          </a:p>
+        </p:txBody>
+      </p:sp>
+    </p:spTree>
+    <p:extLst>
+      <p:ext uri="{BB962C8B-B14F-4D97-AF65-F5344CB8AC3E}">
+        <p14:creationId xmlns:p14="http://schemas.microsoft.com/office/powerpoint/2010/main" val="3003926396"/>
+      </p:ext>
+    </p:extLst>
+  </p:cSld>
+  <p:clrMapOvr>
+    <a:masterClrMapping/>
+  </p:clrMapOvr>
+</p:notes>
+</file>
+
 <file path=ppt/notesSlides/notesSlide2.xml><?xml version="1.0" encoding="utf-8"?>
 <p:notes xmlns:a="http://schemas.openxmlformats.org/drawingml/2006/main" xmlns:r="http://schemas.openxmlformats.org/officeDocument/2006/relationships" xmlns:p="http://schemas.openxmlformats.org/presentationml/2006/main">
   <p:cSld>
@@ -1113,6 +1763,220 @@
             <a:fld id="{7A2EE716-F720-4933-B8B4-0978798F2054}" type="slidenum">
               <a:rPr lang="en-US" smtClean="0"/>
               <a:t>3</a:t>
+            </a:fld>
+            <a:endParaRPr lang="en-US" dirty="0"/>
+          </a:p>
+        </p:txBody>
+      </p:sp>
+    </p:spTree>
+    <p:extLst>
+      <p:ext uri="{BB962C8B-B14F-4D97-AF65-F5344CB8AC3E}">
+        <p14:creationId xmlns:p14="http://schemas.microsoft.com/office/powerpoint/2010/main" val="3003926396"/>
+      </p:ext>
+    </p:extLst>
+  </p:cSld>
+  <p:clrMapOvr>
+    <a:masterClrMapping/>
+  </p:clrMapOvr>
+</p:notes>
+</file>
+
+<file path=ppt/notesSlides/notesSlide20.xml><?xml version="1.0" encoding="utf-8"?>
+<p:notes xmlns:a="http://schemas.openxmlformats.org/drawingml/2006/main" xmlns:r="http://schemas.openxmlformats.org/officeDocument/2006/relationships" xmlns:p="http://schemas.openxmlformats.org/presentationml/2006/main">
+  <p:cSld>
+    <p:spTree>
+      <p:nvGrpSpPr>
+        <p:cNvPr id="1" name=""/>
+        <p:cNvGrpSpPr/>
+        <p:nvPr/>
+      </p:nvGrpSpPr>
+      <p:grpSpPr>
+        <a:xfrm>
+          <a:off x="0" y="0"/>
+          <a:ext cx="0" cy="0"/>
+          <a:chOff x="0" y="0"/>
+          <a:chExt cx="0" cy="0"/>
+        </a:xfrm>
+      </p:grpSpPr>
+      <p:sp>
+        <p:nvSpPr>
+          <p:cNvPr id="2" name="Образ слайда 1"/>
+          <p:cNvSpPr>
+            <a:spLocks noGrp="1" noRot="1" noChangeAspect="1"/>
+          </p:cNvSpPr>
+          <p:nvPr>
+            <p:ph type="sldImg"/>
+          </p:nvPr>
+        </p:nvSpPr>
+        <p:spPr/>
+      </p:sp>
+      <p:sp>
+        <p:nvSpPr>
+          <p:cNvPr id="3" name="Заметки 2"/>
+          <p:cNvSpPr>
+            <a:spLocks noGrp="1"/>
+          </p:cNvSpPr>
+          <p:nvPr>
+            <p:ph type="body" idx="1"/>
+          </p:nvPr>
+        </p:nvSpPr>
+        <p:spPr/>
+        <p:txBody>
+          <a:bodyPr/>
+          <a:lstStyle/>
+          <a:p>
+            <a:pPr marL="0" marR="0" indent="0" algn="l" defTabSz="914400" rtl="0" eaLnBrk="1" fontAlgn="auto" latinLnBrk="0" hangingPunct="1">
+              <a:lnSpc>
+                <a:spcPct val="100000"/>
+              </a:lnSpc>
+              <a:spcBef>
+                <a:spcPts val="0"/>
+              </a:spcBef>
+              <a:spcAft>
+                <a:spcPts val="0"/>
+              </a:spcAft>
+              <a:buClrTx/>
+              <a:buSzTx/>
+              <a:buFontTx/>
+              <a:buNone/>
+              <a:tabLst/>
+              <a:defRPr/>
+            </a:pPr>
+            <a:r>
+              <a:rPr lang="pt-PT" dirty="0" smtClean="0"/>
+              <a:t>Sumariar o que vamos apresentar</a:t>
+            </a:r>
+          </a:p>
+          <a:p>
+            <a:endParaRPr lang="en-US" dirty="0"/>
+          </a:p>
+        </p:txBody>
+      </p:sp>
+      <p:sp>
+        <p:nvSpPr>
+          <p:cNvPr id="4" name="Номер слайда 3"/>
+          <p:cNvSpPr>
+            <a:spLocks noGrp="1"/>
+          </p:cNvSpPr>
+          <p:nvPr>
+            <p:ph type="sldNum" sz="quarter" idx="10"/>
+          </p:nvPr>
+        </p:nvSpPr>
+        <p:spPr/>
+        <p:txBody>
+          <a:bodyPr/>
+          <a:lstStyle/>
+          <a:p>
+            <a:fld id="{7A2EE716-F720-4933-B8B4-0978798F2054}" type="slidenum">
+              <a:rPr lang="en-US" smtClean="0"/>
+              <a:t>21</a:t>
+            </a:fld>
+            <a:endParaRPr lang="en-US" dirty="0"/>
+          </a:p>
+        </p:txBody>
+      </p:sp>
+    </p:spTree>
+    <p:extLst>
+      <p:ext uri="{BB962C8B-B14F-4D97-AF65-F5344CB8AC3E}">
+        <p14:creationId xmlns:p14="http://schemas.microsoft.com/office/powerpoint/2010/main" val="3003926396"/>
+      </p:ext>
+    </p:extLst>
+  </p:cSld>
+  <p:clrMapOvr>
+    <a:masterClrMapping/>
+  </p:clrMapOvr>
+</p:notes>
+</file>
+
+<file path=ppt/notesSlides/notesSlide21.xml><?xml version="1.0" encoding="utf-8"?>
+<p:notes xmlns:a="http://schemas.openxmlformats.org/drawingml/2006/main" xmlns:r="http://schemas.openxmlformats.org/officeDocument/2006/relationships" xmlns:p="http://schemas.openxmlformats.org/presentationml/2006/main">
+  <p:cSld>
+    <p:spTree>
+      <p:nvGrpSpPr>
+        <p:cNvPr id="1" name=""/>
+        <p:cNvGrpSpPr/>
+        <p:nvPr/>
+      </p:nvGrpSpPr>
+      <p:grpSpPr>
+        <a:xfrm>
+          <a:off x="0" y="0"/>
+          <a:ext cx="0" cy="0"/>
+          <a:chOff x="0" y="0"/>
+          <a:chExt cx="0" cy="0"/>
+        </a:xfrm>
+      </p:grpSpPr>
+      <p:sp>
+        <p:nvSpPr>
+          <p:cNvPr id="2" name="Образ слайда 1"/>
+          <p:cNvSpPr>
+            <a:spLocks noGrp="1" noRot="1" noChangeAspect="1"/>
+          </p:cNvSpPr>
+          <p:nvPr>
+            <p:ph type="sldImg"/>
+          </p:nvPr>
+        </p:nvSpPr>
+        <p:spPr/>
+      </p:sp>
+      <p:sp>
+        <p:nvSpPr>
+          <p:cNvPr id="3" name="Заметки 2"/>
+          <p:cNvSpPr>
+            <a:spLocks noGrp="1"/>
+          </p:cNvSpPr>
+          <p:nvPr>
+            <p:ph type="body" idx="1"/>
+          </p:nvPr>
+        </p:nvSpPr>
+        <p:spPr/>
+        <p:txBody>
+          <a:bodyPr/>
+          <a:lstStyle/>
+          <a:p>
+            <a:pPr marL="0" marR="0" indent="0" algn="l" defTabSz="914400" rtl="0" eaLnBrk="1" fontAlgn="auto" latinLnBrk="0" hangingPunct="1">
+              <a:lnSpc>
+                <a:spcPct val="100000"/>
+              </a:lnSpc>
+              <a:spcBef>
+                <a:spcPts val="0"/>
+              </a:spcBef>
+              <a:spcAft>
+                <a:spcPts val="0"/>
+              </a:spcAft>
+              <a:buClrTx/>
+              <a:buSzTx/>
+              <a:buFontTx/>
+              <a:buNone/>
+              <a:tabLst/>
+              <a:defRPr/>
+            </a:pPr>
+            <a:r>
+              <a:rPr lang="pt-PT" dirty="0" smtClean="0"/>
+              <a:t>Sumariar o que vamos apresentar</a:t>
+            </a:r>
+          </a:p>
+          <a:p>
+            <a:endParaRPr lang="en-US" dirty="0"/>
+          </a:p>
+        </p:txBody>
+      </p:sp>
+      <p:sp>
+        <p:nvSpPr>
+          <p:cNvPr id="4" name="Номер слайда 3"/>
+          <p:cNvSpPr>
+            <a:spLocks noGrp="1"/>
+          </p:cNvSpPr>
+          <p:nvPr>
+            <p:ph type="sldNum" sz="quarter" idx="10"/>
+          </p:nvPr>
+        </p:nvSpPr>
+        <p:spPr/>
+        <p:txBody>
+          <a:bodyPr/>
+          <a:lstStyle/>
+          <a:p>
+            <a:fld id="{7A2EE716-F720-4933-B8B4-0978798F2054}" type="slidenum">
+              <a:rPr lang="en-US" smtClean="0"/>
+              <a:t>22</a:t>
             </a:fld>
             <a:endParaRPr lang="en-US" dirty="0"/>
           </a:p>
@@ -2061,7 +2925,7 @@
           <a:p>
             <a:fld id="{E41C31AC-4C93-4087-BA94-1A6761375DB3}" type="datetimeFigureOut">
               <a:rPr lang="en-US" smtClean="0"/>
-              <a:t>10/20/2014</a:t>
+              <a:t>11/17/2014</a:t>
             </a:fld>
             <a:endParaRPr lang="en-US" dirty="0"/>
           </a:p>
@@ -2103,7 +2967,7 @@
           <a:p>
             <a:fld id="{2583D6F2-7F37-4631-BC26-B7ACB5E1E646}" type="slidenum">
               <a:rPr lang="en-US" smtClean="0"/>
-              <a:t>‹nº›</a:t>
+              <a:t>‹#›</a:t>
             </a:fld>
             <a:endParaRPr lang="en-US" dirty="0"/>
           </a:p>
@@ -2231,7 +3095,7 @@
           <a:p>
             <a:fld id="{E41C31AC-4C93-4087-BA94-1A6761375DB3}" type="datetimeFigureOut">
               <a:rPr lang="en-US" smtClean="0"/>
-              <a:t>10/20/2014</a:t>
+              <a:t>11/17/2014</a:t>
             </a:fld>
             <a:endParaRPr lang="en-US" dirty="0"/>
           </a:p>
@@ -2273,7 +3137,7 @@
           <a:p>
             <a:fld id="{2583D6F2-7F37-4631-BC26-B7ACB5E1E646}" type="slidenum">
               <a:rPr lang="en-US" smtClean="0"/>
-              <a:t>‹nº›</a:t>
+              <a:t>‹#›</a:t>
             </a:fld>
             <a:endParaRPr lang="en-US" dirty="0"/>
           </a:p>
@@ -2411,7 +3275,7 @@
           <a:p>
             <a:fld id="{E41C31AC-4C93-4087-BA94-1A6761375DB3}" type="datetimeFigureOut">
               <a:rPr lang="en-US" smtClean="0"/>
-              <a:t>10/20/2014</a:t>
+              <a:t>11/17/2014</a:t>
             </a:fld>
             <a:endParaRPr lang="en-US" dirty="0"/>
           </a:p>
@@ -2453,7 +3317,7 @@
           <a:p>
             <a:fld id="{2583D6F2-7F37-4631-BC26-B7ACB5E1E646}" type="slidenum">
               <a:rPr lang="en-US" smtClean="0"/>
-              <a:t>‹nº›</a:t>
+              <a:t>‹#›</a:t>
             </a:fld>
             <a:endParaRPr lang="en-US" dirty="0"/>
           </a:p>
@@ -2581,7 +3445,7 @@
           <a:p>
             <a:fld id="{E41C31AC-4C93-4087-BA94-1A6761375DB3}" type="datetimeFigureOut">
               <a:rPr lang="en-US" smtClean="0"/>
-              <a:t>10/20/2014</a:t>
+              <a:t>11/17/2014</a:t>
             </a:fld>
             <a:endParaRPr lang="en-US" dirty="0"/>
           </a:p>
@@ -2623,7 +3487,7 @@
           <a:p>
             <a:fld id="{2583D6F2-7F37-4631-BC26-B7ACB5E1E646}" type="slidenum">
               <a:rPr lang="en-US" smtClean="0"/>
-              <a:t>‹nº›</a:t>
+              <a:t>‹#›</a:t>
             </a:fld>
             <a:endParaRPr lang="en-US" dirty="0"/>
           </a:p>
@@ -2827,7 +3691,7 @@
           <a:p>
             <a:fld id="{E41C31AC-4C93-4087-BA94-1A6761375DB3}" type="datetimeFigureOut">
               <a:rPr lang="en-US" smtClean="0"/>
-              <a:t>10/20/2014</a:t>
+              <a:t>11/17/2014</a:t>
             </a:fld>
             <a:endParaRPr lang="en-US" dirty="0"/>
           </a:p>
@@ -2869,7 +3733,7 @@
           <a:p>
             <a:fld id="{2583D6F2-7F37-4631-BC26-B7ACB5E1E646}" type="slidenum">
               <a:rPr lang="en-US" smtClean="0"/>
-              <a:t>‹nº›</a:t>
+              <a:t>‹#›</a:t>
             </a:fld>
             <a:endParaRPr lang="en-US" dirty="0"/>
           </a:p>
@@ -3115,7 +3979,7 @@
           <a:p>
             <a:fld id="{E41C31AC-4C93-4087-BA94-1A6761375DB3}" type="datetimeFigureOut">
               <a:rPr lang="en-US" smtClean="0"/>
-              <a:t>10/20/2014</a:t>
+              <a:t>11/17/2014</a:t>
             </a:fld>
             <a:endParaRPr lang="en-US" dirty="0"/>
           </a:p>
@@ -3157,7 +4021,7 @@
           <a:p>
             <a:fld id="{2583D6F2-7F37-4631-BC26-B7ACB5E1E646}" type="slidenum">
               <a:rPr lang="en-US" smtClean="0"/>
-              <a:t>‹nº›</a:t>
+              <a:t>‹#›</a:t>
             </a:fld>
             <a:endParaRPr lang="en-US" dirty="0"/>
           </a:p>
@@ -3537,7 +4401,7 @@
           <a:p>
             <a:fld id="{E41C31AC-4C93-4087-BA94-1A6761375DB3}" type="datetimeFigureOut">
               <a:rPr lang="en-US" smtClean="0"/>
-              <a:t>10/20/2014</a:t>
+              <a:t>11/17/2014</a:t>
             </a:fld>
             <a:endParaRPr lang="en-US" dirty="0"/>
           </a:p>
@@ -3579,7 +4443,7 @@
           <a:p>
             <a:fld id="{2583D6F2-7F37-4631-BC26-B7ACB5E1E646}" type="slidenum">
               <a:rPr lang="en-US" smtClean="0"/>
-              <a:t>‹nº›</a:t>
+              <a:t>‹#›</a:t>
             </a:fld>
             <a:endParaRPr lang="en-US" dirty="0"/>
           </a:p>
@@ -3655,7 +4519,7 @@
           <a:p>
             <a:fld id="{E41C31AC-4C93-4087-BA94-1A6761375DB3}" type="datetimeFigureOut">
               <a:rPr lang="en-US" smtClean="0"/>
-              <a:t>10/20/2014</a:t>
+              <a:t>11/17/2014</a:t>
             </a:fld>
             <a:endParaRPr lang="en-US" dirty="0"/>
           </a:p>
@@ -3697,7 +4561,7 @@
           <a:p>
             <a:fld id="{2583D6F2-7F37-4631-BC26-B7ACB5E1E646}" type="slidenum">
               <a:rPr lang="en-US" smtClean="0"/>
-              <a:t>‹nº›</a:t>
+              <a:t>‹#›</a:t>
             </a:fld>
             <a:endParaRPr lang="en-US" dirty="0"/>
           </a:p>
@@ -3750,7 +4614,7 @@
           <a:p>
             <a:fld id="{E41C31AC-4C93-4087-BA94-1A6761375DB3}" type="datetimeFigureOut">
               <a:rPr lang="en-US" smtClean="0"/>
-              <a:t>10/20/2014</a:t>
+              <a:t>11/17/2014</a:t>
             </a:fld>
             <a:endParaRPr lang="en-US" dirty="0"/>
           </a:p>
@@ -3792,7 +4656,7 @@
           <a:p>
             <a:fld id="{2583D6F2-7F37-4631-BC26-B7ACB5E1E646}" type="slidenum">
               <a:rPr lang="en-US" smtClean="0"/>
-              <a:t>‹nº›</a:t>
+              <a:t>‹#›</a:t>
             </a:fld>
             <a:endParaRPr lang="en-US" dirty="0"/>
           </a:p>
@@ -4027,7 +4891,7 @@
           <a:p>
             <a:fld id="{E41C31AC-4C93-4087-BA94-1A6761375DB3}" type="datetimeFigureOut">
               <a:rPr lang="en-US" smtClean="0"/>
-              <a:t>10/20/2014</a:t>
+              <a:t>11/17/2014</a:t>
             </a:fld>
             <a:endParaRPr lang="en-US" dirty="0"/>
           </a:p>
@@ -4069,7 +4933,7 @@
           <a:p>
             <a:fld id="{2583D6F2-7F37-4631-BC26-B7ACB5E1E646}" type="slidenum">
               <a:rPr lang="en-US" smtClean="0"/>
-              <a:t>‹nº›</a:t>
+              <a:t>‹#›</a:t>
             </a:fld>
             <a:endParaRPr lang="en-US" dirty="0"/>
           </a:p>
@@ -4280,7 +5144,7 @@
           <a:p>
             <a:fld id="{E41C31AC-4C93-4087-BA94-1A6761375DB3}" type="datetimeFigureOut">
               <a:rPr lang="en-US" smtClean="0"/>
-              <a:t>10/20/2014</a:t>
+              <a:t>11/17/2014</a:t>
             </a:fld>
             <a:endParaRPr lang="en-US" dirty="0"/>
           </a:p>
@@ -4322,7 +5186,7 @@
           <a:p>
             <a:fld id="{2583D6F2-7F37-4631-BC26-B7ACB5E1E646}" type="slidenum">
               <a:rPr lang="en-US" smtClean="0"/>
-              <a:t>‹nº›</a:t>
+              <a:t>‹#›</a:t>
             </a:fld>
             <a:endParaRPr lang="en-US" dirty="0"/>
           </a:p>
@@ -4493,7 +5357,7 @@
           <a:p>
             <a:fld id="{E41C31AC-4C93-4087-BA94-1A6761375DB3}" type="datetimeFigureOut">
               <a:rPr lang="en-US" smtClean="0"/>
-              <a:t>10/20/2014</a:t>
+              <a:t>11/17/2014</a:t>
             </a:fld>
             <a:endParaRPr lang="en-US" dirty="0"/>
           </a:p>
@@ -4571,7 +5435,7 @@
           <a:p>
             <a:fld id="{2583D6F2-7F37-4631-BC26-B7ACB5E1E646}" type="slidenum">
               <a:rPr lang="en-US" smtClean="0"/>
-              <a:t>‹nº›</a:t>
+              <a:t>‹#›</a:t>
             </a:fld>
             <a:endParaRPr lang="en-US" dirty="0"/>
           </a:p>
@@ -4945,21 +5809,21 @@
           </a:xfrm>
         </p:spPr>
         <p:txBody>
-          <a:bodyPr/>
-          <a:lstStyle/>
-          <a:p>
-            <a:pPr algn="r"/>
+          <a:bodyPr>
+            <a:normAutofit/>
+          </a:bodyPr>
+          <a:lstStyle/>
+          <a:p>
+            <a:r>
+              <a:rPr lang="pt-PT" sz="2800" dirty="0"/>
+              <a:t>Projeto e Seminario</a:t>
+            </a:r>
+          </a:p>
+          <a:p>
             <a:endParaRPr lang="pt-PT" sz="2800" dirty="0" smtClean="0">
               <a:solidFill>
                 <a:schemeClr val="tx1"/>
               </a:solidFill>
-              <a:effectLst>
-                <a:outerShdw blurRad="38100" dist="38100" dir="2700000" algn="tl">
-                  <a:srgbClr val="000000">
-                    <a:alpha val="43137"/>
-                  </a:srgbClr>
-                </a:outerShdw>
-              </a:effectLst>
             </a:endParaRPr>
           </a:p>
           <a:p>
@@ -4992,8 +5856,8 @@
         </p:nvSpPr>
         <p:spPr>
           <a:xfrm>
-            <a:off x="4121845" y="4510453"/>
-            <a:ext cx="4608512" cy="1200329"/>
+            <a:off x="3491880" y="4510453"/>
+            <a:ext cx="5094461" cy="892552"/>
           </a:xfrm>
           <a:prstGeom prst="rect">
             <a:avLst/>
@@ -5006,37 +5870,21 @@
           </a:bodyPr>
           <a:lstStyle/>
           <a:p>
+            <a:pPr algn="r"/>
             <a:r>
               <a:rPr lang="pt-PT" dirty="0" smtClean="0"/>
-              <a:t>Orientador:</a:t>
-            </a:r>
-          </a:p>
-          <a:p>
-            <a:r>
-              <a:rPr lang="pt-PT" dirty="0"/>
-              <a:t>	</a:t>
-            </a:r>
-            <a:r>
-              <a:rPr lang="pt-PT" dirty="0" smtClean="0"/>
-              <a:t>Professor Doutor Porfírio Filipe</a:t>
-            </a:r>
-          </a:p>
-          <a:p>
-            <a:r>
-              <a:rPr lang="pt-PT" dirty="0" smtClean="0"/>
-              <a:t>Coorientador:</a:t>
-            </a:r>
-          </a:p>
-          <a:p>
-            <a:r>
-              <a:rPr lang="pt-PT" dirty="0"/>
-              <a:t>	</a:t>
-            </a:r>
-            <a:r>
-              <a:rPr lang="pt-PT" dirty="0" smtClean="0"/>
-              <a:t>Professor Doutor Carlos Gonçalves</a:t>
-            </a:r>
-            <a:endParaRPr lang="pt-PT" dirty="0"/>
+              <a:t>Instituto Superior de Engenharia  de Lisboa</a:t>
+            </a:r>
+          </a:p>
+          <a:p>
+            <a:pPr algn="r"/>
+            <a:r>
+              <a:rPr lang="pt-PT" sz="1600" dirty="0" smtClean="0"/>
+              <a:t>Engenharia Informática e de Computadores</a:t>
+            </a:r>
+          </a:p>
+          <a:p>
+            <a:endParaRPr lang="pt-PT" dirty="0" smtClean="0"/>
           </a:p>
         </p:txBody>
       </p:sp>
@@ -5079,25 +5927,41 @@
       </p:grpSpPr>
       <p:sp>
         <p:nvSpPr>
-          <p:cNvPr id="2" name="Заголовок 1"/>
-          <p:cNvSpPr>
-            <a:spLocks noGrp="1"/>
-          </p:cNvSpPr>
-          <p:nvPr>
-            <p:ph type="ctrTitle"/>
-          </p:nvPr>
+          <p:cNvPr id="7" name="Заголовок 1"/>
+          <p:cNvSpPr txBox="1">
+            <a:spLocks/>
+          </p:cNvSpPr>
+          <p:nvPr/>
         </p:nvSpPr>
         <p:spPr>
           <a:xfrm>
             <a:off x="755576" y="188640"/>
             <a:ext cx="7772400" cy="1470025"/>
           </a:xfrm>
+          <a:prstGeom prst="rect">
+            <a:avLst/>
+          </a:prstGeom>
         </p:spPr>
         <p:txBody>
-          <a:bodyPr>
+          <a:bodyPr vert="horz" lIns="91440" tIns="45720" rIns="91440" bIns="45720" rtlCol="0" anchor="ctr">
             <a:normAutofit/>
           </a:bodyPr>
-          <a:lstStyle/>
+          <a:lstStyle>
+            <a:lvl1pPr algn="ctr" defTabSz="914400" rtl="0" eaLnBrk="1" latinLnBrk="0" hangingPunct="1">
+              <a:spcBef>
+                <a:spcPct val="0"/>
+              </a:spcBef>
+              <a:buNone/>
+              <a:defRPr sz="4400" kern="1200">
+                <a:solidFill>
+                  <a:schemeClr val="tx1"/>
+                </a:solidFill>
+                <a:latin typeface="+mj-lt"/>
+                <a:ea typeface="+mj-ea"/>
+                <a:cs typeface="+mj-cs"/>
+              </a:defRPr>
+            </a:lvl1pPr>
+          </a:lstStyle>
           <a:p>
             <a:r>
               <a:rPr lang="pt-PT" sz="3000" b="1" dirty="0" smtClean="0">
@@ -5118,115 +5982,30 @@
               </a:rPr>
               <a:t>Arquitetura</a:t>
             </a:r>
-            <a:br>
-              <a:rPr lang="pt-PT" sz="3000" b="1" dirty="0" smtClean="0">
-                <a:solidFill>
-                  <a:schemeClr val="tx1">
-                    <a:lumMod val="65000"/>
-                    <a:lumOff val="35000"/>
-                  </a:schemeClr>
-                </a:solidFill>
-                <a:effectLst>
-                  <a:outerShdw blurRad="38100" dist="38100" dir="2700000" algn="tl">
-                    <a:srgbClr val="000000">
-                      <a:alpha val="43137"/>
-                    </a:srgbClr>
-                  </a:outerShdw>
-                </a:effectLst>
-                <a:latin typeface="Century Schoolbook (Заголовки)"/>
-              </a:rPr>
-            </a:br>
+          </a:p>
+          <a:p>
             <a:r>
               <a:rPr lang="pt-PT" sz="3200" u="sng" dirty="0"/>
               <a:t>Componente </a:t>
             </a:r>
             <a:r>
               <a:rPr lang="pt-PT" sz="3200" u="sng" dirty="0" smtClean="0"/>
-              <a:t>Worker</a:t>
-            </a:r>
-            <a:endParaRPr lang="en-US" sz="3000" b="1" dirty="0">
-              <a:solidFill>
-                <a:schemeClr val="tx1">
-                  <a:lumMod val="65000"/>
-                  <a:lumOff val="35000"/>
-                </a:schemeClr>
-              </a:solidFill>
-              <a:effectLst>
-                <a:outerShdw blurRad="38100" dist="38100" dir="2700000" algn="tl">
-                  <a:srgbClr val="000000">
-                    <a:alpha val="43137"/>
-                  </a:srgbClr>
-                </a:outerShdw>
-              </a:effectLst>
-              <a:latin typeface="Century Schoolbook (Заголовки)"/>
-            </a:endParaRPr>
-          </a:p>
-        </p:txBody>
-      </p:sp>
-      <p:pic>
-        <p:nvPicPr>
-          <p:cNvPr id="2050" name="Picture 2"/>
-          <p:cNvPicPr>
-            <a:picLocks noChangeAspect="1" noChangeArrowheads="1"/>
-          </p:cNvPicPr>
-          <p:nvPr/>
-        </p:nvPicPr>
-        <p:blipFill>
-          <a:blip r:embed="rId3">
-            <a:extLst>
-              <a:ext uri="{28A0092B-C50C-407E-A947-70E740481C1C}">
-                <a14:useLocalDpi xmlns:a14="http://schemas.microsoft.com/office/drawing/2010/main" val="0"/>
-              </a:ext>
-            </a:extLst>
-          </a:blip>
-          <a:srcRect/>
-          <a:stretch>
-            <a:fillRect/>
-          </a:stretch>
-        </p:blipFill>
-        <p:spPr bwMode="auto">
-          <a:xfrm>
-            <a:off x="3563888" y="3039463"/>
-            <a:ext cx="5580112" cy="3832125"/>
-          </a:xfrm>
-          <a:prstGeom prst="rect">
-            <a:avLst/>
-          </a:prstGeom>
-          <a:noFill/>
-          <a:ln>
-            <a:noFill/>
-          </a:ln>
-          <a:extLst>
-            <a:ext uri="{909E8E84-426E-40DD-AFC4-6F175D3DCCD1}">
-              <a14:hiddenFill xmlns:a14="http://schemas.microsoft.com/office/drawing/2010/main">
-                <a:solidFill>
-                  <a:schemeClr val="accent1"/>
-                </a:solidFill>
-              </a14:hiddenFill>
-            </a:ext>
-            <a:ext uri="{91240B29-F687-4F45-9708-019B960494DF}">
-              <a14:hiddenLine xmlns:a14="http://schemas.microsoft.com/office/drawing/2010/main" w="9525">
-                <a:solidFill>
-                  <a:schemeClr val="tx1"/>
-                </a:solidFill>
-                <a:miter lim="800000"/>
-                <a:headEnd/>
-                <a:tailEnd/>
-              </a14:hiddenLine>
-            </a:ext>
-          </a:extLst>
-        </p:spPr>
-      </p:pic>
-      <p:sp>
-        <p:nvSpPr>
-          <p:cNvPr id="6" name="TextBox 5"/>
+              <a:t>Web Server</a:t>
+            </a:r>
+            <a:endParaRPr lang="pt-PT" sz="3200" u="sng" dirty="0"/>
+          </a:p>
+        </p:txBody>
+      </p:sp>
+      <p:sp>
+        <p:nvSpPr>
+          <p:cNvPr id="8" name="TextBox 7"/>
           <p:cNvSpPr txBox="1"/>
           <p:nvPr/>
         </p:nvSpPr>
         <p:spPr>
           <a:xfrm>
-            <a:off x="611560" y="1844824"/>
-            <a:ext cx="8208912" cy="3046988"/>
+            <a:off x="573324" y="1916832"/>
+            <a:ext cx="8136904" cy="4431983"/>
           </a:xfrm>
           <a:prstGeom prst="rect">
             <a:avLst/>
@@ -5239,93 +6018,140 @@
           </a:bodyPr>
           <a:lstStyle/>
           <a:p>
-            <a:pPr marL="285750" indent="-285750">
-              <a:buFont typeface="Wingdings" panose="05000000000000000000" pitchFamily="2" charset="2"/>
-              <a:buChar char="Ø"/>
-            </a:pPr>
-            <a:r>
-              <a:rPr lang="pt-PT" sz="2400" dirty="0" smtClean="0"/>
-              <a:t>Receber o trabalho na fila.</a:t>
-            </a:r>
-          </a:p>
-          <a:p>
-            <a:pPr marL="285750" indent="-285750">
-              <a:buFont typeface="Wingdings" panose="05000000000000000000" pitchFamily="2" charset="2"/>
-              <a:buChar char="Ø"/>
-            </a:pPr>
-            <a:r>
-              <a:rPr lang="pt-PT" sz="2400" dirty="0" smtClean="0"/>
-              <a:t>Preparar a configuração do contentor.</a:t>
-            </a:r>
-          </a:p>
-          <a:p>
-            <a:pPr marL="285750" indent="-285750">
-              <a:buFont typeface="Wingdings" panose="05000000000000000000" pitchFamily="2" charset="2"/>
-              <a:buChar char="Ø"/>
-            </a:pPr>
-            <a:r>
-              <a:rPr lang="pt-PT" sz="2400" dirty="0" smtClean="0"/>
-              <a:t>Lançar a execução no contentor  via Docker.</a:t>
-            </a:r>
-          </a:p>
-          <a:p>
-            <a:pPr marL="285750" indent="-285750">
-              <a:buFont typeface="Wingdings" panose="05000000000000000000" pitchFamily="2" charset="2"/>
-              <a:buChar char="Ø"/>
-            </a:pPr>
-            <a:r>
-              <a:rPr lang="pt-PT" sz="2400" dirty="0" smtClean="0"/>
-              <a:t>Interpretar os resultados do</a:t>
-            </a:r>
-          </a:p>
-          <a:p>
-            <a:r>
-              <a:rPr lang="pt-PT" sz="2400" dirty="0"/>
-              <a:t> </a:t>
-            </a:r>
-            <a:r>
-              <a:rPr lang="pt-PT" sz="2400" dirty="0" smtClean="0"/>
-              <a:t>    contentor e transferilos para fila </a:t>
-            </a:r>
-          </a:p>
-          <a:p>
-            <a:r>
-              <a:rPr lang="pt-PT" sz="2400" dirty="0"/>
-              <a:t> </a:t>
-            </a:r>
-            <a:r>
-              <a:rPr lang="pt-PT" sz="2400" dirty="0" smtClean="0"/>
-              <a:t>    de resultados Redis.</a:t>
-            </a:r>
-            <a:endParaRPr lang="pt-PT" sz="2400" dirty="0"/>
-          </a:p>
-          <a:p>
             <a:pPr marL="342900" indent="-342900">
-              <a:buFont typeface="Wingdings" panose="05000000000000000000" pitchFamily="2" charset="2"/>
-              <a:buChar char="Ø"/>
-            </a:pPr>
-            <a:r>
-              <a:rPr lang="pt-PT" sz="2400" dirty="0" smtClean="0"/>
-              <a:t>Armazenamento do </a:t>
-            </a:r>
-          </a:p>
-          <a:p>
-            <a:r>
-              <a:rPr lang="pt-PT" sz="2400" dirty="0"/>
-              <a:t> </a:t>
-            </a:r>
-            <a:r>
-              <a:rPr lang="pt-PT" sz="2400" dirty="0" smtClean="0"/>
-              <a:t>    artifato no AWS S3.</a:t>
-            </a:r>
-            <a:endParaRPr lang="pt-PT" sz="2400" dirty="0"/>
+              <a:buFont typeface="Arial" panose="020B0604020202020204" pitchFamily="34" charset="0"/>
+              <a:buChar char="•"/>
+            </a:pPr>
+            <a:r>
+              <a:rPr lang="pt-BR" sz="2400" dirty="0"/>
+              <a:t>Interação </a:t>
+            </a:r>
+            <a:r>
+              <a:rPr lang="pt-BR" sz="2400" dirty="0" smtClean="0"/>
+              <a:t>com </a:t>
+            </a:r>
+            <a:r>
+              <a:rPr lang="pt-BR" sz="2400" dirty="0"/>
+              <a:t>aplicação </a:t>
+            </a:r>
+            <a:r>
+              <a:rPr lang="pt-BR" sz="2400" dirty="0" smtClean="0"/>
+              <a:t>cliente usando o paradigma pedido/resposta  via protocolo Http</a:t>
+            </a:r>
+          </a:p>
+          <a:p>
+            <a:pPr marL="342900" indent="-342900">
+              <a:buFont typeface="Arial" panose="020B0604020202020204" pitchFamily="34" charset="0"/>
+              <a:buChar char="•"/>
+            </a:pPr>
+            <a:endParaRPr lang="pt-BR" sz="2400" dirty="0" smtClean="0"/>
+          </a:p>
+          <a:p>
+            <a:pPr marL="342900" indent="-342900">
+              <a:buFont typeface="Arial" panose="020B0604020202020204" pitchFamily="34" charset="0"/>
+              <a:buChar char="•"/>
+            </a:pPr>
+            <a:r>
+              <a:rPr lang="pt-BR" sz="2400" dirty="0" smtClean="0"/>
+              <a:t>Comunicação com </a:t>
+            </a:r>
+            <a:r>
+              <a:rPr lang="pt-BR" sz="2400" dirty="0"/>
+              <a:t>aplicação cliente via </a:t>
+            </a:r>
+            <a:r>
+              <a:rPr lang="pt-BR" sz="2400" dirty="0" smtClean="0"/>
+              <a:t>WebSocket na obtenção do progresso em tempo real</a:t>
+            </a:r>
+          </a:p>
+          <a:p>
+            <a:pPr marL="342900" indent="-342900">
+              <a:buFont typeface="Arial" panose="020B0604020202020204" pitchFamily="34" charset="0"/>
+              <a:buChar char="•"/>
+            </a:pPr>
+            <a:endParaRPr lang="pt-BR" sz="2400" dirty="0" smtClean="0"/>
+          </a:p>
+          <a:p>
+            <a:pPr marL="342900" indent="-342900">
+              <a:buFont typeface="Arial" panose="020B0604020202020204" pitchFamily="34" charset="0"/>
+              <a:buChar char="•"/>
+            </a:pPr>
+            <a:r>
+              <a:rPr lang="pt-BR" sz="2400" dirty="0" smtClean="0"/>
+              <a:t>Submissão de </a:t>
+            </a:r>
+            <a:r>
+              <a:rPr lang="pt-BR" sz="2400" dirty="0"/>
+              <a:t>trabalho </a:t>
+            </a:r>
+            <a:r>
+              <a:rPr lang="pt-BR" sz="2400" dirty="0" smtClean="0"/>
+              <a:t>na fila Redis</a:t>
+            </a:r>
+          </a:p>
+          <a:p>
+            <a:pPr marL="342900" indent="-342900">
+              <a:buFont typeface="Arial" panose="020B0604020202020204" pitchFamily="34" charset="0"/>
+              <a:buChar char="•"/>
+            </a:pPr>
+            <a:endParaRPr lang="pt-BR" sz="2400" dirty="0" smtClean="0"/>
+          </a:p>
+          <a:p>
+            <a:pPr marL="342900" indent="-342900">
+              <a:buFont typeface="Arial" panose="020B0604020202020204" pitchFamily="34" charset="0"/>
+              <a:buChar char="•"/>
+            </a:pPr>
+            <a:r>
+              <a:rPr lang="pt-BR" sz="2400" dirty="0" smtClean="0"/>
+              <a:t>Comunicação com Redis </a:t>
+            </a:r>
+            <a:r>
+              <a:rPr lang="pt-BR" sz="2400" dirty="0"/>
+              <a:t>Stream </a:t>
+            </a:r>
+            <a:r>
+              <a:rPr lang="pt-BR" sz="2400" dirty="0" smtClean="0"/>
+              <a:t>Canal</a:t>
+            </a:r>
+          </a:p>
+          <a:p>
+            <a:pPr marL="342900" indent="-342900">
+              <a:buFont typeface="Arial" panose="020B0604020202020204" pitchFamily="34" charset="0"/>
+              <a:buChar char="•"/>
+            </a:pPr>
+            <a:endParaRPr lang="pt-BR" sz="2400" dirty="0" smtClean="0"/>
+          </a:p>
+          <a:p>
+            <a:pPr marL="342900" indent="-342900">
+              <a:buFont typeface="Arial" panose="020B0604020202020204" pitchFamily="34" charset="0"/>
+              <a:buChar char="•"/>
+            </a:pPr>
+            <a:r>
+              <a:rPr lang="pt-BR" sz="2400" dirty="0" smtClean="0"/>
+              <a:t>Gestão </a:t>
+            </a:r>
+            <a:r>
+              <a:rPr lang="pt-BR" sz="2400" dirty="0"/>
+              <a:t>dos conteudos </a:t>
+            </a:r>
+            <a:r>
+              <a:rPr lang="pt-BR" sz="2400" dirty="0" smtClean="0"/>
+              <a:t>nas Bases </a:t>
+            </a:r>
+            <a:r>
+              <a:rPr lang="pt-BR" sz="2400" dirty="0"/>
+              <a:t>de Dados</a:t>
+            </a:r>
+          </a:p>
+          <a:p>
+            <a:endParaRPr lang="en-US" dirty="0"/>
           </a:p>
         </p:txBody>
       </p:sp>
     </p:spTree>
     <p:extLst>
       <p:ext uri="{BB962C8B-B14F-4D97-AF65-F5344CB8AC3E}">
-        <p14:creationId xmlns:p14="http://schemas.microsoft.com/office/powerpoint/2010/main" val="400995073"/>
+        <p14:creationId xmlns:p14="http://schemas.microsoft.com/office/powerpoint/2010/main" val="256318926"/>
       </p:ext>
     </p:extLst>
   </p:cSld>
@@ -5361,25 +6187,41 @@
       </p:grpSpPr>
       <p:sp>
         <p:nvSpPr>
-          <p:cNvPr id="2" name="Заголовок 1"/>
-          <p:cNvSpPr>
-            <a:spLocks noGrp="1"/>
-          </p:cNvSpPr>
-          <p:nvPr>
-            <p:ph type="ctrTitle"/>
-          </p:nvPr>
+          <p:cNvPr id="7" name="Заголовок 1"/>
+          <p:cNvSpPr txBox="1">
+            <a:spLocks/>
+          </p:cNvSpPr>
+          <p:nvPr/>
         </p:nvSpPr>
         <p:spPr>
           <a:xfrm>
             <a:off x="755576" y="188640"/>
             <a:ext cx="7772400" cy="1470025"/>
           </a:xfrm>
+          <a:prstGeom prst="rect">
+            <a:avLst/>
+          </a:prstGeom>
         </p:spPr>
         <p:txBody>
-          <a:bodyPr>
+          <a:bodyPr vert="horz" lIns="91440" tIns="45720" rIns="91440" bIns="45720" rtlCol="0" anchor="ctr">
             <a:normAutofit/>
           </a:bodyPr>
-          <a:lstStyle/>
+          <a:lstStyle>
+            <a:lvl1pPr algn="ctr" defTabSz="914400" rtl="0" eaLnBrk="1" latinLnBrk="0" hangingPunct="1">
+              <a:spcBef>
+                <a:spcPct val="0"/>
+              </a:spcBef>
+              <a:buNone/>
+              <a:defRPr sz="4400" kern="1200">
+                <a:solidFill>
+                  <a:schemeClr val="tx1"/>
+                </a:solidFill>
+                <a:latin typeface="+mj-lt"/>
+                <a:ea typeface="+mj-ea"/>
+                <a:cs typeface="+mj-cs"/>
+              </a:defRPr>
+            </a:lvl1pPr>
+          </a:lstStyle>
           <a:p>
             <a:r>
               <a:rPr lang="pt-PT" sz="3000" b="1" dirty="0" smtClean="0">
@@ -5400,83 +6242,23 @@
               </a:rPr>
               <a:t>Arquitetura</a:t>
             </a:r>
-            <a:br>
-              <a:rPr lang="pt-PT" sz="3000" b="1" dirty="0" smtClean="0">
-                <a:solidFill>
-                  <a:schemeClr val="tx1">
-                    <a:lumMod val="65000"/>
-                    <a:lumOff val="35000"/>
-                  </a:schemeClr>
-                </a:solidFill>
-                <a:effectLst>
-                  <a:outerShdw blurRad="38100" dist="38100" dir="2700000" algn="tl">
-                    <a:srgbClr val="000000">
-                      <a:alpha val="43137"/>
-                    </a:srgbClr>
-                  </a:outerShdw>
-                </a:effectLst>
-                <a:latin typeface="Century Schoolbook (Заголовки)"/>
-              </a:rPr>
-            </a:br>
+          </a:p>
+          <a:p>
             <a:r>
               <a:rPr lang="pt-PT" sz="3200" u="sng" dirty="0"/>
               <a:t>Componente </a:t>
             </a:r>
             <a:r>
               <a:rPr lang="pt-PT" sz="3200" u="sng" dirty="0" smtClean="0"/>
-              <a:t>Hub</a:t>
-            </a:r>
-            <a:endParaRPr lang="en-US" sz="3000" b="1" dirty="0">
-              <a:solidFill>
-                <a:schemeClr val="tx1">
-                  <a:lumMod val="65000"/>
-                  <a:lumOff val="35000"/>
-                </a:schemeClr>
-              </a:solidFill>
-              <a:effectLst>
-                <a:outerShdw blurRad="38100" dist="38100" dir="2700000" algn="tl">
-                  <a:srgbClr val="000000">
-                    <a:alpha val="43137"/>
-                  </a:srgbClr>
-                </a:outerShdw>
-              </a:effectLst>
-              <a:latin typeface="Century Schoolbook (Заголовки)"/>
-            </a:endParaRPr>
-          </a:p>
-        </p:txBody>
-      </p:sp>
-      <p:sp>
-        <p:nvSpPr>
-          <p:cNvPr id="4" name="CaixaDeTexto 4"/>
-          <p:cNvSpPr txBox="1"/>
-          <p:nvPr/>
-        </p:nvSpPr>
-        <p:spPr>
-          <a:xfrm>
-            <a:off x="1018990" y="1566225"/>
-            <a:ext cx="6912767" cy="707886"/>
-          </a:xfrm>
-          <a:prstGeom prst="rect">
-            <a:avLst/>
-          </a:prstGeom>
-          <a:noFill/>
-        </p:spPr>
-        <p:txBody>
-          <a:bodyPr wrap="square" rtlCol="0">
-            <a:spAutoFit/>
-          </a:bodyPr>
-          <a:lstStyle/>
-          <a:p>
-            <a:endParaRPr lang="pt-PT" sz="2000" dirty="0"/>
-          </a:p>
-          <a:p>
-            <a:endParaRPr lang="pt-PT" sz="2000" dirty="0" smtClean="0"/>
+              <a:t>Web Server</a:t>
+            </a:r>
+            <a:endParaRPr lang="pt-PT" sz="3200" u="sng" dirty="0"/>
           </a:p>
         </p:txBody>
       </p:sp>
       <p:pic>
         <p:nvPicPr>
-          <p:cNvPr id="1026" name="Picture 2"/>
+          <p:cNvPr id="2051" name="Picture 3"/>
           <p:cNvPicPr>
             <a:picLocks noChangeAspect="1" noChangeArrowheads="1"/>
           </p:cNvPicPr>
@@ -5497,8 +6279,8 @@
         </p:blipFill>
         <p:spPr bwMode="auto">
           <a:xfrm>
-            <a:off x="3347864" y="3655763"/>
-            <a:ext cx="5571015" cy="3202237"/>
+            <a:off x="1258069" y="1988840"/>
+            <a:ext cx="6767413" cy="3990214"/>
           </a:xfrm>
           <a:prstGeom prst="rect">
             <a:avLst/>
@@ -5528,94 +6310,10 @@
           </a:extLst>
         </p:spPr>
       </p:pic>
-      <p:sp>
-        <p:nvSpPr>
-          <p:cNvPr id="6" name="TextBox 5"/>
-          <p:cNvSpPr txBox="1"/>
-          <p:nvPr/>
-        </p:nvSpPr>
-        <p:spPr>
-          <a:xfrm>
-            <a:off x="712231" y="2274111"/>
-            <a:ext cx="7776864" cy="2308324"/>
-          </a:xfrm>
-          <a:prstGeom prst="rect">
-            <a:avLst/>
-          </a:prstGeom>
-          <a:noFill/>
-        </p:spPr>
-        <p:txBody>
-          <a:bodyPr wrap="square" rtlCol="0">
-            <a:spAutoFit/>
-          </a:bodyPr>
-          <a:lstStyle/>
-          <a:p>
-            <a:pPr marL="285750" indent="-285750">
-              <a:buFont typeface="Wingdings" panose="05000000000000000000" pitchFamily="2" charset="2"/>
-              <a:buChar char="Ø"/>
-            </a:pPr>
-            <a:r>
-              <a:rPr lang="pt-PT" sz="2400" dirty="0" smtClean="0"/>
-              <a:t>Actualização </a:t>
-            </a:r>
-            <a:r>
-              <a:rPr lang="pt-PT" sz="2400" dirty="0"/>
-              <a:t>em bazes de dados</a:t>
-            </a:r>
-            <a:r>
-              <a:rPr lang="pt-PT" sz="2400" dirty="0" smtClean="0"/>
-              <a:t> com o status do resultado de execução</a:t>
-            </a:r>
-          </a:p>
-          <a:p>
-            <a:pPr marL="285750" indent="-285750">
-              <a:buFont typeface="Wingdings" panose="05000000000000000000" pitchFamily="2" charset="2"/>
-              <a:buChar char="Ø"/>
-            </a:pPr>
-            <a:endParaRPr lang="pt-PT" sz="2400" dirty="0" smtClean="0"/>
-          </a:p>
-          <a:p>
-            <a:pPr marL="285750" indent="-285750">
-              <a:buFont typeface="Wingdings" panose="05000000000000000000" pitchFamily="2" charset="2"/>
-              <a:buChar char="Ø"/>
-            </a:pPr>
-            <a:r>
-              <a:rPr lang="pt-PT" sz="2400" dirty="0" smtClean="0"/>
-              <a:t>Armazenamento dos resultados em ficheiros</a:t>
-            </a:r>
-          </a:p>
-          <a:p>
-            <a:pPr marL="285750" indent="-285750">
-              <a:buFont typeface="Wingdings" panose="05000000000000000000" pitchFamily="2" charset="2"/>
-              <a:buChar char="Ø"/>
-            </a:pPr>
-            <a:endParaRPr lang="pt-PT" sz="2400" dirty="0" smtClean="0"/>
-          </a:p>
-          <a:p>
-            <a:pPr marL="285750" indent="-285750">
-              <a:buFont typeface="Wingdings" panose="05000000000000000000" pitchFamily="2" charset="2"/>
-              <a:buChar char="Ø"/>
-            </a:pPr>
-            <a:r>
-              <a:rPr lang="pt-PT" sz="2400" dirty="0" smtClean="0"/>
-              <a:t>Notificação</a:t>
-            </a:r>
-            <a:r>
-              <a:rPr lang="pt-PT" sz="2400" dirty="0"/>
-              <a:t> dos resultados</a:t>
-            </a:r>
-            <a:r>
-              <a:rPr lang="pt-PT" sz="2400" dirty="0" smtClean="0"/>
-              <a:t> por email</a:t>
-            </a:r>
-            <a:endParaRPr lang="pt-PT" sz="2400" dirty="0"/>
-          </a:p>
-        </p:txBody>
-      </p:sp>
     </p:spTree>
     <p:extLst>
       <p:ext uri="{BB962C8B-B14F-4D97-AF65-F5344CB8AC3E}">
-        <p14:creationId xmlns:p14="http://schemas.microsoft.com/office/powerpoint/2010/main" val="4209111803"/>
+        <p14:creationId xmlns:p14="http://schemas.microsoft.com/office/powerpoint/2010/main" val="2231898048"/>
       </p:ext>
     </p:extLst>
   </p:cSld>
@@ -5651,25 +6349,208 @@
       </p:grpSpPr>
       <p:sp>
         <p:nvSpPr>
-          <p:cNvPr id="2" name="Заголовок 1"/>
-          <p:cNvSpPr>
-            <a:spLocks noGrp="1"/>
-          </p:cNvSpPr>
-          <p:nvPr>
-            <p:ph type="ctrTitle"/>
-          </p:nvPr>
+          <p:cNvPr id="5" name="CaixaDeTexto 4"/>
+          <p:cNvSpPr txBox="1"/>
+          <p:nvPr/>
+        </p:nvSpPr>
+        <p:spPr>
+          <a:xfrm>
+            <a:off x="1178317" y="1658665"/>
+            <a:ext cx="6912767" cy="4708981"/>
+          </a:xfrm>
+          <a:prstGeom prst="rect">
+            <a:avLst/>
+          </a:prstGeom>
+          <a:noFill/>
+        </p:spPr>
+        <p:txBody>
+          <a:bodyPr wrap="square" rtlCol="0">
+            <a:spAutoFit/>
+          </a:bodyPr>
+          <a:lstStyle/>
+          <a:p>
+            <a:endParaRPr lang="pt-PT" sz="2000" dirty="0"/>
+          </a:p>
+          <a:p>
+            <a:pPr marL="457200" indent="-457200">
+              <a:buFont typeface="Arial" panose="020B0604020202020204" pitchFamily="34" charset="0"/>
+              <a:buChar char="•"/>
+            </a:pPr>
+            <a:r>
+              <a:rPr lang="pt-PT" sz="3200" dirty="0" smtClean="0"/>
+              <a:t>Plataforma do utilizador</a:t>
+            </a:r>
+          </a:p>
+          <a:p>
+            <a:pPr marL="914400" lvl="1" indent="-457200">
+              <a:buFont typeface="Wingdings" panose="05000000000000000000" pitchFamily="2" charset="2"/>
+              <a:buChar char="§"/>
+            </a:pPr>
+            <a:r>
+              <a:rPr lang="pt-PT" sz="2400" dirty="0"/>
+              <a:t>Escolher um ambiente a </a:t>
+            </a:r>
+            <a:r>
+              <a:rPr lang="pt-PT" sz="2400" dirty="0" smtClean="0"/>
+              <a:t>medida</a:t>
+            </a:r>
+          </a:p>
+          <a:p>
+            <a:pPr marL="914400" lvl="1" indent="-457200">
+              <a:buFont typeface="Wingdings" panose="05000000000000000000" pitchFamily="2" charset="2"/>
+              <a:buChar char="§"/>
+            </a:pPr>
+            <a:r>
+              <a:rPr lang="pt-PT" sz="2400" dirty="0" smtClean="0"/>
+              <a:t>Associar </a:t>
+            </a:r>
+            <a:r>
+              <a:rPr lang="pt-PT" sz="2400" dirty="0"/>
+              <a:t>o repositorio </a:t>
+            </a:r>
+            <a:r>
+              <a:rPr lang="pt-PT" sz="2400" dirty="0" smtClean="0"/>
+              <a:t>de código</a:t>
+            </a:r>
+          </a:p>
+          <a:p>
+            <a:pPr marL="914400" lvl="1" indent="-457200">
+              <a:buFont typeface="Wingdings" panose="05000000000000000000" pitchFamily="2" charset="2"/>
+              <a:buChar char="§"/>
+            </a:pPr>
+            <a:r>
+              <a:rPr lang="pt-PT" sz="2400" dirty="0" smtClean="0"/>
+              <a:t>Defenir </a:t>
+            </a:r>
+            <a:r>
+              <a:rPr lang="pt-PT" sz="2400" dirty="0"/>
+              <a:t>comandos para </a:t>
+            </a:r>
+            <a:r>
+              <a:rPr lang="pt-PT" sz="2400" dirty="0" smtClean="0"/>
+              <a:t>execução</a:t>
+            </a:r>
+          </a:p>
+          <a:p>
+            <a:pPr marL="914400" lvl="1" indent="-457200">
+              <a:buFont typeface="Wingdings" panose="05000000000000000000" pitchFamily="2" charset="2"/>
+              <a:buChar char="§"/>
+            </a:pPr>
+            <a:r>
+              <a:rPr lang="pt-PT" sz="2400" dirty="0" smtClean="0"/>
+              <a:t>Executar </a:t>
+            </a:r>
+            <a:r>
+              <a:rPr lang="pt-PT" sz="2400" dirty="0"/>
+              <a:t>e recolher </a:t>
+            </a:r>
+            <a:r>
+              <a:rPr lang="pt-PT" sz="2400" dirty="0" smtClean="0"/>
+              <a:t>resultados</a:t>
+            </a:r>
+          </a:p>
+          <a:p>
+            <a:pPr marL="914400" lvl="1" indent="-457200">
+              <a:buFont typeface="Wingdings" panose="05000000000000000000" pitchFamily="2" charset="2"/>
+              <a:buChar char="§"/>
+            </a:pPr>
+            <a:r>
+              <a:rPr lang="pt-PT" sz="2400" dirty="0" smtClean="0"/>
+              <a:t>Descarregar o artifato (se existir)</a:t>
+            </a:r>
+            <a:endParaRPr lang="pt-PT" sz="2400" dirty="0"/>
+          </a:p>
+          <a:p>
+            <a:pPr marL="342900" indent="-342900">
+              <a:buFont typeface="Wingdings" panose="05000000000000000000" pitchFamily="2" charset="2"/>
+              <a:buChar char="Ø"/>
+            </a:pPr>
+            <a:endParaRPr lang="pt-PT" sz="2400" dirty="0" smtClean="0"/>
+          </a:p>
+          <a:p>
+            <a:pPr marL="457200" indent="-457200">
+              <a:buFont typeface="Arial" panose="020B0604020202020204" pitchFamily="34" charset="0"/>
+              <a:buChar char="•"/>
+            </a:pPr>
+            <a:r>
+              <a:rPr lang="pt-PT" sz="3200" dirty="0" smtClean="0"/>
+              <a:t>Plataforma do administrador</a:t>
+            </a:r>
+          </a:p>
+          <a:p>
+            <a:pPr marL="914400" lvl="1" indent="-457200">
+              <a:buFont typeface="Wingdings" panose="05000000000000000000" pitchFamily="2" charset="2"/>
+              <a:buChar char="§"/>
+            </a:pPr>
+            <a:r>
+              <a:rPr lang="pt-PT" sz="2400" dirty="0"/>
+              <a:t>Gestão de </a:t>
+            </a:r>
+            <a:r>
+              <a:rPr lang="pt-PT" sz="2400" dirty="0" smtClean="0"/>
+              <a:t>utilizadores</a:t>
+            </a:r>
+          </a:p>
+          <a:p>
+            <a:pPr marL="914400" lvl="1" indent="-457200">
+              <a:buFont typeface="Wingdings" panose="05000000000000000000" pitchFamily="2" charset="2"/>
+              <a:buChar char="§"/>
+            </a:pPr>
+            <a:r>
+              <a:rPr lang="pt-PT" sz="2400" dirty="0" smtClean="0"/>
+              <a:t>Gestão </a:t>
+            </a:r>
+            <a:r>
+              <a:rPr lang="pt-PT" sz="2400" dirty="0"/>
+              <a:t>de contentores</a:t>
+            </a:r>
+          </a:p>
+          <a:p>
+            <a:pPr marL="342900" indent="-342900">
+              <a:buFont typeface="Wingdings" panose="05000000000000000000" pitchFamily="2" charset="2"/>
+              <a:buChar char="Ø"/>
+            </a:pPr>
+            <a:endParaRPr lang="pt-PT" sz="2400" dirty="0" smtClean="0"/>
+          </a:p>
+        </p:txBody>
+      </p:sp>
+      <p:sp>
+        <p:nvSpPr>
+          <p:cNvPr id="7" name="Заголовок 1"/>
+          <p:cNvSpPr txBox="1">
+            <a:spLocks/>
+          </p:cNvSpPr>
+          <p:nvPr/>
         </p:nvSpPr>
         <p:spPr>
           <a:xfrm>
             <a:off x="755576" y="188640"/>
             <a:ext cx="7772400" cy="1470025"/>
           </a:xfrm>
+          <a:prstGeom prst="rect">
+            <a:avLst/>
+          </a:prstGeom>
         </p:spPr>
         <p:txBody>
-          <a:bodyPr>
+          <a:bodyPr vert="horz" lIns="91440" tIns="45720" rIns="91440" bIns="45720" rtlCol="0" anchor="ctr">
             <a:normAutofit/>
           </a:bodyPr>
-          <a:lstStyle/>
+          <a:lstStyle>
+            <a:lvl1pPr algn="ctr" defTabSz="914400" rtl="0" eaLnBrk="1" latinLnBrk="0" hangingPunct="1">
+              <a:spcBef>
+                <a:spcPct val="0"/>
+              </a:spcBef>
+              <a:buNone/>
+              <a:defRPr sz="4400" kern="1200">
+                <a:solidFill>
+                  <a:schemeClr val="tx1"/>
+                </a:solidFill>
+                <a:latin typeface="+mj-lt"/>
+                <a:ea typeface="+mj-ea"/>
+                <a:cs typeface="+mj-cs"/>
+              </a:defRPr>
+            </a:lvl1pPr>
+          </a:lstStyle>
           <a:p>
             <a:r>
               <a:rPr lang="pt-PT" sz="3000" b="1" dirty="0" smtClean="0">
@@ -5688,98 +6569,26 @@
                 </a:effectLst>
                 <a:latin typeface="Century Schoolbook (Заголовки)"/>
               </a:rPr>
-              <a:t>Demonstração</a:t>
-            </a:r>
-            <a:endParaRPr lang="en-US" sz="3000" b="1" dirty="0">
-              <a:solidFill>
-                <a:schemeClr val="tx1">
-                  <a:lumMod val="65000"/>
-                  <a:lumOff val="35000"/>
-                </a:schemeClr>
-              </a:solidFill>
-              <a:effectLst>
-                <a:outerShdw blurRad="38100" dist="38100" dir="2700000" algn="tl">
-                  <a:srgbClr val="000000">
-                    <a:alpha val="43137"/>
-                  </a:srgbClr>
-                </a:outerShdw>
-              </a:effectLst>
-              <a:latin typeface="Century Schoolbook (Заголовки)"/>
-            </a:endParaRPr>
-          </a:p>
-        </p:txBody>
-      </p:sp>
-      <p:sp>
-        <p:nvSpPr>
-          <p:cNvPr id="3" name="TextBox 2"/>
-          <p:cNvSpPr txBox="1"/>
-          <p:nvPr/>
-        </p:nvSpPr>
-        <p:spPr>
-          <a:xfrm>
-            <a:off x="971600" y="2204864"/>
-            <a:ext cx="7920880" cy="2215991"/>
-          </a:xfrm>
-          <a:prstGeom prst="rect">
-            <a:avLst/>
-          </a:prstGeom>
-          <a:noFill/>
-        </p:spPr>
-        <p:txBody>
-          <a:bodyPr wrap="square" rtlCol="0">
-            <a:spAutoFit/>
-          </a:bodyPr>
-          <a:lstStyle/>
-          <a:p>
-            <a:pPr marL="457200" indent="-457200">
-              <a:buFont typeface="Wingdings" panose="05000000000000000000" pitchFamily="2" charset="2"/>
-              <a:buChar char="Ø"/>
-            </a:pPr>
-            <a:r>
-              <a:rPr lang="pt-PT" sz="2400" dirty="0" smtClean="0"/>
-              <a:t>Interação do Utilizador com o plataforma</a:t>
-            </a:r>
-          </a:p>
-          <a:p>
-            <a:pPr marL="457200" indent="-457200">
-              <a:buFont typeface="Wingdings" panose="05000000000000000000" pitchFamily="2" charset="2"/>
-              <a:buChar char="Ø"/>
-            </a:pPr>
-            <a:endParaRPr lang="pt-PT" sz="2400" dirty="0" smtClean="0"/>
-          </a:p>
-          <a:p>
-            <a:pPr marL="457200" indent="-457200">
-              <a:buFont typeface="Wingdings" panose="05000000000000000000" pitchFamily="2" charset="2"/>
-              <a:buChar char="Ø"/>
-            </a:pPr>
-            <a:endParaRPr lang="pt-PT" sz="2400" dirty="0" smtClean="0"/>
-          </a:p>
-          <a:p>
-            <a:pPr marL="457200" indent="-457200">
-              <a:buFont typeface="Wingdings" panose="05000000000000000000" pitchFamily="2" charset="2"/>
-              <a:buChar char="Ø"/>
-            </a:pPr>
-            <a:endParaRPr lang="pt-PT" sz="2400" dirty="0"/>
-          </a:p>
-          <a:p>
-            <a:pPr marL="457200" indent="-457200">
-              <a:buFont typeface="Wingdings" panose="05000000000000000000" pitchFamily="2" charset="2"/>
-              <a:buChar char="Ø"/>
-            </a:pPr>
-            <a:r>
-              <a:rPr lang="pt-PT" sz="2400" dirty="0" smtClean="0"/>
-              <a:t>Gatilho para execução automática</a:t>
-            </a:r>
-          </a:p>
-          <a:p>
-            <a:endParaRPr lang="en-US" dirty="0"/>
+              <a:t>Arquitetura</a:t>
+            </a:r>
+          </a:p>
+          <a:p>
+            <a:r>
+              <a:rPr lang="pt-PT" sz="3200" u="sng" dirty="0"/>
+              <a:t>Componente </a:t>
+            </a:r>
+            <a:r>
+              <a:rPr lang="pt-PT" sz="3200" u="sng" dirty="0" smtClean="0"/>
+              <a:t>Web Server</a:t>
+            </a:r>
+            <a:endParaRPr lang="pt-PT" sz="3200" u="sng" dirty="0"/>
           </a:p>
         </p:txBody>
       </p:sp>
     </p:spTree>
     <p:extLst>
       <p:ext uri="{BB962C8B-B14F-4D97-AF65-F5344CB8AC3E}">
-        <p14:creationId xmlns:p14="http://schemas.microsoft.com/office/powerpoint/2010/main" val="288173113"/>
+        <p14:creationId xmlns:p14="http://schemas.microsoft.com/office/powerpoint/2010/main" val="3873257712"/>
       </p:ext>
     </p:extLst>
   </p:cSld>
@@ -5815,6 +6624,1825 @@
       </p:grpSpPr>
       <p:sp>
         <p:nvSpPr>
+          <p:cNvPr id="7" name="Заголовок 1"/>
+          <p:cNvSpPr txBox="1">
+            <a:spLocks/>
+          </p:cNvSpPr>
+          <p:nvPr/>
+        </p:nvSpPr>
+        <p:spPr>
+          <a:xfrm>
+            <a:off x="755576" y="188640"/>
+            <a:ext cx="7772400" cy="1728192"/>
+          </a:xfrm>
+          <a:prstGeom prst="rect">
+            <a:avLst/>
+          </a:prstGeom>
+        </p:spPr>
+        <p:txBody>
+          <a:bodyPr vert="horz" lIns="91440" tIns="45720" rIns="91440" bIns="45720" rtlCol="0" anchor="ctr">
+            <a:normAutofit/>
+          </a:bodyPr>
+          <a:lstStyle>
+            <a:lvl1pPr algn="ctr" defTabSz="914400" rtl="0" eaLnBrk="1" latinLnBrk="0" hangingPunct="1">
+              <a:spcBef>
+                <a:spcPct val="0"/>
+              </a:spcBef>
+              <a:buNone/>
+              <a:defRPr sz="4400" kern="1200">
+                <a:solidFill>
+                  <a:schemeClr val="tx1"/>
+                </a:solidFill>
+                <a:latin typeface="+mj-lt"/>
+                <a:ea typeface="+mj-ea"/>
+                <a:cs typeface="+mj-cs"/>
+              </a:defRPr>
+            </a:lvl1pPr>
+          </a:lstStyle>
+          <a:p>
+            <a:r>
+              <a:rPr lang="pt-PT" sz="3000" b="1" dirty="0" smtClean="0">
+                <a:solidFill>
+                  <a:schemeClr val="tx1">
+                    <a:lumMod val="65000"/>
+                    <a:lumOff val="35000"/>
+                  </a:schemeClr>
+                </a:solidFill>
+                <a:effectLst>
+                  <a:outerShdw blurRad="38100" dist="38100" dir="2700000" algn="tl">
+                    <a:srgbClr val="000000">
+                      <a:alpha val="43137"/>
+                    </a:srgbClr>
+                  </a:outerShdw>
+                </a:effectLst>
+                <a:latin typeface="Century Schoolbook (Заголовки)"/>
+              </a:rPr>
+              <a:t>Arquitetura</a:t>
+            </a:r>
+          </a:p>
+          <a:p>
+            <a:r>
+              <a:rPr lang="pt-PT" sz="3200" u="sng" dirty="0"/>
+              <a:t>Componente </a:t>
+            </a:r>
+            <a:r>
+              <a:rPr lang="pt-PT" sz="3200" u="sng" dirty="0" smtClean="0"/>
+              <a:t>Web </a:t>
+            </a:r>
+            <a:r>
+              <a:rPr lang="pt-PT" sz="3200" u="sng" dirty="0" smtClean="0"/>
+              <a:t>Server</a:t>
+            </a:r>
+          </a:p>
+          <a:p>
+            <a:r>
+              <a:rPr lang="pt-PT" sz="2000" dirty="0" smtClean="0"/>
+              <a:t>Resultado de execução com sucesso</a:t>
+            </a:r>
+            <a:endParaRPr lang="pt-PT" sz="2000" dirty="0"/>
+          </a:p>
+        </p:txBody>
+      </p:sp>
+      <p:pic>
+        <p:nvPicPr>
+          <p:cNvPr id="4098" name="Picture 2"/>
+          <p:cNvPicPr>
+            <a:picLocks noChangeAspect="1" noChangeArrowheads="1"/>
+          </p:cNvPicPr>
+          <p:nvPr/>
+        </p:nvPicPr>
+        <p:blipFill rotWithShape="1">
+          <a:blip r:embed="rId3">
+            <a:extLst>
+              <a:ext uri="{28A0092B-C50C-407E-A947-70E740481C1C}">
+                <a14:useLocalDpi xmlns:a14="http://schemas.microsoft.com/office/drawing/2010/main" val="0"/>
+              </a:ext>
+            </a:extLst>
+          </a:blip>
+          <a:srcRect t="11632" r="1708" b="5035"/>
+          <a:stretch/>
+        </p:blipFill>
+        <p:spPr bwMode="auto">
+          <a:xfrm>
+            <a:off x="395536" y="2132856"/>
+            <a:ext cx="8286662" cy="3949948"/>
+          </a:xfrm>
+          <a:prstGeom prst="rect">
+            <a:avLst/>
+          </a:prstGeom>
+          <a:noFill/>
+          <a:ln>
+            <a:noFill/>
+          </a:ln>
+          <a:extLst>
+            <a:ext uri="{909E8E84-426E-40DD-AFC4-6F175D3DCCD1}">
+              <a14:hiddenFill xmlns:a14="http://schemas.microsoft.com/office/drawing/2010/main">
+                <a:solidFill>
+                  <a:schemeClr val="accent1"/>
+                </a:solidFill>
+              </a14:hiddenFill>
+            </a:ext>
+            <a:ext uri="{91240B29-F687-4F45-9708-019B960494DF}">
+              <a14:hiddenLine xmlns:a14="http://schemas.microsoft.com/office/drawing/2010/main" w="9525">
+                <a:solidFill>
+                  <a:schemeClr val="tx1"/>
+                </a:solidFill>
+                <a:miter lim="800000"/>
+                <a:headEnd/>
+                <a:tailEnd/>
+              </a14:hiddenLine>
+            </a:ext>
+          </a:extLst>
+        </p:spPr>
+      </p:pic>
+    </p:spTree>
+    <p:extLst>
+      <p:ext uri="{BB962C8B-B14F-4D97-AF65-F5344CB8AC3E}">
+        <p14:creationId xmlns:p14="http://schemas.microsoft.com/office/powerpoint/2010/main" val="3527495791"/>
+      </p:ext>
+    </p:extLst>
+  </p:cSld>
+  <p:clrMapOvr>
+    <a:masterClrMapping/>
+  </p:clrMapOvr>
+  <p:timing>
+    <p:tnLst>
+      <p:par>
+        <p:cTn id="1" dur="indefinite" restart="never" nodeType="tmRoot"/>
+      </p:par>
+    </p:tnLst>
+  </p:timing>
+</p:sld>
+</file>
+
+<file path=ppt/slides/slide14.xml><?xml version="1.0" encoding="utf-8"?>
+<p:sld xmlns:a="http://schemas.openxmlformats.org/drawingml/2006/main" xmlns:r="http://schemas.openxmlformats.org/officeDocument/2006/relationships" xmlns:p="http://schemas.openxmlformats.org/presentationml/2006/main">
+  <p:cSld>
+    <p:spTree>
+      <p:nvGrpSpPr>
+        <p:cNvPr id="1" name=""/>
+        <p:cNvGrpSpPr/>
+        <p:nvPr/>
+      </p:nvGrpSpPr>
+      <p:grpSpPr>
+        <a:xfrm>
+          <a:off x="0" y="0"/>
+          <a:ext cx="0" cy="0"/>
+          <a:chOff x="0" y="0"/>
+          <a:chExt cx="0" cy="0"/>
+        </a:xfrm>
+      </p:grpSpPr>
+      <p:sp>
+        <p:nvSpPr>
+          <p:cNvPr id="7" name="Заголовок 1"/>
+          <p:cNvSpPr txBox="1">
+            <a:spLocks/>
+          </p:cNvSpPr>
+          <p:nvPr/>
+        </p:nvSpPr>
+        <p:spPr>
+          <a:xfrm>
+            <a:off x="755576" y="188640"/>
+            <a:ext cx="7772400" cy="1728192"/>
+          </a:xfrm>
+          <a:prstGeom prst="rect">
+            <a:avLst/>
+          </a:prstGeom>
+        </p:spPr>
+        <p:txBody>
+          <a:bodyPr vert="horz" lIns="91440" tIns="45720" rIns="91440" bIns="45720" rtlCol="0" anchor="ctr">
+            <a:normAutofit/>
+          </a:bodyPr>
+          <a:lstStyle>
+            <a:lvl1pPr algn="ctr" defTabSz="914400" rtl="0" eaLnBrk="1" latinLnBrk="0" hangingPunct="1">
+              <a:spcBef>
+                <a:spcPct val="0"/>
+              </a:spcBef>
+              <a:buNone/>
+              <a:defRPr sz="4400" kern="1200">
+                <a:solidFill>
+                  <a:schemeClr val="tx1"/>
+                </a:solidFill>
+                <a:latin typeface="+mj-lt"/>
+                <a:ea typeface="+mj-ea"/>
+                <a:cs typeface="+mj-cs"/>
+              </a:defRPr>
+            </a:lvl1pPr>
+          </a:lstStyle>
+          <a:p>
+            <a:r>
+              <a:rPr lang="pt-PT" sz="3000" b="1" dirty="0" smtClean="0">
+                <a:solidFill>
+                  <a:schemeClr val="tx1">
+                    <a:lumMod val="65000"/>
+                    <a:lumOff val="35000"/>
+                  </a:schemeClr>
+                </a:solidFill>
+                <a:effectLst>
+                  <a:outerShdw blurRad="38100" dist="38100" dir="2700000" algn="tl">
+                    <a:srgbClr val="000000">
+                      <a:alpha val="43137"/>
+                    </a:srgbClr>
+                  </a:outerShdw>
+                </a:effectLst>
+                <a:latin typeface="Century Schoolbook (Заголовки)"/>
+              </a:rPr>
+              <a:t>Arquitetura</a:t>
+            </a:r>
+          </a:p>
+          <a:p>
+            <a:r>
+              <a:rPr lang="pt-PT" sz="3200" u="sng" dirty="0"/>
+              <a:t>Componente </a:t>
+            </a:r>
+            <a:r>
+              <a:rPr lang="pt-PT" sz="3200" u="sng" dirty="0" smtClean="0"/>
+              <a:t>Web </a:t>
+            </a:r>
+            <a:r>
+              <a:rPr lang="pt-PT" sz="3200" u="sng" dirty="0" smtClean="0"/>
+              <a:t>Server</a:t>
+            </a:r>
+          </a:p>
+          <a:p>
+            <a:r>
+              <a:rPr lang="pt-PT" sz="2000" dirty="0" smtClean="0"/>
+              <a:t>Resultado de execução com erro</a:t>
+            </a:r>
+            <a:endParaRPr lang="pt-PT" sz="2000" dirty="0"/>
+          </a:p>
+        </p:txBody>
+      </p:sp>
+      <p:pic>
+        <p:nvPicPr>
+          <p:cNvPr id="6146" name="Picture 2"/>
+          <p:cNvPicPr>
+            <a:picLocks noChangeAspect="1" noChangeArrowheads="1"/>
+          </p:cNvPicPr>
+          <p:nvPr/>
+        </p:nvPicPr>
+        <p:blipFill rotWithShape="1">
+          <a:blip r:embed="rId3">
+            <a:extLst>
+              <a:ext uri="{28A0092B-C50C-407E-A947-70E740481C1C}">
+                <a14:useLocalDpi xmlns:a14="http://schemas.microsoft.com/office/drawing/2010/main" val="0"/>
+              </a:ext>
+            </a:extLst>
+          </a:blip>
+          <a:srcRect t="11459" r="1416" b="5034"/>
+          <a:stretch/>
+        </p:blipFill>
+        <p:spPr bwMode="auto">
+          <a:xfrm>
+            <a:off x="448203" y="2132856"/>
+            <a:ext cx="8258339" cy="3932932"/>
+          </a:xfrm>
+          <a:prstGeom prst="rect">
+            <a:avLst/>
+          </a:prstGeom>
+          <a:noFill/>
+          <a:ln>
+            <a:noFill/>
+          </a:ln>
+          <a:extLst>
+            <a:ext uri="{909E8E84-426E-40DD-AFC4-6F175D3DCCD1}">
+              <a14:hiddenFill xmlns:a14="http://schemas.microsoft.com/office/drawing/2010/main">
+                <a:solidFill>
+                  <a:schemeClr val="accent1"/>
+                </a:solidFill>
+              </a14:hiddenFill>
+            </a:ext>
+            <a:ext uri="{91240B29-F687-4F45-9708-019B960494DF}">
+              <a14:hiddenLine xmlns:a14="http://schemas.microsoft.com/office/drawing/2010/main" w="9525">
+                <a:solidFill>
+                  <a:schemeClr val="tx1"/>
+                </a:solidFill>
+                <a:miter lim="800000"/>
+                <a:headEnd/>
+                <a:tailEnd/>
+              </a14:hiddenLine>
+            </a:ext>
+          </a:extLst>
+        </p:spPr>
+      </p:pic>
+    </p:spTree>
+    <p:extLst>
+      <p:ext uri="{BB962C8B-B14F-4D97-AF65-F5344CB8AC3E}">
+        <p14:creationId xmlns:p14="http://schemas.microsoft.com/office/powerpoint/2010/main" val="1999566603"/>
+      </p:ext>
+    </p:extLst>
+  </p:cSld>
+  <p:clrMapOvr>
+    <a:masterClrMapping/>
+  </p:clrMapOvr>
+  <p:timing>
+    <p:tnLst>
+      <p:par>
+        <p:cTn id="1" dur="indefinite" restart="never" nodeType="tmRoot"/>
+      </p:par>
+    </p:tnLst>
+  </p:timing>
+</p:sld>
+</file>
+
+<file path=ppt/slides/slide15.xml><?xml version="1.0" encoding="utf-8"?>
+<p:sld xmlns:a="http://schemas.openxmlformats.org/drawingml/2006/main" xmlns:r="http://schemas.openxmlformats.org/officeDocument/2006/relationships" xmlns:p="http://schemas.openxmlformats.org/presentationml/2006/main">
+  <p:cSld>
+    <p:spTree>
+      <p:nvGrpSpPr>
+        <p:cNvPr id="1" name=""/>
+        <p:cNvGrpSpPr/>
+        <p:nvPr/>
+      </p:nvGrpSpPr>
+      <p:grpSpPr>
+        <a:xfrm>
+          <a:off x="0" y="0"/>
+          <a:ext cx="0" cy="0"/>
+          <a:chOff x="0" y="0"/>
+          <a:chExt cx="0" cy="0"/>
+        </a:xfrm>
+      </p:grpSpPr>
+      <p:sp>
+        <p:nvSpPr>
+          <p:cNvPr id="2" name="Заголовок 1"/>
+          <p:cNvSpPr>
+            <a:spLocks noGrp="1"/>
+          </p:cNvSpPr>
+          <p:nvPr>
+            <p:ph type="ctrTitle"/>
+          </p:nvPr>
+        </p:nvSpPr>
+        <p:spPr>
+          <a:xfrm>
+            <a:off x="755576" y="188640"/>
+            <a:ext cx="7772400" cy="1470025"/>
+          </a:xfrm>
+        </p:spPr>
+        <p:txBody>
+          <a:bodyPr>
+            <a:normAutofit/>
+          </a:bodyPr>
+          <a:lstStyle/>
+          <a:p>
+            <a:r>
+              <a:rPr lang="pt-PT" sz="3000" b="1" dirty="0" smtClean="0">
+                <a:solidFill>
+                  <a:schemeClr val="tx1">
+                    <a:lumMod val="65000"/>
+                    <a:lumOff val="35000"/>
+                  </a:schemeClr>
+                </a:solidFill>
+                <a:effectLst>
+                  <a:outerShdw blurRad="38100" dist="38100" dir="2700000" algn="tl">
+                    <a:srgbClr val="000000">
+                      <a:alpha val="43137"/>
+                    </a:srgbClr>
+                  </a:outerShdw>
+                </a:effectLst>
+                <a:latin typeface="Century Schoolbook (Заголовки)"/>
+              </a:rPr>
+              <a:t>Arquitetura</a:t>
+            </a:r>
+            <a:br>
+              <a:rPr lang="pt-PT" sz="3000" b="1" dirty="0" smtClean="0">
+                <a:solidFill>
+                  <a:schemeClr val="tx1">
+                    <a:lumMod val="65000"/>
+                    <a:lumOff val="35000"/>
+                  </a:schemeClr>
+                </a:solidFill>
+                <a:effectLst>
+                  <a:outerShdw blurRad="38100" dist="38100" dir="2700000" algn="tl">
+                    <a:srgbClr val="000000">
+                      <a:alpha val="43137"/>
+                    </a:srgbClr>
+                  </a:outerShdw>
+                </a:effectLst>
+                <a:latin typeface="Century Schoolbook (Заголовки)"/>
+              </a:rPr>
+            </a:br>
+            <a:r>
+              <a:rPr lang="pt-PT" sz="3200" u="sng" dirty="0"/>
+              <a:t>Componente </a:t>
+            </a:r>
+            <a:r>
+              <a:rPr lang="pt-PT" sz="3200" u="sng" dirty="0" smtClean="0"/>
+              <a:t>Worker</a:t>
+            </a:r>
+            <a:endParaRPr lang="en-US" sz="3000" b="1" dirty="0">
+              <a:solidFill>
+                <a:schemeClr val="tx1">
+                  <a:lumMod val="65000"/>
+                  <a:lumOff val="35000"/>
+                </a:schemeClr>
+              </a:solidFill>
+              <a:effectLst>
+                <a:outerShdw blurRad="38100" dist="38100" dir="2700000" algn="tl">
+                  <a:srgbClr val="000000">
+                    <a:alpha val="43137"/>
+                  </a:srgbClr>
+                </a:outerShdw>
+              </a:effectLst>
+              <a:latin typeface="Century Schoolbook (Заголовки)"/>
+            </a:endParaRPr>
+          </a:p>
+        </p:txBody>
+      </p:sp>
+      <p:sp>
+        <p:nvSpPr>
+          <p:cNvPr id="6" name="TextBox 5"/>
+          <p:cNvSpPr txBox="1"/>
+          <p:nvPr/>
+        </p:nvSpPr>
+        <p:spPr>
+          <a:xfrm>
+            <a:off x="611560" y="1844824"/>
+            <a:ext cx="8208912" cy="3785652"/>
+          </a:xfrm>
+          <a:prstGeom prst="rect">
+            <a:avLst/>
+          </a:prstGeom>
+          <a:noFill/>
+        </p:spPr>
+        <p:txBody>
+          <a:bodyPr wrap="square" rtlCol="0">
+            <a:spAutoFit/>
+          </a:bodyPr>
+          <a:lstStyle/>
+          <a:p>
+            <a:pPr marL="342900" indent="-342900">
+              <a:buFont typeface="Arial" panose="020B0604020202020204" pitchFamily="34" charset="0"/>
+              <a:buChar char="•"/>
+            </a:pPr>
+            <a:r>
+              <a:rPr lang="pt-PT" sz="2400" dirty="0" smtClean="0"/>
+              <a:t>Receber o trabalho na fila.</a:t>
+            </a:r>
+          </a:p>
+          <a:p>
+            <a:pPr marL="342900" indent="-342900">
+              <a:buFont typeface="Arial" panose="020B0604020202020204" pitchFamily="34" charset="0"/>
+              <a:buChar char="•"/>
+            </a:pPr>
+            <a:endParaRPr lang="pt-PT" sz="2400" dirty="0"/>
+          </a:p>
+          <a:p>
+            <a:pPr marL="342900" indent="-342900">
+              <a:buFont typeface="Arial" panose="020B0604020202020204" pitchFamily="34" charset="0"/>
+              <a:buChar char="•"/>
+            </a:pPr>
+            <a:r>
+              <a:rPr lang="pt-PT" sz="2400" dirty="0" smtClean="0"/>
+              <a:t>Preparar a configuração do contentor.</a:t>
+            </a:r>
+          </a:p>
+          <a:p>
+            <a:pPr marL="342900" indent="-342900">
+              <a:buFont typeface="Arial" panose="020B0604020202020204" pitchFamily="34" charset="0"/>
+              <a:buChar char="•"/>
+            </a:pPr>
+            <a:endParaRPr lang="pt-PT" sz="2400" dirty="0"/>
+          </a:p>
+          <a:p>
+            <a:pPr marL="342900" indent="-342900">
+              <a:buFont typeface="Arial" panose="020B0604020202020204" pitchFamily="34" charset="0"/>
+              <a:buChar char="•"/>
+            </a:pPr>
+            <a:r>
+              <a:rPr lang="pt-PT" sz="2400" dirty="0" smtClean="0"/>
+              <a:t>Lançar a execução no contentor  via Docker.</a:t>
+            </a:r>
+          </a:p>
+          <a:p>
+            <a:pPr marL="342900" indent="-342900">
+              <a:buFont typeface="Arial" panose="020B0604020202020204" pitchFamily="34" charset="0"/>
+              <a:buChar char="•"/>
+            </a:pPr>
+            <a:endParaRPr lang="pt-PT" sz="2400" dirty="0"/>
+          </a:p>
+          <a:p>
+            <a:pPr marL="342900" indent="-342900">
+              <a:buFont typeface="Arial" panose="020B0604020202020204" pitchFamily="34" charset="0"/>
+              <a:buChar char="•"/>
+            </a:pPr>
+            <a:r>
+              <a:rPr lang="pt-PT" sz="2400" dirty="0" smtClean="0"/>
+              <a:t>Interpretar os resultados do contentor e transferilos para fila </a:t>
+            </a:r>
+          </a:p>
+          <a:p>
+            <a:r>
+              <a:rPr lang="pt-PT" sz="2400" dirty="0"/>
+              <a:t> </a:t>
+            </a:r>
+            <a:r>
+              <a:rPr lang="pt-PT" sz="2400" dirty="0" smtClean="0"/>
+              <a:t>    de resultados Redis.</a:t>
+            </a:r>
+          </a:p>
+          <a:p>
+            <a:endParaRPr lang="pt-PT" sz="2400" dirty="0"/>
+          </a:p>
+          <a:p>
+            <a:pPr marL="342900" indent="-342900">
+              <a:buFont typeface="Arial" panose="020B0604020202020204" pitchFamily="34" charset="0"/>
+              <a:buChar char="•"/>
+            </a:pPr>
+            <a:r>
+              <a:rPr lang="pt-PT" sz="2400" dirty="0" smtClean="0"/>
+              <a:t>Armazenamento do artifato no AWS S3.</a:t>
+            </a:r>
+            <a:endParaRPr lang="pt-PT" sz="2400" dirty="0"/>
+          </a:p>
+        </p:txBody>
+      </p:sp>
+    </p:spTree>
+    <p:extLst>
+      <p:ext uri="{BB962C8B-B14F-4D97-AF65-F5344CB8AC3E}">
+        <p14:creationId xmlns:p14="http://schemas.microsoft.com/office/powerpoint/2010/main" val="400995073"/>
+      </p:ext>
+    </p:extLst>
+  </p:cSld>
+  <p:clrMapOvr>
+    <a:masterClrMapping/>
+  </p:clrMapOvr>
+  <p:timing>
+    <p:tnLst>
+      <p:par>
+        <p:cTn id="1" dur="indefinite" restart="never" nodeType="tmRoot"/>
+      </p:par>
+    </p:tnLst>
+  </p:timing>
+</p:sld>
+</file>
+
+<file path=ppt/slides/slide16.xml><?xml version="1.0" encoding="utf-8"?>
+<p:sld xmlns:a="http://schemas.openxmlformats.org/drawingml/2006/main" xmlns:r="http://schemas.openxmlformats.org/officeDocument/2006/relationships" xmlns:p="http://schemas.openxmlformats.org/presentationml/2006/main">
+  <p:cSld>
+    <p:spTree>
+      <p:nvGrpSpPr>
+        <p:cNvPr id="1" name=""/>
+        <p:cNvGrpSpPr/>
+        <p:nvPr/>
+      </p:nvGrpSpPr>
+      <p:grpSpPr>
+        <a:xfrm>
+          <a:off x="0" y="0"/>
+          <a:ext cx="0" cy="0"/>
+          <a:chOff x="0" y="0"/>
+          <a:chExt cx="0" cy="0"/>
+        </a:xfrm>
+      </p:grpSpPr>
+      <p:sp>
+        <p:nvSpPr>
+          <p:cNvPr id="2" name="Заголовок 1"/>
+          <p:cNvSpPr>
+            <a:spLocks noGrp="1"/>
+          </p:cNvSpPr>
+          <p:nvPr>
+            <p:ph type="ctrTitle"/>
+          </p:nvPr>
+        </p:nvSpPr>
+        <p:spPr>
+          <a:xfrm>
+            <a:off x="755576" y="188640"/>
+            <a:ext cx="7772400" cy="1470025"/>
+          </a:xfrm>
+        </p:spPr>
+        <p:txBody>
+          <a:bodyPr>
+            <a:normAutofit/>
+          </a:bodyPr>
+          <a:lstStyle/>
+          <a:p>
+            <a:r>
+              <a:rPr lang="pt-PT" sz="3000" b="1" dirty="0" smtClean="0">
+                <a:solidFill>
+                  <a:schemeClr val="tx1">
+                    <a:lumMod val="65000"/>
+                    <a:lumOff val="35000"/>
+                  </a:schemeClr>
+                </a:solidFill>
+                <a:effectLst>
+                  <a:outerShdw blurRad="38100" dist="38100" dir="2700000" algn="tl">
+                    <a:srgbClr val="000000">
+                      <a:alpha val="43137"/>
+                    </a:srgbClr>
+                  </a:outerShdw>
+                </a:effectLst>
+                <a:latin typeface="Century Schoolbook (Заголовки)"/>
+              </a:rPr>
+              <a:t>Arquitetura</a:t>
+            </a:r>
+            <a:br>
+              <a:rPr lang="pt-PT" sz="3000" b="1" dirty="0" smtClean="0">
+                <a:solidFill>
+                  <a:schemeClr val="tx1">
+                    <a:lumMod val="65000"/>
+                    <a:lumOff val="35000"/>
+                  </a:schemeClr>
+                </a:solidFill>
+                <a:effectLst>
+                  <a:outerShdw blurRad="38100" dist="38100" dir="2700000" algn="tl">
+                    <a:srgbClr val="000000">
+                      <a:alpha val="43137"/>
+                    </a:srgbClr>
+                  </a:outerShdw>
+                </a:effectLst>
+                <a:latin typeface="Century Schoolbook (Заголовки)"/>
+              </a:rPr>
+            </a:br>
+            <a:r>
+              <a:rPr lang="pt-PT" sz="3200" u="sng" dirty="0"/>
+              <a:t>Componente </a:t>
+            </a:r>
+            <a:r>
+              <a:rPr lang="pt-PT" sz="3200" u="sng" dirty="0" smtClean="0"/>
+              <a:t>Worker</a:t>
+            </a:r>
+            <a:endParaRPr lang="en-US" sz="3000" b="1" dirty="0">
+              <a:solidFill>
+                <a:schemeClr val="tx1">
+                  <a:lumMod val="65000"/>
+                  <a:lumOff val="35000"/>
+                </a:schemeClr>
+              </a:solidFill>
+              <a:effectLst>
+                <a:outerShdw blurRad="38100" dist="38100" dir="2700000" algn="tl">
+                  <a:srgbClr val="000000">
+                    <a:alpha val="43137"/>
+                  </a:srgbClr>
+                </a:outerShdw>
+              </a:effectLst>
+              <a:latin typeface="Century Schoolbook (Заголовки)"/>
+            </a:endParaRPr>
+          </a:p>
+        </p:txBody>
+      </p:sp>
+      <p:pic>
+        <p:nvPicPr>
+          <p:cNvPr id="3" name="Picture 2"/>
+          <p:cNvPicPr>
+            <a:picLocks noChangeAspect="1" noChangeArrowheads="1"/>
+          </p:cNvPicPr>
+          <p:nvPr/>
+        </p:nvPicPr>
+        <p:blipFill>
+          <a:blip r:embed="rId3">
+            <a:extLst>
+              <a:ext uri="{28A0092B-C50C-407E-A947-70E740481C1C}">
+                <a14:useLocalDpi xmlns:a14="http://schemas.microsoft.com/office/drawing/2010/main" val="0"/>
+              </a:ext>
+            </a:extLst>
+          </a:blip>
+          <a:srcRect/>
+          <a:stretch>
+            <a:fillRect/>
+          </a:stretch>
+        </p:blipFill>
+        <p:spPr bwMode="auto">
+          <a:xfrm>
+            <a:off x="1416192" y="2060848"/>
+            <a:ext cx="6566279" cy="4294397"/>
+          </a:xfrm>
+          <a:prstGeom prst="rect">
+            <a:avLst/>
+          </a:prstGeom>
+          <a:noFill/>
+          <a:ln>
+            <a:noFill/>
+          </a:ln>
+          <a:extLst>
+            <a:ext uri="{909E8E84-426E-40DD-AFC4-6F175D3DCCD1}">
+              <a14:hiddenFill xmlns:a14="http://schemas.microsoft.com/office/drawing/2010/main">
+                <a:solidFill>
+                  <a:schemeClr val="accent1"/>
+                </a:solidFill>
+              </a14:hiddenFill>
+            </a:ext>
+            <a:ext uri="{91240B29-F687-4F45-9708-019B960494DF}">
+              <a14:hiddenLine xmlns:a14="http://schemas.microsoft.com/office/drawing/2010/main" w="9525">
+                <a:solidFill>
+                  <a:schemeClr val="tx1"/>
+                </a:solidFill>
+                <a:miter lim="800000"/>
+                <a:headEnd/>
+                <a:tailEnd/>
+              </a14:hiddenLine>
+            </a:ext>
+          </a:extLst>
+        </p:spPr>
+      </p:pic>
+    </p:spTree>
+    <p:extLst>
+      <p:ext uri="{BB962C8B-B14F-4D97-AF65-F5344CB8AC3E}">
+        <p14:creationId xmlns:p14="http://schemas.microsoft.com/office/powerpoint/2010/main" val="3644593460"/>
+      </p:ext>
+    </p:extLst>
+  </p:cSld>
+  <p:clrMapOvr>
+    <a:masterClrMapping/>
+  </p:clrMapOvr>
+  <p:timing>
+    <p:tnLst>
+      <p:par>
+        <p:cTn id="1" dur="indefinite" restart="never" nodeType="tmRoot"/>
+      </p:par>
+    </p:tnLst>
+  </p:timing>
+</p:sld>
+</file>
+
+<file path=ppt/slides/slide17.xml><?xml version="1.0" encoding="utf-8"?>
+<p:sld xmlns:a="http://schemas.openxmlformats.org/drawingml/2006/main" xmlns:r="http://schemas.openxmlformats.org/officeDocument/2006/relationships" xmlns:p="http://schemas.openxmlformats.org/presentationml/2006/main">
+  <p:cSld>
+    <p:spTree>
+      <p:nvGrpSpPr>
+        <p:cNvPr id="1" name=""/>
+        <p:cNvGrpSpPr/>
+        <p:nvPr/>
+      </p:nvGrpSpPr>
+      <p:grpSpPr>
+        <a:xfrm>
+          <a:off x="0" y="0"/>
+          <a:ext cx="0" cy="0"/>
+          <a:chOff x="0" y="0"/>
+          <a:chExt cx="0" cy="0"/>
+        </a:xfrm>
+      </p:grpSpPr>
+      <p:sp>
+        <p:nvSpPr>
+          <p:cNvPr id="2" name="Заголовок 1"/>
+          <p:cNvSpPr>
+            <a:spLocks noGrp="1"/>
+          </p:cNvSpPr>
+          <p:nvPr>
+            <p:ph type="ctrTitle"/>
+          </p:nvPr>
+        </p:nvSpPr>
+        <p:spPr>
+          <a:xfrm>
+            <a:off x="755576" y="188640"/>
+            <a:ext cx="7772400" cy="1470025"/>
+          </a:xfrm>
+        </p:spPr>
+        <p:txBody>
+          <a:bodyPr>
+            <a:normAutofit/>
+          </a:bodyPr>
+          <a:lstStyle/>
+          <a:p>
+            <a:r>
+              <a:rPr lang="pt-PT" sz="3000" b="1" dirty="0" smtClean="0">
+                <a:solidFill>
+                  <a:schemeClr val="tx1">
+                    <a:lumMod val="65000"/>
+                    <a:lumOff val="35000"/>
+                  </a:schemeClr>
+                </a:solidFill>
+                <a:effectLst>
+                  <a:outerShdw blurRad="38100" dist="38100" dir="2700000" algn="tl">
+                    <a:srgbClr val="000000">
+                      <a:alpha val="43137"/>
+                    </a:srgbClr>
+                  </a:outerShdw>
+                </a:effectLst>
+                <a:latin typeface="Century Schoolbook (Заголовки)"/>
+              </a:rPr>
+              <a:t>Arquitetura</a:t>
+            </a:r>
+            <a:br>
+              <a:rPr lang="pt-PT" sz="3000" b="1" dirty="0" smtClean="0">
+                <a:solidFill>
+                  <a:schemeClr val="tx1">
+                    <a:lumMod val="65000"/>
+                    <a:lumOff val="35000"/>
+                  </a:schemeClr>
+                </a:solidFill>
+                <a:effectLst>
+                  <a:outerShdw blurRad="38100" dist="38100" dir="2700000" algn="tl">
+                    <a:srgbClr val="000000">
+                      <a:alpha val="43137"/>
+                    </a:srgbClr>
+                  </a:outerShdw>
+                </a:effectLst>
+                <a:latin typeface="Century Schoolbook (Заголовки)"/>
+              </a:rPr>
+            </a:br>
+            <a:r>
+              <a:rPr lang="pt-PT" sz="3200" u="sng" dirty="0"/>
+              <a:t>Componente </a:t>
+            </a:r>
+            <a:r>
+              <a:rPr lang="pt-PT" sz="3200" u="sng" dirty="0" smtClean="0"/>
+              <a:t>Hub</a:t>
+            </a:r>
+            <a:endParaRPr lang="en-US" sz="3000" b="1" dirty="0">
+              <a:solidFill>
+                <a:schemeClr val="tx1">
+                  <a:lumMod val="65000"/>
+                  <a:lumOff val="35000"/>
+                </a:schemeClr>
+              </a:solidFill>
+              <a:effectLst>
+                <a:outerShdw blurRad="38100" dist="38100" dir="2700000" algn="tl">
+                  <a:srgbClr val="000000">
+                    <a:alpha val="43137"/>
+                  </a:srgbClr>
+                </a:outerShdw>
+              </a:effectLst>
+              <a:latin typeface="Century Schoolbook (Заголовки)"/>
+            </a:endParaRPr>
+          </a:p>
+        </p:txBody>
+      </p:sp>
+      <p:sp>
+        <p:nvSpPr>
+          <p:cNvPr id="4" name="CaixaDeTexto 4"/>
+          <p:cNvSpPr txBox="1"/>
+          <p:nvPr/>
+        </p:nvSpPr>
+        <p:spPr>
+          <a:xfrm>
+            <a:off x="1018990" y="1566225"/>
+            <a:ext cx="6912767" cy="707886"/>
+          </a:xfrm>
+          <a:prstGeom prst="rect">
+            <a:avLst/>
+          </a:prstGeom>
+          <a:noFill/>
+        </p:spPr>
+        <p:txBody>
+          <a:bodyPr wrap="square" rtlCol="0">
+            <a:spAutoFit/>
+          </a:bodyPr>
+          <a:lstStyle/>
+          <a:p>
+            <a:endParaRPr lang="pt-PT" sz="2000" dirty="0"/>
+          </a:p>
+          <a:p>
+            <a:endParaRPr lang="pt-PT" sz="2000" dirty="0" smtClean="0"/>
+          </a:p>
+        </p:txBody>
+      </p:sp>
+      <p:sp>
+        <p:nvSpPr>
+          <p:cNvPr id="6" name="TextBox 5"/>
+          <p:cNvSpPr txBox="1"/>
+          <p:nvPr/>
+        </p:nvSpPr>
+        <p:spPr>
+          <a:xfrm>
+            <a:off x="744055" y="2564904"/>
+            <a:ext cx="7776864" cy="2308324"/>
+          </a:xfrm>
+          <a:prstGeom prst="rect">
+            <a:avLst/>
+          </a:prstGeom>
+          <a:noFill/>
+        </p:spPr>
+        <p:txBody>
+          <a:bodyPr wrap="square" rtlCol="0">
+            <a:spAutoFit/>
+          </a:bodyPr>
+          <a:lstStyle/>
+          <a:p>
+            <a:pPr marL="342900" indent="-342900">
+              <a:buFont typeface="Arial" panose="020B0604020202020204" pitchFamily="34" charset="0"/>
+              <a:buChar char="•"/>
+            </a:pPr>
+            <a:r>
+              <a:rPr lang="pt-PT" sz="2400" dirty="0" smtClean="0"/>
+              <a:t>Actualização </a:t>
+            </a:r>
+            <a:r>
+              <a:rPr lang="pt-PT" sz="2400" dirty="0"/>
+              <a:t>em bazes de dados</a:t>
+            </a:r>
+            <a:r>
+              <a:rPr lang="pt-PT" sz="2400" dirty="0" smtClean="0"/>
+              <a:t> com o status do resultado de execução</a:t>
+            </a:r>
+          </a:p>
+          <a:p>
+            <a:pPr marL="285750" indent="-285750">
+              <a:buFont typeface="Wingdings" panose="05000000000000000000" pitchFamily="2" charset="2"/>
+              <a:buChar char="Ø"/>
+            </a:pPr>
+            <a:endParaRPr lang="pt-PT" sz="2400" dirty="0" smtClean="0"/>
+          </a:p>
+          <a:p>
+            <a:pPr marL="342900" indent="-342900">
+              <a:buFont typeface="Arial" panose="020B0604020202020204" pitchFamily="34" charset="0"/>
+              <a:buChar char="•"/>
+            </a:pPr>
+            <a:r>
+              <a:rPr lang="pt-PT" sz="2400" dirty="0" smtClean="0"/>
+              <a:t>Armazenamento dos resultados em ficheiros</a:t>
+            </a:r>
+          </a:p>
+          <a:p>
+            <a:pPr marL="285750" indent="-285750">
+              <a:buFont typeface="Wingdings" panose="05000000000000000000" pitchFamily="2" charset="2"/>
+              <a:buChar char="Ø"/>
+            </a:pPr>
+            <a:endParaRPr lang="pt-PT" sz="2400" dirty="0" smtClean="0"/>
+          </a:p>
+          <a:p>
+            <a:pPr marL="342900" indent="-342900">
+              <a:buFont typeface="Arial" panose="020B0604020202020204" pitchFamily="34" charset="0"/>
+              <a:buChar char="•"/>
+            </a:pPr>
+            <a:r>
+              <a:rPr lang="pt-PT" sz="2400" dirty="0" smtClean="0"/>
+              <a:t>Notificação</a:t>
+            </a:r>
+            <a:r>
+              <a:rPr lang="pt-PT" sz="2400" dirty="0"/>
+              <a:t> dos resultados</a:t>
+            </a:r>
+            <a:r>
+              <a:rPr lang="pt-PT" sz="2400" dirty="0" smtClean="0"/>
+              <a:t> por email</a:t>
+            </a:r>
+            <a:endParaRPr lang="pt-PT" sz="2400" dirty="0"/>
+          </a:p>
+        </p:txBody>
+      </p:sp>
+    </p:spTree>
+    <p:extLst>
+      <p:ext uri="{BB962C8B-B14F-4D97-AF65-F5344CB8AC3E}">
+        <p14:creationId xmlns:p14="http://schemas.microsoft.com/office/powerpoint/2010/main" val="4209111803"/>
+      </p:ext>
+    </p:extLst>
+  </p:cSld>
+  <p:clrMapOvr>
+    <a:masterClrMapping/>
+  </p:clrMapOvr>
+  <p:timing>
+    <p:tnLst>
+      <p:par>
+        <p:cTn id="1" dur="indefinite" restart="never" nodeType="tmRoot"/>
+      </p:par>
+    </p:tnLst>
+  </p:timing>
+</p:sld>
+</file>
+
+<file path=ppt/slides/slide18.xml><?xml version="1.0" encoding="utf-8"?>
+<p:sld xmlns:a="http://schemas.openxmlformats.org/drawingml/2006/main" xmlns:r="http://schemas.openxmlformats.org/officeDocument/2006/relationships" xmlns:p="http://schemas.openxmlformats.org/presentationml/2006/main">
+  <p:cSld>
+    <p:spTree>
+      <p:nvGrpSpPr>
+        <p:cNvPr id="1" name=""/>
+        <p:cNvGrpSpPr/>
+        <p:nvPr/>
+      </p:nvGrpSpPr>
+      <p:grpSpPr>
+        <a:xfrm>
+          <a:off x="0" y="0"/>
+          <a:ext cx="0" cy="0"/>
+          <a:chOff x="0" y="0"/>
+          <a:chExt cx="0" cy="0"/>
+        </a:xfrm>
+      </p:grpSpPr>
+      <p:sp>
+        <p:nvSpPr>
+          <p:cNvPr id="2" name="Заголовок 1"/>
+          <p:cNvSpPr>
+            <a:spLocks noGrp="1"/>
+          </p:cNvSpPr>
+          <p:nvPr>
+            <p:ph type="ctrTitle"/>
+          </p:nvPr>
+        </p:nvSpPr>
+        <p:spPr>
+          <a:xfrm>
+            <a:off x="755576" y="188640"/>
+            <a:ext cx="7772400" cy="1470025"/>
+          </a:xfrm>
+        </p:spPr>
+        <p:txBody>
+          <a:bodyPr>
+            <a:normAutofit/>
+          </a:bodyPr>
+          <a:lstStyle/>
+          <a:p>
+            <a:r>
+              <a:rPr lang="pt-PT" sz="3000" b="1" dirty="0" smtClean="0">
+                <a:solidFill>
+                  <a:schemeClr val="tx1">
+                    <a:lumMod val="65000"/>
+                    <a:lumOff val="35000"/>
+                  </a:schemeClr>
+                </a:solidFill>
+                <a:effectLst>
+                  <a:outerShdw blurRad="38100" dist="38100" dir="2700000" algn="tl">
+                    <a:srgbClr val="000000">
+                      <a:alpha val="43137"/>
+                    </a:srgbClr>
+                  </a:outerShdw>
+                </a:effectLst>
+                <a:latin typeface="Century Schoolbook (Заголовки)"/>
+              </a:rPr>
+              <a:t>Arquitetura</a:t>
+            </a:r>
+            <a:br>
+              <a:rPr lang="pt-PT" sz="3000" b="1" dirty="0" smtClean="0">
+                <a:solidFill>
+                  <a:schemeClr val="tx1">
+                    <a:lumMod val="65000"/>
+                    <a:lumOff val="35000"/>
+                  </a:schemeClr>
+                </a:solidFill>
+                <a:effectLst>
+                  <a:outerShdw blurRad="38100" dist="38100" dir="2700000" algn="tl">
+                    <a:srgbClr val="000000">
+                      <a:alpha val="43137"/>
+                    </a:srgbClr>
+                  </a:outerShdw>
+                </a:effectLst>
+                <a:latin typeface="Century Schoolbook (Заголовки)"/>
+              </a:rPr>
+            </a:br>
+            <a:r>
+              <a:rPr lang="pt-PT" sz="3200" u="sng" dirty="0"/>
+              <a:t>Componente </a:t>
+            </a:r>
+            <a:r>
+              <a:rPr lang="pt-PT" sz="3200" u="sng" dirty="0" smtClean="0"/>
+              <a:t>Hub</a:t>
+            </a:r>
+            <a:endParaRPr lang="en-US" sz="3000" b="1" dirty="0">
+              <a:solidFill>
+                <a:schemeClr val="tx1">
+                  <a:lumMod val="65000"/>
+                  <a:lumOff val="35000"/>
+                </a:schemeClr>
+              </a:solidFill>
+              <a:effectLst>
+                <a:outerShdw blurRad="38100" dist="38100" dir="2700000" algn="tl">
+                  <a:srgbClr val="000000">
+                    <a:alpha val="43137"/>
+                  </a:srgbClr>
+                </a:outerShdw>
+              </a:effectLst>
+              <a:latin typeface="Century Schoolbook (Заголовки)"/>
+            </a:endParaRPr>
+          </a:p>
+        </p:txBody>
+      </p:sp>
+      <p:sp>
+        <p:nvSpPr>
+          <p:cNvPr id="4" name="CaixaDeTexto 4"/>
+          <p:cNvSpPr txBox="1"/>
+          <p:nvPr/>
+        </p:nvSpPr>
+        <p:spPr>
+          <a:xfrm>
+            <a:off x="1018990" y="1566225"/>
+            <a:ext cx="6912767" cy="707886"/>
+          </a:xfrm>
+          <a:prstGeom prst="rect">
+            <a:avLst/>
+          </a:prstGeom>
+          <a:noFill/>
+        </p:spPr>
+        <p:txBody>
+          <a:bodyPr wrap="square" rtlCol="0">
+            <a:spAutoFit/>
+          </a:bodyPr>
+          <a:lstStyle/>
+          <a:p>
+            <a:endParaRPr lang="pt-PT" sz="2000" dirty="0"/>
+          </a:p>
+          <a:p>
+            <a:endParaRPr lang="pt-PT" sz="2000" dirty="0" smtClean="0"/>
+          </a:p>
+        </p:txBody>
+      </p:sp>
+      <p:pic>
+        <p:nvPicPr>
+          <p:cNvPr id="4098" name="Picture 2"/>
+          <p:cNvPicPr>
+            <a:picLocks noChangeAspect="1" noChangeArrowheads="1"/>
+          </p:cNvPicPr>
+          <p:nvPr/>
+        </p:nvPicPr>
+        <p:blipFill>
+          <a:blip r:embed="rId3">
+            <a:extLst>
+              <a:ext uri="{28A0092B-C50C-407E-A947-70E740481C1C}">
+                <a14:useLocalDpi xmlns:a14="http://schemas.microsoft.com/office/drawing/2010/main" val="0"/>
+              </a:ext>
+            </a:extLst>
+          </a:blip>
+          <a:srcRect/>
+          <a:stretch>
+            <a:fillRect/>
+          </a:stretch>
+        </p:blipFill>
+        <p:spPr bwMode="auto">
+          <a:xfrm>
+            <a:off x="761210" y="2348880"/>
+            <a:ext cx="7444101" cy="3384375"/>
+          </a:xfrm>
+          <a:prstGeom prst="rect">
+            <a:avLst/>
+          </a:prstGeom>
+          <a:noFill/>
+          <a:ln>
+            <a:noFill/>
+          </a:ln>
+          <a:extLst>
+            <a:ext uri="{909E8E84-426E-40DD-AFC4-6F175D3DCCD1}">
+              <a14:hiddenFill xmlns:a14="http://schemas.microsoft.com/office/drawing/2010/main">
+                <a:solidFill>
+                  <a:schemeClr val="accent1"/>
+                </a:solidFill>
+              </a14:hiddenFill>
+            </a:ext>
+            <a:ext uri="{91240B29-F687-4F45-9708-019B960494DF}">
+              <a14:hiddenLine xmlns:a14="http://schemas.microsoft.com/office/drawing/2010/main" w="9525">
+                <a:solidFill>
+                  <a:schemeClr val="tx1"/>
+                </a:solidFill>
+                <a:miter lim="800000"/>
+                <a:headEnd/>
+                <a:tailEnd/>
+              </a14:hiddenLine>
+            </a:ext>
+          </a:extLst>
+        </p:spPr>
+      </p:pic>
+    </p:spTree>
+    <p:extLst>
+      <p:ext uri="{BB962C8B-B14F-4D97-AF65-F5344CB8AC3E}">
+        <p14:creationId xmlns:p14="http://schemas.microsoft.com/office/powerpoint/2010/main" val="2323784157"/>
+      </p:ext>
+    </p:extLst>
+  </p:cSld>
+  <p:clrMapOvr>
+    <a:masterClrMapping/>
+  </p:clrMapOvr>
+  <p:timing>
+    <p:tnLst>
+      <p:par>
+        <p:cTn id="1" dur="indefinite" restart="never" nodeType="tmRoot"/>
+      </p:par>
+    </p:tnLst>
+  </p:timing>
+</p:sld>
+</file>
+
+<file path=ppt/slides/slide19.xml><?xml version="1.0" encoding="utf-8"?>
+<p:sld xmlns:a="http://schemas.openxmlformats.org/drawingml/2006/main" xmlns:r="http://schemas.openxmlformats.org/officeDocument/2006/relationships" xmlns:p="http://schemas.openxmlformats.org/presentationml/2006/main">
+  <p:cSld>
+    <p:spTree>
+      <p:nvGrpSpPr>
+        <p:cNvPr id="1" name=""/>
+        <p:cNvGrpSpPr/>
+        <p:nvPr/>
+      </p:nvGrpSpPr>
+      <p:grpSpPr>
+        <a:xfrm>
+          <a:off x="0" y="0"/>
+          <a:ext cx="0" cy="0"/>
+          <a:chOff x="0" y="0"/>
+          <a:chExt cx="0" cy="0"/>
+        </a:xfrm>
+      </p:grpSpPr>
+      <p:sp>
+        <p:nvSpPr>
+          <p:cNvPr id="2" name="Заголовок 1"/>
+          <p:cNvSpPr>
+            <a:spLocks noGrp="1"/>
+          </p:cNvSpPr>
+          <p:nvPr>
+            <p:ph type="ctrTitle"/>
+          </p:nvPr>
+        </p:nvSpPr>
+        <p:spPr>
+          <a:xfrm>
+            <a:off x="755576" y="188640"/>
+            <a:ext cx="7772400" cy="1470025"/>
+          </a:xfrm>
+        </p:spPr>
+        <p:txBody>
+          <a:bodyPr>
+            <a:normAutofit/>
+          </a:bodyPr>
+          <a:lstStyle/>
+          <a:p>
+            <a:r>
+              <a:rPr lang="pt-PT" sz="3000" b="1" dirty="0" smtClean="0">
+                <a:solidFill>
+                  <a:schemeClr val="tx1">
+                    <a:lumMod val="65000"/>
+                    <a:lumOff val="35000"/>
+                  </a:schemeClr>
+                </a:solidFill>
+                <a:effectLst>
+                  <a:outerShdw blurRad="38100" dist="38100" dir="2700000" algn="tl">
+                    <a:srgbClr val="000000">
+                      <a:alpha val="43137"/>
+                    </a:srgbClr>
+                  </a:outerShdw>
+                </a:effectLst>
+                <a:latin typeface="Century Schoolbook (Заголовки)"/>
+              </a:rPr>
+              <a:t>Arquitetura</a:t>
+            </a:r>
+            <a:br>
+              <a:rPr lang="pt-PT" sz="3000" b="1" dirty="0" smtClean="0">
+                <a:solidFill>
+                  <a:schemeClr val="tx1">
+                    <a:lumMod val="65000"/>
+                    <a:lumOff val="35000"/>
+                  </a:schemeClr>
+                </a:solidFill>
+                <a:effectLst>
+                  <a:outerShdw blurRad="38100" dist="38100" dir="2700000" algn="tl">
+                    <a:srgbClr val="000000">
+                      <a:alpha val="43137"/>
+                    </a:srgbClr>
+                  </a:outerShdw>
+                </a:effectLst>
+                <a:latin typeface="Century Schoolbook (Заголовки)"/>
+              </a:rPr>
+            </a:br>
+            <a:r>
+              <a:rPr lang="pt-PT" sz="3200" u="sng" dirty="0"/>
+              <a:t>Componente </a:t>
+            </a:r>
+            <a:r>
+              <a:rPr lang="pt-PT" sz="3200" u="sng" dirty="0" smtClean="0"/>
+              <a:t>Hub</a:t>
+            </a:r>
+            <a:br>
+              <a:rPr lang="pt-PT" sz="3200" u="sng" dirty="0" smtClean="0"/>
+            </a:br>
+            <a:r>
+              <a:rPr lang="pt-PT" sz="2000" dirty="0" smtClean="0"/>
+              <a:t>Notificação por E-mail</a:t>
+            </a:r>
+            <a:endParaRPr lang="en-US" sz="2000" b="1" dirty="0">
+              <a:solidFill>
+                <a:schemeClr val="tx1">
+                  <a:lumMod val="65000"/>
+                  <a:lumOff val="35000"/>
+                </a:schemeClr>
+              </a:solidFill>
+              <a:effectLst>
+                <a:outerShdw blurRad="38100" dist="38100" dir="2700000" algn="tl">
+                  <a:srgbClr val="000000">
+                    <a:alpha val="43137"/>
+                  </a:srgbClr>
+                </a:outerShdw>
+              </a:effectLst>
+              <a:latin typeface="Century Schoolbook (Заголовки)"/>
+            </a:endParaRPr>
+          </a:p>
+        </p:txBody>
+      </p:sp>
+      <p:sp>
+        <p:nvSpPr>
+          <p:cNvPr id="4" name="CaixaDeTexto 4"/>
+          <p:cNvSpPr txBox="1"/>
+          <p:nvPr/>
+        </p:nvSpPr>
+        <p:spPr>
+          <a:xfrm>
+            <a:off x="1018990" y="1566225"/>
+            <a:ext cx="6912767" cy="707886"/>
+          </a:xfrm>
+          <a:prstGeom prst="rect">
+            <a:avLst/>
+          </a:prstGeom>
+          <a:noFill/>
+        </p:spPr>
+        <p:txBody>
+          <a:bodyPr wrap="square" rtlCol="0">
+            <a:spAutoFit/>
+          </a:bodyPr>
+          <a:lstStyle/>
+          <a:p>
+            <a:endParaRPr lang="pt-PT" sz="2000" dirty="0"/>
+          </a:p>
+          <a:p>
+            <a:endParaRPr lang="pt-PT" sz="2000" dirty="0" smtClean="0"/>
+          </a:p>
+        </p:txBody>
+      </p:sp>
+      <p:pic>
+        <p:nvPicPr>
+          <p:cNvPr id="5122" name="Picture 2"/>
+          <p:cNvPicPr>
+            <a:picLocks noChangeAspect="1" noChangeArrowheads="1"/>
+          </p:cNvPicPr>
+          <p:nvPr/>
+        </p:nvPicPr>
+        <p:blipFill rotWithShape="1">
+          <a:blip r:embed="rId3">
+            <a:extLst>
+              <a:ext uri="{28A0092B-C50C-407E-A947-70E740481C1C}">
+                <a14:useLocalDpi xmlns:a14="http://schemas.microsoft.com/office/drawing/2010/main" val="0"/>
+              </a:ext>
+            </a:extLst>
+          </a:blip>
+          <a:srcRect l="15812" t="26249" r="22889" b="14062"/>
+          <a:stretch/>
+        </p:blipFill>
+        <p:spPr bwMode="auto">
+          <a:xfrm>
+            <a:off x="658292" y="1920912"/>
+            <a:ext cx="7975600" cy="4366332"/>
+          </a:xfrm>
+          <a:prstGeom prst="rect">
+            <a:avLst/>
+          </a:prstGeom>
+          <a:noFill/>
+          <a:ln>
+            <a:noFill/>
+          </a:ln>
+          <a:extLst>
+            <a:ext uri="{909E8E84-426E-40DD-AFC4-6F175D3DCCD1}">
+              <a14:hiddenFill xmlns:a14="http://schemas.microsoft.com/office/drawing/2010/main">
+                <a:solidFill>
+                  <a:schemeClr val="accent1"/>
+                </a:solidFill>
+              </a14:hiddenFill>
+            </a:ext>
+            <a:ext uri="{91240B29-F687-4F45-9708-019B960494DF}">
+              <a14:hiddenLine xmlns:a14="http://schemas.microsoft.com/office/drawing/2010/main" w="9525">
+                <a:solidFill>
+                  <a:schemeClr val="tx1"/>
+                </a:solidFill>
+                <a:miter lim="800000"/>
+                <a:headEnd/>
+                <a:tailEnd/>
+              </a14:hiddenLine>
+            </a:ext>
+          </a:extLst>
+        </p:spPr>
+      </p:pic>
+    </p:spTree>
+    <p:extLst>
+      <p:ext uri="{BB962C8B-B14F-4D97-AF65-F5344CB8AC3E}">
+        <p14:creationId xmlns:p14="http://schemas.microsoft.com/office/powerpoint/2010/main" val="3748933705"/>
+      </p:ext>
+    </p:extLst>
+  </p:cSld>
+  <p:clrMapOvr>
+    <a:masterClrMapping/>
+  </p:clrMapOvr>
+  <p:timing>
+    <p:tnLst>
+      <p:par>
+        <p:cTn id="1" dur="indefinite" restart="never" nodeType="tmRoot"/>
+      </p:par>
+    </p:tnLst>
+  </p:timing>
+</p:sld>
+</file>
+
+<file path=ppt/slides/slide2.xml><?xml version="1.0" encoding="utf-8"?>
+<p:sld xmlns:a="http://schemas.openxmlformats.org/drawingml/2006/main" xmlns:r="http://schemas.openxmlformats.org/officeDocument/2006/relationships" xmlns:p="http://schemas.openxmlformats.org/presentationml/2006/main">
+  <p:cSld>
+    <p:spTree>
+      <p:nvGrpSpPr>
+        <p:cNvPr id="1" name=""/>
+        <p:cNvGrpSpPr/>
+        <p:nvPr/>
+      </p:nvGrpSpPr>
+      <p:grpSpPr>
+        <a:xfrm>
+          <a:off x="0" y="0"/>
+          <a:ext cx="0" cy="0"/>
+          <a:chOff x="0" y="0"/>
+          <a:chExt cx="0" cy="0"/>
+        </a:xfrm>
+      </p:grpSpPr>
+      <p:sp>
+        <p:nvSpPr>
+          <p:cNvPr id="2" name="Заголовок 1"/>
+          <p:cNvSpPr>
+            <a:spLocks noGrp="1"/>
+          </p:cNvSpPr>
+          <p:nvPr>
+            <p:ph type="ctrTitle"/>
+          </p:nvPr>
+        </p:nvSpPr>
+        <p:spPr>
+          <a:xfrm>
+            <a:off x="755576" y="188640"/>
+            <a:ext cx="7772400" cy="1470025"/>
+          </a:xfrm>
+        </p:spPr>
+        <p:txBody>
+          <a:bodyPr>
+            <a:normAutofit/>
+          </a:bodyPr>
+          <a:lstStyle/>
+          <a:p>
+            <a:r>
+              <a:rPr lang="pt-PT" sz="3000" b="1" dirty="0" smtClean="0">
+                <a:solidFill>
+                  <a:schemeClr val="tx1">
+                    <a:lumMod val="65000"/>
+                    <a:lumOff val="35000"/>
+                  </a:schemeClr>
+                </a:solidFill>
+                <a:effectLst>
+                  <a:outerShdw blurRad="38100" dist="38100" dir="2700000" algn="tl">
+                    <a:srgbClr val="000000">
+                      <a:alpha val="43137"/>
+                    </a:srgbClr>
+                  </a:outerShdw>
+                </a:effectLst>
+                <a:latin typeface="Century Schoolbook (Заголовки)"/>
+              </a:rPr>
+              <a:t>Agenda</a:t>
+            </a:r>
+            <a:endParaRPr lang="en-US" sz="3000" b="1" dirty="0">
+              <a:solidFill>
+                <a:schemeClr val="tx1">
+                  <a:lumMod val="65000"/>
+                  <a:lumOff val="35000"/>
+                </a:schemeClr>
+              </a:solidFill>
+              <a:effectLst>
+                <a:outerShdw blurRad="38100" dist="38100" dir="2700000" algn="tl">
+                  <a:srgbClr val="000000">
+                    <a:alpha val="43137"/>
+                  </a:srgbClr>
+                </a:outerShdw>
+              </a:effectLst>
+              <a:latin typeface="Century Schoolbook (Заголовки)"/>
+            </a:endParaRPr>
+          </a:p>
+        </p:txBody>
+      </p:sp>
+      <p:sp>
+        <p:nvSpPr>
+          <p:cNvPr id="4" name="CaixaDeTexto 4"/>
+          <p:cNvSpPr txBox="1"/>
+          <p:nvPr/>
+        </p:nvSpPr>
+        <p:spPr>
+          <a:xfrm>
+            <a:off x="1172879" y="1580844"/>
+            <a:ext cx="6912767" cy="4893647"/>
+          </a:xfrm>
+          <a:prstGeom prst="rect">
+            <a:avLst/>
+          </a:prstGeom>
+          <a:noFill/>
+        </p:spPr>
+        <p:txBody>
+          <a:bodyPr wrap="square" rtlCol="0">
+            <a:spAutoFit/>
+          </a:bodyPr>
+          <a:lstStyle/>
+          <a:p>
+            <a:pPr marL="342900" indent="-342900">
+              <a:buFont typeface="Arial" panose="020B0604020202020204" pitchFamily="34" charset="0"/>
+              <a:buChar char="•"/>
+            </a:pPr>
+            <a:r>
+              <a:rPr lang="pt-PT" sz="2400" dirty="0" smtClean="0"/>
+              <a:t>Enquadramento</a:t>
+            </a:r>
+          </a:p>
+          <a:p>
+            <a:pPr marL="342900" indent="-342900">
+              <a:buFont typeface="Arial" panose="020B0604020202020204" pitchFamily="34" charset="0"/>
+              <a:buChar char="•"/>
+            </a:pPr>
+            <a:r>
+              <a:rPr lang="pt-PT" sz="2400" dirty="0" smtClean="0"/>
+              <a:t>Motivação \ Problema</a:t>
+            </a:r>
+          </a:p>
+          <a:p>
+            <a:pPr marL="342900" indent="-342900">
+              <a:buFont typeface="Arial" panose="020B0604020202020204" pitchFamily="34" charset="0"/>
+              <a:buChar char="•"/>
+            </a:pPr>
+            <a:r>
+              <a:rPr lang="pt-PT" sz="2400" dirty="0" smtClean="0"/>
+              <a:t>Objetivo</a:t>
+            </a:r>
+          </a:p>
+          <a:p>
+            <a:pPr marL="342900" indent="-342900">
+              <a:buFont typeface="Arial" panose="020B0604020202020204" pitchFamily="34" charset="0"/>
+              <a:buChar char="•"/>
+            </a:pPr>
+            <a:r>
+              <a:rPr lang="pt-PT" sz="2400" dirty="0" smtClean="0"/>
+              <a:t>Tecnologias</a:t>
+            </a:r>
+          </a:p>
+          <a:p>
+            <a:pPr marL="342900" indent="-342900">
+              <a:buFont typeface="Arial" panose="020B0604020202020204" pitchFamily="34" charset="0"/>
+              <a:buChar char="•"/>
+            </a:pPr>
+            <a:r>
+              <a:rPr lang="pt-PT" sz="2400" dirty="0" smtClean="0"/>
+              <a:t>Arquitetura</a:t>
+            </a:r>
+            <a:endParaRPr lang="pt-PT" sz="2400" dirty="0"/>
+          </a:p>
+          <a:p>
+            <a:pPr marL="800100" lvl="1" indent="-342900">
+              <a:buFont typeface="Wingdings" panose="05000000000000000000" pitchFamily="2" charset="2"/>
+              <a:buChar char="§"/>
+            </a:pPr>
+            <a:r>
+              <a:rPr lang="pt-PT" sz="2400" dirty="0" smtClean="0"/>
+              <a:t>Componente Web</a:t>
+            </a:r>
+          </a:p>
+          <a:p>
+            <a:pPr marL="800100" lvl="1" indent="-342900">
+              <a:buFont typeface="Wingdings" panose="05000000000000000000" pitchFamily="2" charset="2"/>
+              <a:buChar char="§"/>
+            </a:pPr>
+            <a:r>
+              <a:rPr lang="pt-PT" sz="2400" dirty="0" smtClean="0"/>
+              <a:t>Componente </a:t>
+            </a:r>
+            <a:r>
+              <a:rPr lang="pt-PT" sz="2400" dirty="0" smtClean="0"/>
+              <a:t>Worker</a:t>
+            </a:r>
+          </a:p>
+          <a:p>
+            <a:pPr marL="800100" lvl="1" indent="-342900">
+              <a:buFont typeface="Wingdings" panose="05000000000000000000" pitchFamily="2" charset="2"/>
+              <a:buChar char="§"/>
+            </a:pPr>
+            <a:r>
+              <a:rPr lang="pt-PT" sz="2400" dirty="0" smtClean="0"/>
+              <a:t>Componente Hub</a:t>
+            </a:r>
+          </a:p>
+          <a:p>
+            <a:pPr marL="342900" indent="-342900">
+              <a:buFont typeface="Arial" panose="020B0604020202020204" pitchFamily="34" charset="0"/>
+              <a:buChar char="•"/>
+            </a:pPr>
+            <a:r>
+              <a:rPr lang="pt-PT" sz="2400" dirty="0" smtClean="0"/>
+              <a:t>Demonstração</a:t>
+            </a:r>
+          </a:p>
+          <a:p>
+            <a:pPr marL="342900" indent="-342900">
+              <a:buFont typeface="Arial" panose="020B0604020202020204" pitchFamily="34" charset="0"/>
+              <a:buChar char="•"/>
+            </a:pPr>
+            <a:r>
+              <a:rPr lang="pt-PT" sz="2400" dirty="0"/>
+              <a:t>Conclusão</a:t>
+            </a:r>
+            <a:endParaRPr lang="pt-PT" sz="2400" dirty="0" smtClean="0"/>
+          </a:p>
+          <a:p>
+            <a:pPr marL="742950" lvl="1" indent="-285750">
+              <a:buFont typeface="Wingdings" panose="05000000000000000000" pitchFamily="2" charset="2"/>
+              <a:buChar char="q"/>
+            </a:pPr>
+            <a:endParaRPr lang="pt-PT" dirty="0" smtClean="0"/>
+          </a:p>
+          <a:p>
+            <a:pPr marL="742950" lvl="1" indent="-285750">
+              <a:buFont typeface="Wingdings" panose="05000000000000000000" pitchFamily="2" charset="2"/>
+              <a:buChar char="q"/>
+            </a:pPr>
+            <a:endParaRPr lang="pt-PT" dirty="0" smtClean="0"/>
+          </a:p>
+          <a:p>
+            <a:pPr marL="742950" lvl="1" indent="-285750">
+              <a:buFont typeface="Wingdings" panose="05000000000000000000" pitchFamily="2" charset="2"/>
+              <a:buChar char="q"/>
+            </a:pPr>
+            <a:endParaRPr lang="pt-PT" dirty="0" smtClean="0"/>
+          </a:p>
+          <a:p>
+            <a:pPr marL="742950" lvl="1" indent="-285750">
+              <a:buFont typeface="Wingdings" panose="05000000000000000000" pitchFamily="2" charset="2"/>
+              <a:buChar char="q"/>
+            </a:pPr>
+            <a:endParaRPr lang="pt-PT" dirty="0"/>
+          </a:p>
+        </p:txBody>
+      </p:sp>
+    </p:spTree>
+    <p:extLst>
+      <p:ext uri="{BB962C8B-B14F-4D97-AF65-F5344CB8AC3E}">
+        <p14:creationId xmlns:p14="http://schemas.microsoft.com/office/powerpoint/2010/main" val="2037798387"/>
+      </p:ext>
+    </p:extLst>
+  </p:cSld>
+  <p:clrMapOvr>
+    <a:masterClrMapping/>
+  </p:clrMapOvr>
+  <p:timing>
+    <p:tnLst>
+      <p:par>
+        <p:cTn id="1" dur="indefinite" restart="never" nodeType="tmRoot"/>
+      </p:par>
+    </p:tnLst>
+  </p:timing>
+</p:sld>
+</file>
+
+<file path=ppt/slides/slide20.xml><?xml version="1.0" encoding="utf-8"?>
+<p:sld xmlns:a="http://schemas.openxmlformats.org/drawingml/2006/main" xmlns:r="http://schemas.openxmlformats.org/officeDocument/2006/relationships" xmlns:p="http://schemas.openxmlformats.org/presentationml/2006/main">
+  <p:cSld>
+    <p:spTree>
+      <p:nvGrpSpPr>
+        <p:cNvPr id="1" name=""/>
+        <p:cNvGrpSpPr/>
+        <p:nvPr/>
+      </p:nvGrpSpPr>
+      <p:grpSpPr>
+        <a:xfrm>
+          <a:off x="0" y="0"/>
+          <a:ext cx="0" cy="0"/>
+          <a:chOff x="0" y="0"/>
+          <a:chExt cx="0" cy="0"/>
+        </a:xfrm>
+      </p:grpSpPr>
+      <p:sp>
+        <p:nvSpPr>
+          <p:cNvPr id="2" name="Заголовок 1"/>
+          <p:cNvSpPr>
+            <a:spLocks noGrp="1"/>
+          </p:cNvSpPr>
+          <p:nvPr>
+            <p:ph type="ctrTitle"/>
+          </p:nvPr>
+        </p:nvSpPr>
+        <p:spPr>
+          <a:xfrm>
+            <a:off x="755576" y="188640"/>
+            <a:ext cx="7772400" cy="1470025"/>
+          </a:xfrm>
+        </p:spPr>
+        <p:txBody>
+          <a:bodyPr>
+            <a:normAutofit/>
+          </a:bodyPr>
+          <a:lstStyle/>
+          <a:p>
+            <a:r>
+              <a:rPr lang="pt-PT" sz="3000" b="1" dirty="0" smtClean="0">
+                <a:solidFill>
+                  <a:schemeClr val="tx1">
+                    <a:lumMod val="65000"/>
+                    <a:lumOff val="35000"/>
+                  </a:schemeClr>
+                </a:solidFill>
+                <a:effectLst>
+                  <a:outerShdw blurRad="38100" dist="38100" dir="2700000" algn="tl">
+                    <a:srgbClr val="000000">
+                      <a:alpha val="43137"/>
+                    </a:srgbClr>
+                  </a:outerShdw>
+                </a:effectLst>
+                <a:latin typeface="Century Schoolbook (Заголовки)"/>
+              </a:rPr>
+              <a:t>Demonstração</a:t>
+            </a:r>
+            <a:endParaRPr lang="en-US" sz="3000" b="1" dirty="0">
+              <a:solidFill>
+                <a:schemeClr val="tx1">
+                  <a:lumMod val="65000"/>
+                  <a:lumOff val="35000"/>
+                </a:schemeClr>
+              </a:solidFill>
+              <a:effectLst>
+                <a:outerShdw blurRad="38100" dist="38100" dir="2700000" algn="tl">
+                  <a:srgbClr val="000000">
+                    <a:alpha val="43137"/>
+                  </a:srgbClr>
+                </a:outerShdw>
+              </a:effectLst>
+              <a:latin typeface="Century Schoolbook (Заголовки)"/>
+            </a:endParaRPr>
+          </a:p>
+        </p:txBody>
+      </p:sp>
+      <p:sp>
+        <p:nvSpPr>
+          <p:cNvPr id="3" name="TextBox 2"/>
+          <p:cNvSpPr txBox="1"/>
+          <p:nvPr/>
+        </p:nvSpPr>
+        <p:spPr>
+          <a:xfrm>
+            <a:off x="971600" y="2204864"/>
+            <a:ext cx="7920880" cy="2215991"/>
+          </a:xfrm>
+          <a:prstGeom prst="rect">
+            <a:avLst/>
+          </a:prstGeom>
+          <a:noFill/>
+        </p:spPr>
+        <p:txBody>
+          <a:bodyPr wrap="square" rtlCol="0">
+            <a:spAutoFit/>
+          </a:bodyPr>
+          <a:lstStyle/>
+          <a:p>
+            <a:pPr marL="342900" indent="-342900">
+              <a:buFont typeface="Arial" panose="020B0604020202020204" pitchFamily="34" charset="0"/>
+              <a:buChar char="•"/>
+            </a:pPr>
+            <a:r>
+              <a:rPr lang="pt-PT" sz="2400" dirty="0" smtClean="0"/>
+              <a:t>Interação do Utilizador com o plataforma</a:t>
+            </a:r>
+          </a:p>
+          <a:p>
+            <a:pPr marL="457200" indent="-457200">
+              <a:buFont typeface="Wingdings" panose="05000000000000000000" pitchFamily="2" charset="2"/>
+              <a:buChar char="Ø"/>
+            </a:pPr>
+            <a:endParaRPr lang="pt-PT" sz="2400" dirty="0" smtClean="0"/>
+          </a:p>
+          <a:p>
+            <a:pPr marL="457200" indent="-457200">
+              <a:buFont typeface="Wingdings" panose="05000000000000000000" pitchFamily="2" charset="2"/>
+              <a:buChar char="Ø"/>
+            </a:pPr>
+            <a:endParaRPr lang="pt-PT" sz="2400" dirty="0" smtClean="0"/>
+          </a:p>
+          <a:p>
+            <a:pPr marL="457200" indent="-457200">
+              <a:buFont typeface="Wingdings" panose="05000000000000000000" pitchFamily="2" charset="2"/>
+              <a:buChar char="Ø"/>
+            </a:pPr>
+            <a:endParaRPr lang="pt-PT" sz="2400" dirty="0"/>
+          </a:p>
+          <a:p>
+            <a:pPr marL="342900" indent="-342900">
+              <a:buFont typeface="Arial" panose="020B0604020202020204" pitchFamily="34" charset="0"/>
+              <a:buChar char="•"/>
+            </a:pPr>
+            <a:r>
+              <a:rPr lang="pt-PT" sz="2400" dirty="0" smtClean="0"/>
+              <a:t>Gatilho para execução automática</a:t>
+            </a:r>
+          </a:p>
+          <a:p>
+            <a:endParaRPr lang="en-US" dirty="0"/>
+          </a:p>
+        </p:txBody>
+      </p:sp>
+    </p:spTree>
+    <p:extLst>
+      <p:ext uri="{BB962C8B-B14F-4D97-AF65-F5344CB8AC3E}">
+        <p14:creationId xmlns:p14="http://schemas.microsoft.com/office/powerpoint/2010/main" val="288173113"/>
+      </p:ext>
+    </p:extLst>
+  </p:cSld>
+  <p:clrMapOvr>
+    <a:masterClrMapping/>
+  </p:clrMapOvr>
+  <p:timing>
+    <p:tnLst>
+      <p:par>
+        <p:cTn id="1" dur="indefinite" restart="never" nodeType="tmRoot"/>
+      </p:par>
+    </p:tnLst>
+  </p:timing>
+</p:sld>
+</file>
+
+<file path=ppt/slides/slide21.xml><?xml version="1.0" encoding="utf-8"?>
+<p:sld xmlns:a="http://schemas.openxmlformats.org/drawingml/2006/main" xmlns:r="http://schemas.openxmlformats.org/officeDocument/2006/relationships" xmlns:p="http://schemas.openxmlformats.org/presentationml/2006/main">
+  <p:cSld>
+    <p:spTree>
+      <p:nvGrpSpPr>
+        <p:cNvPr id="1" name=""/>
+        <p:cNvGrpSpPr/>
+        <p:nvPr/>
+      </p:nvGrpSpPr>
+      <p:grpSpPr>
+        <a:xfrm>
+          <a:off x="0" y="0"/>
+          <a:ext cx="0" cy="0"/>
+          <a:chOff x="0" y="0"/>
+          <a:chExt cx="0" cy="0"/>
+        </a:xfrm>
+      </p:grpSpPr>
+      <p:sp>
+        <p:nvSpPr>
           <p:cNvPr id="2" name="Заголовок 1"/>
           <p:cNvSpPr>
             <a:spLocks noGrp="1"/>
@@ -5922,7 +8550,7 @@
           <a:p>
             <a:pPr marL="742950" lvl="1" indent="-285750">
               <a:buFont typeface="Wingdings" panose="05000000000000000000" pitchFamily="2" charset="2"/>
-              <a:buChar char="Ø"/>
+              <a:buChar char="§"/>
             </a:pPr>
             <a:r>
               <a:rPr lang="pt-BR" dirty="0" smtClean="0"/>
@@ -5932,7 +8560,7 @@
           <a:p>
             <a:pPr marL="742950" lvl="1" indent="-285750">
               <a:buFont typeface="Wingdings" panose="05000000000000000000" pitchFamily="2" charset="2"/>
-              <a:buChar char="Ø"/>
+              <a:buChar char="§"/>
             </a:pPr>
             <a:r>
               <a:rPr lang="pt-BR" dirty="0" smtClean="0"/>
@@ -5942,25 +8570,25 @@
           <a:p>
             <a:pPr marL="742950" lvl="1" indent="-285750">
               <a:buFont typeface="Wingdings" panose="05000000000000000000" pitchFamily="2" charset="2"/>
-              <a:buChar char="Ø"/>
-            </a:pPr>
-            <a:r>
-              <a:rPr lang="pt-BR" dirty="0"/>
-              <a:t>Execuções </a:t>
-            </a:r>
+              <a:buChar char="§"/>
+            </a:pPr>
             <a:r>
               <a:rPr lang="pt-BR" dirty="0" smtClean="0"/>
-              <a:t>infinitas por projeto</a:t>
+              <a:t>Execuções infinitas por projeto</a:t>
             </a:r>
           </a:p>
           <a:p>
             <a:pPr marL="742950" lvl="1" indent="-285750">
               <a:buFont typeface="Wingdings" panose="05000000000000000000" pitchFamily="2" charset="2"/>
-              <a:buChar char="Ø"/>
-            </a:pPr>
+              <a:buChar char="§"/>
+            </a:pPr>
+            <a:r>
+              <a:rPr lang="pt-BR" dirty="0" smtClean="0"/>
+              <a:t>Alertas </a:t>
+            </a:r>
             <a:r>
               <a:rPr lang="pt-BR" dirty="0"/>
-              <a:t>Alertas na hora da ocurrencia de </a:t>
+              <a:t>na hora da ocurrencia de </a:t>
             </a:r>
             <a:r>
               <a:rPr lang="pt-BR" dirty="0" smtClean="0"/>
@@ -5981,7 +8609,7 @@
           <a:p>
             <a:pPr marL="742950" lvl="1" indent="-285750">
               <a:buFont typeface="Wingdings" panose="05000000000000000000" pitchFamily="2" charset="2"/>
-              <a:buChar char="Ø"/>
+              <a:buChar char="§"/>
             </a:pPr>
             <a:r>
               <a:rPr lang="pt-BR" dirty="0"/>
@@ -5995,7 +8623,7 @@
           <a:p>
             <a:pPr marL="742950" lvl="1" indent="-285750">
               <a:buFont typeface="Wingdings" panose="05000000000000000000" pitchFamily="2" charset="2"/>
-              <a:buChar char="Ø"/>
+              <a:buChar char="§"/>
             </a:pPr>
             <a:r>
               <a:rPr lang="pt-BR" dirty="0" smtClean="0"/>
@@ -6024,7 +8652,7 @@
           <a:p>
             <a:pPr marL="742950" lvl="1" indent="-285750">
               <a:buFont typeface="Wingdings" panose="05000000000000000000" pitchFamily="2" charset="2"/>
-              <a:buChar char="Ø"/>
+              <a:buChar char="§"/>
             </a:pPr>
             <a:r>
               <a:rPr lang="pt-BR" dirty="0" smtClean="0"/>
@@ -6032,35 +8660,43 @@
             </a:r>
             <a:r>
               <a:rPr lang="pt-BR" dirty="0"/>
-              <a:t>as formas de alerta</a:t>
+              <a:t>as formas de </a:t>
+            </a:r>
+            <a:r>
+              <a:rPr lang="pt-BR" dirty="0" smtClean="0"/>
+              <a:t>alerta</a:t>
             </a:r>
           </a:p>
           <a:p>
             <a:pPr marL="742950" lvl="1" indent="-285750">
               <a:buFont typeface="Wingdings" panose="05000000000000000000" pitchFamily="2" charset="2"/>
-              <a:buChar char="Ø"/>
-            </a:pPr>
+              <a:buChar char="§"/>
+            </a:pPr>
+            <a:r>
+              <a:rPr lang="pt-BR" dirty="0" smtClean="0"/>
+              <a:t>Capacidade </a:t>
+            </a:r>
             <a:r>
               <a:rPr lang="pt-BR" dirty="0"/>
-              <a:t>Capacidade de detetar más práticas de programação e </a:t>
+              <a:t>de detetar más práticas de programação e </a:t>
             </a:r>
             <a:r>
               <a:rPr lang="pt-BR" dirty="0" smtClean="0"/>
-              <a:t>fornecer sugestões como </a:t>
-            </a:r>
-            <a:r>
-              <a:rPr lang="pt-BR" dirty="0"/>
-              <a:t>alternativas.</a:t>
+              <a:t>fornecer sugestões como alternativas.</a:t>
             </a:r>
           </a:p>
           <a:p>
             <a:pPr marL="742950" lvl="1" indent="-285750">
               <a:buFont typeface="Wingdings" panose="05000000000000000000" pitchFamily="2" charset="2"/>
-              <a:buChar char="Ø"/>
-            </a:pPr>
+              <a:buChar char="§"/>
+            </a:pPr>
+            <a:r>
+              <a:rPr lang="pt-BR" dirty="0" smtClean="0"/>
+              <a:t>Sistema </a:t>
+            </a:r>
             <a:r>
               <a:rPr lang="pt-BR" dirty="0"/>
-              <a:t>Sistema de cobrança (faturação) </a:t>
+              <a:t>de cobrança (faturação) </a:t>
             </a:r>
             <a:r>
               <a:rPr lang="pt-BR" dirty="0" smtClean="0"/>
@@ -6101,7 +8737,7 @@
 </p:sld>
 </file>
 
-<file path=ppt/slides/slide14.xml><?xml version="1.0" encoding="utf-8"?>
+<file path=ppt/slides/slide22.xml><?xml version="1.0" encoding="utf-8"?>
 <p:sld xmlns:a="http://schemas.openxmlformats.org/drawingml/2006/main" xmlns:r="http://schemas.openxmlformats.org/officeDocument/2006/relationships" xmlns:p="http://schemas.openxmlformats.org/presentationml/2006/main">
   <p:cSld>
     <p:spTree>
@@ -6620,276 +9256,6 @@
 </p:sld>
 </file>
 
-<file path=ppt/slides/slide2.xml><?xml version="1.0" encoding="utf-8"?>
-<p:sld xmlns:a="http://schemas.openxmlformats.org/drawingml/2006/main" xmlns:r="http://schemas.openxmlformats.org/officeDocument/2006/relationships" xmlns:p="http://schemas.openxmlformats.org/presentationml/2006/main">
-  <p:cSld>
-    <p:spTree>
-      <p:nvGrpSpPr>
-        <p:cNvPr id="1" name=""/>
-        <p:cNvGrpSpPr/>
-        <p:nvPr/>
-      </p:nvGrpSpPr>
-      <p:grpSpPr>
-        <a:xfrm>
-          <a:off x="0" y="0"/>
-          <a:ext cx="0" cy="0"/>
-          <a:chOff x="0" y="0"/>
-          <a:chExt cx="0" cy="0"/>
-        </a:xfrm>
-      </p:grpSpPr>
-      <p:sp>
-        <p:nvSpPr>
-          <p:cNvPr id="2" name="Заголовок 1"/>
-          <p:cNvSpPr>
-            <a:spLocks noGrp="1"/>
-          </p:cNvSpPr>
-          <p:nvPr>
-            <p:ph type="ctrTitle"/>
-          </p:nvPr>
-        </p:nvSpPr>
-        <p:spPr>
-          <a:xfrm>
-            <a:off x="755576" y="188640"/>
-            <a:ext cx="7772400" cy="1470025"/>
-          </a:xfrm>
-        </p:spPr>
-        <p:txBody>
-          <a:bodyPr>
-            <a:normAutofit/>
-          </a:bodyPr>
-          <a:lstStyle/>
-          <a:p>
-            <a:r>
-              <a:rPr lang="pt-PT" sz="3000" b="1" dirty="0" smtClean="0">
-                <a:solidFill>
-                  <a:schemeClr val="tx1">
-                    <a:lumMod val="65000"/>
-                    <a:lumOff val="35000"/>
-                  </a:schemeClr>
-                </a:solidFill>
-                <a:effectLst>
-                  <a:outerShdw blurRad="38100" dist="38100" dir="2700000" algn="tl">
-                    <a:srgbClr val="000000">
-                      <a:alpha val="43137"/>
-                    </a:srgbClr>
-                  </a:outerShdw>
-                </a:effectLst>
-                <a:latin typeface="Century Schoolbook (Заголовки)"/>
-              </a:rPr>
-              <a:t>Agenda</a:t>
-            </a:r>
-            <a:endParaRPr lang="en-US" sz="3000" b="1" dirty="0">
-              <a:solidFill>
-                <a:schemeClr val="tx1">
-                  <a:lumMod val="65000"/>
-                  <a:lumOff val="35000"/>
-                </a:schemeClr>
-              </a:solidFill>
-              <a:effectLst>
-                <a:outerShdw blurRad="38100" dist="38100" dir="2700000" algn="tl">
-                  <a:srgbClr val="000000">
-                    <a:alpha val="43137"/>
-                  </a:srgbClr>
-                </a:outerShdw>
-              </a:effectLst>
-              <a:latin typeface="Century Schoolbook (Заголовки)"/>
-            </a:endParaRPr>
-          </a:p>
-        </p:txBody>
-      </p:sp>
-      <p:sp>
-        <p:nvSpPr>
-          <p:cNvPr id="4" name="CaixaDeTexto 4"/>
-          <p:cNvSpPr txBox="1"/>
-          <p:nvPr/>
-        </p:nvSpPr>
-        <p:spPr>
-          <a:xfrm>
-            <a:off x="1172879" y="1580844"/>
-            <a:ext cx="6912767" cy="5632311"/>
-          </a:xfrm>
-          <a:prstGeom prst="rect">
-            <a:avLst/>
-          </a:prstGeom>
-          <a:noFill/>
-        </p:spPr>
-        <p:txBody>
-          <a:bodyPr wrap="square" rtlCol="0">
-            <a:spAutoFit/>
-          </a:bodyPr>
-          <a:lstStyle/>
-          <a:p>
-            <a:pPr marL="285750" indent="-285750">
-              <a:buFont typeface="Wingdings" panose="05000000000000000000" pitchFamily="2" charset="2"/>
-              <a:buChar char="Ø"/>
-            </a:pPr>
-            <a:r>
-              <a:rPr lang="pt-PT" sz="2400" dirty="0" smtClean="0"/>
-              <a:t>Enquadramento</a:t>
-            </a:r>
-          </a:p>
-          <a:p>
-            <a:pPr marL="285750" indent="-285750">
-              <a:buFont typeface="Wingdings" panose="05000000000000000000" pitchFamily="2" charset="2"/>
-              <a:buChar char="Ø"/>
-            </a:pPr>
-            <a:r>
-              <a:rPr lang="pt-PT" sz="2400" dirty="0" smtClean="0"/>
-              <a:t>Motivação \ Problema</a:t>
-            </a:r>
-          </a:p>
-          <a:p>
-            <a:pPr marL="285750" indent="-285750">
-              <a:buFont typeface="Wingdings" panose="05000000000000000000" pitchFamily="2" charset="2"/>
-              <a:buChar char="Ø"/>
-            </a:pPr>
-            <a:r>
-              <a:rPr lang="pt-PT" sz="2400" dirty="0" smtClean="0"/>
-              <a:t>Objetivo</a:t>
-            </a:r>
-          </a:p>
-          <a:p>
-            <a:pPr marL="285750" indent="-285750">
-              <a:buFont typeface="Wingdings" panose="05000000000000000000" pitchFamily="2" charset="2"/>
-              <a:buChar char="Ø"/>
-            </a:pPr>
-            <a:r>
-              <a:rPr lang="pt-PT" sz="2400" dirty="0" smtClean="0"/>
-              <a:t>Solução</a:t>
-            </a:r>
-          </a:p>
-          <a:p>
-            <a:pPr marL="285750" indent="-285750">
-              <a:buFont typeface="Wingdings" panose="05000000000000000000" pitchFamily="2" charset="2"/>
-              <a:buChar char="Ø"/>
-            </a:pPr>
-            <a:r>
-              <a:rPr lang="pt-PT" sz="2400" dirty="0" smtClean="0"/>
-              <a:t>Arquitetura</a:t>
-            </a:r>
-            <a:endParaRPr lang="pt-PT" sz="2400" dirty="0"/>
-          </a:p>
-          <a:p>
-            <a:pPr marL="742950" lvl="1" indent="-285750">
-              <a:buFont typeface="Wingdings" panose="05000000000000000000" pitchFamily="2" charset="2"/>
-              <a:buChar char="q"/>
-            </a:pPr>
-            <a:r>
-              <a:rPr lang="pt-PT" sz="2400" dirty="0" smtClean="0"/>
-              <a:t>Componente Web</a:t>
-            </a:r>
-          </a:p>
-          <a:p>
-            <a:pPr marL="1200150" lvl="2" indent="-285750">
-              <a:buFont typeface="Wingdings" panose="05000000000000000000" pitchFamily="2" charset="2"/>
-              <a:buChar char="ü"/>
-            </a:pPr>
-            <a:r>
-              <a:rPr lang="pt-PT" sz="2400" dirty="0" smtClean="0"/>
-              <a:t>Plataforma do utilizador</a:t>
-            </a:r>
-          </a:p>
-          <a:p>
-            <a:pPr marL="1200150" lvl="2" indent="-285750">
-              <a:buFont typeface="Wingdings" panose="05000000000000000000" pitchFamily="2" charset="2"/>
-              <a:buChar char="ü"/>
-            </a:pPr>
-            <a:r>
-              <a:rPr lang="pt-PT" sz="2400" dirty="0" smtClean="0"/>
-              <a:t>Plataforma do administrador</a:t>
-            </a:r>
-          </a:p>
-          <a:p>
-            <a:pPr marL="742950" lvl="1" indent="-285750">
-              <a:buFont typeface="Wingdings" panose="05000000000000000000" pitchFamily="2" charset="2"/>
-              <a:buChar char="q"/>
-            </a:pPr>
-            <a:r>
-              <a:rPr lang="pt-PT" sz="2400" dirty="0" smtClean="0"/>
-              <a:t>Componente Worker</a:t>
-            </a:r>
-          </a:p>
-          <a:p>
-            <a:pPr marL="742950" lvl="1" indent="-285750">
-              <a:buFont typeface="Wingdings" panose="05000000000000000000" pitchFamily="2" charset="2"/>
-              <a:buChar char="q"/>
-            </a:pPr>
-            <a:r>
-              <a:rPr lang="pt-PT" sz="2400" dirty="0" smtClean="0"/>
-              <a:t>Componente Hub</a:t>
-            </a:r>
-          </a:p>
-          <a:p>
-            <a:pPr marL="285750" indent="-285750">
-              <a:buFont typeface="Wingdings" panose="05000000000000000000" pitchFamily="2" charset="2"/>
-              <a:buChar char="Ø"/>
-            </a:pPr>
-            <a:r>
-              <a:rPr lang="pt-PT" sz="2400" dirty="0" smtClean="0"/>
-              <a:t>Demonstração</a:t>
-            </a:r>
-          </a:p>
-          <a:p>
-            <a:pPr marL="285750" indent="-285750">
-              <a:buFont typeface="Wingdings" panose="05000000000000000000" pitchFamily="2" charset="2"/>
-              <a:buChar char="Ø"/>
-            </a:pPr>
-            <a:r>
-              <a:rPr lang="pt-PT" sz="2400" dirty="0"/>
-              <a:t>Conclusão</a:t>
-            </a:r>
-            <a:endParaRPr lang="pt-PT" sz="2400" dirty="0" smtClean="0"/>
-          </a:p>
-          <a:p>
-            <a:pPr marL="742950" lvl="1" indent="-285750">
-              <a:buFont typeface="Wingdings" panose="05000000000000000000" pitchFamily="2" charset="2"/>
-              <a:buChar char="q"/>
-            </a:pPr>
-            <a:endParaRPr lang="pt-PT" dirty="0" smtClean="0"/>
-          </a:p>
-          <a:p>
-            <a:pPr marL="742950" lvl="1" indent="-285750">
-              <a:buFont typeface="Wingdings" panose="05000000000000000000" pitchFamily="2" charset="2"/>
-              <a:buChar char="q"/>
-            </a:pPr>
-            <a:endParaRPr lang="pt-PT" dirty="0" smtClean="0"/>
-          </a:p>
-          <a:p>
-            <a:pPr marL="742950" lvl="1" indent="-285750">
-              <a:buFont typeface="Wingdings" panose="05000000000000000000" pitchFamily="2" charset="2"/>
-              <a:buChar char="q"/>
-            </a:pPr>
-            <a:endParaRPr lang="pt-PT" dirty="0" smtClean="0"/>
-          </a:p>
-          <a:p>
-            <a:pPr marL="742950" lvl="1" indent="-285750">
-              <a:buFont typeface="Wingdings" panose="05000000000000000000" pitchFamily="2" charset="2"/>
-              <a:buChar char="q"/>
-            </a:pPr>
-            <a:endParaRPr lang="pt-PT" dirty="0"/>
-          </a:p>
-        </p:txBody>
-      </p:sp>
-    </p:spTree>
-    <p:extLst>
-      <p:ext uri="{BB962C8B-B14F-4D97-AF65-F5344CB8AC3E}">
-        <p14:creationId xmlns:p14="http://schemas.microsoft.com/office/powerpoint/2010/main" val="2037798387"/>
-      </p:ext>
-    </p:extLst>
-  </p:cSld>
-  <p:clrMapOvr>
-    <a:masterClrMapping/>
-  </p:clrMapOvr>
-  <p:timing>
-    <p:tnLst>
-      <p:par>
-        <p:cTn id="1" dur="indefinite" restart="never" nodeType="tmRoot"/>
-      </p:par>
-    </p:tnLst>
-  </p:timing>
-</p:sld>
-</file>
-
 <file path=ppt/slides/slide3.xml><?xml version="1.0" encoding="utf-8"?>
 <p:sld xmlns:a="http://schemas.openxmlformats.org/drawingml/2006/main" xmlns:r="http://schemas.openxmlformats.org/officeDocument/2006/relationships" xmlns:p="http://schemas.openxmlformats.org/presentationml/2006/main">
   <p:cSld>
@@ -6967,9 +9333,92 @@
           </a:p>
         </p:txBody>
       </p:sp>
+      <p:sp>
+        <p:nvSpPr>
+          <p:cNvPr id="6" name="CaixaDeTexto 4"/>
+          <p:cNvSpPr txBox="1"/>
+          <p:nvPr/>
+        </p:nvSpPr>
+        <p:spPr>
+          <a:xfrm>
+            <a:off x="179512" y="1268760"/>
+            <a:ext cx="3975185" cy="3785652"/>
+          </a:xfrm>
+          <a:prstGeom prst="rect">
+            <a:avLst/>
+          </a:prstGeom>
+          <a:noFill/>
+        </p:spPr>
+        <p:txBody>
+          <a:bodyPr wrap="square" rtlCol="0">
+            <a:spAutoFit/>
+          </a:bodyPr>
+          <a:lstStyle/>
+          <a:p>
+            <a:pPr marL="285750" indent="-285750">
+              <a:buFont typeface="Wingdings" panose="05000000000000000000" pitchFamily="2" charset="2"/>
+              <a:buChar char="Ø"/>
+            </a:pPr>
+            <a:endParaRPr lang="pt-PT" sz="3200" dirty="0" smtClean="0"/>
+          </a:p>
+          <a:p>
+            <a:r>
+              <a:rPr lang="pt-PT" sz="3200" dirty="0" smtClean="0"/>
+              <a:t>Integração Continua</a:t>
+            </a:r>
+          </a:p>
+          <a:p>
+            <a:endParaRPr lang="pt-PT" sz="3200" dirty="0" smtClean="0"/>
+          </a:p>
+          <a:p>
+            <a:pPr marL="800100" lvl="1" indent="-342900">
+              <a:buFont typeface="Arial" panose="020B0604020202020204" pitchFamily="34" charset="0"/>
+              <a:buChar char="•"/>
+            </a:pPr>
+            <a:r>
+              <a:rPr lang="pt-PT" sz="2400" dirty="0" smtClean="0"/>
+              <a:t>Controle </a:t>
+            </a:r>
+            <a:r>
+              <a:rPr lang="pt-PT" sz="2400" dirty="0"/>
+              <a:t>de </a:t>
+            </a:r>
+            <a:r>
+              <a:rPr lang="pt-PT" sz="2400" dirty="0" smtClean="0"/>
+              <a:t>versões Git</a:t>
+            </a:r>
+          </a:p>
+          <a:p>
+            <a:pPr marL="800100" lvl="1" indent="-342900">
+              <a:buFont typeface="Wingdings" panose="05000000000000000000" pitchFamily="2" charset="2"/>
+              <a:buChar char="q"/>
+            </a:pPr>
+            <a:endParaRPr lang="pt-PT" sz="2400" dirty="0" smtClean="0"/>
+          </a:p>
+          <a:p>
+            <a:pPr marL="800100" lvl="1" indent="-342900">
+              <a:buFont typeface="Arial" panose="020B0604020202020204" pitchFamily="34" charset="0"/>
+              <a:buChar char="•"/>
+            </a:pPr>
+            <a:r>
+              <a:rPr lang="pt-PT" sz="2400" dirty="0" smtClean="0"/>
+              <a:t>Construção e Testes</a:t>
+            </a:r>
+          </a:p>
+          <a:p>
+            <a:endParaRPr lang="pt-PT" sz="2400" dirty="0"/>
+          </a:p>
+          <a:p>
+            <a:endParaRPr lang="pt-PT" sz="2400" dirty="0" smtClean="0"/>
+          </a:p>
+          <a:p>
+            <a:endParaRPr lang="pt-PT" sz="2400" dirty="0" smtClean="0"/>
+          </a:p>
+        </p:txBody>
+      </p:sp>
       <p:pic>
         <p:nvPicPr>
-          <p:cNvPr id="3" name="Picture 2"/>
+          <p:cNvPr id="5" name="Picture 2" descr="C:\Users\Iurie\Desktop\ISEL_PROJ\CIAAS\DOC\build_test_deploy.png"/>
           <p:cNvPicPr>
             <a:picLocks noChangeAspect="1" noChangeArrowheads="1"/>
           </p:cNvPicPr>
@@ -6990,125 +9439,24 @@
         </p:blipFill>
         <p:spPr bwMode="auto">
           <a:xfrm>
-            <a:off x="3947018" y="2924944"/>
-            <a:ext cx="4950870" cy="3721993"/>
+            <a:off x="1475655" y="4375660"/>
+            <a:ext cx="6542881" cy="1967977"/>
           </a:xfrm>
           <a:prstGeom prst="rect">
             <a:avLst/>
           </a:prstGeom>
           <a:noFill/>
-          <a:ln>
-            <a:noFill/>
-          </a:ln>
           <a:extLst>
             <a:ext uri="{909E8E84-426E-40DD-AFC4-6F175D3DCCD1}">
               <a14:hiddenFill xmlns:a14="http://schemas.microsoft.com/office/drawing/2010/main">
                 <a:solidFill>
-                  <a:schemeClr val="accent1"/>
+                  <a:srgbClr val="FFFFFF"/>
                 </a:solidFill>
               </a14:hiddenFill>
-            </a:ext>
-            <a:ext uri="{91240B29-F687-4F45-9708-019B960494DF}">
-              <a14:hiddenLine xmlns:a14="http://schemas.microsoft.com/office/drawing/2010/main" w="9525">
-                <a:solidFill>
-                  <a:schemeClr val="tx1"/>
-                </a:solidFill>
-                <a:miter lim="800000"/>
-                <a:headEnd/>
-                <a:tailEnd/>
-              </a14:hiddenLine>
             </a:ext>
           </a:extLst>
         </p:spPr>
       </p:pic>
-      <p:sp>
-        <p:nvSpPr>
-          <p:cNvPr id="6" name="CaixaDeTexto 4"/>
-          <p:cNvSpPr txBox="1"/>
-          <p:nvPr/>
-        </p:nvSpPr>
-        <p:spPr>
-          <a:xfrm>
-            <a:off x="179512" y="1700808"/>
-            <a:ext cx="3975185" cy="3785652"/>
-          </a:xfrm>
-          <a:prstGeom prst="rect">
-            <a:avLst/>
-          </a:prstGeom>
-          <a:noFill/>
-        </p:spPr>
-        <p:txBody>
-          <a:bodyPr wrap="square" rtlCol="0">
-            <a:spAutoFit/>
-          </a:bodyPr>
-          <a:lstStyle/>
-          <a:p>
-            <a:pPr marL="285750" indent="-285750">
-              <a:buFont typeface="Wingdings" panose="05000000000000000000" pitchFamily="2" charset="2"/>
-              <a:buChar char="Ø"/>
-            </a:pPr>
-            <a:endParaRPr lang="pt-PT" sz="3200" dirty="0" smtClean="0"/>
-          </a:p>
-          <a:p>
-            <a:r>
-              <a:rPr lang="pt-PT" sz="3200" dirty="0" smtClean="0"/>
-              <a:t>Integração </a:t>
-            </a:r>
-            <a:r>
-              <a:rPr lang="pt-PT" sz="3200" dirty="0" smtClean="0"/>
-              <a:t>Continua</a:t>
-            </a:r>
-            <a:endParaRPr lang="pt-PT" sz="3200" dirty="0" smtClean="0"/>
-          </a:p>
-          <a:p>
-            <a:endParaRPr lang="pt-PT" sz="3200" dirty="0" smtClean="0"/>
-          </a:p>
-          <a:p>
-            <a:pPr marL="800100" lvl="1" indent="-342900">
-              <a:buFont typeface="Wingdings" panose="05000000000000000000" pitchFamily="2" charset="2"/>
-              <a:buChar char="q"/>
-            </a:pPr>
-            <a:r>
-              <a:rPr lang="pt-PT" sz="2400" dirty="0" smtClean="0"/>
-              <a:t>Controle </a:t>
-            </a:r>
-            <a:r>
-              <a:rPr lang="pt-PT" sz="2400" dirty="0"/>
-              <a:t>de </a:t>
-            </a:r>
-            <a:r>
-              <a:rPr lang="pt-PT" sz="2400" dirty="0" smtClean="0"/>
-              <a:t>versões Git</a:t>
-            </a:r>
-          </a:p>
-          <a:p>
-            <a:pPr marL="800100" lvl="1" indent="-342900">
-              <a:buFont typeface="Wingdings" panose="05000000000000000000" pitchFamily="2" charset="2"/>
-              <a:buChar char="q"/>
-            </a:pPr>
-            <a:endParaRPr lang="pt-PT" sz="2400" dirty="0" smtClean="0"/>
-          </a:p>
-          <a:p>
-            <a:pPr marL="800100" lvl="1" indent="-342900">
-              <a:buFont typeface="Wingdings" panose="05000000000000000000" pitchFamily="2" charset="2"/>
-              <a:buChar char="q"/>
-            </a:pPr>
-            <a:r>
-              <a:rPr lang="pt-PT" sz="2400" dirty="0" smtClean="0"/>
-              <a:t>Construção e Testes</a:t>
-            </a:r>
-          </a:p>
-          <a:p>
-            <a:endParaRPr lang="pt-PT" sz="2400" dirty="0"/>
-          </a:p>
-          <a:p>
-            <a:endParaRPr lang="pt-PT" sz="2400" dirty="0" smtClean="0"/>
-          </a:p>
-          <a:p>
-            <a:endParaRPr lang="pt-PT" sz="2400" dirty="0" smtClean="0"/>
-          </a:p>
-        </p:txBody>
-      </p:sp>
     </p:spTree>
     <p:extLst>
       <p:ext uri="{BB962C8B-B14F-4D97-AF65-F5344CB8AC3E}">
@@ -7231,14 +9579,21 @@
             <a:endParaRPr lang="pt-PT" sz="2400" dirty="0"/>
           </a:p>
           <a:p>
+            <a:pPr marL="342900" indent="-342900">
+              <a:buFont typeface="Arial" panose="020B0604020202020204" pitchFamily="34" charset="0"/>
+              <a:buChar char="•"/>
+            </a:pPr>
+            <a:r>
+              <a:rPr lang="pt-PT" sz="2400" dirty="0" smtClean="0"/>
+              <a:t> Compilação e testes diários de código</a:t>
+            </a:r>
+          </a:p>
+          <a:p>
             <a:pPr marL="285750" indent="-285750">
               <a:buFont typeface="Wingdings" panose="05000000000000000000" pitchFamily="2" charset="2"/>
               <a:buChar char="Ø"/>
             </a:pPr>
-            <a:r>
-              <a:rPr lang="pt-PT" sz="2400" dirty="0" smtClean="0"/>
-              <a:t> Compilação e testes diários de código</a:t>
-            </a:r>
+            <a:endParaRPr lang="pt-PT" sz="2400" dirty="0" smtClean="0"/>
           </a:p>
           <a:p>
             <a:pPr marL="285750" indent="-285750">
@@ -7255,16 +9610,9 @@
             <a:endParaRPr lang="pt-PT" sz="2400" dirty="0" smtClean="0"/>
           </a:p>
           <a:p>
-            <a:pPr marL="285750" indent="-285750">
-              <a:buFont typeface="Wingdings" panose="05000000000000000000" pitchFamily="2" charset="2"/>
-              <a:buChar char="Ø"/>
-            </a:pPr>
-            <a:endParaRPr lang="pt-PT" sz="2400" dirty="0" smtClean="0"/>
-          </a:p>
-          <a:p>
-            <a:pPr marL="285750" indent="-285750">
-              <a:buFont typeface="Wingdings" panose="05000000000000000000" pitchFamily="2" charset="2"/>
-              <a:buChar char="Ø"/>
+            <a:pPr marL="342900" indent="-342900">
+              <a:buFont typeface="Arial" panose="020B0604020202020204" pitchFamily="34" charset="0"/>
+              <a:buChar char="•"/>
             </a:pPr>
             <a:r>
               <a:rPr lang="pt-PT" sz="2400" dirty="0" smtClean="0"/>
@@ -7380,60 +9728,6 @@
           </a:p>
         </p:txBody>
       </p:sp>
-      <p:pic>
-        <p:nvPicPr>
-          <p:cNvPr id="5" name="Picture 2"/>
-          <p:cNvPicPr>
-            <a:picLocks noChangeAspect="1" noChangeArrowheads="1"/>
-          </p:cNvPicPr>
-          <p:nvPr/>
-        </p:nvPicPr>
-        <p:blipFill>
-          <a:blip r:embed="rId3">
-            <a:extLst>
-              <a:ext uri="{28A0092B-C50C-407E-A947-70E740481C1C}">
-                <a14:useLocalDpi xmlns:a14="http://schemas.microsoft.com/office/drawing/2010/main" val="0"/>
-              </a:ext>
-            </a:extLst>
-          </a:blip>
-          <a:srcRect/>
-          <a:stretch>
-            <a:fillRect/>
-          </a:stretch>
-        </p:blipFill>
-        <p:spPr bwMode="auto">
-          <a:xfrm>
-            <a:off x="3419872" y="2248702"/>
-            <a:ext cx="5467294" cy="4221451"/>
-          </a:xfrm>
-          <a:prstGeom prst="rect">
-            <a:avLst/>
-          </a:prstGeom>
-          <a:noFill/>
-          <a:ln>
-            <a:noFill/>
-          </a:ln>
-          <a:extLst>
-            <a:ext uri="{909E8E84-426E-40DD-AFC4-6F175D3DCCD1}">
-              <a14:hiddenFill xmlns:a14="http://schemas.microsoft.com/office/drawing/2010/main">
-                <a:solidFill>
-                  <a:schemeClr val="accent1"/>
-                </a:solidFill>
-              </a14:hiddenFill>
-            </a:ext>
-            <a:ext uri="{91240B29-F687-4F45-9708-019B960494DF}">
-              <a14:hiddenLine xmlns:a14="http://schemas.microsoft.com/office/drawing/2010/main" w="9525">
-                <a:solidFill>
-                  <a:schemeClr val="tx1"/>
-                </a:solidFill>
-                <a:miter lim="800000"/>
-                <a:headEnd/>
-                <a:tailEnd/>
-              </a14:hiddenLine>
-            </a:ext>
-          </a:extLst>
-        </p:spPr>
-      </p:pic>
       <p:sp>
         <p:nvSpPr>
           <p:cNvPr id="6" name="CaixaDeTexto 4"/>
@@ -7442,8 +9736,8 @@
         </p:nvSpPr>
         <p:spPr>
           <a:xfrm>
-            <a:off x="251520" y="1916832"/>
-            <a:ext cx="8136904" cy="2308324"/>
+            <a:off x="237868" y="2348880"/>
+            <a:ext cx="8136904" cy="1938992"/>
           </a:xfrm>
           <a:prstGeom prst="rect">
             <a:avLst/>
@@ -7457,8 +9751,8 @@
           <a:lstStyle/>
           <a:p>
             <a:pPr marL="457200" indent="-457200">
-              <a:buFont typeface="Wingdings" panose="05000000000000000000" pitchFamily="2" charset="2"/>
-              <a:buChar char="Ø"/>
+              <a:buFont typeface="Arial" panose="020B0604020202020204" pitchFamily="34" charset="0"/>
+              <a:buChar char="•"/>
             </a:pPr>
             <a:r>
               <a:rPr lang="pt-PT" sz="2400" dirty="0" smtClean="0"/>
@@ -7466,39 +9760,33 @@
             </a:r>
           </a:p>
           <a:p>
-            <a:endParaRPr lang="pt-PT" sz="2400" dirty="0" smtClean="0"/>
-          </a:p>
-          <a:p>
             <a:pPr marL="457200" indent="-457200">
-              <a:buFont typeface="Wingdings" panose="05000000000000000000" pitchFamily="2" charset="2"/>
-              <a:buChar char="Ø"/>
+              <a:buFont typeface="Arial" panose="020B0604020202020204" pitchFamily="34" charset="0"/>
+              <a:buChar char="•"/>
+            </a:pPr>
+            <a:endParaRPr lang="pt-PT" sz="2400" dirty="0"/>
+          </a:p>
+          <a:p>
+            <a:pPr marL="457200" indent="-457200">
+              <a:buFont typeface="Arial" panose="020B0604020202020204" pitchFamily="34" charset="0"/>
+              <a:buChar char="•"/>
             </a:pPr>
             <a:r>
               <a:rPr lang="pt-PT" sz="2400" dirty="0" smtClean="0"/>
-              <a:t>Ambientes Linux à medida, isolados </a:t>
-            </a:r>
-          </a:p>
-          <a:p>
-            <a:r>
-              <a:rPr lang="pt-PT" sz="2400" dirty="0"/>
-              <a:t> </a:t>
-            </a:r>
-            <a:r>
-              <a:rPr lang="pt-PT" sz="2400" dirty="0" smtClean="0"/>
-              <a:t>     para execução.</a:t>
+              <a:t>Ambientes Linux à medida, isolados para execução.</a:t>
             </a:r>
           </a:p>
           <a:p>
             <a:pPr marL="457200" indent="-457200">
-              <a:buFont typeface="Wingdings" panose="05000000000000000000" pitchFamily="2" charset="2"/>
-              <a:buChar char="Ø"/>
+              <a:buFont typeface="Arial" panose="020B0604020202020204" pitchFamily="34" charset="0"/>
+              <a:buChar char="•"/>
             </a:pPr>
             <a:endParaRPr lang="pt-PT" sz="2400" dirty="0"/>
           </a:p>
           <a:p>
             <a:pPr marL="457200" indent="-457200">
-              <a:buFont typeface="Wingdings" panose="05000000000000000000" pitchFamily="2" charset="2"/>
-              <a:buChar char="Ø"/>
+              <a:buFont typeface="Arial" panose="020B0604020202020204" pitchFamily="34" charset="0"/>
+              <a:buChar char="•"/>
             </a:pPr>
             <a:r>
               <a:rPr lang="pt-PT" sz="2400" dirty="0" smtClean="0"/>
@@ -7544,69 +9832,9 @@
           <a:chExt cx="0" cy="0"/>
         </a:xfrm>
       </p:grpSpPr>
-      <p:sp>
-        <p:nvSpPr>
-          <p:cNvPr id="2" name="Заголовок 1"/>
-          <p:cNvSpPr>
-            <a:spLocks noGrp="1"/>
-          </p:cNvSpPr>
-          <p:nvPr>
-            <p:ph type="ctrTitle"/>
-          </p:nvPr>
-        </p:nvSpPr>
-        <p:spPr>
-          <a:xfrm>
-            <a:off x="755576" y="188640"/>
-            <a:ext cx="7772400" cy="1470025"/>
-          </a:xfrm>
-        </p:spPr>
-        <p:txBody>
-          <a:bodyPr>
-            <a:normAutofit/>
-          </a:bodyPr>
-          <a:lstStyle/>
-          <a:p>
-            <a:r>
-              <a:rPr lang="pt-PT" sz="3000" b="1" dirty="0" smtClean="0">
-                <a:solidFill>
-                  <a:schemeClr val="tx1">
-                    <a:lumMod val="65000"/>
-                    <a:lumOff val="35000"/>
-                  </a:schemeClr>
-                </a:solidFill>
-                <a:effectLst>
-                  <a:outerShdw blurRad="38100" dist="38100" dir="2700000" algn="tl">
-                    <a:srgbClr val="000000">
-                      <a:alpha val="43137"/>
-                    </a:srgbClr>
-                  </a:outerShdw>
-                </a:effectLst>
-                <a:latin typeface="Century Schoolbook (Заголовки)"/>
-              </a:rPr>
-              <a:t>Solução</a:t>
-            </a:r>
-            <a:endParaRPr lang="en-US" sz="3000" b="1" dirty="0">
-              <a:solidFill>
-                <a:schemeClr val="tx1">
-                  <a:lumMod val="65000"/>
-                  <a:lumOff val="35000"/>
-                </a:schemeClr>
-              </a:solidFill>
-              <a:effectLst>
-                <a:outerShdw blurRad="38100" dist="38100" dir="2700000" algn="tl">
-                  <a:srgbClr val="000000">
-                    <a:alpha val="43137"/>
-                  </a:srgbClr>
-                </a:outerShdw>
-              </a:effectLst>
-              <a:latin typeface="Century Schoolbook (Заголовки)"/>
-            </a:endParaRPr>
-          </a:p>
-        </p:txBody>
-      </p:sp>
       <p:pic>
         <p:nvPicPr>
-          <p:cNvPr id="2051" name="Picture 3"/>
+          <p:cNvPr id="5" name="Picture 2"/>
           <p:cNvPicPr>
             <a:picLocks noChangeAspect="1" noChangeArrowheads="1"/>
           </p:cNvPicPr>
@@ -7627,8 +9855,8 @@
         </p:blipFill>
         <p:spPr bwMode="auto">
           <a:xfrm>
-            <a:off x="472835" y="2780928"/>
-            <a:ext cx="8029575" cy="3776139"/>
+            <a:off x="1115616" y="1252762"/>
+            <a:ext cx="6768752" cy="5226343"/>
           </a:xfrm>
           <a:prstGeom prst="rect">
             <a:avLst/>
@@ -7660,105 +9888,107 @@
       </p:pic>
       <p:sp>
         <p:nvSpPr>
-          <p:cNvPr id="3" name="TextBox 2"/>
-          <p:cNvSpPr txBox="1"/>
+          <p:cNvPr id="7" name="Заголовок 1"/>
+          <p:cNvSpPr txBox="1">
+            <a:spLocks/>
+          </p:cNvSpPr>
           <p:nvPr/>
         </p:nvSpPr>
         <p:spPr>
           <a:xfrm>
-            <a:off x="611560" y="1340768"/>
-            <a:ext cx="7890851" cy="1877437"/>
+            <a:off x="818425" y="0"/>
+            <a:ext cx="7772400" cy="1470025"/>
           </a:xfrm>
           <a:prstGeom prst="rect">
             <a:avLst/>
           </a:prstGeom>
-          <a:noFill/>
         </p:spPr>
         <p:txBody>
-          <a:bodyPr wrap="square" rtlCol="0">
-            <a:spAutoFit/>
+          <a:bodyPr vert="horz" lIns="91440" tIns="45720" rIns="91440" bIns="45720" rtlCol="0" anchor="ctr">
+            <a:normAutofit/>
           </a:bodyPr>
-          <a:lstStyle/>
-          <a:p>
-            <a:pPr marL="342900" indent="-342900">
-              <a:buFont typeface="Wingdings" panose="05000000000000000000" pitchFamily="2" charset="2"/>
-              <a:buChar char="Ø"/>
-            </a:pPr>
-            <a:r>
-              <a:rPr lang="pt-PT" sz="2000" dirty="0" smtClean="0"/>
-              <a:t>Gestor de ambientes </a:t>
-            </a:r>
-            <a:r>
-              <a:rPr lang="pt-PT" sz="2000" dirty="0" smtClean="0"/>
-              <a:t>virtuais </a:t>
-            </a:r>
-            <a:r>
-              <a:rPr lang="pt-PT" sz="2000" dirty="0" smtClean="0"/>
-              <a:t>com  a base nos contentores Linux “</a:t>
-            </a:r>
-            <a:r>
-              <a:rPr lang="pt-PT" sz="2000" i="1" dirty="0" smtClean="0"/>
-              <a:t>LXC</a:t>
-            </a:r>
-            <a:r>
-              <a:rPr lang="pt-PT" sz="2000" dirty="0" smtClean="0"/>
-              <a:t>” </a:t>
-            </a:r>
-          </a:p>
-          <a:p>
-            <a:pPr marL="342900" indent="-342900">
-              <a:buFont typeface="Wingdings" panose="05000000000000000000" pitchFamily="2" charset="2"/>
-              <a:buChar char="Ø"/>
-            </a:pPr>
-            <a:r>
-              <a:rPr lang="pt-PT" sz="2000" dirty="0" smtClean="0"/>
-              <a:t>Plataforma Node.Js</a:t>
-            </a:r>
-          </a:p>
-          <a:p>
-            <a:pPr marL="342900" indent="-342900">
-              <a:buFont typeface="Wingdings" panose="05000000000000000000" pitchFamily="2" charset="2"/>
-              <a:buChar char="Ø"/>
-            </a:pPr>
-            <a:r>
-              <a:rPr lang="pt-PT" sz="2000" dirty="0" smtClean="0"/>
-              <a:t>Comunicação atravez de estruturas </a:t>
-            </a:r>
-            <a:r>
-              <a:rPr lang="pt-PT" sz="2000" i="1" dirty="0" smtClean="0"/>
-              <a:t>Redis</a:t>
-            </a:r>
-            <a:r>
-              <a:rPr lang="pt-PT" sz="2000" dirty="0" smtClean="0"/>
-              <a:t>.</a:t>
-            </a:r>
-          </a:p>
-          <a:p>
-            <a:pPr marL="342900" indent="-342900">
-              <a:buFont typeface="Wingdings" panose="05000000000000000000" pitchFamily="2" charset="2"/>
-              <a:buChar char="Ø"/>
-            </a:pPr>
-            <a:r>
-              <a:rPr lang="pt-PT" sz="2000" dirty="0" smtClean="0"/>
-              <a:t>Bases de dados relacionais</a:t>
-            </a:r>
-          </a:p>
-          <a:p>
-            <a:endParaRPr lang="pt-PT" dirty="0" smtClean="0"/>
-          </a:p>
-          <a:p>
-            <a:pPr marL="285750" indent="-285750">
-              <a:buFont typeface="Arial" panose="020B0604020202020204" pitchFamily="34" charset="0"/>
-              <a:buChar char="•"/>
-            </a:pPr>
-            <a:endParaRPr lang="en-US" dirty="0"/>
+          <a:lstStyle>
+            <a:lvl1pPr algn="ctr" defTabSz="914400" rtl="0" eaLnBrk="1" latinLnBrk="0" hangingPunct="1">
+              <a:spcBef>
+                <a:spcPct val="0"/>
+              </a:spcBef>
+              <a:buNone/>
+              <a:defRPr sz="4400" kern="1200">
+                <a:solidFill>
+                  <a:schemeClr val="tx1"/>
+                </a:solidFill>
+                <a:latin typeface="+mj-lt"/>
+                <a:ea typeface="+mj-ea"/>
+                <a:cs typeface="+mj-cs"/>
+              </a:defRPr>
+            </a:lvl1pPr>
+          </a:lstStyle>
+          <a:p>
+            <a:r>
+              <a:rPr lang="pt-PT" sz="3000" b="1" dirty="0" smtClean="0">
+                <a:solidFill>
+                  <a:schemeClr val="tx1">
+                    <a:lumMod val="65000"/>
+                    <a:lumOff val="35000"/>
+                  </a:schemeClr>
+                </a:solidFill>
+                <a:effectLst>
+                  <a:outerShdw blurRad="38100" dist="38100" dir="2700000" algn="tl">
+                    <a:srgbClr val="000000">
+                      <a:alpha val="43137"/>
+                    </a:srgbClr>
+                  </a:outerShdw>
+                </a:effectLst>
+                <a:latin typeface="Century Schoolbook (Заголовки)"/>
+              </a:rPr>
+              <a:t>Objetivo</a:t>
+            </a:r>
+            <a:br>
+              <a:rPr lang="pt-PT" sz="3000" b="1" dirty="0" smtClean="0">
+                <a:solidFill>
+                  <a:schemeClr val="tx1">
+                    <a:lumMod val="65000"/>
+                    <a:lumOff val="35000"/>
+                  </a:schemeClr>
+                </a:solidFill>
+                <a:effectLst>
+                  <a:outerShdw blurRad="38100" dist="38100" dir="2700000" algn="tl">
+                    <a:srgbClr val="000000">
+                      <a:alpha val="43137"/>
+                    </a:srgbClr>
+                  </a:outerShdw>
+                </a:effectLst>
+                <a:latin typeface="Century Schoolbook (Заголовки)"/>
+              </a:rPr>
+            </a:br>
+            <a:r>
+              <a:rPr lang="pt-PT" sz="2000" dirty="0" smtClean="0">
+                <a:solidFill>
+                  <a:schemeClr val="tx1">
+                    <a:lumMod val="65000"/>
+                    <a:lumOff val="35000"/>
+                  </a:schemeClr>
+                </a:solidFill>
+                <a:latin typeface="Century Schoolbook (Заголовки)"/>
+              </a:rPr>
+              <a:t>Conceptual</a:t>
+            </a:r>
+            <a:endParaRPr lang="en-US" sz="2000" dirty="0">
+              <a:solidFill>
+                <a:schemeClr val="tx1">
+                  <a:lumMod val="65000"/>
+                  <a:lumOff val="35000"/>
+                </a:schemeClr>
+              </a:solidFill>
+              <a:latin typeface="Century Schoolbook (Заголовки)"/>
+            </a:endParaRPr>
           </a:p>
         </p:txBody>
       </p:sp>
     </p:spTree>
     <p:extLst>
       <p:ext uri="{BB962C8B-B14F-4D97-AF65-F5344CB8AC3E}">
-        <p14:creationId xmlns:p14="http://schemas.microsoft.com/office/powerpoint/2010/main" val="3490374745"/>
+        <p14:creationId xmlns:p14="http://schemas.microsoft.com/office/powerpoint/2010/main" val="1613301420"/>
       </p:ext>
     </p:extLst>
   </p:cSld>
@@ -7804,8 +10034,8 @@
         </p:nvSpPr>
         <p:spPr>
           <a:xfrm>
-            <a:off x="755576" y="188641"/>
-            <a:ext cx="7772400" cy="1008111"/>
+            <a:off x="755576" y="188640"/>
+            <a:ext cx="7772400" cy="1470025"/>
           </a:xfrm>
         </p:spPr>
         <p:txBody>
@@ -7831,7 +10061,7 @@
                 </a:effectLst>
                 <a:latin typeface="Century Schoolbook (Заголовки)"/>
               </a:rPr>
-              <a:t>Arquitetura</a:t>
+              <a:t>Tecnologias</a:t>
             </a:r>
             <a:endParaRPr lang="en-US" sz="3000" b="1" dirty="0">
               <a:solidFill>
@@ -7852,60 +10082,6 @@
           </a:p>
         </p:txBody>
       </p:sp>
-      <p:pic>
-        <p:nvPicPr>
-          <p:cNvPr id="1026" name="Picture 2"/>
-          <p:cNvPicPr>
-            <a:picLocks noChangeAspect="1" noChangeArrowheads="1"/>
-          </p:cNvPicPr>
-          <p:nvPr/>
-        </p:nvPicPr>
-        <p:blipFill>
-          <a:blip r:embed="rId3">
-            <a:extLst>
-              <a:ext uri="{28A0092B-C50C-407E-A947-70E740481C1C}">
-                <a14:useLocalDpi xmlns:a14="http://schemas.microsoft.com/office/drawing/2010/main" val="0"/>
-              </a:ext>
-            </a:extLst>
-          </a:blip>
-          <a:srcRect/>
-          <a:stretch>
-            <a:fillRect/>
-          </a:stretch>
-        </p:blipFill>
-        <p:spPr bwMode="auto">
-          <a:xfrm>
-            <a:off x="1354756" y="2850094"/>
-            <a:ext cx="6496504" cy="3788991"/>
-          </a:xfrm>
-          <a:prstGeom prst="rect">
-            <a:avLst/>
-          </a:prstGeom>
-          <a:noFill/>
-          <a:ln>
-            <a:noFill/>
-          </a:ln>
-          <a:extLst>
-            <a:ext uri="{909E8E84-426E-40DD-AFC4-6F175D3DCCD1}">
-              <a14:hiddenFill xmlns:a14="http://schemas.microsoft.com/office/drawing/2010/main">
-                <a:solidFill>
-                  <a:schemeClr val="accent1"/>
-                </a:solidFill>
-              </a14:hiddenFill>
-            </a:ext>
-            <a:ext uri="{91240B29-F687-4F45-9708-019B960494DF}">
-              <a14:hiddenLine xmlns:a14="http://schemas.microsoft.com/office/drawing/2010/main" w="9525">
-                <a:solidFill>
-                  <a:schemeClr val="tx1"/>
-                </a:solidFill>
-                <a:miter lim="800000"/>
-                <a:headEnd/>
-                <a:tailEnd/>
-              </a14:hiddenLine>
-            </a:ext>
-          </a:extLst>
-        </p:spPr>
-      </p:pic>
       <p:sp>
         <p:nvSpPr>
           <p:cNvPr id="3" name="TextBox 2"/>
@@ -7914,8 +10090,8 @@
         </p:nvSpPr>
         <p:spPr>
           <a:xfrm>
-            <a:off x="588562" y="1268759"/>
-            <a:ext cx="8028892" cy="1200329"/>
+            <a:off x="611558" y="2276872"/>
+            <a:ext cx="7890851" cy="2800767"/>
           </a:xfrm>
           <a:prstGeom prst="rect">
             <a:avLst/>
@@ -7928,47 +10104,104 @@
           </a:bodyPr>
           <a:lstStyle/>
           <a:p>
+            <a:pPr marL="342900" indent="-342900">
+              <a:buFont typeface="Arial" panose="020B0604020202020204" pitchFamily="34" charset="0"/>
+              <a:buChar char="•"/>
+            </a:pPr>
+            <a:r>
+              <a:rPr lang="pt-PT" sz="2000" dirty="0" smtClean="0"/>
+              <a:t>Gestor de ambientes virtuais </a:t>
+            </a:r>
+            <a:r>
+              <a:rPr lang="pt-PT" sz="2000" dirty="0"/>
+              <a:t> </a:t>
+            </a:r>
+            <a:r>
+              <a:rPr lang="pt-PT" sz="2000" i="1" dirty="0" smtClean="0"/>
+              <a:t>Docker</a:t>
+            </a:r>
+            <a:endParaRPr lang="pt-PT" sz="2000" i="1" dirty="0" smtClean="0"/>
+          </a:p>
+          <a:p>
+            <a:pPr marL="342900" indent="-342900">
+              <a:buFont typeface="Arial" panose="020B0604020202020204" pitchFamily="34" charset="0"/>
+              <a:buChar char="•"/>
+            </a:pPr>
+            <a:endParaRPr lang="pt-PT" sz="2000" dirty="0"/>
+          </a:p>
+          <a:p>
+            <a:pPr marL="342900" indent="-342900">
+              <a:buFont typeface="Arial" panose="020B0604020202020204" pitchFamily="34" charset="0"/>
+              <a:buChar char="•"/>
+            </a:pPr>
+            <a:r>
+              <a:rPr lang="pt-PT" sz="2000" dirty="0" smtClean="0"/>
+              <a:t>Plataforma </a:t>
+            </a:r>
+            <a:r>
+              <a:rPr lang="pt-PT" sz="2000" i="1" dirty="0" smtClean="0"/>
+              <a:t>Node.Js</a:t>
+            </a:r>
+          </a:p>
+          <a:p>
+            <a:pPr marL="342900" indent="-342900">
+              <a:buFont typeface="Arial" panose="020B0604020202020204" pitchFamily="34" charset="0"/>
+              <a:buChar char="•"/>
+            </a:pPr>
+            <a:endParaRPr lang="pt-PT" sz="2000" dirty="0"/>
+          </a:p>
+          <a:p>
+            <a:pPr marL="342900" indent="-342900">
+              <a:buFont typeface="Arial" panose="020B0604020202020204" pitchFamily="34" charset="0"/>
+              <a:buChar char="•"/>
+            </a:pPr>
+            <a:r>
+              <a:rPr lang="pt-PT" sz="2000" dirty="0" smtClean="0"/>
+              <a:t>Comunicação atravez de estruturas </a:t>
+            </a:r>
+            <a:r>
+              <a:rPr lang="pt-PT" sz="2000" i="1" dirty="0" smtClean="0"/>
+              <a:t>Redis</a:t>
+            </a:r>
+            <a:endParaRPr lang="pt-PT" sz="2000" dirty="0" smtClean="0"/>
+          </a:p>
+          <a:p>
+            <a:pPr marL="342900" indent="-342900">
+              <a:buFont typeface="Arial" panose="020B0604020202020204" pitchFamily="34" charset="0"/>
+              <a:buChar char="•"/>
+            </a:pPr>
+            <a:endParaRPr lang="pt-PT" sz="2000" dirty="0"/>
+          </a:p>
+          <a:p>
+            <a:pPr marL="342900" indent="-342900">
+              <a:buFont typeface="Arial" panose="020B0604020202020204" pitchFamily="34" charset="0"/>
+              <a:buChar char="•"/>
+            </a:pPr>
+            <a:r>
+              <a:rPr lang="pt-PT" sz="2000" dirty="0" smtClean="0"/>
+              <a:t>Bases de dados relacionais </a:t>
+            </a:r>
+            <a:r>
+              <a:rPr lang="pt-PT" sz="2000" i="1" dirty="0" smtClean="0"/>
+              <a:t>MySql</a:t>
+            </a:r>
+          </a:p>
+          <a:p>
+            <a:endParaRPr lang="pt-PT" dirty="0" smtClean="0"/>
+          </a:p>
+          <a:p>
             <a:pPr marL="285750" indent="-285750">
-              <a:buFont typeface="Wingdings" panose="05000000000000000000" pitchFamily="2" charset="2"/>
-              <a:buChar char="Ø"/>
-            </a:pPr>
-            <a:r>
-              <a:rPr lang="pt-BR" sz="2400" dirty="0" smtClean="0"/>
-              <a:t>Unidades </a:t>
-            </a:r>
-            <a:r>
-              <a:rPr lang="pt-BR" sz="2400" dirty="0"/>
-              <a:t>de serviço auto-suficientes fracamente </a:t>
-            </a:r>
-            <a:r>
-              <a:rPr lang="pt-BR" sz="2400" dirty="0" smtClean="0"/>
-              <a:t>acopladas.</a:t>
-            </a:r>
-          </a:p>
-          <a:p>
-            <a:pPr marL="285750" indent="-285750">
-              <a:buFont typeface="Wingdings" panose="05000000000000000000" pitchFamily="2" charset="2"/>
-              <a:buChar char="Ø"/>
-            </a:pPr>
-            <a:endParaRPr lang="pt-BR" sz="2400" dirty="0" smtClean="0"/>
-          </a:p>
-          <a:p>
-            <a:pPr marL="285750" indent="-285750">
-              <a:buFont typeface="Wingdings" panose="05000000000000000000" pitchFamily="2" charset="2"/>
-              <a:buChar char="Ø"/>
-            </a:pPr>
-            <a:r>
-              <a:rPr lang="pt-BR" sz="2400" dirty="0" smtClean="0"/>
-              <a:t>Alta disponibilidade.</a:t>
-            </a:r>
-            <a:endParaRPr lang="en-US" sz="2400" dirty="0"/>
+              <a:buFont typeface="Arial" panose="020B0604020202020204" pitchFamily="34" charset="0"/>
+              <a:buChar char="•"/>
+            </a:pPr>
+            <a:endParaRPr lang="en-US" dirty="0"/>
           </a:p>
         </p:txBody>
       </p:sp>
     </p:spTree>
     <p:extLst>
       <p:ext uri="{BB962C8B-B14F-4D97-AF65-F5344CB8AC3E}">
-        <p14:creationId xmlns:p14="http://schemas.microsoft.com/office/powerpoint/2010/main" val="3430653683"/>
+        <p14:creationId xmlns:p14="http://schemas.microsoft.com/office/powerpoint/2010/main" val="3490374745"/>
       </p:ext>
     </p:extLst>
   </p:cSld>
@@ -8004,41 +10237,25 @@
       </p:grpSpPr>
       <p:sp>
         <p:nvSpPr>
-          <p:cNvPr id="7" name="Заголовок 1"/>
-          <p:cNvSpPr txBox="1">
-            <a:spLocks/>
-          </p:cNvSpPr>
-          <p:nvPr/>
+          <p:cNvPr id="2" name="Заголовок 1"/>
+          <p:cNvSpPr>
+            <a:spLocks noGrp="1"/>
+          </p:cNvSpPr>
+          <p:nvPr>
+            <p:ph type="ctrTitle"/>
+          </p:nvPr>
         </p:nvSpPr>
         <p:spPr>
           <a:xfrm>
-            <a:off x="755576" y="188640"/>
-            <a:ext cx="7772400" cy="1470025"/>
+            <a:off x="755576" y="188641"/>
+            <a:ext cx="7772400" cy="1008111"/>
           </a:xfrm>
-          <a:prstGeom prst="rect">
-            <a:avLst/>
-          </a:prstGeom>
         </p:spPr>
         <p:txBody>
-          <a:bodyPr vert="horz" lIns="91440" tIns="45720" rIns="91440" bIns="45720" rtlCol="0" anchor="ctr">
+          <a:bodyPr>
             <a:normAutofit/>
           </a:bodyPr>
-          <a:lstStyle>
-            <a:lvl1pPr algn="ctr" defTabSz="914400" rtl="0" eaLnBrk="1" latinLnBrk="0" hangingPunct="1">
-              <a:spcBef>
-                <a:spcPct val="0"/>
-              </a:spcBef>
-              <a:buNone/>
-              <a:defRPr sz="4400" kern="1200">
-                <a:solidFill>
-                  <a:schemeClr val="tx1"/>
-                </a:solidFill>
-                <a:latin typeface="+mj-lt"/>
-                <a:ea typeface="+mj-ea"/>
-                <a:cs typeface="+mj-cs"/>
-              </a:defRPr>
-            </a:lvl1pPr>
-          </a:lstStyle>
+          <a:lstStyle/>
           <a:p>
             <a:r>
               <a:rPr lang="pt-PT" sz="3000" b="1" dirty="0" smtClean="0">
@@ -8059,23 +10276,28 @@
               </a:rPr>
               <a:t>Arquitetura</a:t>
             </a:r>
-          </a:p>
-          <a:p>
-            <a:r>
-              <a:rPr lang="pt-PT" sz="3200" u="sng" dirty="0"/>
-              <a:t>Componente </a:t>
-            </a:r>
-            <a:r>
-              <a:rPr lang="pt-PT" sz="3200" u="sng" dirty="0" smtClean="0"/>
-              <a:t>Web Server</a:t>
-            </a:r>
-            <a:endParaRPr lang="pt-PT" sz="3200" u="sng" dirty="0"/>
+            <a:endParaRPr lang="en-US" sz="3000" b="1" dirty="0">
+              <a:solidFill>
+                <a:schemeClr val="tx1">
+                  <a:lumMod val="65000"/>
+                  <a:lumOff val="35000"/>
+                </a:schemeClr>
+              </a:solidFill>
+              <a:effectLst>
+                <a:outerShdw blurRad="38100" dist="38100" dir="2700000" algn="tl">
+                  <a:srgbClr val="000000">
+                    <a:alpha val="43137"/>
+                  </a:srgbClr>
+                </a:outerShdw>
+              </a:effectLst>
+              <a:latin typeface="Century Schoolbook (Заголовки)"/>
+            </a:endParaRPr>
           </a:p>
         </p:txBody>
       </p:sp>
       <p:pic>
         <p:nvPicPr>
-          <p:cNvPr id="2051" name="Picture 3"/>
+          <p:cNvPr id="6" name="Picture 2"/>
           <p:cNvPicPr>
             <a:picLocks noChangeAspect="1" noChangeArrowheads="1"/>
           </p:cNvPicPr>
@@ -8096,8 +10318,8 @@
         </p:blipFill>
         <p:spPr bwMode="auto">
           <a:xfrm>
-            <a:off x="3747127" y="3212976"/>
-            <a:ext cx="5424289" cy="3504305"/>
+            <a:off x="1704374" y="2780928"/>
+            <a:ext cx="6420076" cy="3744416"/>
           </a:xfrm>
           <a:prstGeom prst="rect">
             <a:avLst/>
@@ -8129,14 +10351,14 @@
       </p:pic>
       <p:sp>
         <p:nvSpPr>
-          <p:cNvPr id="8" name="TextBox 7"/>
+          <p:cNvPr id="7" name="TextBox 6"/>
           <p:cNvSpPr txBox="1"/>
           <p:nvPr/>
         </p:nvSpPr>
         <p:spPr>
           <a:xfrm>
-            <a:off x="899592" y="1772816"/>
-            <a:ext cx="7128792" cy="4062651"/>
+            <a:off x="580326" y="1244659"/>
+            <a:ext cx="8028892" cy="1200329"/>
           </a:xfrm>
           <a:prstGeom prst="rect">
             <a:avLst/>
@@ -8149,138 +10371,47 @@
           </a:bodyPr>
           <a:lstStyle/>
           <a:p>
+            <a:pPr marL="342900" indent="-342900">
+              <a:buFont typeface="Arial" panose="020B0604020202020204" pitchFamily="34" charset="0"/>
+              <a:buChar char="•"/>
+            </a:pPr>
+            <a:r>
+              <a:rPr lang="pt-BR" sz="2400" dirty="0" smtClean="0"/>
+              <a:t>Unidades </a:t>
+            </a:r>
+            <a:r>
+              <a:rPr lang="pt-BR" sz="2400" dirty="0"/>
+              <a:t>de serviço auto-suficientes fracamente </a:t>
+            </a:r>
+            <a:r>
+              <a:rPr lang="pt-BR" sz="2400" dirty="0" smtClean="0"/>
+              <a:t>acopladas.</a:t>
+            </a:r>
+          </a:p>
+          <a:p>
             <a:pPr marL="285750" indent="-285750">
               <a:buFont typeface="Wingdings" panose="05000000000000000000" pitchFamily="2" charset="2"/>
               <a:buChar char="Ø"/>
             </a:pPr>
-            <a:r>
-              <a:rPr lang="pt-BR" sz="2400" dirty="0"/>
-              <a:t>Interação </a:t>
-            </a:r>
+            <a:endParaRPr lang="pt-BR" sz="2400" dirty="0" smtClean="0"/>
+          </a:p>
+          <a:p>
+            <a:pPr marL="342900" indent="-342900">
+              <a:buFont typeface="Arial" panose="020B0604020202020204" pitchFamily="34" charset="0"/>
+              <a:buChar char="•"/>
+            </a:pPr>
             <a:r>
               <a:rPr lang="pt-BR" sz="2400" dirty="0" smtClean="0"/>
-              <a:t>com </a:t>
-            </a:r>
-            <a:r>
-              <a:rPr lang="pt-BR" sz="2400" dirty="0"/>
-              <a:t>aplicação </a:t>
-            </a:r>
-            <a:r>
-              <a:rPr lang="pt-BR" sz="2400" dirty="0" smtClean="0"/>
-              <a:t>cliente usando o paradigma pedido/resposta  via protocolo Http.</a:t>
-            </a:r>
-          </a:p>
-          <a:p>
-            <a:pPr marL="285750" indent="-285750">
-              <a:buFont typeface="Wingdings" panose="05000000000000000000" pitchFamily="2" charset="2"/>
-              <a:buChar char="Ø"/>
-            </a:pPr>
-            <a:r>
-              <a:rPr lang="pt-BR" sz="2400" dirty="0" smtClean="0"/>
-              <a:t>Comunicação com </a:t>
-            </a:r>
-            <a:r>
-              <a:rPr lang="pt-BR" sz="2400" dirty="0"/>
-              <a:t>aplicação cliente via </a:t>
-            </a:r>
-            <a:r>
-              <a:rPr lang="pt-BR" sz="2400" dirty="0" smtClean="0"/>
-              <a:t>WebSocket na obtenção do progresso em tempo real.</a:t>
-            </a:r>
-          </a:p>
-          <a:p>
-            <a:pPr marL="285750" indent="-285750">
-              <a:buFont typeface="Wingdings" panose="05000000000000000000" pitchFamily="2" charset="2"/>
-              <a:buChar char="Ø"/>
-            </a:pPr>
-            <a:r>
-              <a:rPr lang="pt-BR" sz="2400" dirty="0" smtClean="0"/>
-              <a:t>Submissão de </a:t>
-            </a:r>
-            <a:r>
-              <a:rPr lang="pt-BR" sz="2400" dirty="0"/>
-              <a:t>trabalho </a:t>
-            </a:r>
-            <a:r>
-              <a:rPr lang="pt-BR" sz="2400" dirty="0" smtClean="0"/>
-              <a:t>na</a:t>
-            </a:r>
-          </a:p>
-          <a:p>
-            <a:r>
-              <a:rPr lang="pt-BR" sz="2400" dirty="0" smtClean="0"/>
-              <a:t>    fila Redis</a:t>
-            </a:r>
-          </a:p>
-          <a:p>
-            <a:pPr marL="285750" indent="-285750">
-              <a:buFont typeface="Wingdings" panose="05000000000000000000" pitchFamily="2" charset="2"/>
-              <a:buChar char="Ø"/>
-            </a:pPr>
-            <a:r>
-              <a:rPr lang="pt-BR" sz="2400" dirty="0" smtClean="0"/>
-              <a:t>Comunicação com</a:t>
-            </a:r>
-          </a:p>
-          <a:p>
-            <a:r>
-              <a:rPr lang="pt-BR" sz="2400" dirty="0"/>
-              <a:t> </a:t>
-            </a:r>
-            <a:r>
-              <a:rPr lang="pt-BR" sz="2400" dirty="0" smtClean="0"/>
-              <a:t>   Redis </a:t>
-            </a:r>
-            <a:r>
-              <a:rPr lang="pt-BR" sz="2400" dirty="0"/>
-              <a:t>Stream </a:t>
-            </a:r>
-            <a:r>
-              <a:rPr lang="pt-BR" sz="2400" dirty="0" smtClean="0"/>
-              <a:t>Canal</a:t>
-            </a:r>
-          </a:p>
-          <a:p>
-            <a:pPr marL="285750" indent="-285750">
-              <a:buFont typeface="Wingdings" panose="05000000000000000000" pitchFamily="2" charset="2"/>
-              <a:buChar char="Ø"/>
-            </a:pPr>
-            <a:r>
-              <a:rPr lang="pt-BR" sz="2400" dirty="0" smtClean="0"/>
-              <a:t>Gestão </a:t>
-            </a:r>
-            <a:r>
-              <a:rPr lang="pt-BR" sz="2400" dirty="0"/>
-              <a:t>dos conteudos </a:t>
-            </a:r>
-            <a:r>
-              <a:rPr lang="pt-BR" sz="2400" dirty="0" smtClean="0"/>
-              <a:t>nas</a:t>
-            </a:r>
-          </a:p>
-          <a:p>
-            <a:r>
-              <a:rPr lang="pt-BR" sz="2400" dirty="0"/>
-              <a:t> </a:t>
-            </a:r>
-            <a:r>
-              <a:rPr lang="pt-BR" sz="2400" dirty="0" smtClean="0"/>
-              <a:t>   Bases </a:t>
-            </a:r>
-            <a:r>
-              <a:rPr lang="pt-BR" sz="2400" dirty="0"/>
-              <a:t>de Dados</a:t>
-            </a:r>
-          </a:p>
-          <a:p>
-            <a:endParaRPr lang="en-US" dirty="0"/>
+              <a:t>Alta disponibilidade.</a:t>
+            </a:r>
+            <a:endParaRPr lang="en-US" sz="2400" dirty="0"/>
           </a:p>
         </p:txBody>
       </p:sp>
     </p:spTree>
     <p:extLst>
       <p:ext uri="{BB962C8B-B14F-4D97-AF65-F5344CB8AC3E}">
-        <p14:creationId xmlns:p14="http://schemas.microsoft.com/office/powerpoint/2010/main" val="256318926"/>
+        <p14:creationId xmlns:p14="http://schemas.microsoft.com/office/powerpoint/2010/main" val="3430653683"/>
       </p:ext>
     </p:extLst>
   </p:cSld>
@@ -8316,184 +10447,25 @@
       </p:grpSpPr>
       <p:sp>
         <p:nvSpPr>
-          <p:cNvPr id="5" name="CaixaDeTexto 4"/>
-          <p:cNvSpPr txBox="1"/>
-          <p:nvPr/>
+          <p:cNvPr id="2" name="Заголовок 1"/>
+          <p:cNvSpPr>
+            <a:spLocks noGrp="1"/>
+          </p:cNvSpPr>
+          <p:nvPr>
+            <p:ph type="ctrTitle"/>
+          </p:nvPr>
         </p:nvSpPr>
         <p:spPr>
           <a:xfrm>
-            <a:off x="1178317" y="1658665"/>
-            <a:ext cx="6912767" cy="4708981"/>
+            <a:off x="755576" y="188641"/>
+            <a:ext cx="7772400" cy="1008111"/>
           </a:xfrm>
-          <a:prstGeom prst="rect">
-            <a:avLst/>
-          </a:prstGeom>
-          <a:noFill/>
         </p:spPr>
         <p:txBody>
-          <a:bodyPr wrap="square" rtlCol="0">
-            <a:spAutoFit/>
-          </a:bodyPr>
-          <a:lstStyle/>
-          <a:p>
-            <a:endParaRPr lang="pt-PT" sz="2000" dirty="0"/>
-          </a:p>
-          <a:p>
-            <a:pPr marL="342900" indent="-342900">
-              <a:buFont typeface="Wingdings" panose="05000000000000000000" pitchFamily="2" charset="2"/>
-              <a:buChar char="Ø"/>
-            </a:pPr>
-            <a:r>
-              <a:rPr lang="pt-PT" sz="3200" dirty="0" smtClean="0"/>
-              <a:t>Plataforma do utilizador</a:t>
-            </a:r>
-          </a:p>
-          <a:p>
-            <a:pPr marL="914400" lvl="1" indent="-457200">
-              <a:buFont typeface="Wingdings" panose="05000000000000000000" pitchFamily="2" charset="2"/>
-              <a:buChar char="q"/>
-            </a:pPr>
-            <a:r>
-              <a:rPr lang="pt-PT" sz="2400" dirty="0"/>
-              <a:t>Escolher um ambiente a medida</a:t>
-            </a:r>
-          </a:p>
-          <a:p>
-            <a:pPr marL="914400" lvl="1" indent="-457200">
-              <a:buFont typeface="Wingdings" panose="05000000000000000000" pitchFamily="2" charset="2"/>
-              <a:buChar char="q"/>
-            </a:pPr>
-            <a:r>
-              <a:rPr lang="pt-PT" sz="2400" dirty="0"/>
-              <a:t>Associar o repositorio </a:t>
-            </a:r>
-            <a:r>
-              <a:rPr lang="pt-PT" sz="2400" dirty="0" smtClean="0"/>
-              <a:t>de </a:t>
-            </a:r>
-            <a:r>
-              <a:rPr lang="pt-PT" sz="2400" dirty="0"/>
-              <a:t>código</a:t>
-            </a:r>
-          </a:p>
-          <a:p>
-            <a:pPr marL="914400" lvl="1" indent="-457200">
-              <a:buFont typeface="Wingdings" panose="05000000000000000000" pitchFamily="2" charset="2"/>
-              <a:buChar char="q"/>
-            </a:pPr>
-            <a:r>
-              <a:rPr lang="pt-PT" sz="2400" dirty="0"/>
-              <a:t>Defenir comandos para execução</a:t>
-            </a:r>
-          </a:p>
-          <a:p>
-            <a:pPr marL="914400" lvl="1" indent="-457200">
-              <a:buFont typeface="Wingdings" panose="05000000000000000000" pitchFamily="2" charset="2"/>
-              <a:buChar char="q"/>
-            </a:pPr>
-            <a:r>
-              <a:rPr lang="pt-PT" sz="2400" dirty="0"/>
-              <a:t>Executar e recolher </a:t>
-            </a:r>
-            <a:r>
-              <a:rPr lang="pt-PT" sz="2400" dirty="0" smtClean="0"/>
-              <a:t>resultados</a:t>
-            </a:r>
-          </a:p>
-          <a:p>
-            <a:pPr marL="914400" lvl="1" indent="-457200">
-              <a:buFont typeface="Wingdings" panose="05000000000000000000" pitchFamily="2" charset="2"/>
-              <a:buChar char="q"/>
-            </a:pPr>
-            <a:r>
-              <a:rPr lang="pt-PT" sz="2400" dirty="0" smtClean="0"/>
-              <a:t>Descarregar o artifato (se existir)</a:t>
-            </a:r>
-            <a:endParaRPr lang="pt-PT" sz="2400" dirty="0"/>
-          </a:p>
-          <a:p>
-            <a:pPr marL="342900" indent="-342900">
-              <a:buFont typeface="Wingdings" panose="05000000000000000000" pitchFamily="2" charset="2"/>
-              <a:buChar char="Ø"/>
-            </a:pPr>
-            <a:endParaRPr lang="pt-PT" sz="2400" dirty="0" smtClean="0"/>
-          </a:p>
-          <a:p>
-            <a:pPr marL="342900" indent="-342900">
-              <a:buFont typeface="Wingdings" panose="05000000000000000000" pitchFamily="2" charset="2"/>
-              <a:buChar char="Ø"/>
-            </a:pPr>
-            <a:r>
-              <a:rPr lang="pt-PT" sz="3200" dirty="0" smtClean="0"/>
-              <a:t>Plataforma do administrador</a:t>
-            </a:r>
-          </a:p>
-          <a:p>
-            <a:pPr marL="914400" lvl="1" indent="-457200">
-              <a:buFont typeface="Wingdings" panose="05000000000000000000" pitchFamily="2" charset="2"/>
-              <a:buChar char="q"/>
-            </a:pPr>
-            <a:r>
-              <a:rPr lang="pt-PT" sz="2400" dirty="0"/>
-              <a:t>Gestão de utilizadores</a:t>
-            </a:r>
-          </a:p>
-          <a:p>
-            <a:pPr marL="914400" lvl="1" indent="-457200">
-              <a:buFont typeface="Wingdings" panose="05000000000000000000" pitchFamily="2" charset="2"/>
-              <a:buChar char="q"/>
-            </a:pPr>
-            <a:r>
-              <a:rPr lang="pt-PT" sz="2400" dirty="0"/>
-              <a:t>Gestão de contentores</a:t>
-            </a:r>
-          </a:p>
-          <a:p>
-            <a:pPr marL="342900" indent="-342900">
-              <a:buFont typeface="Wingdings" panose="05000000000000000000" pitchFamily="2" charset="2"/>
-              <a:buChar char="Ø"/>
-            </a:pPr>
-            <a:endParaRPr lang="pt-PT" sz="2400" dirty="0" smtClean="0"/>
-          </a:p>
-        </p:txBody>
-      </p:sp>
-      <p:sp>
-        <p:nvSpPr>
-          <p:cNvPr id="7" name="Заголовок 1"/>
-          <p:cNvSpPr txBox="1">
-            <a:spLocks/>
-          </p:cNvSpPr>
-          <p:nvPr/>
-        </p:nvSpPr>
-        <p:spPr>
-          <a:xfrm>
-            <a:off x="755576" y="188640"/>
-            <a:ext cx="7772400" cy="1470025"/>
-          </a:xfrm>
-          <a:prstGeom prst="rect">
-            <a:avLst/>
-          </a:prstGeom>
-        </p:spPr>
-        <p:txBody>
-          <a:bodyPr vert="horz" lIns="91440" tIns="45720" rIns="91440" bIns="45720" rtlCol="0" anchor="ctr">
+          <a:bodyPr>
             <a:normAutofit/>
           </a:bodyPr>
-          <a:lstStyle>
-            <a:lvl1pPr algn="ctr" defTabSz="914400" rtl="0" eaLnBrk="1" latinLnBrk="0" hangingPunct="1">
-              <a:spcBef>
-                <a:spcPct val="0"/>
-              </a:spcBef>
-              <a:buNone/>
-              <a:defRPr sz="4400" kern="1200">
-                <a:solidFill>
-                  <a:schemeClr val="tx1"/>
-                </a:solidFill>
-                <a:latin typeface="+mj-lt"/>
-                <a:ea typeface="+mj-ea"/>
-                <a:cs typeface="+mj-cs"/>
-              </a:defRPr>
-            </a:lvl1pPr>
-          </a:lstStyle>
+          <a:lstStyle/>
           <a:p>
             <a:r>
               <a:rPr lang="pt-PT" sz="3000" b="1" dirty="0" smtClean="0">
@@ -8514,24 +10486,91 @@
               </a:rPr>
               <a:t>Arquitetura</a:t>
             </a:r>
-          </a:p>
-          <a:p>
-            <a:r>
-              <a:rPr lang="pt-PT" sz="3200" u="sng" dirty="0"/>
-              <a:t>Componente </a:t>
-            </a:r>
-            <a:r>
-              <a:rPr lang="pt-PT" sz="3200" u="sng" dirty="0" smtClean="0"/>
-              <a:t>Web Server</a:t>
-            </a:r>
-            <a:endParaRPr lang="pt-PT" sz="3200" u="sng" dirty="0"/>
-          </a:p>
-        </p:txBody>
-      </p:sp>
+            <a:br>
+              <a:rPr lang="pt-PT" sz="3000" b="1" dirty="0" smtClean="0">
+                <a:solidFill>
+                  <a:schemeClr val="tx1">
+                    <a:lumMod val="65000"/>
+                    <a:lumOff val="35000"/>
+                  </a:schemeClr>
+                </a:solidFill>
+                <a:effectLst>
+                  <a:outerShdw blurRad="38100" dist="38100" dir="2700000" algn="tl">
+                    <a:srgbClr val="000000">
+                      <a:alpha val="43137"/>
+                    </a:srgbClr>
+                  </a:outerShdw>
+                </a:effectLst>
+                <a:latin typeface="Century Schoolbook (Заголовки)"/>
+              </a:rPr>
+            </a:br>
+            <a:r>
+              <a:rPr lang="pt-PT" sz="2800" dirty="0" smtClean="0">
+                <a:solidFill>
+                  <a:schemeClr val="tx1">
+                    <a:lumMod val="65000"/>
+                    <a:lumOff val="35000"/>
+                  </a:schemeClr>
+                </a:solidFill>
+                <a:latin typeface="Century Schoolbook (Заголовки)"/>
+              </a:rPr>
+              <a:t>ERD</a:t>
+            </a:r>
+            <a:endParaRPr lang="en-US" sz="2800" dirty="0">
+              <a:solidFill>
+                <a:schemeClr val="tx1">
+                  <a:lumMod val="65000"/>
+                  <a:lumOff val="35000"/>
+                </a:schemeClr>
+              </a:solidFill>
+              <a:latin typeface="Century Schoolbook (Заголовки)"/>
+            </a:endParaRPr>
+          </a:p>
+        </p:txBody>
+      </p:sp>
+      <p:pic>
+        <p:nvPicPr>
+          <p:cNvPr id="1026" name="Picture 2" descr="C:\Users\Iurie\Desktop\ISEL_PROJ\Drow\ERD.png"/>
+          <p:cNvPicPr>
+            <a:picLocks noChangeAspect="1" noChangeArrowheads="1"/>
+          </p:cNvPicPr>
+          <p:nvPr/>
+        </p:nvPicPr>
+        <p:blipFill rotWithShape="1">
+          <a:blip r:embed="rId3">
+            <a:extLst>
+              <a:ext uri="{28A0092B-C50C-407E-A947-70E740481C1C}">
+                <a14:useLocalDpi xmlns:a14="http://schemas.microsoft.com/office/drawing/2010/main" val="0"/>
+              </a:ext>
+            </a:extLst>
+          </a:blip>
+          <a:srcRect l="7424" t="6223" r="9076" b="46888"/>
+          <a:stretch/>
+        </p:blipFill>
+        <p:spPr bwMode="auto">
+          <a:xfrm>
+            <a:off x="395536" y="1700808"/>
+            <a:ext cx="8412300" cy="4464496"/>
+          </a:xfrm>
+          <a:prstGeom prst="rect">
+            <a:avLst/>
+          </a:prstGeom>
+          <a:noFill/>
+          <a:extLst>
+            <a:ext uri="{909E8E84-426E-40DD-AFC4-6F175D3DCCD1}">
+              <a14:hiddenFill xmlns:a14="http://schemas.microsoft.com/office/drawing/2010/main">
+                <a:solidFill>
+                  <a:srgbClr val="FFFFFF"/>
+                </a:solidFill>
+              </a14:hiddenFill>
+            </a:ext>
+          </a:extLst>
+        </p:spPr>
+      </p:pic>
     </p:spTree>
     <p:extLst>
       <p:ext uri="{BB962C8B-B14F-4D97-AF65-F5344CB8AC3E}">
-        <p14:creationId xmlns:p14="http://schemas.microsoft.com/office/powerpoint/2010/main" val="3873257712"/>
+        <p14:creationId xmlns:p14="http://schemas.microsoft.com/office/powerpoint/2010/main" val="1201852818"/>
       </p:ext>
     </p:extLst>
   </p:cSld>
